--- a/scripts/Drone_Cam_Proj.pptx
+++ b/scripts/Drone_Cam_Proj.pptx
@@ -272,7 +272,7 @@
           <a:p>
             <a:fld id="{9AE3A2BE-59ED-49A3-AA69-60BB8DC8DF8C}" type="datetimeFigureOut">
               <a:rPr lang="he-IL" smtClean="0"/>
-              <a:t>ט"ו/תשרי/תשפ"ב</a:t>
+              <a:t>י"ז/תשרי/תשפ"ב</a:t>
             </a:fld>
             <a:endParaRPr lang="he-IL"/>
           </a:p>
@@ -470,7 +470,7 @@
           <a:p>
             <a:fld id="{9AE3A2BE-59ED-49A3-AA69-60BB8DC8DF8C}" type="datetimeFigureOut">
               <a:rPr lang="he-IL" smtClean="0"/>
-              <a:t>ט"ו/תשרי/תשפ"ב</a:t>
+              <a:t>י"ז/תשרי/תשפ"ב</a:t>
             </a:fld>
             <a:endParaRPr lang="he-IL"/>
           </a:p>
@@ -678,7 +678,7 @@
           <a:p>
             <a:fld id="{9AE3A2BE-59ED-49A3-AA69-60BB8DC8DF8C}" type="datetimeFigureOut">
               <a:rPr lang="he-IL" smtClean="0"/>
-              <a:t>ט"ו/תשרי/תשפ"ב</a:t>
+              <a:t>י"ז/תשרי/תשפ"ב</a:t>
             </a:fld>
             <a:endParaRPr lang="he-IL"/>
           </a:p>
@@ -876,7 +876,7 @@
           <a:p>
             <a:fld id="{9AE3A2BE-59ED-49A3-AA69-60BB8DC8DF8C}" type="datetimeFigureOut">
               <a:rPr lang="he-IL" smtClean="0"/>
-              <a:t>ט"ו/תשרי/תשפ"ב</a:t>
+              <a:t>י"ז/תשרי/תשפ"ב</a:t>
             </a:fld>
             <a:endParaRPr lang="he-IL"/>
           </a:p>
@@ -1151,7 +1151,7 @@
           <a:p>
             <a:fld id="{9AE3A2BE-59ED-49A3-AA69-60BB8DC8DF8C}" type="datetimeFigureOut">
               <a:rPr lang="he-IL" smtClean="0"/>
-              <a:t>ט"ו/תשרי/תשפ"ב</a:t>
+              <a:t>י"ז/תשרי/תשפ"ב</a:t>
             </a:fld>
             <a:endParaRPr lang="he-IL"/>
           </a:p>
@@ -1416,7 +1416,7 @@
           <a:p>
             <a:fld id="{9AE3A2BE-59ED-49A3-AA69-60BB8DC8DF8C}" type="datetimeFigureOut">
               <a:rPr lang="he-IL" smtClean="0"/>
-              <a:t>ט"ו/תשרי/תשפ"ב</a:t>
+              <a:t>י"ז/תשרי/תשפ"ב</a:t>
             </a:fld>
             <a:endParaRPr lang="he-IL"/>
           </a:p>
@@ -1828,7 +1828,7 @@
           <a:p>
             <a:fld id="{9AE3A2BE-59ED-49A3-AA69-60BB8DC8DF8C}" type="datetimeFigureOut">
               <a:rPr lang="he-IL" smtClean="0"/>
-              <a:t>ט"ו/תשרי/תשפ"ב</a:t>
+              <a:t>י"ז/תשרי/תשפ"ב</a:t>
             </a:fld>
             <a:endParaRPr lang="he-IL"/>
           </a:p>
@@ -1969,7 +1969,7 @@
           <a:p>
             <a:fld id="{9AE3A2BE-59ED-49A3-AA69-60BB8DC8DF8C}" type="datetimeFigureOut">
               <a:rPr lang="he-IL" smtClean="0"/>
-              <a:t>ט"ו/תשרי/תשפ"ב</a:t>
+              <a:t>י"ז/תשרי/תשפ"ב</a:t>
             </a:fld>
             <a:endParaRPr lang="he-IL"/>
           </a:p>
@@ -2082,7 +2082,7 @@
           <a:p>
             <a:fld id="{9AE3A2BE-59ED-49A3-AA69-60BB8DC8DF8C}" type="datetimeFigureOut">
               <a:rPr lang="he-IL" smtClean="0"/>
-              <a:t>ט"ו/תשרי/תשפ"ב</a:t>
+              <a:t>י"ז/תשרי/תשפ"ב</a:t>
             </a:fld>
             <a:endParaRPr lang="he-IL"/>
           </a:p>
@@ -2393,7 +2393,7 @@
           <a:p>
             <a:fld id="{9AE3A2BE-59ED-49A3-AA69-60BB8DC8DF8C}" type="datetimeFigureOut">
               <a:rPr lang="he-IL" smtClean="0"/>
-              <a:t>ט"ו/תשרי/תשפ"ב</a:t>
+              <a:t>י"ז/תשרי/תשפ"ב</a:t>
             </a:fld>
             <a:endParaRPr lang="he-IL"/>
           </a:p>
@@ -2681,7 +2681,7 @@
           <a:p>
             <a:fld id="{9AE3A2BE-59ED-49A3-AA69-60BB8DC8DF8C}" type="datetimeFigureOut">
               <a:rPr lang="he-IL" smtClean="0"/>
-              <a:t>ט"ו/תשרי/תשפ"ב</a:t>
+              <a:t>י"ז/תשרי/תשפ"ב</a:t>
             </a:fld>
             <a:endParaRPr lang="he-IL"/>
           </a:p>
@@ -2922,7 +2922,7 @@
           <a:p>
             <a:fld id="{9AE3A2BE-59ED-49A3-AA69-60BB8DC8DF8C}" type="datetimeFigureOut">
               <a:rPr lang="he-IL" smtClean="0"/>
-              <a:t>ט"ו/תשרי/תשפ"ב</a:t>
+              <a:t>י"ז/תשרי/תשפ"ב</a:t>
             </a:fld>
             <a:endParaRPr lang="he-IL"/>
           </a:p>
@@ -19411,6 +19411,1546 @@
           </a:p>
         </p:txBody>
       </p:sp>
+      <p:sp>
+        <p:nvSpPr>
+          <p:cNvPr id="268" name="תיבת טקסט 196">
+            <a:extLst>
+              <a:ext uri="{FF2B5EF4-FFF2-40B4-BE49-F238E27FC236}">
+                <a16:creationId xmlns:a16="http://schemas.microsoft.com/office/drawing/2014/main" id="{235F0D8F-C289-4917-911A-5E6DDCA912FE}"/>
+              </a:ext>
+            </a:extLst>
+          </p:cNvPr>
+          <p:cNvSpPr txBox="1"/>
+          <p:nvPr/>
+        </p:nvSpPr>
+        <p:spPr>
+          <a:xfrm>
+            <a:off x="300630" y="2612231"/>
+            <a:ext cx="708848" cy="338554"/>
+          </a:xfrm>
+          <a:prstGeom prst="rect">
+            <a:avLst/>
+          </a:prstGeom>
+          <a:noFill/>
+        </p:spPr>
+        <p:txBody>
+          <a:bodyPr wrap="none" rtlCol="1">
+            <a:spAutoFit/>
+          </a:bodyPr>
+          <a:lstStyle/>
+          <a:p>
+            <a:r>
+              <a:rPr lang="en-US" sz="800" dirty="0" err="1"/>
+              <a:t>FraimSync</a:t>
+            </a:r>
+            <a:r>
+              <a:rPr lang="en-US" sz="800" dirty="0"/>
+              <a:t> 1</a:t>
+            </a:r>
+          </a:p>
+          <a:p>
+            <a:pPr algn="l" rtl="0"/>
+            <a:r>
+              <a:rPr lang="en-US" sz="800" dirty="0"/>
+              <a:t>Save Data 1</a:t>
+            </a:r>
+            <a:endParaRPr lang="he-IL" sz="800" dirty="0"/>
+          </a:p>
+        </p:txBody>
+      </p:sp>
+      <p:grpSp>
+        <p:nvGrpSpPr>
+          <p:cNvPr id="271" name="קבוצה 264">
+            <a:extLst>
+              <a:ext uri="{FF2B5EF4-FFF2-40B4-BE49-F238E27FC236}">
+                <a16:creationId xmlns:a16="http://schemas.microsoft.com/office/drawing/2014/main" id="{DFE73639-09A8-46EF-96BA-BE63BF87DFAD}"/>
+              </a:ext>
+            </a:extLst>
+          </p:cNvPr>
+          <p:cNvGrpSpPr/>
+          <p:nvPr/>
+        </p:nvGrpSpPr>
+        <p:grpSpPr>
+          <a:xfrm>
+            <a:off x="1094253" y="2827675"/>
+            <a:ext cx="1078706" cy="509584"/>
+            <a:chOff x="1031144" y="559589"/>
+            <a:chExt cx="1078706" cy="509584"/>
+          </a:xfrm>
+        </p:grpSpPr>
+        <p:sp>
+          <p:nvSpPr>
+            <p:cNvPr id="272" name="כוכב: 4 פינות 199">
+              <a:extLst>
+                <a:ext uri="{FF2B5EF4-FFF2-40B4-BE49-F238E27FC236}">
+                  <a16:creationId xmlns:a16="http://schemas.microsoft.com/office/drawing/2014/main" id="{917F7947-4A62-4B9B-AAF7-8553A7E3DD98}"/>
+                </a:ext>
+              </a:extLst>
+            </p:cNvPr>
+            <p:cNvSpPr/>
+            <p:nvPr/>
+          </p:nvSpPr>
+          <p:spPr>
+            <a:xfrm>
+              <a:off x="1031144" y="559590"/>
+              <a:ext cx="69056" cy="73819"/>
+            </a:xfrm>
+            <a:prstGeom prst="star4">
+              <a:avLst/>
+            </a:prstGeom>
+          </p:spPr>
+          <p:style>
+            <a:lnRef idx="2">
+              <a:schemeClr val="accent1">
+                <a:shade val="50000"/>
+              </a:schemeClr>
+            </a:lnRef>
+            <a:fillRef idx="1">
+              <a:schemeClr val="accent1"/>
+            </a:fillRef>
+            <a:effectRef idx="0">
+              <a:schemeClr val="accent1"/>
+            </a:effectRef>
+            <a:fontRef idx="minor">
+              <a:schemeClr val="lt1"/>
+            </a:fontRef>
+          </p:style>
+          <p:txBody>
+            <a:bodyPr rtlCol="1" anchor="ctr"/>
+            <a:lstStyle/>
+            <a:p>
+              <a:pPr algn="ctr"/>
+              <a:endParaRPr lang="he-IL"/>
+            </a:p>
+          </p:txBody>
+        </p:sp>
+        <p:sp>
+          <p:nvSpPr>
+            <p:cNvPr id="273" name="כוכב: 7 פינות 200">
+              <a:extLst>
+                <a:ext uri="{FF2B5EF4-FFF2-40B4-BE49-F238E27FC236}">
+                  <a16:creationId xmlns:a16="http://schemas.microsoft.com/office/drawing/2014/main" id="{AF057129-88F7-4DA5-8C62-2F797E55ADEB}"/>
+                </a:ext>
+              </a:extLst>
+            </p:cNvPr>
+            <p:cNvSpPr/>
+            <p:nvPr/>
+          </p:nvSpPr>
+          <p:spPr>
+            <a:xfrm>
+              <a:off x="1176401" y="559589"/>
+              <a:ext cx="69056" cy="73819"/>
+            </a:xfrm>
+            <a:prstGeom prst="star7">
+              <a:avLst/>
+            </a:prstGeom>
+          </p:spPr>
+          <p:style>
+            <a:lnRef idx="2">
+              <a:schemeClr val="accent1">
+                <a:shade val="50000"/>
+              </a:schemeClr>
+            </a:lnRef>
+            <a:fillRef idx="1">
+              <a:schemeClr val="accent1"/>
+            </a:fillRef>
+            <a:effectRef idx="0">
+              <a:schemeClr val="accent1"/>
+            </a:effectRef>
+            <a:fontRef idx="minor">
+              <a:schemeClr val="lt1"/>
+            </a:fontRef>
+          </p:style>
+          <p:txBody>
+            <a:bodyPr rtlCol="1" anchor="ctr"/>
+            <a:lstStyle/>
+            <a:p>
+              <a:pPr algn="ctr"/>
+              <a:endParaRPr lang="he-IL"/>
+            </a:p>
+          </p:txBody>
+        </p:sp>
+        <p:sp>
+          <p:nvSpPr>
+            <p:cNvPr id="275" name="כוכב: 4 פינות 201">
+              <a:extLst>
+                <a:ext uri="{FF2B5EF4-FFF2-40B4-BE49-F238E27FC236}">
+                  <a16:creationId xmlns:a16="http://schemas.microsoft.com/office/drawing/2014/main" id="{65C5A19E-9FEE-4177-9199-9F03EB76BB12}"/>
+                </a:ext>
+              </a:extLst>
+            </p:cNvPr>
+            <p:cNvSpPr/>
+            <p:nvPr/>
+          </p:nvSpPr>
+          <p:spPr>
+            <a:xfrm>
+              <a:off x="1319275" y="559590"/>
+              <a:ext cx="69056" cy="73819"/>
+            </a:xfrm>
+            <a:prstGeom prst="star4">
+              <a:avLst/>
+            </a:prstGeom>
+          </p:spPr>
+          <p:style>
+            <a:lnRef idx="2">
+              <a:schemeClr val="accent1">
+                <a:shade val="50000"/>
+              </a:schemeClr>
+            </a:lnRef>
+            <a:fillRef idx="1">
+              <a:schemeClr val="accent1"/>
+            </a:fillRef>
+            <a:effectRef idx="0">
+              <a:schemeClr val="accent1"/>
+            </a:effectRef>
+            <a:fontRef idx="minor">
+              <a:schemeClr val="lt1"/>
+            </a:fontRef>
+          </p:style>
+          <p:txBody>
+            <a:bodyPr rtlCol="1" anchor="ctr"/>
+            <a:lstStyle/>
+            <a:p>
+              <a:pPr algn="ctr"/>
+              <a:endParaRPr lang="he-IL"/>
+            </a:p>
+          </p:txBody>
+        </p:sp>
+        <p:sp>
+          <p:nvSpPr>
+            <p:cNvPr id="276" name="כוכב: 7 פינות 202">
+              <a:extLst>
+                <a:ext uri="{FF2B5EF4-FFF2-40B4-BE49-F238E27FC236}">
+                  <a16:creationId xmlns:a16="http://schemas.microsoft.com/office/drawing/2014/main" id="{01A9A3B7-7724-400E-A0AD-06CDF43A78FF}"/>
+                </a:ext>
+              </a:extLst>
+            </p:cNvPr>
+            <p:cNvSpPr/>
+            <p:nvPr/>
+          </p:nvSpPr>
+          <p:spPr>
+            <a:xfrm>
+              <a:off x="1464532" y="559589"/>
+              <a:ext cx="69056" cy="73819"/>
+            </a:xfrm>
+            <a:prstGeom prst="star7">
+              <a:avLst/>
+            </a:prstGeom>
+          </p:spPr>
+          <p:style>
+            <a:lnRef idx="2">
+              <a:schemeClr val="accent1">
+                <a:shade val="50000"/>
+              </a:schemeClr>
+            </a:lnRef>
+            <a:fillRef idx="1">
+              <a:schemeClr val="accent1"/>
+            </a:fillRef>
+            <a:effectRef idx="0">
+              <a:schemeClr val="accent1"/>
+            </a:effectRef>
+            <a:fontRef idx="minor">
+              <a:schemeClr val="lt1"/>
+            </a:fontRef>
+          </p:style>
+          <p:txBody>
+            <a:bodyPr rtlCol="1" anchor="ctr"/>
+            <a:lstStyle/>
+            <a:p>
+              <a:pPr algn="ctr"/>
+              <a:endParaRPr lang="he-IL"/>
+            </a:p>
+          </p:txBody>
+        </p:sp>
+        <p:sp>
+          <p:nvSpPr>
+            <p:cNvPr id="277" name="כוכב: 4 פינות 203">
+              <a:extLst>
+                <a:ext uri="{FF2B5EF4-FFF2-40B4-BE49-F238E27FC236}">
+                  <a16:creationId xmlns:a16="http://schemas.microsoft.com/office/drawing/2014/main" id="{2DA6A04F-C825-463A-886E-085E3775BDA7}"/>
+                </a:ext>
+              </a:extLst>
+            </p:cNvPr>
+            <p:cNvSpPr/>
+            <p:nvPr/>
+          </p:nvSpPr>
+          <p:spPr>
+            <a:xfrm>
+              <a:off x="1607406" y="559590"/>
+              <a:ext cx="69056" cy="73819"/>
+            </a:xfrm>
+            <a:prstGeom prst="star4">
+              <a:avLst/>
+            </a:prstGeom>
+          </p:spPr>
+          <p:style>
+            <a:lnRef idx="2">
+              <a:schemeClr val="accent1">
+                <a:shade val="50000"/>
+              </a:schemeClr>
+            </a:lnRef>
+            <a:fillRef idx="1">
+              <a:schemeClr val="accent1"/>
+            </a:fillRef>
+            <a:effectRef idx="0">
+              <a:schemeClr val="accent1"/>
+            </a:effectRef>
+            <a:fontRef idx="minor">
+              <a:schemeClr val="lt1"/>
+            </a:fontRef>
+          </p:style>
+          <p:txBody>
+            <a:bodyPr rtlCol="1" anchor="ctr"/>
+            <a:lstStyle/>
+            <a:p>
+              <a:pPr algn="ctr"/>
+              <a:endParaRPr lang="he-IL"/>
+            </a:p>
+          </p:txBody>
+        </p:sp>
+        <p:sp>
+          <p:nvSpPr>
+            <p:cNvPr id="278" name="כוכב: 7 פינות 204">
+              <a:extLst>
+                <a:ext uri="{FF2B5EF4-FFF2-40B4-BE49-F238E27FC236}">
+                  <a16:creationId xmlns:a16="http://schemas.microsoft.com/office/drawing/2014/main" id="{5759999D-60F4-41B5-AB3E-CF57D86E2B86}"/>
+                </a:ext>
+              </a:extLst>
+            </p:cNvPr>
+            <p:cNvSpPr/>
+            <p:nvPr/>
+          </p:nvSpPr>
+          <p:spPr>
+            <a:xfrm>
+              <a:off x="1752663" y="559589"/>
+              <a:ext cx="69056" cy="73819"/>
+            </a:xfrm>
+            <a:prstGeom prst="star7">
+              <a:avLst/>
+            </a:prstGeom>
+          </p:spPr>
+          <p:style>
+            <a:lnRef idx="2">
+              <a:schemeClr val="accent1">
+                <a:shade val="50000"/>
+              </a:schemeClr>
+            </a:lnRef>
+            <a:fillRef idx="1">
+              <a:schemeClr val="accent1"/>
+            </a:fillRef>
+            <a:effectRef idx="0">
+              <a:schemeClr val="accent1"/>
+            </a:effectRef>
+            <a:fontRef idx="minor">
+              <a:schemeClr val="lt1"/>
+            </a:fontRef>
+          </p:style>
+          <p:txBody>
+            <a:bodyPr rtlCol="1" anchor="ctr"/>
+            <a:lstStyle/>
+            <a:p>
+              <a:pPr algn="ctr"/>
+              <a:endParaRPr lang="he-IL"/>
+            </a:p>
+          </p:txBody>
+        </p:sp>
+        <p:sp>
+          <p:nvSpPr>
+            <p:cNvPr id="279" name="כוכב: 4 פינות 205">
+              <a:extLst>
+                <a:ext uri="{FF2B5EF4-FFF2-40B4-BE49-F238E27FC236}">
+                  <a16:creationId xmlns:a16="http://schemas.microsoft.com/office/drawing/2014/main" id="{9A300306-14DE-40FF-9944-5704D589FC89}"/>
+                </a:ext>
+              </a:extLst>
+            </p:cNvPr>
+            <p:cNvSpPr/>
+            <p:nvPr/>
+          </p:nvSpPr>
+          <p:spPr>
+            <a:xfrm>
+              <a:off x="1895537" y="559590"/>
+              <a:ext cx="69056" cy="73819"/>
+            </a:xfrm>
+            <a:prstGeom prst="star4">
+              <a:avLst/>
+            </a:prstGeom>
+          </p:spPr>
+          <p:style>
+            <a:lnRef idx="2">
+              <a:schemeClr val="accent1">
+                <a:shade val="50000"/>
+              </a:schemeClr>
+            </a:lnRef>
+            <a:fillRef idx="1">
+              <a:schemeClr val="accent1"/>
+            </a:fillRef>
+            <a:effectRef idx="0">
+              <a:schemeClr val="accent1"/>
+            </a:effectRef>
+            <a:fontRef idx="minor">
+              <a:schemeClr val="lt1"/>
+            </a:fontRef>
+          </p:style>
+          <p:txBody>
+            <a:bodyPr rtlCol="1" anchor="ctr"/>
+            <a:lstStyle/>
+            <a:p>
+              <a:pPr algn="ctr"/>
+              <a:endParaRPr lang="he-IL"/>
+            </a:p>
+          </p:txBody>
+        </p:sp>
+        <p:sp>
+          <p:nvSpPr>
+            <p:cNvPr id="280" name="כוכב: 7 פינות 206">
+              <a:extLst>
+                <a:ext uri="{FF2B5EF4-FFF2-40B4-BE49-F238E27FC236}">
+                  <a16:creationId xmlns:a16="http://schemas.microsoft.com/office/drawing/2014/main" id="{AB4ED0FB-588B-4B54-BCC0-E1A597F9260F}"/>
+                </a:ext>
+              </a:extLst>
+            </p:cNvPr>
+            <p:cNvSpPr/>
+            <p:nvPr/>
+          </p:nvSpPr>
+          <p:spPr>
+            <a:xfrm>
+              <a:off x="2040794" y="559589"/>
+              <a:ext cx="69056" cy="73819"/>
+            </a:xfrm>
+            <a:prstGeom prst="star7">
+              <a:avLst/>
+            </a:prstGeom>
+          </p:spPr>
+          <p:style>
+            <a:lnRef idx="2">
+              <a:schemeClr val="accent1">
+                <a:shade val="50000"/>
+              </a:schemeClr>
+            </a:lnRef>
+            <a:fillRef idx="1">
+              <a:schemeClr val="accent1"/>
+            </a:fillRef>
+            <a:effectRef idx="0">
+              <a:schemeClr val="accent1"/>
+            </a:effectRef>
+            <a:fontRef idx="minor">
+              <a:schemeClr val="lt1"/>
+            </a:fontRef>
+          </p:style>
+          <p:txBody>
+            <a:bodyPr rtlCol="1" anchor="ctr"/>
+            <a:lstStyle/>
+            <a:p>
+              <a:pPr algn="ctr"/>
+              <a:endParaRPr lang="he-IL"/>
+            </a:p>
+          </p:txBody>
+        </p:sp>
+        <p:sp>
+          <p:nvSpPr>
+            <p:cNvPr id="281" name="כוכב: 7 פינות 207">
+              <a:extLst>
+                <a:ext uri="{FF2B5EF4-FFF2-40B4-BE49-F238E27FC236}">
+                  <a16:creationId xmlns:a16="http://schemas.microsoft.com/office/drawing/2014/main" id="{BA407F88-1836-4494-BBFD-6F8FB81F97B7}"/>
+                </a:ext>
+              </a:extLst>
+            </p:cNvPr>
+            <p:cNvSpPr/>
+            <p:nvPr/>
+          </p:nvSpPr>
+          <p:spPr>
+            <a:xfrm>
+              <a:off x="1031144" y="704844"/>
+              <a:ext cx="69056" cy="73819"/>
+            </a:xfrm>
+            <a:prstGeom prst="star7">
+              <a:avLst/>
+            </a:prstGeom>
+          </p:spPr>
+          <p:style>
+            <a:lnRef idx="2">
+              <a:schemeClr val="accent1">
+                <a:shade val="50000"/>
+              </a:schemeClr>
+            </a:lnRef>
+            <a:fillRef idx="1">
+              <a:schemeClr val="accent1"/>
+            </a:fillRef>
+            <a:effectRef idx="0">
+              <a:schemeClr val="accent1"/>
+            </a:effectRef>
+            <a:fontRef idx="minor">
+              <a:schemeClr val="lt1"/>
+            </a:fontRef>
+          </p:style>
+          <p:txBody>
+            <a:bodyPr rtlCol="1" anchor="ctr"/>
+            <a:lstStyle/>
+            <a:p>
+              <a:pPr algn="ctr"/>
+              <a:endParaRPr lang="he-IL"/>
+            </a:p>
+          </p:txBody>
+        </p:sp>
+        <p:sp>
+          <p:nvSpPr>
+            <p:cNvPr id="282" name="כוכב: 4 פינות 208">
+              <a:extLst>
+                <a:ext uri="{FF2B5EF4-FFF2-40B4-BE49-F238E27FC236}">
+                  <a16:creationId xmlns:a16="http://schemas.microsoft.com/office/drawing/2014/main" id="{5C591D91-89D6-4CB6-A34B-4754B03A624C}"/>
+                </a:ext>
+              </a:extLst>
+            </p:cNvPr>
+            <p:cNvSpPr/>
+            <p:nvPr/>
+          </p:nvSpPr>
+          <p:spPr>
+            <a:xfrm>
+              <a:off x="1174018" y="704845"/>
+              <a:ext cx="69056" cy="73819"/>
+            </a:xfrm>
+            <a:prstGeom prst="star4">
+              <a:avLst/>
+            </a:prstGeom>
+          </p:spPr>
+          <p:style>
+            <a:lnRef idx="2">
+              <a:schemeClr val="accent1">
+                <a:shade val="50000"/>
+              </a:schemeClr>
+            </a:lnRef>
+            <a:fillRef idx="1">
+              <a:schemeClr val="accent1"/>
+            </a:fillRef>
+            <a:effectRef idx="0">
+              <a:schemeClr val="accent1"/>
+            </a:effectRef>
+            <a:fontRef idx="minor">
+              <a:schemeClr val="lt1"/>
+            </a:fontRef>
+          </p:style>
+          <p:txBody>
+            <a:bodyPr rtlCol="1" anchor="ctr"/>
+            <a:lstStyle/>
+            <a:p>
+              <a:pPr algn="ctr"/>
+              <a:endParaRPr lang="he-IL"/>
+            </a:p>
+          </p:txBody>
+        </p:sp>
+        <p:sp>
+          <p:nvSpPr>
+            <p:cNvPr id="283" name="כוכב: 7 פינות 209">
+              <a:extLst>
+                <a:ext uri="{FF2B5EF4-FFF2-40B4-BE49-F238E27FC236}">
+                  <a16:creationId xmlns:a16="http://schemas.microsoft.com/office/drawing/2014/main" id="{714136A9-80DE-4AA5-812D-87CD566F7354}"/>
+                </a:ext>
+              </a:extLst>
+            </p:cNvPr>
+            <p:cNvSpPr/>
+            <p:nvPr/>
+          </p:nvSpPr>
+          <p:spPr>
+            <a:xfrm>
+              <a:off x="1319275" y="704844"/>
+              <a:ext cx="69056" cy="73819"/>
+            </a:xfrm>
+            <a:prstGeom prst="star7">
+              <a:avLst/>
+            </a:prstGeom>
+          </p:spPr>
+          <p:style>
+            <a:lnRef idx="2">
+              <a:schemeClr val="accent1">
+                <a:shade val="50000"/>
+              </a:schemeClr>
+            </a:lnRef>
+            <a:fillRef idx="1">
+              <a:schemeClr val="accent1"/>
+            </a:fillRef>
+            <a:effectRef idx="0">
+              <a:schemeClr val="accent1"/>
+            </a:effectRef>
+            <a:fontRef idx="minor">
+              <a:schemeClr val="lt1"/>
+            </a:fontRef>
+          </p:style>
+          <p:txBody>
+            <a:bodyPr rtlCol="1" anchor="ctr"/>
+            <a:lstStyle/>
+            <a:p>
+              <a:pPr algn="ctr"/>
+              <a:endParaRPr lang="he-IL"/>
+            </a:p>
+          </p:txBody>
+        </p:sp>
+        <p:sp>
+          <p:nvSpPr>
+            <p:cNvPr id="284" name="כוכב: 4 פינות 210">
+              <a:extLst>
+                <a:ext uri="{FF2B5EF4-FFF2-40B4-BE49-F238E27FC236}">
+                  <a16:creationId xmlns:a16="http://schemas.microsoft.com/office/drawing/2014/main" id="{E66A9296-6367-40F1-85CF-C60C04CFF283}"/>
+                </a:ext>
+              </a:extLst>
+            </p:cNvPr>
+            <p:cNvSpPr/>
+            <p:nvPr/>
+          </p:nvSpPr>
+          <p:spPr>
+            <a:xfrm>
+              <a:off x="1462149" y="704845"/>
+              <a:ext cx="69056" cy="73819"/>
+            </a:xfrm>
+            <a:prstGeom prst="star4">
+              <a:avLst/>
+            </a:prstGeom>
+          </p:spPr>
+          <p:style>
+            <a:lnRef idx="2">
+              <a:schemeClr val="accent1">
+                <a:shade val="50000"/>
+              </a:schemeClr>
+            </a:lnRef>
+            <a:fillRef idx="1">
+              <a:schemeClr val="accent1"/>
+            </a:fillRef>
+            <a:effectRef idx="0">
+              <a:schemeClr val="accent1"/>
+            </a:effectRef>
+            <a:fontRef idx="minor">
+              <a:schemeClr val="lt1"/>
+            </a:fontRef>
+          </p:style>
+          <p:txBody>
+            <a:bodyPr rtlCol="1" anchor="ctr"/>
+            <a:lstStyle/>
+            <a:p>
+              <a:pPr algn="ctr"/>
+              <a:endParaRPr lang="he-IL"/>
+            </a:p>
+          </p:txBody>
+        </p:sp>
+        <p:sp>
+          <p:nvSpPr>
+            <p:cNvPr id="285" name="כוכב: 7 פינות 211">
+              <a:extLst>
+                <a:ext uri="{FF2B5EF4-FFF2-40B4-BE49-F238E27FC236}">
+                  <a16:creationId xmlns:a16="http://schemas.microsoft.com/office/drawing/2014/main" id="{D4091CA4-81CA-4EF1-BF7B-3F86644A1673}"/>
+                </a:ext>
+              </a:extLst>
+            </p:cNvPr>
+            <p:cNvSpPr/>
+            <p:nvPr/>
+          </p:nvSpPr>
+          <p:spPr>
+            <a:xfrm>
+              <a:off x="1607406" y="704844"/>
+              <a:ext cx="69056" cy="73819"/>
+            </a:xfrm>
+            <a:prstGeom prst="star7">
+              <a:avLst/>
+            </a:prstGeom>
+          </p:spPr>
+          <p:style>
+            <a:lnRef idx="2">
+              <a:schemeClr val="accent1">
+                <a:shade val="50000"/>
+              </a:schemeClr>
+            </a:lnRef>
+            <a:fillRef idx="1">
+              <a:schemeClr val="accent1"/>
+            </a:fillRef>
+            <a:effectRef idx="0">
+              <a:schemeClr val="accent1"/>
+            </a:effectRef>
+            <a:fontRef idx="minor">
+              <a:schemeClr val="lt1"/>
+            </a:fontRef>
+          </p:style>
+          <p:txBody>
+            <a:bodyPr rtlCol="1" anchor="ctr"/>
+            <a:lstStyle/>
+            <a:p>
+              <a:pPr algn="ctr"/>
+              <a:endParaRPr lang="he-IL"/>
+            </a:p>
+          </p:txBody>
+        </p:sp>
+        <p:sp>
+          <p:nvSpPr>
+            <p:cNvPr id="286" name="כוכב: 4 פינות 212">
+              <a:extLst>
+                <a:ext uri="{FF2B5EF4-FFF2-40B4-BE49-F238E27FC236}">
+                  <a16:creationId xmlns:a16="http://schemas.microsoft.com/office/drawing/2014/main" id="{AFF15E81-496A-47D7-A418-544BC6FC5323}"/>
+                </a:ext>
+              </a:extLst>
+            </p:cNvPr>
+            <p:cNvSpPr/>
+            <p:nvPr/>
+          </p:nvSpPr>
+          <p:spPr>
+            <a:xfrm>
+              <a:off x="1750280" y="704845"/>
+              <a:ext cx="69056" cy="73819"/>
+            </a:xfrm>
+            <a:prstGeom prst="star4">
+              <a:avLst/>
+            </a:prstGeom>
+          </p:spPr>
+          <p:style>
+            <a:lnRef idx="2">
+              <a:schemeClr val="accent1">
+                <a:shade val="50000"/>
+              </a:schemeClr>
+            </a:lnRef>
+            <a:fillRef idx="1">
+              <a:schemeClr val="accent1"/>
+            </a:fillRef>
+            <a:effectRef idx="0">
+              <a:schemeClr val="accent1"/>
+            </a:effectRef>
+            <a:fontRef idx="minor">
+              <a:schemeClr val="lt1"/>
+            </a:fontRef>
+          </p:style>
+          <p:txBody>
+            <a:bodyPr rtlCol="1" anchor="ctr"/>
+            <a:lstStyle/>
+            <a:p>
+              <a:pPr algn="ctr"/>
+              <a:endParaRPr lang="he-IL"/>
+            </a:p>
+          </p:txBody>
+        </p:sp>
+        <p:sp>
+          <p:nvSpPr>
+            <p:cNvPr id="287" name="כוכב: 7 פינות 213">
+              <a:extLst>
+                <a:ext uri="{FF2B5EF4-FFF2-40B4-BE49-F238E27FC236}">
+                  <a16:creationId xmlns:a16="http://schemas.microsoft.com/office/drawing/2014/main" id="{CC02F420-4B9D-4CC2-A792-46726C1877D3}"/>
+                </a:ext>
+              </a:extLst>
+            </p:cNvPr>
+            <p:cNvSpPr/>
+            <p:nvPr/>
+          </p:nvSpPr>
+          <p:spPr>
+            <a:xfrm>
+              <a:off x="1895537" y="704844"/>
+              <a:ext cx="69056" cy="73819"/>
+            </a:xfrm>
+            <a:prstGeom prst="star7">
+              <a:avLst/>
+            </a:prstGeom>
+          </p:spPr>
+          <p:style>
+            <a:lnRef idx="2">
+              <a:schemeClr val="accent1">
+                <a:shade val="50000"/>
+              </a:schemeClr>
+            </a:lnRef>
+            <a:fillRef idx="1">
+              <a:schemeClr val="accent1"/>
+            </a:fillRef>
+            <a:effectRef idx="0">
+              <a:schemeClr val="accent1"/>
+            </a:effectRef>
+            <a:fontRef idx="minor">
+              <a:schemeClr val="lt1"/>
+            </a:fontRef>
+          </p:style>
+          <p:txBody>
+            <a:bodyPr rtlCol="1" anchor="ctr"/>
+            <a:lstStyle/>
+            <a:p>
+              <a:pPr algn="ctr"/>
+              <a:endParaRPr lang="he-IL"/>
+            </a:p>
+          </p:txBody>
+        </p:sp>
+        <p:sp>
+          <p:nvSpPr>
+            <p:cNvPr id="288" name="כוכב: 4 פינות 214">
+              <a:extLst>
+                <a:ext uri="{FF2B5EF4-FFF2-40B4-BE49-F238E27FC236}">
+                  <a16:creationId xmlns:a16="http://schemas.microsoft.com/office/drawing/2014/main" id="{ADD1F078-D2EC-4B45-981F-0F68F4534BF4}"/>
+                </a:ext>
+              </a:extLst>
+            </p:cNvPr>
+            <p:cNvSpPr/>
+            <p:nvPr/>
+          </p:nvSpPr>
+          <p:spPr>
+            <a:xfrm>
+              <a:off x="2038411" y="704845"/>
+              <a:ext cx="69056" cy="73819"/>
+            </a:xfrm>
+            <a:prstGeom prst="star4">
+              <a:avLst/>
+            </a:prstGeom>
+          </p:spPr>
+          <p:style>
+            <a:lnRef idx="2">
+              <a:schemeClr val="accent1">
+                <a:shade val="50000"/>
+              </a:schemeClr>
+            </a:lnRef>
+            <a:fillRef idx="1">
+              <a:schemeClr val="accent1"/>
+            </a:fillRef>
+            <a:effectRef idx="0">
+              <a:schemeClr val="accent1"/>
+            </a:effectRef>
+            <a:fontRef idx="minor">
+              <a:schemeClr val="lt1"/>
+            </a:fontRef>
+          </p:style>
+          <p:txBody>
+            <a:bodyPr rtlCol="1" anchor="ctr"/>
+            <a:lstStyle/>
+            <a:p>
+              <a:pPr algn="ctr"/>
+              <a:endParaRPr lang="he-IL"/>
+            </a:p>
+          </p:txBody>
+        </p:sp>
+        <p:sp>
+          <p:nvSpPr>
+            <p:cNvPr id="289" name="כוכב: 4 פינות 215">
+              <a:extLst>
+                <a:ext uri="{FF2B5EF4-FFF2-40B4-BE49-F238E27FC236}">
+                  <a16:creationId xmlns:a16="http://schemas.microsoft.com/office/drawing/2014/main" id="{E66204DA-A1A5-446B-8F37-D24E1E9189B8}"/>
+                </a:ext>
+              </a:extLst>
+            </p:cNvPr>
+            <p:cNvSpPr/>
+            <p:nvPr/>
+          </p:nvSpPr>
+          <p:spPr>
+            <a:xfrm>
+              <a:off x="1031144" y="850099"/>
+              <a:ext cx="69056" cy="73819"/>
+            </a:xfrm>
+            <a:prstGeom prst="star4">
+              <a:avLst/>
+            </a:prstGeom>
+          </p:spPr>
+          <p:style>
+            <a:lnRef idx="2">
+              <a:schemeClr val="accent1">
+                <a:shade val="50000"/>
+              </a:schemeClr>
+            </a:lnRef>
+            <a:fillRef idx="1">
+              <a:schemeClr val="accent1"/>
+            </a:fillRef>
+            <a:effectRef idx="0">
+              <a:schemeClr val="accent1"/>
+            </a:effectRef>
+            <a:fontRef idx="minor">
+              <a:schemeClr val="lt1"/>
+            </a:fontRef>
+          </p:style>
+          <p:txBody>
+            <a:bodyPr rtlCol="1" anchor="ctr"/>
+            <a:lstStyle/>
+            <a:p>
+              <a:pPr algn="ctr"/>
+              <a:endParaRPr lang="he-IL"/>
+            </a:p>
+          </p:txBody>
+        </p:sp>
+        <p:sp>
+          <p:nvSpPr>
+            <p:cNvPr id="290" name="כוכב: 7 פינות 216">
+              <a:extLst>
+                <a:ext uri="{FF2B5EF4-FFF2-40B4-BE49-F238E27FC236}">
+                  <a16:creationId xmlns:a16="http://schemas.microsoft.com/office/drawing/2014/main" id="{851FD0C0-4801-4C52-928A-2655EFF6999C}"/>
+                </a:ext>
+              </a:extLst>
+            </p:cNvPr>
+            <p:cNvSpPr/>
+            <p:nvPr/>
+          </p:nvSpPr>
+          <p:spPr>
+            <a:xfrm>
+              <a:off x="1176401" y="850098"/>
+              <a:ext cx="69056" cy="73819"/>
+            </a:xfrm>
+            <a:prstGeom prst="star7">
+              <a:avLst/>
+            </a:prstGeom>
+          </p:spPr>
+          <p:style>
+            <a:lnRef idx="2">
+              <a:schemeClr val="accent1">
+                <a:shade val="50000"/>
+              </a:schemeClr>
+            </a:lnRef>
+            <a:fillRef idx="1">
+              <a:schemeClr val="accent1"/>
+            </a:fillRef>
+            <a:effectRef idx="0">
+              <a:schemeClr val="accent1"/>
+            </a:effectRef>
+            <a:fontRef idx="minor">
+              <a:schemeClr val="lt1"/>
+            </a:fontRef>
+          </p:style>
+          <p:txBody>
+            <a:bodyPr rtlCol="1" anchor="ctr"/>
+            <a:lstStyle/>
+            <a:p>
+              <a:pPr algn="ctr"/>
+              <a:endParaRPr lang="he-IL"/>
+            </a:p>
+          </p:txBody>
+        </p:sp>
+        <p:sp>
+          <p:nvSpPr>
+            <p:cNvPr id="291" name="כוכב: 4 פינות 217">
+              <a:extLst>
+                <a:ext uri="{FF2B5EF4-FFF2-40B4-BE49-F238E27FC236}">
+                  <a16:creationId xmlns:a16="http://schemas.microsoft.com/office/drawing/2014/main" id="{860E6284-ACE9-484E-8FB5-22EBA8B6C704}"/>
+                </a:ext>
+              </a:extLst>
+            </p:cNvPr>
+            <p:cNvSpPr/>
+            <p:nvPr/>
+          </p:nvSpPr>
+          <p:spPr>
+            <a:xfrm>
+              <a:off x="1319275" y="850099"/>
+              <a:ext cx="69056" cy="73819"/>
+            </a:xfrm>
+            <a:prstGeom prst="star4">
+              <a:avLst/>
+            </a:prstGeom>
+          </p:spPr>
+          <p:style>
+            <a:lnRef idx="2">
+              <a:schemeClr val="accent1">
+                <a:shade val="50000"/>
+              </a:schemeClr>
+            </a:lnRef>
+            <a:fillRef idx="1">
+              <a:schemeClr val="accent1"/>
+            </a:fillRef>
+            <a:effectRef idx="0">
+              <a:schemeClr val="accent1"/>
+            </a:effectRef>
+            <a:fontRef idx="minor">
+              <a:schemeClr val="lt1"/>
+            </a:fontRef>
+          </p:style>
+          <p:txBody>
+            <a:bodyPr rtlCol="1" anchor="ctr"/>
+            <a:lstStyle/>
+            <a:p>
+              <a:pPr algn="ctr"/>
+              <a:endParaRPr lang="he-IL"/>
+            </a:p>
+          </p:txBody>
+        </p:sp>
+        <p:sp>
+          <p:nvSpPr>
+            <p:cNvPr id="292" name="כוכב: 7 פינות 218">
+              <a:extLst>
+                <a:ext uri="{FF2B5EF4-FFF2-40B4-BE49-F238E27FC236}">
+                  <a16:creationId xmlns:a16="http://schemas.microsoft.com/office/drawing/2014/main" id="{08798CE4-CAB1-45E4-8722-14FAB4128F15}"/>
+                </a:ext>
+              </a:extLst>
+            </p:cNvPr>
+            <p:cNvSpPr/>
+            <p:nvPr/>
+          </p:nvSpPr>
+          <p:spPr>
+            <a:xfrm>
+              <a:off x="1464532" y="850098"/>
+              <a:ext cx="69056" cy="73819"/>
+            </a:xfrm>
+            <a:prstGeom prst="star7">
+              <a:avLst/>
+            </a:prstGeom>
+          </p:spPr>
+          <p:style>
+            <a:lnRef idx="2">
+              <a:schemeClr val="accent1">
+                <a:shade val="50000"/>
+              </a:schemeClr>
+            </a:lnRef>
+            <a:fillRef idx="1">
+              <a:schemeClr val="accent1"/>
+            </a:fillRef>
+            <a:effectRef idx="0">
+              <a:schemeClr val="accent1"/>
+            </a:effectRef>
+            <a:fontRef idx="minor">
+              <a:schemeClr val="lt1"/>
+            </a:fontRef>
+          </p:style>
+          <p:txBody>
+            <a:bodyPr rtlCol="1" anchor="ctr"/>
+            <a:lstStyle/>
+            <a:p>
+              <a:pPr algn="ctr"/>
+              <a:endParaRPr lang="he-IL"/>
+            </a:p>
+          </p:txBody>
+        </p:sp>
+        <p:sp>
+          <p:nvSpPr>
+            <p:cNvPr id="293" name="כוכב: 4 פינות 219">
+              <a:extLst>
+                <a:ext uri="{FF2B5EF4-FFF2-40B4-BE49-F238E27FC236}">
+                  <a16:creationId xmlns:a16="http://schemas.microsoft.com/office/drawing/2014/main" id="{7DDC3D98-106E-4DBF-8FC8-5A72A1C039FA}"/>
+                </a:ext>
+              </a:extLst>
+            </p:cNvPr>
+            <p:cNvSpPr/>
+            <p:nvPr/>
+          </p:nvSpPr>
+          <p:spPr>
+            <a:xfrm>
+              <a:off x="1607406" y="850099"/>
+              <a:ext cx="69056" cy="73819"/>
+            </a:xfrm>
+            <a:prstGeom prst="star4">
+              <a:avLst/>
+            </a:prstGeom>
+          </p:spPr>
+          <p:style>
+            <a:lnRef idx="2">
+              <a:schemeClr val="accent1">
+                <a:shade val="50000"/>
+              </a:schemeClr>
+            </a:lnRef>
+            <a:fillRef idx="1">
+              <a:schemeClr val="accent1"/>
+            </a:fillRef>
+            <a:effectRef idx="0">
+              <a:schemeClr val="accent1"/>
+            </a:effectRef>
+            <a:fontRef idx="minor">
+              <a:schemeClr val="lt1"/>
+            </a:fontRef>
+          </p:style>
+          <p:txBody>
+            <a:bodyPr rtlCol="1" anchor="ctr"/>
+            <a:lstStyle/>
+            <a:p>
+              <a:pPr algn="ctr"/>
+              <a:endParaRPr lang="he-IL"/>
+            </a:p>
+          </p:txBody>
+        </p:sp>
+        <p:sp>
+          <p:nvSpPr>
+            <p:cNvPr id="294" name="כוכב: 7 פינות 220">
+              <a:extLst>
+                <a:ext uri="{FF2B5EF4-FFF2-40B4-BE49-F238E27FC236}">
+                  <a16:creationId xmlns:a16="http://schemas.microsoft.com/office/drawing/2014/main" id="{2C63A5CD-734F-4949-8AC0-0266C84066CD}"/>
+                </a:ext>
+              </a:extLst>
+            </p:cNvPr>
+            <p:cNvSpPr/>
+            <p:nvPr/>
+          </p:nvSpPr>
+          <p:spPr>
+            <a:xfrm>
+              <a:off x="1752663" y="850098"/>
+              <a:ext cx="69056" cy="73819"/>
+            </a:xfrm>
+            <a:prstGeom prst="star7">
+              <a:avLst/>
+            </a:prstGeom>
+          </p:spPr>
+          <p:style>
+            <a:lnRef idx="2">
+              <a:schemeClr val="accent1">
+                <a:shade val="50000"/>
+              </a:schemeClr>
+            </a:lnRef>
+            <a:fillRef idx="1">
+              <a:schemeClr val="accent1"/>
+            </a:fillRef>
+            <a:effectRef idx="0">
+              <a:schemeClr val="accent1"/>
+            </a:effectRef>
+            <a:fontRef idx="minor">
+              <a:schemeClr val="lt1"/>
+            </a:fontRef>
+          </p:style>
+          <p:txBody>
+            <a:bodyPr rtlCol="1" anchor="ctr"/>
+            <a:lstStyle/>
+            <a:p>
+              <a:pPr algn="ctr"/>
+              <a:endParaRPr lang="he-IL"/>
+            </a:p>
+          </p:txBody>
+        </p:sp>
+        <p:sp>
+          <p:nvSpPr>
+            <p:cNvPr id="295" name="כוכב: 4 פינות 221">
+              <a:extLst>
+                <a:ext uri="{FF2B5EF4-FFF2-40B4-BE49-F238E27FC236}">
+                  <a16:creationId xmlns:a16="http://schemas.microsoft.com/office/drawing/2014/main" id="{8555E0A4-41E2-4652-AA15-61C86FAB340D}"/>
+                </a:ext>
+              </a:extLst>
+            </p:cNvPr>
+            <p:cNvSpPr/>
+            <p:nvPr/>
+          </p:nvSpPr>
+          <p:spPr>
+            <a:xfrm>
+              <a:off x="1895537" y="850099"/>
+              <a:ext cx="69056" cy="73819"/>
+            </a:xfrm>
+            <a:prstGeom prst="star4">
+              <a:avLst/>
+            </a:prstGeom>
+          </p:spPr>
+          <p:style>
+            <a:lnRef idx="2">
+              <a:schemeClr val="accent1">
+                <a:shade val="50000"/>
+              </a:schemeClr>
+            </a:lnRef>
+            <a:fillRef idx="1">
+              <a:schemeClr val="accent1"/>
+            </a:fillRef>
+            <a:effectRef idx="0">
+              <a:schemeClr val="accent1"/>
+            </a:effectRef>
+            <a:fontRef idx="minor">
+              <a:schemeClr val="lt1"/>
+            </a:fontRef>
+          </p:style>
+          <p:txBody>
+            <a:bodyPr rtlCol="1" anchor="ctr"/>
+            <a:lstStyle/>
+            <a:p>
+              <a:pPr algn="ctr"/>
+              <a:endParaRPr lang="he-IL"/>
+            </a:p>
+          </p:txBody>
+        </p:sp>
+        <p:sp>
+          <p:nvSpPr>
+            <p:cNvPr id="296" name="כוכב: 7 פינות 222">
+              <a:extLst>
+                <a:ext uri="{FF2B5EF4-FFF2-40B4-BE49-F238E27FC236}">
+                  <a16:creationId xmlns:a16="http://schemas.microsoft.com/office/drawing/2014/main" id="{5EC65030-80DB-453D-9725-476BB8F3ABC5}"/>
+                </a:ext>
+              </a:extLst>
+            </p:cNvPr>
+            <p:cNvSpPr/>
+            <p:nvPr/>
+          </p:nvSpPr>
+          <p:spPr>
+            <a:xfrm>
+              <a:off x="2040794" y="850098"/>
+              <a:ext cx="69056" cy="73819"/>
+            </a:xfrm>
+            <a:prstGeom prst="star7">
+              <a:avLst/>
+            </a:prstGeom>
+          </p:spPr>
+          <p:style>
+            <a:lnRef idx="2">
+              <a:schemeClr val="accent1">
+                <a:shade val="50000"/>
+              </a:schemeClr>
+            </a:lnRef>
+            <a:fillRef idx="1">
+              <a:schemeClr val="accent1"/>
+            </a:fillRef>
+            <a:effectRef idx="0">
+              <a:schemeClr val="accent1"/>
+            </a:effectRef>
+            <a:fontRef idx="minor">
+              <a:schemeClr val="lt1"/>
+            </a:fontRef>
+          </p:style>
+          <p:txBody>
+            <a:bodyPr rtlCol="1" anchor="ctr"/>
+            <a:lstStyle/>
+            <a:p>
+              <a:pPr algn="ctr"/>
+              <a:endParaRPr lang="he-IL"/>
+            </a:p>
+          </p:txBody>
+        </p:sp>
+        <p:sp>
+          <p:nvSpPr>
+            <p:cNvPr id="297" name="כוכב: 7 פינות 223">
+              <a:extLst>
+                <a:ext uri="{FF2B5EF4-FFF2-40B4-BE49-F238E27FC236}">
+                  <a16:creationId xmlns:a16="http://schemas.microsoft.com/office/drawing/2014/main" id="{8AE27B0D-3D6B-4E9E-BA9C-3CCA43E0DBFE}"/>
+                </a:ext>
+              </a:extLst>
+            </p:cNvPr>
+            <p:cNvSpPr/>
+            <p:nvPr/>
+          </p:nvSpPr>
+          <p:spPr>
+            <a:xfrm>
+              <a:off x="1031144" y="995353"/>
+              <a:ext cx="69056" cy="73819"/>
+            </a:xfrm>
+            <a:prstGeom prst="star7">
+              <a:avLst/>
+            </a:prstGeom>
+          </p:spPr>
+          <p:style>
+            <a:lnRef idx="2">
+              <a:schemeClr val="accent1">
+                <a:shade val="50000"/>
+              </a:schemeClr>
+            </a:lnRef>
+            <a:fillRef idx="1">
+              <a:schemeClr val="accent1"/>
+            </a:fillRef>
+            <a:effectRef idx="0">
+              <a:schemeClr val="accent1"/>
+            </a:effectRef>
+            <a:fontRef idx="minor">
+              <a:schemeClr val="lt1"/>
+            </a:fontRef>
+          </p:style>
+          <p:txBody>
+            <a:bodyPr rtlCol="1" anchor="ctr"/>
+            <a:lstStyle/>
+            <a:p>
+              <a:pPr algn="ctr"/>
+              <a:endParaRPr lang="he-IL"/>
+            </a:p>
+          </p:txBody>
+        </p:sp>
+        <p:sp>
+          <p:nvSpPr>
+            <p:cNvPr id="298" name="כוכב: 4 פינות 224">
+              <a:extLst>
+                <a:ext uri="{FF2B5EF4-FFF2-40B4-BE49-F238E27FC236}">
+                  <a16:creationId xmlns:a16="http://schemas.microsoft.com/office/drawing/2014/main" id="{10654A89-ADD3-47B9-ACD2-EDBAE70D98DE}"/>
+                </a:ext>
+              </a:extLst>
+            </p:cNvPr>
+            <p:cNvSpPr/>
+            <p:nvPr/>
+          </p:nvSpPr>
+          <p:spPr>
+            <a:xfrm>
+              <a:off x="1174018" y="995354"/>
+              <a:ext cx="69056" cy="73819"/>
+            </a:xfrm>
+            <a:prstGeom prst="star4">
+              <a:avLst/>
+            </a:prstGeom>
+          </p:spPr>
+          <p:style>
+            <a:lnRef idx="2">
+              <a:schemeClr val="accent1">
+                <a:shade val="50000"/>
+              </a:schemeClr>
+            </a:lnRef>
+            <a:fillRef idx="1">
+              <a:schemeClr val="accent1"/>
+            </a:fillRef>
+            <a:effectRef idx="0">
+              <a:schemeClr val="accent1"/>
+            </a:effectRef>
+            <a:fontRef idx="minor">
+              <a:schemeClr val="lt1"/>
+            </a:fontRef>
+          </p:style>
+          <p:txBody>
+            <a:bodyPr rtlCol="1" anchor="ctr"/>
+            <a:lstStyle/>
+            <a:p>
+              <a:pPr algn="ctr"/>
+              <a:endParaRPr lang="he-IL"/>
+            </a:p>
+          </p:txBody>
+        </p:sp>
+        <p:sp>
+          <p:nvSpPr>
+            <p:cNvPr id="299" name="כוכב: 7 פינות 225">
+              <a:extLst>
+                <a:ext uri="{FF2B5EF4-FFF2-40B4-BE49-F238E27FC236}">
+                  <a16:creationId xmlns:a16="http://schemas.microsoft.com/office/drawing/2014/main" id="{B5D83B62-EFF2-4DBE-9B8F-39F9DC4CA949}"/>
+                </a:ext>
+              </a:extLst>
+            </p:cNvPr>
+            <p:cNvSpPr/>
+            <p:nvPr/>
+          </p:nvSpPr>
+          <p:spPr>
+            <a:xfrm>
+              <a:off x="1319275" y="995353"/>
+              <a:ext cx="69056" cy="73819"/>
+            </a:xfrm>
+            <a:prstGeom prst="star7">
+              <a:avLst/>
+            </a:prstGeom>
+          </p:spPr>
+          <p:style>
+            <a:lnRef idx="2">
+              <a:schemeClr val="accent1">
+                <a:shade val="50000"/>
+              </a:schemeClr>
+            </a:lnRef>
+            <a:fillRef idx="1">
+              <a:schemeClr val="accent1"/>
+            </a:fillRef>
+            <a:effectRef idx="0">
+              <a:schemeClr val="accent1"/>
+            </a:effectRef>
+            <a:fontRef idx="minor">
+              <a:schemeClr val="lt1"/>
+            </a:fontRef>
+          </p:style>
+          <p:txBody>
+            <a:bodyPr rtlCol="1" anchor="ctr"/>
+            <a:lstStyle/>
+            <a:p>
+              <a:pPr algn="ctr"/>
+              <a:endParaRPr lang="he-IL"/>
+            </a:p>
+          </p:txBody>
+        </p:sp>
+        <p:sp>
+          <p:nvSpPr>
+            <p:cNvPr id="300" name="כוכב: 4 פינות 226">
+              <a:extLst>
+                <a:ext uri="{FF2B5EF4-FFF2-40B4-BE49-F238E27FC236}">
+                  <a16:creationId xmlns:a16="http://schemas.microsoft.com/office/drawing/2014/main" id="{B2549D2F-2812-49AB-AA82-BCD45C16E426}"/>
+                </a:ext>
+              </a:extLst>
+            </p:cNvPr>
+            <p:cNvSpPr/>
+            <p:nvPr/>
+          </p:nvSpPr>
+          <p:spPr>
+            <a:xfrm>
+              <a:off x="1462149" y="995354"/>
+              <a:ext cx="69056" cy="73819"/>
+            </a:xfrm>
+            <a:prstGeom prst="star4">
+              <a:avLst/>
+            </a:prstGeom>
+          </p:spPr>
+          <p:style>
+            <a:lnRef idx="2">
+              <a:schemeClr val="accent1">
+                <a:shade val="50000"/>
+              </a:schemeClr>
+            </a:lnRef>
+            <a:fillRef idx="1">
+              <a:schemeClr val="accent1"/>
+            </a:fillRef>
+            <a:effectRef idx="0">
+              <a:schemeClr val="accent1"/>
+            </a:effectRef>
+            <a:fontRef idx="minor">
+              <a:schemeClr val="lt1"/>
+            </a:fontRef>
+          </p:style>
+          <p:txBody>
+            <a:bodyPr rtlCol="1" anchor="ctr"/>
+            <a:lstStyle/>
+            <a:p>
+              <a:pPr algn="ctr"/>
+              <a:endParaRPr lang="he-IL"/>
+            </a:p>
+          </p:txBody>
+        </p:sp>
+        <p:sp>
+          <p:nvSpPr>
+            <p:cNvPr id="301" name="כוכב: 7 פינות 227">
+              <a:extLst>
+                <a:ext uri="{FF2B5EF4-FFF2-40B4-BE49-F238E27FC236}">
+                  <a16:creationId xmlns:a16="http://schemas.microsoft.com/office/drawing/2014/main" id="{F7DDB967-DE44-4F25-B0DC-20DC6AD82C6B}"/>
+                </a:ext>
+              </a:extLst>
+            </p:cNvPr>
+            <p:cNvSpPr/>
+            <p:nvPr/>
+          </p:nvSpPr>
+          <p:spPr>
+            <a:xfrm>
+              <a:off x="1607406" y="995353"/>
+              <a:ext cx="69056" cy="73819"/>
+            </a:xfrm>
+            <a:prstGeom prst="star7">
+              <a:avLst/>
+            </a:prstGeom>
+          </p:spPr>
+          <p:style>
+            <a:lnRef idx="2">
+              <a:schemeClr val="accent1">
+                <a:shade val="50000"/>
+              </a:schemeClr>
+            </a:lnRef>
+            <a:fillRef idx="1">
+              <a:schemeClr val="accent1"/>
+            </a:fillRef>
+            <a:effectRef idx="0">
+              <a:schemeClr val="accent1"/>
+            </a:effectRef>
+            <a:fontRef idx="minor">
+              <a:schemeClr val="lt1"/>
+            </a:fontRef>
+          </p:style>
+          <p:txBody>
+            <a:bodyPr rtlCol="1" anchor="ctr"/>
+            <a:lstStyle/>
+            <a:p>
+              <a:pPr algn="ctr"/>
+              <a:endParaRPr lang="he-IL"/>
+            </a:p>
+          </p:txBody>
+        </p:sp>
+        <p:sp>
+          <p:nvSpPr>
+            <p:cNvPr id="302" name="כוכב: 4 פינות 228">
+              <a:extLst>
+                <a:ext uri="{FF2B5EF4-FFF2-40B4-BE49-F238E27FC236}">
+                  <a16:creationId xmlns:a16="http://schemas.microsoft.com/office/drawing/2014/main" id="{0B277342-D32B-4EB3-9A30-B0B1C33434E5}"/>
+                </a:ext>
+              </a:extLst>
+            </p:cNvPr>
+            <p:cNvSpPr/>
+            <p:nvPr/>
+          </p:nvSpPr>
+          <p:spPr>
+            <a:xfrm>
+              <a:off x="1750280" y="995354"/>
+              <a:ext cx="69056" cy="73819"/>
+            </a:xfrm>
+            <a:prstGeom prst="star4">
+              <a:avLst/>
+            </a:prstGeom>
+          </p:spPr>
+          <p:style>
+            <a:lnRef idx="2">
+              <a:schemeClr val="accent1">
+                <a:shade val="50000"/>
+              </a:schemeClr>
+            </a:lnRef>
+            <a:fillRef idx="1">
+              <a:schemeClr val="accent1"/>
+            </a:fillRef>
+            <a:effectRef idx="0">
+              <a:schemeClr val="accent1"/>
+            </a:effectRef>
+            <a:fontRef idx="minor">
+              <a:schemeClr val="lt1"/>
+            </a:fontRef>
+          </p:style>
+          <p:txBody>
+            <a:bodyPr rtlCol="1" anchor="ctr"/>
+            <a:lstStyle/>
+            <a:p>
+              <a:pPr algn="ctr"/>
+              <a:endParaRPr lang="he-IL"/>
+            </a:p>
+          </p:txBody>
+        </p:sp>
+        <p:sp>
+          <p:nvSpPr>
+            <p:cNvPr id="303" name="כוכב: 7 פינות 229">
+              <a:extLst>
+                <a:ext uri="{FF2B5EF4-FFF2-40B4-BE49-F238E27FC236}">
+                  <a16:creationId xmlns:a16="http://schemas.microsoft.com/office/drawing/2014/main" id="{282F2953-041F-4B99-B756-6733ED87D2E0}"/>
+                </a:ext>
+              </a:extLst>
+            </p:cNvPr>
+            <p:cNvSpPr/>
+            <p:nvPr/>
+          </p:nvSpPr>
+          <p:spPr>
+            <a:xfrm>
+              <a:off x="1895537" y="995353"/>
+              <a:ext cx="69056" cy="73819"/>
+            </a:xfrm>
+            <a:prstGeom prst="star7">
+              <a:avLst/>
+            </a:prstGeom>
+          </p:spPr>
+          <p:style>
+            <a:lnRef idx="2">
+              <a:schemeClr val="accent1">
+                <a:shade val="50000"/>
+              </a:schemeClr>
+            </a:lnRef>
+            <a:fillRef idx="1">
+              <a:schemeClr val="accent1"/>
+            </a:fillRef>
+            <a:effectRef idx="0">
+              <a:schemeClr val="accent1"/>
+            </a:effectRef>
+            <a:fontRef idx="minor">
+              <a:schemeClr val="lt1"/>
+            </a:fontRef>
+          </p:style>
+          <p:txBody>
+            <a:bodyPr rtlCol="1" anchor="ctr"/>
+            <a:lstStyle/>
+            <a:p>
+              <a:pPr algn="ctr"/>
+              <a:endParaRPr lang="he-IL"/>
+            </a:p>
+          </p:txBody>
+        </p:sp>
+        <p:sp>
+          <p:nvSpPr>
+            <p:cNvPr id="304" name="כוכב: 4 פינות 230">
+              <a:extLst>
+                <a:ext uri="{FF2B5EF4-FFF2-40B4-BE49-F238E27FC236}">
+                  <a16:creationId xmlns:a16="http://schemas.microsoft.com/office/drawing/2014/main" id="{7BE5709F-B8A4-424C-B18D-E27B88981731}"/>
+                </a:ext>
+              </a:extLst>
+            </p:cNvPr>
+            <p:cNvSpPr/>
+            <p:nvPr/>
+          </p:nvSpPr>
+          <p:spPr>
+            <a:xfrm>
+              <a:off x="2038411" y="995354"/>
+              <a:ext cx="69056" cy="73819"/>
+            </a:xfrm>
+            <a:prstGeom prst="star4">
+              <a:avLst/>
+            </a:prstGeom>
+          </p:spPr>
+          <p:style>
+            <a:lnRef idx="2">
+              <a:schemeClr val="accent1">
+                <a:shade val="50000"/>
+              </a:schemeClr>
+            </a:lnRef>
+            <a:fillRef idx="1">
+              <a:schemeClr val="accent1"/>
+            </a:fillRef>
+            <a:effectRef idx="0">
+              <a:schemeClr val="accent1"/>
+            </a:effectRef>
+            <a:fontRef idx="minor">
+              <a:schemeClr val="lt1"/>
+            </a:fontRef>
+          </p:style>
+          <p:txBody>
+            <a:bodyPr rtlCol="1" anchor="ctr"/>
+            <a:lstStyle/>
+            <a:p>
+              <a:pPr algn="ctr"/>
+              <a:endParaRPr lang="he-IL"/>
+            </a:p>
+          </p:txBody>
+        </p:sp>
+      </p:grpSp>
     </p:spTree>
     <p:extLst>
       <p:ext uri="{BB962C8B-B14F-4D97-AF65-F5344CB8AC3E}">

--- a/scripts/Drone_Cam_Proj.pptx
+++ b/scripts/Drone_Cam_Proj.pptx
@@ -7,10 +7,13 @@
   <p:sldIdLst>
     <p:sldId id="256" r:id="rId2"/>
     <p:sldId id="269" r:id="rId3"/>
-    <p:sldId id="257" r:id="rId4"/>
-    <p:sldId id="258" r:id="rId5"/>
-    <p:sldId id="270" r:id="rId6"/>
-    <p:sldId id="271" r:id="rId7"/>
+    <p:sldId id="274" r:id="rId4"/>
+    <p:sldId id="257" r:id="rId5"/>
+    <p:sldId id="258" r:id="rId6"/>
+    <p:sldId id="270" r:id="rId7"/>
+    <p:sldId id="272" r:id="rId8"/>
+    <p:sldId id="271" r:id="rId9"/>
+    <p:sldId id="273" r:id="rId10"/>
   </p:sldIdLst>
   <p:sldSz cx="12192000" cy="6858000"/>
   <p:notesSz cx="6858000" cy="9144000"/>
@@ -275,7 +278,7 @@
           <a:p>
             <a:fld id="{9AE3A2BE-59ED-49A3-AA69-60BB8DC8DF8C}" type="datetimeFigureOut">
               <a:rPr lang="he-IL" smtClean="0"/>
-              <a:t>כ'/חשון/תשפ"ב</a:t>
+              <a:t>כ"ה/חשון/תשפ"ב</a:t>
             </a:fld>
             <a:endParaRPr lang="he-IL"/>
           </a:p>
@@ -473,7 +476,7 @@
           <a:p>
             <a:fld id="{9AE3A2BE-59ED-49A3-AA69-60BB8DC8DF8C}" type="datetimeFigureOut">
               <a:rPr lang="he-IL" smtClean="0"/>
-              <a:t>כ'/חשון/תשפ"ב</a:t>
+              <a:t>כ"ה/חשון/תשפ"ב</a:t>
             </a:fld>
             <a:endParaRPr lang="he-IL"/>
           </a:p>
@@ -681,7 +684,7 @@
           <a:p>
             <a:fld id="{9AE3A2BE-59ED-49A3-AA69-60BB8DC8DF8C}" type="datetimeFigureOut">
               <a:rPr lang="he-IL" smtClean="0"/>
-              <a:t>כ'/חשון/תשפ"ב</a:t>
+              <a:t>כ"ה/חשון/תשפ"ב</a:t>
             </a:fld>
             <a:endParaRPr lang="he-IL"/>
           </a:p>
@@ -879,7 +882,7 @@
           <a:p>
             <a:fld id="{9AE3A2BE-59ED-49A3-AA69-60BB8DC8DF8C}" type="datetimeFigureOut">
               <a:rPr lang="he-IL" smtClean="0"/>
-              <a:t>כ'/חשון/תשפ"ב</a:t>
+              <a:t>כ"ה/חשון/תשפ"ב</a:t>
             </a:fld>
             <a:endParaRPr lang="he-IL"/>
           </a:p>
@@ -1154,7 +1157,7 @@
           <a:p>
             <a:fld id="{9AE3A2BE-59ED-49A3-AA69-60BB8DC8DF8C}" type="datetimeFigureOut">
               <a:rPr lang="he-IL" smtClean="0"/>
-              <a:t>כ'/חשון/תשפ"ב</a:t>
+              <a:t>כ"ה/חשון/תשפ"ב</a:t>
             </a:fld>
             <a:endParaRPr lang="he-IL"/>
           </a:p>
@@ -1419,7 +1422,7 @@
           <a:p>
             <a:fld id="{9AE3A2BE-59ED-49A3-AA69-60BB8DC8DF8C}" type="datetimeFigureOut">
               <a:rPr lang="he-IL" smtClean="0"/>
-              <a:t>כ'/חשון/תשפ"ב</a:t>
+              <a:t>כ"ה/חשון/תשפ"ב</a:t>
             </a:fld>
             <a:endParaRPr lang="he-IL"/>
           </a:p>
@@ -1831,7 +1834,7 @@
           <a:p>
             <a:fld id="{9AE3A2BE-59ED-49A3-AA69-60BB8DC8DF8C}" type="datetimeFigureOut">
               <a:rPr lang="he-IL" smtClean="0"/>
-              <a:t>כ'/חשון/תשפ"ב</a:t>
+              <a:t>כ"ה/חשון/תשפ"ב</a:t>
             </a:fld>
             <a:endParaRPr lang="he-IL"/>
           </a:p>
@@ -1972,7 +1975,7 @@
           <a:p>
             <a:fld id="{9AE3A2BE-59ED-49A3-AA69-60BB8DC8DF8C}" type="datetimeFigureOut">
               <a:rPr lang="he-IL" smtClean="0"/>
-              <a:t>כ'/חשון/תשפ"ב</a:t>
+              <a:t>כ"ה/חשון/תשפ"ב</a:t>
             </a:fld>
             <a:endParaRPr lang="he-IL"/>
           </a:p>
@@ -2085,7 +2088,7 @@
           <a:p>
             <a:fld id="{9AE3A2BE-59ED-49A3-AA69-60BB8DC8DF8C}" type="datetimeFigureOut">
               <a:rPr lang="he-IL" smtClean="0"/>
-              <a:t>כ'/חשון/תשפ"ב</a:t>
+              <a:t>כ"ה/חשון/תשפ"ב</a:t>
             </a:fld>
             <a:endParaRPr lang="he-IL"/>
           </a:p>
@@ -2396,7 +2399,7 @@
           <a:p>
             <a:fld id="{9AE3A2BE-59ED-49A3-AA69-60BB8DC8DF8C}" type="datetimeFigureOut">
               <a:rPr lang="he-IL" smtClean="0"/>
-              <a:t>כ'/חשון/תשפ"ב</a:t>
+              <a:t>כ"ה/חשון/תשפ"ב</a:t>
             </a:fld>
             <a:endParaRPr lang="he-IL"/>
           </a:p>
@@ -2684,7 +2687,7 @@
           <a:p>
             <a:fld id="{9AE3A2BE-59ED-49A3-AA69-60BB8DC8DF8C}" type="datetimeFigureOut">
               <a:rPr lang="he-IL" smtClean="0"/>
-              <a:t>כ'/חשון/תשפ"ב</a:t>
+              <a:t>כ"ה/חשון/תשפ"ב</a:t>
             </a:fld>
             <a:endParaRPr lang="he-IL"/>
           </a:p>
@@ -2925,7 +2928,7 @@
           <a:p>
             <a:fld id="{9AE3A2BE-59ED-49A3-AA69-60BB8DC8DF8C}" type="datetimeFigureOut">
               <a:rPr lang="he-IL" smtClean="0"/>
-              <a:t>כ'/חשון/תשפ"ב</a:t>
+              <a:t>כ"ה/חשון/תשפ"ב</a:t>
             </a:fld>
             <a:endParaRPr lang="he-IL"/>
           </a:p>
@@ -4401,6 +4404,999 @@
           <a:chExt cx="0" cy="0"/>
         </a:xfrm>
       </p:grpSpPr>
+      <p:sp>
+        <p:nvSpPr>
+          <p:cNvPr id="2" name="כותרת 1">
+            <a:extLst>
+              <a:ext uri="{FF2B5EF4-FFF2-40B4-BE49-F238E27FC236}">
+                <a16:creationId xmlns:a16="http://schemas.microsoft.com/office/drawing/2014/main" id="{0B2FCAF6-8EFE-4A78-89F6-FFCE1D4B4C49}"/>
+              </a:ext>
+            </a:extLst>
+          </p:cNvPr>
+          <p:cNvSpPr>
+            <a:spLocks noGrp="1"/>
+          </p:cNvSpPr>
+          <p:nvPr>
+            <p:ph type="title"/>
+          </p:nvPr>
+        </p:nvSpPr>
+        <p:spPr>
+          <a:xfrm>
+            <a:off x="4664015" y="189786"/>
+            <a:ext cx="2863970" cy="707369"/>
+          </a:xfrm>
+        </p:spPr>
+        <p:txBody>
+          <a:bodyPr>
+            <a:normAutofit/>
+          </a:bodyPr>
+          <a:lstStyle/>
+          <a:p>
+            <a:pPr algn="ctr" rtl="0"/>
+            <a:r>
+              <a:rPr lang="en-US" sz="3200" dirty="0"/>
+              <a:t>calculation</a:t>
+            </a:r>
+            <a:endParaRPr lang="he-IL" sz="3200" dirty="0"/>
+          </a:p>
+        </p:txBody>
+      </p:sp>
+      <p:graphicFrame>
+        <p:nvGraphicFramePr>
+          <p:cNvPr id="6" name="טבלה 5">
+            <a:extLst>
+              <a:ext uri="{FF2B5EF4-FFF2-40B4-BE49-F238E27FC236}">
+                <a16:creationId xmlns:a16="http://schemas.microsoft.com/office/drawing/2014/main" id="{E42837FA-C04A-445F-8E32-084BA1B90CCF}"/>
+              </a:ext>
+            </a:extLst>
+          </p:cNvPr>
+          <p:cNvGraphicFramePr>
+            <a:graphicFrameLocks noGrp="1"/>
+          </p:cNvGraphicFramePr>
+          <p:nvPr>
+            <p:extLst>
+              <p:ext uri="{D42A27DB-BD31-4B8C-83A1-F6EECF244321}">
+                <p14:modId xmlns:p14="http://schemas.microsoft.com/office/powerpoint/2010/main" val="3560030586"/>
+              </p:ext>
+            </p:extLst>
+          </p:nvPr>
+        </p:nvGraphicFramePr>
+        <p:xfrm>
+          <a:off x="660254" y="1188428"/>
+          <a:ext cx="3709729" cy="904875"/>
+        </p:xfrm>
+        <a:graphic>
+          <a:graphicData uri="http://schemas.openxmlformats.org/drawingml/2006/table">
+            <a:tbl>
+              <a:tblPr/>
+              <a:tblGrid>
+                <a:gridCol w="795905">
+                  <a:extLst>
+                    <a:ext uri="{9D8B030D-6E8A-4147-A177-3AD203B41FA5}">
+                      <a16:colId xmlns:a16="http://schemas.microsoft.com/office/drawing/2014/main" val="3214977941"/>
+                    </a:ext>
+                  </a:extLst>
+                </a:gridCol>
+                <a:gridCol w="728456">
+                  <a:extLst>
+                    <a:ext uri="{9D8B030D-6E8A-4147-A177-3AD203B41FA5}">
+                      <a16:colId xmlns:a16="http://schemas.microsoft.com/office/drawing/2014/main" val="1535755222"/>
+                    </a:ext>
+                  </a:extLst>
+                </a:gridCol>
+                <a:gridCol w="728456">
+                  <a:extLst>
+                    <a:ext uri="{9D8B030D-6E8A-4147-A177-3AD203B41FA5}">
+                      <a16:colId xmlns:a16="http://schemas.microsoft.com/office/drawing/2014/main" val="2486224625"/>
+                    </a:ext>
+                  </a:extLst>
+                </a:gridCol>
+                <a:gridCol w="728456">
+                  <a:extLst>
+                    <a:ext uri="{9D8B030D-6E8A-4147-A177-3AD203B41FA5}">
+                      <a16:colId xmlns:a16="http://schemas.microsoft.com/office/drawing/2014/main" val="1800519290"/>
+                    </a:ext>
+                  </a:extLst>
+                </a:gridCol>
+                <a:gridCol w="728456">
+                  <a:extLst>
+                    <a:ext uri="{9D8B030D-6E8A-4147-A177-3AD203B41FA5}">
+                      <a16:colId xmlns:a16="http://schemas.microsoft.com/office/drawing/2014/main" val="3354278025"/>
+                    </a:ext>
+                  </a:extLst>
+                </a:gridCol>
+              </a:tblGrid>
+              <a:tr h="180975">
+                <a:tc>
+                  <a:txBody>
+                    <a:bodyPr/>
+                    <a:lstStyle/>
+                    <a:p>
+                      <a:pPr algn="l" fontAlgn="b"/>
+                      <a:endParaRPr lang="he-IL" sz="1100" b="0" i="0" u="none" strike="noStrike" dirty="0">
+                        <a:solidFill>
+                          <a:srgbClr val="000000"/>
+                        </a:solidFill>
+                        <a:effectLst/>
+                        <a:latin typeface="Arial" panose="020B0604020202020204" pitchFamily="34" charset="0"/>
+                      </a:endParaRPr>
+                    </a:p>
+                  </a:txBody>
+                  <a:tcPr marL="9525" marR="9525" marT="9525" marB="0" anchor="b">
+                    <a:lnL>
+                      <a:noFill/>
+                    </a:lnL>
+                    <a:lnR>
+                      <a:noFill/>
+                    </a:lnR>
+                    <a:lnT>
+                      <a:noFill/>
+                    </a:lnT>
+                    <a:lnB>
+                      <a:noFill/>
+                    </a:lnB>
+                  </a:tcPr>
+                </a:tc>
+                <a:tc>
+                  <a:txBody>
+                    <a:bodyPr/>
+                    <a:lstStyle/>
+                    <a:p>
+                      <a:pPr algn="l" fontAlgn="b"/>
+                      <a:r>
+                        <a:rPr lang="en-US" sz="1100" b="0" i="0" u="none" strike="noStrike" dirty="0">
+                          <a:solidFill>
+                            <a:srgbClr val="000000"/>
+                          </a:solidFill>
+                          <a:effectLst/>
+                          <a:latin typeface="Arial" panose="020B0604020202020204" pitchFamily="34" charset="0"/>
+                        </a:rPr>
+                        <a:t>pixel </a:t>
+                      </a:r>
+                    </a:p>
+                  </a:txBody>
+                  <a:tcPr marL="9525" marR="9525" marT="9525" marB="0" anchor="b">
+                    <a:lnL>
+                      <a:noFill/>
+                    </a:lnL>
+                    <a:lnR>
+                      <a:noFill/>
+                    </a:lnR>
+                    <a:lnT>
+                      <a:noFill/>
+                    </a:lnT>
+                    <a:lnB>
+                      <a:noFill/>
+                    </a:lnB>
+                  </a:tcPr>
+                </a:tc>
+                <a:tc>
+                  <a:txBody>
+                    <a:bodyPr/>
+                    <a:lstStyle/>
+                    <a:p>
+                      <a:pPr algn="l" fontAlgn="b"/>
+                      <a:r>
+                        <a:rPr lang="en-US" sz="1100" b="0" i="0" u="none" strike="noStrike">
+                          <a:solidFill>
+                            <a:srgbClr val="000000"/>
+                          </a:solidFill>
+                          <a:effectLst/>
+                          <a:latin typeface="Arial" panose="020B0604020202020204" pitchFamily="34" charset="0"/>
+                        </a:rPr>
+                        <a:t>line</a:t>
+                      </a:r>
+                    </a:p>
+                  </a:txBody>
+                  <a:tcPr marL="9525" marR="9525" marT="9525" marB="0" anchor="b">
+                    <a:lnL>
+                      <a:noFill/>
+                    </a:lnL>
+                    <a:lnR>
+                      <a:noFill/>
+                    </a:lnR>
+                    <a:lnT>
+                      <a:noFill/>
+                    </a:lnT>
+                    <a:lnB>
+                      <a:noFill/>
+                    </a:lnB>
+                  </a:tcPr>
+                </a:tc>
+                <a:tc>
+                  <a:txBody>
+                    <a:bodyPr/>
+                    <a:lstStyle/>
+                    <a:p>
+                      <a:pPr algn="l" fontAlgn="b"/>
+                      <a:r>
+                        <a:rPr lang="en-US" sz="1100" b="0" i="0" u="none" strike="noStrike">
+                          <a:solidFill>
+                            <a:srgbClr val="000000"/>
+                          </a:solidFill>
+                          <a:effectLst/>
+                          <a:latin typeface="Arial" panose="020B0604020202020204" pitchFamily="34" charset="0"/>
+                        </a:rPr>
+                        <a:t>total</a:t>
+                      </a:r>
+                    </a:p>
+                  </a:txBody>
+                  <a:tcPr marL="9525" marR="9525" marT="9525" marB="0" anchor="b">
+                    <a:lnL>
+                      <a:noFill/>
+                    </a:lnL>
+                    <a:lnR>
+                      <a:noFill/>
+                    </a:lnR>
+                    <a:lnT>
+                      <a:noFill/>
+                    </a:lnT>
+                    <a:lnB>
+                      <a:noFill/>
+                    </a:lnB>
+                  </a:tcPr>
+                </a:tc>
+                <a:tc>
+                  <a:txBody>
+                    <a:bodyPr/>
+                    <a:lstStyle/>
+                    <a:p>
+                      <a:pPr algn="l" fontAlgn="b"/>
+                      <a:r>
+                        <a:rPr lang="en-US" sz="1100" b="0" i="0" u="none" strike="noStrike">
+                          <a:solidFill>
+                            <a:srgbClr val="000000"/>
+                          </a:solidFill>
+                          <a:effectLst/>
+                          <a:latin typeface="Arial" panose="020B0604020202020204" pitchFamily="34" charset="0"/>
+                        </a:rPr>
+                        <a:t>hex</a:t>
+                      </a:r>
+                    </a:p>
+                  </a:txBody>
+                  <a:tcPr marL="9525" marR="9525" marT="9525" marB="0" anchor="b">
+                    <a:lnL>
+                      <a:noFill/>
+                    </a:lnL>
+                    <a:lnR>
+                      <a:noFill/>
+                    </a:lnR>
+                    <a:lnT>
+                      <a:noFill/>
+                    </a:lnT>
+                    <a:lnB>
+                      <a:noFill/>
+                    </a:lnB>
+                  </a:tcPr>
+                </a:tc>
+                <a:extLst>
+                  <a:ext uri="{0D108BD9-81ED-4DB2-BD59-A6C34878D82A}">
+                    <a16:rowId xmlns:a16="http://schemas.microsoft.com/office/drawing/2014/main" val="2465624413"/>
+                  </a:ext>
+                </a:extLst>
+              </a:tr>
+              <a:tr h="180975">
+                <a:tc>
+                  <a:txBody>
+                    <a:bodyPr/>
+                    <a:lstStyle/>
+                    <a:p>
+                      <a:pPr algn="l" fontAlgn="b"/>
+                      <a:r>
+                        <a:rPr lang="en-US" sz="1100" b="0" i="0" u="none" strike="noStrike">
+                          <a:solidFill>
+                            <a:srgbClr val="000000"/>
+                          </a:solidFill>
+                          <a:effectLst/>
+                          <a:latin typeface="Arial" panose="020B0604020202020204" pitchFamily="34" charset="0"/>
+                        </a:rPr>
+                        <a:t>full</a:t>
+                      </a:r>
+                    </a:p>
+                  </a:txBody>
+                  <a:tcPr marL="9525" marR="9525" marT="9525" marB="0" anchor="b">
+                    <a:lnL>
+                      <a:noFill/>
+                    </a:lnL>
+                    <a:lnR>
+                      <a:noFill/>
+                    </a:lnR>
+                    <a:lnT>
+                      <a:noFill/>
+                    </a:lnT>
+                    <a:lnB>
+                      <a:noFill/>
+                    </a:lnB>
+                  </a:tcPr>
+                </a:tc>
+                <a:tc>
+                  <a:txBody>
+                    <a:bodyPr/>
+                    <a:lstStyle/>
+                    <a:p>
+                      <a:pPr algn="r" fontAlgn="b"/>
+                      <a:r>
+                        <a:rPr lang="he-IL" sz="1100" b="0" i="0" u="none" strike="noStrike">
+                          <a:solidFill>
+                            <a:srgbClr val="000000"/>
+                          </a:solidFill>
+                          <a:effectLst/>
+                          <a:latin typeface="Arial" panose="020B0604020202020204" pitchFamily="34" charset="0"/>
+                        </a:rPr>
+                        <a:t>640</a:t>
+                      </a:r>
+                    </a:p>
+                  </a:txBody>
+                  <a:tcPr marL="9525" marR="9525" marT="9525" marB="0" anchor="b">
+                    <a:lnL>
+                      <a:noFill/>
+                    </a:lnL>
+                    <a:lnR>
+                      <a:noFill/>
+                    </a:lnR>
+                    <a:lnT>
+                      <a:noFill/>
+                    </a:lnT>
+                    <a:lnB>
+                      <a:noFill/>
+                    </a:lnB>
+                  </a:tcPr>
+                </a:tc>
+                <a:tc>
+                  <a:txBody>
+                    <a:bodyPr/>
+                    <a:lstStyle/>
+                    <a:p>
+                      <a:pPr algn="r" fontAlgn="b"/>
+                      <a:r>
+                        <a:rPr lang="he-IL" sz="1100" b="0" i="0" u="none" strike="noStrike">
+                          <a:solidFill>
+                            <a:srgbClr val="000000"/>
+                          </a:solidFill>
+                          <a:effectLst/>
+                          <a:latin typeface="Arial" panose="020B0604020202020204" pitchFamily="34" charset="0"/>
+                        </a:rPr>
+                        <a:t>480</a:t>
+                      </a:r>
+                    </a:p>
+                  </a:txBody>
+                  <a:tcPr marL="9525" marR="9525" marT="9525" marB="0" anchor="b">
+                    <a:lnL>
+                      <a:noFill/>
+                    </a:lnL>
+                    <a:lnR>
+                      <a:noFill/>
+                    </a:lnR>
+                    <a:lnT>
+                      <a:noFill/>
+                    </a:lnT>
+                    <a:lnB>
+                      <a:noFill/>
+                    </a:lnB>
+                  </a:tcPr>
+                </a:tc>
+                <a:tc>
+                  <a:txBody>
+                    <a:bodyPr/>
+                    <a:lstStyle/>
+                    <a:p>
+                      <a:pPr algn="r" fontAlgn="b"/>
+                      <a:r>
+                        <a:rPr lang="he-IL" sz="1100" b="0" i="0" u="none" strike="noStrike">
+                          <a:solidFill>
+                            <a:srgbClr val="000000"/>
+                          </a:solidFill>
+                          <a:effectLst/>
+                          <a:latin typeface="Arial" panose="020B0604020202020204" pitchFamily="34" charset="0"/>
+                        </a:rPr>
+                        <a:t>307200</a:t>
+                      </a:r>
+                    </a:p>
+                  </a:txBody>
+                  <a:tcPr marL="9525" marR="9525" marT="9525" marB="0" anchor="b">
+                    <a:lnL>
+                      <a:noFill/>
+                    </a:lnL>
+                    <a:lnR>
+                      <a:noFill/>
+                    </a:lnR>
+                    <a:lnT>
+                      <a:noFill/>
+                    </a:lnT>
+                    <a:lnB>
+                      <a:noFill/>
+                    </a:lnB>
+                  </a:tcPr>
+                </a:tc>
+                <a:tc>
+                  <a:txBody>
+                    <a:bodyPr/>
+                    <a:lstStyle/>
+                    <a:p>
+                      <a:pPr algn="l" fontAlgn="b"/>
+                      <a:r>
+                        <a:rPr lang="en-US" sz="1100" b="0" i="0" u="none" strike="noStrike" dirty="0">
+                          <a:solidFill>
+                            <a:srgbClr val="000000"/>
+                          </a:solidFill>
+                          <a:effectLst/>
+                          <a:latin typeface="Arial" panose="020B0604020202020204" pitchFamily="34" charset="0"/>
+                        </a:rPr>
+                        <a:t>4B000</a:t>
+                      </a:r>
+                    </a:p>
+                  </a:txBody>
+                  <a:tcPr marL="9525" marR="9525" marT="9525" marB="0" anchor="b">
+                    <a:lnL>
+                      <a:noFill/>
+                    </a:lnL>
+                    <a:lnR>
+                      <a:noFill/>
+                    </a:lnR>
+                    <a:lnT>
+                      <a:noFill/>
+                    </a:lnT>
+                    <a:lnB>
+                      <a:noFill/>
+                    </a:lnB>
+                  </a:tcPr>
+                </a:tc>
+                <a:extLst>
+                  <a:ext uri="{0D108BD9-81ED-4DB2-BD59-A6C34878D82A}">
+                    <a16:rowId xmlns:a16="http://schemas.microsoft.com/office/drawing/2014/main" val="3671814709"/>
+                  </a:ext>
+                </a:extLst>
+              </a:tr>
+              <a:tr h="180975">
+                <a:tc>
+                  <a:txBody>
+                    <a:bodyPr/>
+                    <a:lstStyle/>
+                    <a:p>
+                      <a:pPr algn="l" fontAlgn="b"/>
+                      <a:r>
+                        <a:rPr lang="en-US" sz="1100" b="0" i="0" u="none" strike="noStrike">
+                          <a:solidFill>
+                            <a:srgbClr val="000000"/>
+                          </a:solidFill>
+                          <a:effectLst/>
+                          <a:latin typeface="Arial" panose="020B0604020202020204" pitchFamily="34" charset="0"/>
+                        </a:rPr>
+                        <a:t>chessMath</a:t>
+                      </a:r>
+                    </a:p>
+                  </a:txBody>
+                  <a:tcPr marL="9525" marR="9525" marT="9525" marB="0" anchor="b">
+                    <a:lnL>
+                      <a:noFill/>
+                    </a:lnL>
+                    <a:lnR>
+                      <a:noFill/>
+                    </a:lnR>
+                    <a:lnT>
+                      <a:noFill/>
+                    </a:lnT>
+                    <a:lnB>
+                      <a:noFill/>
+                    </a:lnB>
+                  </a:tcPr>
+                </a:tc>
+                <a:tc>
+                  <a:txBody>
+                    <a:bodyPr/>
+                    <a:lstStyle/>
+                    <a:p>
+                      <a:pPr algn="r" fontAlgn="b"/>
+                      <a:r>
+                        <a:rPr lang="he-IL" sz="1100" b="0" i="0" u="none" strike="noStrike">
+                          <a:solidFill>
+                            <a:srgbClr val="000000"/>
+                          </a:solidFill>
+                          <a:effectLst/>
+                          <a:latin typeface="Arial" panose="020B0604020202020204" pitchFamily="34" charset="0"/>
+                        </a:rPr>
+                        <a:t>320</a:t>
+                      </a:r>
+                    </a:p>
+                  </a:txBody>
+                  <a:tcPr marL="9525" marR="9525" marT="9525" marB="0" anchor="b">
+                    <a:lnL>
+                      <a:noFill/>
+                    </a:lnL>
+                    <a:lnR>
+                      <a:noFill/>
+                    </a:lnR>
+                    <a:lnT>
+                      <a:noFill/>
+                    </a:lnT>
+                    <a:lnB>
+                      <a:noFill/>
+                    </a:lnB>
+                  </a:tcPr>
+                </a:tc>
+                <a:tc>
+                  <a:txBody>
+                    <a:bodyPr/>
+                    <a:lstStyle/>
+                    <a:p>
+                      <a:pPr algn="r" fontAlgn="b"/>
+                      <a:r>
+                        <a:rPr lang="he-IL" sz="1100" b="0" i="0" u="none" strike="noStrike">
+                          <a:solidFill>
+                            <a:srgbClr val="000000"/>
+                          </a:solidFill>
+                          <a:effectLst/>
+                          <a:latin typeface="Arial" panose="020B0604020202020204" pitchFamily="34" charset="0"/>
+                        </a:rPr>
+                        <a:t>480</a:t>
+                      </a:r>
+                    </a:p>
+                  </a:txBody>
+                  <a:tcPr marL="9525" marR="9525" marT="9525" marB="0" anchor="b">
+                    <a:lnL>
+                      <a:noFill/>
+                    </a:lnL>
+                    <a:lnR>
+                      <a:noFill/>
+                    </a:lnR>
+                    <a:lnT>
+                      <a:noFill/>
+                    </a:lnT>
+                    <a:lnB>
+                      <a:noFill/>
+                    </a:lnB>
+                  </a:tcPr>
+                </a:tc>
+                <a:tc>
+                  <a:txBody>
+                    <a:bodyPr/>
+                    <a:lstStyle/>
+                    <a:p>
+                      <a:pPr algn="r" fontAlgn="b"/>
+                      <a:r>
+                        <a:rPr lang="he-IL" sz="1100" b="0" i="0" u="none" strike="noStrike" dirty="0">
+                          <a:solidFill>
+                            <a:srgbClr val="000000"/>
+                          </a:solidFill>
+                          <a:effectLst/>
+                          <a:latin typeface="Arial" panose="020B0604020202020204" pitchFamily="34" charset="0"/>
+                        </a:rPr>
+                        <a:t>153600</a:t>
+                      </a:r>
+                    </a:p>
+                  </a:txBody>
+                  <a:tcPr marL="9525" marR="9525" marT="9525" marB="0" anchor="b">
+                    <a:lnL>
+                      <a:noFill/>
+                    </a:lnL>
+                    <a:lnR>
+                      <a:noFill/>
+                    </a:lnR>
+                    <a:lnT>
+                      <a:noFill/>
+                    </a:lnT>
+                    <a:lnB>
+                      <a:noFill/>
+                    </a:lnB>
+                  </a:tcPr>
+                </a:tc>
+                <a:tc>
+                  <a:txBody>
+                    <a:bodyPr/>
+                    <a:lstStyle/>
+                    <a:p>
+                      <a:pPr algn="l" fontAlgn="b"/>
+                      <a:r>
+                        <a:rPr lang="he-IL" sz="1100" b="0" i="0" u="none" strike="noStrike">
+                          <a:solidFill>
+                            <a:srgbClr val="000000"/>
+                          </a:solidFill>
+                          <a:effectLst/>
+                          <a:latin typeface="Arial" panose="020B0604020202020204" pitchFamily="34" charset="0"/>
+                        </a:rPr>
+                        <a:t>25800</a:t>
+                      </a:r>
+                    </a:p>
+                  </a:txBody>
+                  <a:tcPr marL="9525" marR="9525" marT="9525" marB="0" anchor="b">
+                    <a:lnL>
+                      <a:noFill/>
+                    </a:lnL>
+                    <a:lnR>
+                      <a:noFill/>
+                    </a:lnR>
+                    <a:lnT>
+                      <a:noFill/>
+                    </a:lnT>
+                    <a:lnB>
+                      <a:noFill/>
+                    </a:lnB>
+                  </a:tcPr>
+                </a:tc>
+                <a:extLst>
+                  <a:ext uri="{0D108BD9-81ED-4DB2-BD59-A6C34878D82A}">
+                    <a16:rowId xmlns:a16="http://schemas.microsoft.com/office/drawing/2014/main" val="3719044581"/>
+                  </a:ext>
+                </a:extLst>
+              </a:tr>
+              <a:tr h="180975">
+                <a:tc>
+                  <a:txBody>
+                    <a:bodyPr/>
+                    <a:lstStyle/>
+                    <a:p>
+                      <a:pPr algn="l" fontAlgn="b"/>
+                      <a:r>
+                        <a:rPr lang="en-US" sz="1100" b="0" i="0" u="none" strike="noStrike">
+                          <a:solidFill>
+                            <a:srgbClr val="000000"/>
+                          </a:solidFill>
+                          <a:effectLst/>
+                          <a:latin typeface="Arial" panose="020B0604020202020204" pitchFamily="34" charset="0"/>
+                        </a:rPr>
+                        <a:t>MemAdd</a:t>
+                      </a:r>
+                    </a:p>
+                  </a:txBody>
+                  <a:tcPr marL="9525" marR="9525" marT="9525" marB="0" anchor="b">
+                    <a:lnL>
+                      <a:noFill/>
+                    </a:lnL>
+                    <a:lnR>
+                      <a:noFill/>
+                    </a:lnR>
+                    <a:lnT>
+                      <a:noFill/>
+                    </a:lnT>
+                    <a:lnB>
+                      <a:noFill/>
+                    </a:lnB>
+                  </a:tcPr>
+                </a:tc>
+                <a:tc>
+                  <a:txBody>
+                    <a:bodyPr/>
+                    <a:lstStyle/>
+                    <a:p>
+                      <a:pPr algn="r" fontAlgn="b"/>
+                      <a:r>
+                        <a:rPr lang="he-IL" sz="1100" b="0" i="0" u="none" strike="noStrike">
+                          <a:solidFill>
+                            <a:srgbClr val="000000"/>
+                          </a:solidFill>
+                          <a:effectLst/>
+                          <a:latin typeface="Arial" panose="020B0604020202020204" pitchFamily="34" charset="0"/>
+                        </a:rPr>
+                        <a:t>80</a:t>
+                      </a:r>
+                    </a:p>
+                  </a:txBody>
+                  <a:tcPr marL="9525" marR="9525" marT="9525" marB="0" anchor="b">
+                    <a:lnL>
+                      <a:noFill/>
+                    </a:lnL>
+                    <a:lnR>
+                      <a:noFill/>
+                    </a:lnR>
+                    <a:lnT>
+                      <a:noFill/>
+                    </a:lnT>
+                    <a:lnB>
+                      <a:noFill/>
+                    </a:lnB>
+                  </a:tcPr>
+                </a:tc>
+                <a:tc>
+                  <a:txBody>
+                    <a:bodyPr/>
+                    <a:lstStyle/>
+                    <a:p>
+                      <a:pPr algn="r" fontAlgn="b"/>
+                      <a:r>
+                        <a:rPr lang="he-IL" sz="1100" b="0" i="0" u="none" strike="noStrike">
+                          <a:solidFill>
+                            <a:srgbClr val="000000"/>
+                          </a:solidFill>
+                          <a:effectLst/>
+                          <a:latin typeface="Arial" panose="020B0604020202020204" pitchFamily="34" charset="0"/>
+                        </a:rPr>
+                        <a:t>480</a:t>
+                      </a:r>
+                    </a:p>
+                  </a:txBody>
+                  <a:tcPr marL="9525" marR="9525" marT="9525" marB="0" anchor="b">
+                    <a:lnL>
+                      <a:noFill/>
+                    </a:lnL>
+                    <a:lnR>
+                      <a:noFill/>
+                    </a:lnR>
+                    <a:lnT>
+                      <a:noFill/>
+                    </a:lnT>
+                    <a:lnB>
+                      <a:noFill/>
+                    </a:lnB>
+                  </a:tcPr>
+                </a:tc>
+                <a:tc>
+                  <a:txBody>
+                    <a:bodyPr/>
+                    <a:lstStyle/>
+                    <a:p>
+                      <a:pPr algn="r" fontAlgn="b"/>
+                      <a:r>
+                        <a:rPr lang="he-IL" sz="1100" b="0" i="0" u="none" strike="noStrike">
+                          <a:solidFill>
+                            <a:srgbClr val="000000"/>
+                          </a:solidFill>
+                          <a:effectLst/>
+                          <a:latin typeface="Arial" panose="020B0604020202020204" pitchFamily="34" charset="0"/>
+                        </a:rPr>
+                        <a:t>38400</a:t>
+                      </a:r>
+                    </a:p>
+                  </a:txBody>
+                  <a:tcPr marL="9525" marR="9525" marT="9525" marB="0" anchor="b">
+                    <a:lnL>
+                      <a:noFill/>
+                    </a:lnL>
+                    <a:lnR>
+                      <a:noFill/>
+                    </a:lnR>
+                    <a:lnT>
+                      <a:noFill/>
+                    </a:lnT>
+                    <a:lnB>
+                      <a:noFill/>
+                    </a:lnB>
+                  </a:tcPr>
+                </a:tc>
+                <a:tc>
+                  <a:txBody>
+                    <a:bodyPr/>
+                    <a:lstStyle/>
+                    <a:p>
+                      <a:pPr algn="l" fontAlgn="b"/>
+                      <a:r>
+                        <a:rPr lang="he-IL" sz="1100" b="0" i="0" u="none" strike="noStrike">
+                          <a:solidFill>
+                            <a:srgbClr val="000000"/>
+                          </a:solidFill>
+                          <a:effectLst/>
+                          <a:latin typeface="Arial" panose="020B0604020202020204" pitchFamily="34" charset="0"/>
+                        </a:rPr>
+                        <a:t>9600</a:t>
+                      </a:r>
+                    </a:p>
+                  </a:txBody>
+                  <a:tcPr marL="9525" marR="9525" marT="9525" marB="0" anchor="b">
+                    <a:lnL>
+                      <a:noFill/>
+                    </a:lnL>
+                    <a:lnR>
+                      <a:noFill/>
+                    </a:lnR>
+                    <a:lnT>
+                      <a:noFill/>
+                    </a:lnT>
+                    <a:lnB>
+                      <a:noFill/>
+                    </a:lnB>
+                  </a:tcPr>
+                </a:tc>
+                <a:extLst>
+                  <a:ext uri="{0D108BD9-81ED-4DB2-BD59-A6C34878D82A}">
+                    <a16:rowId xmlns:a16="http://schemas.microsoft.com/office/drawing/2014/main" val="4018976082"/>
+                  </a:ext>
+                </a:extLst>
+              </a:tr>
+              <a:tr h="180975">
+                <a:tc>
+                  <a:txBody>
+                    <a:bodyPr/>
+                    <a:lstStyle/>
+                    <a:p>
+                      <a:pPr algn="l" fontAlgn="b"/>
+                      <a:r>
+                        <a:rPr lang="en-US" sz="1100" b="0" i="0" u="none" strike="noStrike">
+                          <a:solidFill>
+                            <a:srgbClr val="000000"/>
+                          </a:solidFill>
+                          <a:effectLst/>
+                          <a:latin typeface="Arial" panose="020B0604020202020204" pitchFamily="34" charset="0"/>
+                        </a:rPr>
+                        <a:t>trasmit </a:t>
+                      </a:r>
+                    </a:p>
+                  </a:txBody>
+                  <a:tcPr marL="9525" marR="9525" marT="9525" marB="0" anchor="b">
+                    <a:lnL>
+                      <a:noFill/>
+                    </a:lnL>
+                    <a:lnR>
+                      <a:noFill/>
+                    </a:lnR>
+                    <a:lnT>
+                      <a:noFill/>
+                    </a:lnT>
+                    <a:lnB>
+                      <a:noFill/>
+                    </a:lnB>
+                  </a:tcPr>
+                </a:tc>
+                <a:tc>
+                  <a:txBody>
+                    <a:bodyPr/>
+                    <a:lstStyle/>
+                    <a:p>
+                      <a:pPr algn="r" fontAlgn="b"/>
+                      <a:r>
+                        <a:rPr lang="he-IL" sz="1100" b="0" i="0" u="none" strike="noStrike">
+                          <a:solidFill>
+                            <a:srgbClr val="000000"/>
+                          </a:solidFill>
+                          <a:effectLst/>
+                          <a:latin typeface="Arial" panose="020B0604020202020204" pitchFamily="34" charset="0"/>
+                        </a:rPr>
+                        <a:t>160</a:t>
+                      </a:r>
+                    </a:p>
+                  </a:txBody>
+                  <a:tcPr marL="9525" marR="9525" marT="9525" marB="0" anchor="b">
+                    <a:lnL>
+                      <a:noFill/>
+                    </a:lnL>
+                    <a:lnR>
+                      <a:noFill/>
+                    </a:lnR>
+                    <a:lnT>
+                      <a:noFill/>
+                    </a:lnT>
+                    <a:lnB>
+                      <a:noFill/>
+                    </a:lnB>
+                  </a:tcPr>
+                </a:tc>
+                <a:tc>
+                  <a:txBody>
+                    <a:bodyPr/>
+                    <a:lstStyle/>
+                    <a:p>
+                      <a:pPr algn="r" fontAlgn="b"/>
+                      <a:r>
+                        <a:rPr lang="he-IL" sz="1100" b="0" i="0" u="none" strike="noStrike">
+                          <a:solidFill>
+                            <a:srgbClr val="000000"/>
+                          </a:solidFill>
+                          <a:effectLst/>
+                          <a:latin typeface="Arial" panose="020B0604020202020204" pitchFamily="34" charset="0"/>
+                        </a:rPr>
+                        <a:t>480</a:t>
+                      </a:r>
+                    </a:p>
+                  </a:txBody>
+                  <a:tcPr marL="9525" marR="9525" marT="9525" marB="0" anchor="b">
+                    <a:lnL>
+                      <a:noFill/>
+                    </a:lnL>
+                    <a:lnR>
+                      <a:noFill/>
+                    </a:lnR>
+                    <a:lnT>
+                      <a:noFill/>
+                    </a:lnT>
+                    <a:lnB>
+                      <a:noFill/>
+                    </a:lnB>
+                  </a:tcPr>
+                </a:tc>
+                <a:tc>
+                  <a:txBody>
+                    <a:bodyPr/>
+                    <a:lstStyle/>
+                    <a:p>
+                      <a:pPr algn="r" fontAlgn="b"/>
+                      <a:r>
+                        <a:rPr lang="he-IL" sz="1100" b="0" i="0" u="none" strike="noStrike">
+                          <a:solidFill>
+                            <a:srgbClr val="000000"/>
+                          </a:solidFill>
+                          <a:effectLst/>
+                          <a:latin typeface="Arial" panose="020B0604020202020204" pitchFamily="34" charset="0"/>
+                        </a:rPr>
+                        <a:t>76800</a:t>
+                      </a:r>
+                    </a:p>
+                  </a:txBody>
+                  <a:tcPr marL="9525" marR="9525" marT="9525" marB="0" anchor="b">
+                    <a:lnL>
+                      <a:noFill/>
+                    </a:lnL>
+                    <a:lnR>
+                      <a:noFill/>
+                    </a:lnR>
+                    <a:lnT>
+                      <a:noFill/>
+                    </a:lnT>
+                    <a:lnB>
+                      <a:noFill/>
+                    </a:lnB>
+                  </a:tcPr>
+                </a:tc>
+                <a:tc>
+                  <a:txBody>
+                    <a:bodyPr/>
+                    <a:lstStyle/>
+                    <a:p>
+                      <a:pPr algn="l" fontAlgn="b"/>
+                      <a:r>
+                        <a:rPr lang="en-US" sz="1100" b="0" i="0" u="none" strike="noStrike" dirty="0">
+                          <a:solidFill>
+                            <a:srgbClr val="000000"/>
+                          </a:solidFill>
+                          <a:effectLst/>
+                          <a:latin typeface="Arial" panose="020B0604020202020204" pitchFamily="34" charset="0"/>
+                        </a:rPr>
+                        <a:t>12C00</a:t>
+                      </a:r>
+                    </a:p>
+                  </a:txBody>
+                  <a:tcPr marL="9525" marR="9525" marT="9525" marB="0" anchor="b">
+                    <a:lnL>
+                      <a:noFill/>
+                    </a:lnL>
+                    <a:lnR>
+                      <a:noFill/>
+                    </a:lnR>
+                    <a:lnT>
+                      <a:noFill/>
+                    </a:lnT>
+                    <a:lnB>
+                      <a:noFill/>
+                    </a:lnB>
+                  </a:tcPr>
+                </a:tc>
+                <a:extLst>
+                  <a:ext uri="{0D108BD9-81ED-4DB2-BD59-A6C34878D82A}">
+                    <a16:rowId xmlns:a16="http://schemas.microsoft.com/office/drawing/2014/main" val="1525902951"/>
+                  </a:ext>
+                </a:extLst>
+              </a:tr>
+            </a:tbl>
+          </a:graphicData>
+        </a:graphic>
+      </p:graphicFrame>
+    </p:spTree>
+    <p:extLst>
+      <p:ext uri="{BB962C8B-B14F-4D97-AF65-F5344CB8AC3E}">
+        <p14:creationId xmlns:p14="http://schemas.microsoft.com/office/powerpoint/2010/main" val="3690458368"/>
+      </p:ext>
+    </p:extLst>
+  </p:cSld>
+  <p:clrMapOvr>
+    <a:masterClrMapping/>
+  </p:clrMapOvr>
+</p:sld>
+</file>
+
+<file path=ppt/slides/slide4.xml><?xml version="1.0" encoding="utf-8"?>
+<p:sld xmlns:a="http://schemas.openxmlformats.org/drawingml/2006/main" xmlns:r="http://schemas.openxmlformats.org/officeDocument/2006/relationships" xmlns:p="http://schemas.openxmlformats.org/presentationml/2006/main">
+  <p:cSld>
+    <p:spTree>
+      <p:nvGrpSpPr>
+        <p:cNvPr id="1" name=""/>
+        <p:cNvGrpSpPr/>
+        <p:nvPr/>
+      </p:nvGrpSpPr>
+      <p:grpSpPr>
+        <a:xfrm>
+          <a:off x="0" y="0"/>
+          <a:ext cx="0" cy="0"/>
+          <a:chOff x="0" y="0"/>
+          <a:chExt cx="0" cy="0"/>
+        </a:xfrm>
+      </p:grpSpPr>
       <p:grpSp>
         <p:nvGrpSpPr>
           <p:cNvPr id="2" name="קבוצה 1">
@@ -19794,7 +20790,7 @@
 </p:sld>
 </file>
 
-<file path=ppt/slides/slide4.xml><?xml version="1.0" encoding="utf-8"?>
+<file path=ppt/slides/slide5.xml><?xml version="1.0" encoding="utf-8"?>
 <p:sld xmlns:a="http://schemas.openxmlformats.org/drawingml/2006/main" xmlns:r="http://schemas.openxmlformats.org/officeDocument/2006/relationships" xmlns:p="http://schemas.openxmlformats.org/presentationml/2006/main">
   <p:cSld>
     <p:spTree>
@@ -32044,7 +33040,7 @@
 </p:sld>
 </file>
 
-<file path=ppt/slides/slide5.xml><?xml version="1.0" encoding="utf-8"?>
+<file path=ppt/slides/slide6.xml><?xml version="1.0" encoding="utf-8"?>
 <p:sld xmlns:a="http://schemas.openxmlformats.org/drawingml/2006/main" xmlns:r="http://schemas.openxmlformats.org/officeDocument/2006/relationships" xmlns:p="http://schemas.openxmlformats.org/presentationml/2006/main">
   <p:cSld>
     <p:spTree>
@@ -33322,7 +34318,621 @@
 </p:sld>
 </file>
 
-<file path=ppt/slides/slide6.xml><?xml version="1.0" encoding="utf-8"?>
+<file path=ppt/slides/slide7.xml><?xml version="1.0" encoding="utf-8"?>
+<p:sld xmlns:a="http://schemas.openxmlformats.org/drawingml/2006/main" xmlns:r="http://schemas.openxmlformats.org/officeDocument/2006/relationships" xmlns:p="http://schemas.openxmlformats.org/presentationml/2006/main">
+  <p:cSld>
+    <p:spTree>
+      <p:nvGrpSpPr>
+        <p:cNvPr id="1" name=""/>
+        <p:cNvGrpSpPr/>
+        <p:nvPr/>
+      </p:nvGrpSpPr>
+      <p:grpSpPr>
+        <a:xfrm>
+          <a:off x="0" y="0"/>
+          <a:ext cx="0" cy="0"/>
+          <a:chOff x="0" y="0"/>
+          <a:chExt cx="0" cy="0"/>
+        </a:xfrm>
+      </p:grpSpPr>
+      <p:sp>
+        <p:nvSpPr>
+          <p:cNvPr id="2" name="Title 1">
+            <a:extLst>
+              <a:ext uri="{FF2B5EF4-FFF2-40B4-BE49-F238E27FC236}">
+                <a16:creationId xmlns:a16="http://schemas.microsoft.com/office/drawing/2014/main" id="{677925C4-2771-4D78-9488-4BC87B70C59C}"/>
+              </a:ext>
+            </a:extLst>
+          </p:cNvPr>
+          <p:cNvSpPr>
+            <a:spLocks noGrp="1"/>
+          </p:cNvSpPr>
+          <p:nvPr>
+            <p:ph type="title"/>
+          </p:nvPr>
+        </p:nvSpPr>
+        <p:spPr>
+          <a:xfrm>
+            <a:off x="5509260" y="321582"/>
+            <a:ext cx="1173480" cy="244475"/>
+          </a:xfrm>
+        </p:spPr>
+        <p:txBody>
+          <a:bodyPr>
+            <a:normAutofit fontScale="90000"/>
+          </a:bodyPr>
+          <a:lstStyle/>
+          <a:p>
+            <a:pPr algn="ctr"/>
+            <a:r>
+              <a:rPr lang="en-US" sz="1400" b="1" dirty="0" err="1"/>
+              <a:t>SlantMem</a:t>
+            </a:r>
+            <a:endParaRPr lang="en-US" sz="1400" b="1" dirty="0"/>
+          </a:p>
+        </p:txBody>
+      </p:sp>
+      <p:sp>
+        <p:nvSpPr>
+          <p:cNvPr id="4" name="TextBox 3">
+            <a:extLst>
+              <a:ext uri="{FF2B5EF4-FFF2-40B4-BE49-F238E27FC236}">
+                <a16:creationId xmlns:a16="http://schemas.microsoft.com/office/drawing/2014/main" id="{57778E26-0905-4365-A774-AA983103AA82}"/>
+              </a:ext>
+            </a:extLst>
+          </p:cNvPr>
+          <p:cNvSpPr txBox="1"/>
+          <p:nvPr/>
+        </p:nvSpPr>
+        <p:spPr>
+          <a:xfrm>
+            <a:off x="330837" y="775063"/>
+            <a:ext cx="1915909" cy="1169551"/>
+          </a:xfrm>
+          <a:prstGeom prst="rect">
+            <a:avLst/>
+          </a:prstGeom>
+          <a:noFill/>
+        </p:spPr>
+        <p:txBody>
+          <a:bodyPr wrap="none" rtlCol="0">
+            <a:spAutoFit/>
+          </a:bodyPr>
+          <a:lstStyle/>
+          <a:p>
+            <a:pPr algn="l"/>
+            <a:r>
+              <a:rPr lang="en-US" sz="1000" dirty="0"/>
+              <a:t>input </a:t>
+            </a:r>
+            <a:r>
+              <a:rPr lang="en-US" sz="1000" dirty="0" err="1"/>
+              <a:t>Cclk</a:t>
+            </a:r>
+            <a:r>
+              <a:rPr lang="en-US" sz="1000" dirty="0"/>
+              <a:t>,</a:t>
+            </a:r>
+          </a:p>
+          <a:p>
+            <a:pPr algn="l"/>
+            <a:r>
+              <a:rPr lang="en-US" sz="1000" dirty="0"/>
+              <a:t>output        </a:t>
+            </a:r>
+            <a:r>
+              <a:rPr lang="en-US" sz="1000" dirty="0" err="1"/>
+              <a:t>s_axis_video_tready</a:t>
+            </a:r>
+            <a:r>
+              <a:rPr lang="en-US" sz="1000" dirty="0"/>
+              <a:t>,</a:t>
+            </a:r>
+          </a:p>
+          <a:p>
+            <a:pPr algn="l"/>
+            <a:r>
+              <a:rPr lang="en-US" sz="1000" dirty="0"/>
+              <a:t>input  [23:0] </a:t>
+            </a:r>
+            <a:r>
+              <a:rPr lang="en-US" sz="1000" dirty="0" err="1"/>
+              <a:t>s_axis_video_tdata</a:t>
+            </a:r>
+            <a:r>
+              <a:rPr lang="en-US" sz="1000" dirty="0"/>
+              <a:t> ,</a:t>
+            </a:r>
+          </a:p>
+          <a:p>
+            <a:pPr algn="l"/>
+            <a:r>
+              <a:rPr lang="en-US" sz="1000" dirty="0"/>
+              <a:t>input         </a:t>
+            </a:r>
+            <a:r>
+              <a:rPr lang="en-US" sz="1000" dirty="0" err="1"/>
+              <a:t>s_axis_video_tvalid</a:t>
+            </a:r>
+            <a:r>
+              <a:rPr lang="en-US" sz="1000" dirty="0"/>
+              <a:t>,</a:t>
+            </a:r>
+          </a:p>
+          <a:p>
+            <a:pPr algn="l"/>
+            <a:r>
+              <a:rPr lang="en-US" sz="1000" dirty="0"/>
+              <a:t>input         </a:t>
+            </a:r>
+            <a:r>
+              <a:rPr lang="en-US" sz="1000" dirty="0" err="1"/>
+              <a:t>s_axis_video_tuser</a:t>
+            </a:r>
+            <a:r>
+              <a:rPr lang="en-US" sz="1000" dirty="0"/>
+              <a:t> ,</a:t>
+            </a:r>
+          </a:p>
+          <a:p>
+            <a:pPr algn="l"/>
+            <a:r>
+              <a:rPr lang="en-US" sz="1000" dirty="0"/>
+              <a:t>input         </a:t>
+            </a:r>
+            <a:r>
+              <a:rPr lang="en-US" sz="1000" dirty="0" err="1"/>
+              <a:t>s_axis_video_tlast</a:t>
+            </a:r>
+            <a:r>
+              <a:rPr lang="en-US" sz="1000" dirty="0"/>
+              <a:t> ,</a:t>
+            </a:r>
+          </a:p>
+          <a:p>
+            <a:pPr algn="l"/>
+            <a:endParaRPr lang="en-US" sz="1000" dirty="0"/>
+          </a:p>
+        </p:txBody>
+      </p:sp>
+      <p:sp>
+        <p:nvSpPr>
+          <p:cNvPr id="5" name="Rectangle 4">
+            <a:extLst>
+              <a:ext uri="{FF2B5EF4-FFF2-40B4-BE49-F238E27FC236}">
+                <a16:creationId xmlns:a16="http://schemas.microsoft.com/office/drawing/2014/main" id="{E17F8290-E230-4087-98FD-3D327E3E1845}"/>
+              </a:ext>
+            </a:extLst>
+          </p:cNvPr>
+          <p:cNvSpPr/>
+          <p:nvPr/>
+        </p:nvSpPr>
+        <p:spPr>
+          <a:xfrm>
+            <a:off x="2603860" y="1558834"/>
+            <a:ext cx="435429" cy="4667795"/>
+          </a:xfrm>
+          <a:prstGeom prst="rect">
+            <a:avLst/>
+          </a:prstGeom>
+          <a:solidFill>
+            <a:schemeClr val="bg1">
+              <a:lumMod val="65000"/>
+            </a:schemeClr>
+          </a:solidFill>
+        </p:spPr>
+        <p:style>
+          <a:lnRef idx="2">
+            <a:schemeClr val="accent1">
+              <a:shade val="50000"/>
+            </a:schemeClr>
+          </a:lnRef>
+          <a:fillRef idx="1">
+            <a:schemeClr val="accent1"/>
+          </a:fillRef>
+          <a:effectRef idx="0">
+            <a:schemeClr val="accent1"/>
+          </a:effectRef>
+          <a:fontRef idx="minor">
+            <a:schemeClr val="lt1"/>
+          </a:fontRef>
+        </p:style>
+        <p:txBody>
+          <a:bodyPr rtlCol="0" anchor="ctr"/>
+          <a:lstStyle/>
+          <a:p>
+            <a:pPr algn="ctr"/>
+            <a:r>
+              <a:rPr lang="en-US" dirty="0"/>
+              <a:t>Y0</a:t>
+            </a:r>
+          </a:p>
+        </p:txBody>
+      </p:sp>
+      <p:sp>
+        <p:nvSpPr>
+          <p:cNvPr id="6" name="Rectangle 5">
+            <a:extLst>
+              <a:ext uri="{FF2B5EF4-FFF2-40B4-BE49-F238E27FC236}">
+                <a16:creationId xmlns:a16="http://schemas.microsoft.com/office/drawing/2014/main" id="{74A5541F-200B-46B5-BCFB-FF5C8CC121FF}"/>
+              </a:ext>
+            </a:extLst>
+          </p:cNvPr>
+          <p:cNvSpPr/>
+          <p:nvPr/>
+        </p:nvSpPr>
+        <p:spPr>
+          <a:xfrm>
+            <a:off x="2756260" y="1711234"/>
+            <a:ext cx="435429" cy="4667795"/>
+          </a:xfrm>
+          <a:prstGeom prst="rect">
+            <a:avLst/>
+          </a:prstGeom>
+          <a:solidFill>
+            <a:schemeClr val="bg1">
+              <a:lumMod val="65000"/>
+            </a:schemeClr>
+          </a:solidFill>
+        </p:spPr>
+        <p:style>
+          <a:lnRef idx="2">
+            <a:schemeClr val="accent1">
+              <a:shade val="50000"/>
+            </a:schemeClr>
+          </a:lnRef>
+          <a:fillRef idx="1">
+            <a:schemeClr val="accent1"/>
+          </a:fillRef>
+          <a:effectRef idx="0">
+            <a:schemeClr val="accent1"/>
+          </a:effectRef>
+          <a:fontRef idx="minor">
+            <a:schemeClr val="lt1"/>
+          </a:fontRef>
+        </p:style>
+        <p:txBody>
+          <a:bodyPr rtlCol="0" anchor="ctr"/>
+          <a:lstStyle/>
+          <a:p>
+            <a:pPr algn="ctr"/>
+            <a:r>
+              <a:rPr lang="en-US" dirty="0"/>
+              <a:t>Y0</a:t>
+            </a:r>
+          </a:p>
+        </p:txBody>
+      </p:sp>
+      <p:sp>
+        <p:nvSpPr>
+          <p:cNvPr id="7" name="Rectangle 6">
+            <a:extLst>
+              <a:ext uri="{FF2B5EF4-FFF2-40B4-BE49-F238E27FC236}">
+                <a16:creationId xmlns:a16="http://schemas.microsoft.com/office/drawing/2014/main" id="{A302B32E-6E26-443D-8497-D3EB73DB0B09}"/>
+              </a:ext>
+            </a:extLst>
+          </p:cNvPr>
+          <p:cNvSpPr/>
+          <p:nvPr/>
+        </p:nvSpPr>
+        <p:spPr>
+          <a:xfrm>
+            <a:off x="2908660" y="1863634"/>
+            <a:ext cx="435429" cy="4667795"/>
+          </a:xfrm>
+          <a:prstGeom prst="rect">
+            <a:avLst/>
+          </a:prstGeom>
+          <a:solidFill>
+            <a:schemeClr val="bg1">
+              <a:lumMod val="65000"/>
+            </a:schemeClr>
+          </a:solidFill>
+        </p:spPr>
+        <p:style>
+          <a:lnRef idx="2">
+            <a:schemeClr val="accent1">
+              <a:shade val="50000"/>
+            </a:schemeClr>
+          </a:lnRef>
+          <a:fillRef idx="1">
+            <a:schemeClr val="accent1"/>
+          </a:fillRef>
+          <a:effectRef idx="0">
+            <a:schemeClr val="accent1"/>
+          </a:effectRef>
+          <a:fontRef idx="minor">
+            <a:schemeClr val="lt1"/>
+          </a:fontRef>
+        </p:style>
+        <p:txBody>
+          <a:bodyPr rtlCol="0" anchor="ctr"/>
+          <a:lstStyle/>
+          <a:p>
+            <a:pPr algn="ctr"/>
+            <a:r>
+              <a:rPr lang="en-US" dirty="0"/>
+              <a:t>Y0</a:t>
+            </a:r>
+          </a:p>
+        </p:txBody>
+      </p:sp>
+      <p:sp>
+        <p:nvSpPr>
+          <p:cNvPr id="8" name="Rectangle 7">
+            <a:extLst>
+              <a:ext uri="{FF2B5EF4-FFF2-40B4-BE49-F238E27FC236}">
+                <a16:creationId xmlns:a16="http://schemas.microsoft.com/office/drawing/2014/main" id="{85552F2D-B7F0-4543-A7CE-CE416DCE6B4F}"/>
+              </a:ext>
+            </a:extLst>
+          </p:cNvPr>
+          <p:cNvSpPr/>
+          <p:nvPr/>
+        </p:nvSpPr>
+        <p:spPr>
+          <a:xfrm>
+            <a:off x="3061060" y="2016034"/>
+            <a:ext cx="435429" cy="4667795"/>
+          </a:xfrm>
+          <a:prstGeom prst="rect">
+            <a:avLst/>
+          </a:prstGeom>
+          <a:solidFill>
+            <a:schemeClr val="bg1">
+              <a:lumMod val="65000"/>
+            </a:schemeClr>
+          </a:solidFill>
+        </p:spPr>
+        <p:style>
+          <a:lnRef idx="2">
+            <a:schemeClr val="accent1">
+              <a:shade val="50000"/>
+            </a:schemeClr>
+          </a:lnRef>
+          <a:fillRef idx="1">
+            <a:schemeClr val="accent1"/>
+          </a:fillRef>
+          <a:effectRef idx="0">
+            <a:schemeClr val="accent1"/>
+          </a:effectRef>
+          <a:fontRef idx="minor">
+            <a:schemeClr val="lt1"/>
+          </a:fontRef>
+        </p:style>
+        <p:txBody>
+          <a:bodyPr rtlCol="0" anchor="ctr"/>
+          <a:lstStyle/>
+          <a:p>
+            <a:pPr algn="ctr"/>
+            <a:r>
+              <a:rPr lang="en-US" dirty="0"/>
+              <a:t>Y0</a:t>
+            </a:r>
+          </a:p>
+        </p:txBody>
+      </p:sp>
+      <p:sp>
+        <p:nvSpPr>
+          <p:cNvPr id="9" name="Rectangle 8">
+            <a:extLst>
+              <a:ext uri="{FF2B5EF4-FFF2-40B4-BE49-F238E27FC236}">
+                <a16:creationId xmlns:a16="http://schemas.microsoft.com/office/drawing/2014/main" id="{E5DA643A-CFD2-46A0-AABF-76457D30DD31}"/>
+              </a:ext>
+            </a:extLst>
+          </p:cNvPr>
+          <p:cNvSpPr/>
+          <p:nvPr/>
+        </p:nvSpPr>
+        <p:spPr>
+          <a:xfrm>
+            <a:off x="3701140" y="1558833"/>
+            <a:ext cx="496389" cy="4667795"/>
+          </a:xfrm>
+          <a:prstGeom prst="rect">
+            <a:avLst/>
+          </a:prstGeom>
+          <a:solidFill>
+            <a:srgbClr val="66E0E6"/>
+          </a:solidFill>
+        </p:spPr>
+        <p:style>
+          <a:lnRef idx="2">
+            <a:schemeClr val="accent1">
+              <a:shade val="50000"/>
+            </a:schemeClr>
+          </a:lnRef>
+          <a:fillRef idx="1">
+            <a:schemeClr val="accent1"/>
+          </a:fillRef>
+          <a:effectRef idx="0">
+            <a:schemeClr val="accent1"/>
+          </a:effectRef>
+          <a:fontRef idx="minor">
+            <a:schemeClr val="lt1"/>
+          </a:fontRef>
+        </p:style>
+        <p:txBody>
+          <a:bodyPr rtlCol="0" anchor="ctr"/>
+          <a:lstStyle/>
+          <a:p>
+            <a:pPr algn="ctr"/>
+            <a:r>
+              <a:rPr lang="en-US" sz="1000" dirty="0"/>
+              <a:t>CbCr0</a:t>
+            </a:r>
+          </a:p>
+        </p:txBody>
+      </p:sp>
+      <p:sp>
+        <p:nvSpPr>
+          <p:cNvPr id="10" name="Rectangle 9">
+            <a:extLst>
+              <a:ext uri="{FF2B5EF4-FFF2-40B4-BE49-F238E27FC236}">
+                <a16:creationId xmlns:a16="http://schemas.microsoft.com/office/drawing/2014/main" id="{7B3CDDE9-49C6-450A-96A4-91C10B49C644}"/>
+              </a:ext>
+            </a:extLst>
+          </p:cNvPr>
+          <p:cNvSpPr/>
+          <p:nvPr/>
+        </p:nvSpPr>
+        <p:spPr>
+          <a:xfrm>
+            <a:off x="3853540" y="1711233"/>
+            <a:ext cx="496389" cy="4667795"/>
+          </a:xfrm>
+          <a:prstGeom prst="rect">
+            <a:avLst/>
+          </a:prstGeom>
+          <a:solidFill>
+            <a:srgbClr val="66E0E6"/>
+          </a:solidFill>
+        </p:spPr>
+        <p:style>
+          <a:lnRef idx="2">
+            <a:schemeClr val="accent1">
+              <a:shade val="50000"/>
+            </a:schemeClr>
+          </a:lnRef>
+          <a:fillRef idx="1">
+            <a:schemeClr val="accent1"/>
+          </a:fillRef>
+          <a:effectRef idx="0">
+            <a:schemeClr val="accent1"/>
+          </a:effectRef>
+          <a:fontRef idx="minor">
+            <a:schemeClr val="lt1"/>
+          </a:fontRef>
+        </p:style>
+        <p:txBody>
+          <a:bodyPr rtlCol="0" anchor="ctr"/>
+          <a:lstStyle/>
+          <a:p>
+            <a:pPr algn="ctr"/>
+            <a:r>
+              <a:rPr lang="en-US" sz="1000" dirty="0"/>
+              <a:t>CbCr0</a:t>
+            </a:r>
+          </a:p>
+        </p:txBody>
+      </p:sp>
+      <p:sp>
+        <p:nvSpPr>
+          <p:cNvPr id="11" name="Rectangle 10">
+            <a:extLst>
+              <a:ext uri="{FF2B5EF4-FFF2-40B4-BE49-F238E27FC236}">
+                <a16:creationId xmlns:a16="http://schemas.microsoft.com/office/drawing/2014/main" id="{B4DE4622-8DF0-4B27-8235-6ECA2D1266DA}"/>
+              </a:ext>
+            </a:extLst>
+          </p:cNvPr>
+          <p:cNvSpPr/>
+          <p:nvPr/>
+        </p:nvSpPr>
+        <p:spPr>
+          <a:xfrm>
+            <a:off x="4005940" y="1863633"/>
+            <a:ext cx="496389" cy="4667795"/>
+          </a:xfrm>
+          <a:prstGeom prst="rect">
+            <a:avLst/>
+          </a:prstGeom>
+          <a:solidFill>
+            <a:srgbClr val="66E0E6"/>
+          </a:solidFill>
+        </p:spPr>
+        <p:style>
+          <a:lnRef idx="2">
+            <a:schemeClr val="accent1">
+              <a:shade val="50000"/>
+            </a:schemeClr>
+          </a:lnRef>
+          <a:fillRef idx="1">
+            <a:schemeClr val="accent1"/>
+          </a:fillRef>
+          <a:effectRef idx="0">
+            <a:schemeClr val="accent1"/>
+          </a:effectRef>
+          <a:fontRef idx="minor">
+            <a:schemeClr val="lt1"/>
+          </a:fontRef>
+        </p:style>
+        <p:txBody>
+          <a:bodyPr rtlCol="0" anchor="ctr"/>
+          <a:lstStyle/>
+          <a:p>
+            <a:pPr algn="ctr"/>
+            <a:r>
+              <a:rPr lang="en-US" sz="1000" dirty="0"/>
+              <a:t>CbCr0</a:t>
+            </a:r>
+          </a:p>
+        </p:txBody>
+      </p:sp>
+      <p:sp>
+        <p:nvSpPr>
+          <p:cNvPr id="12" name="Rectangle 11">
+            <a:extLst>
+              <a:ext uri="{FF2B5EF4-FFF2-40B4-BE49-F238E27FC236}">
+                <a16:creationId xmlns:a16="http://schemas.microsoft.com/office/drawing/2014/main" id="{3A6ECF33-7D73-4EE7-9BC5-6A33F0454710}"/>
+              </a:ext>
+            </a:extLst>
+          </p:cNvPr>
+          <p:cNvSpPr/>
+          <p:nvPr/>
+        </p:nvSpPr>
+        <p:spPr>
+          <a:xfrm>
+            <a:off x="4158340" y="2016033"/>
+            <a:ext cx="496389" cy="4667795"/>
+          </a:xfrm>
+          <a:prstGeom prst="rect">
+            <a:avLst/>
+          </a:prstGeom>
+          <a:solidFill>
+            <a:srgbClr val="66E0E6"/>
+          </a:solidFill>
+        </p:spPr>
+        <p:style>
+          <a:lnRef idx="2">
+            <a:schemeClr val="accent1">
+              <a:shade val="50000"/>
+            </a:schemeClr>
+          </a:lnRef>
+          <a:fillRef idx="1">
+            <a:schemeClr val="accent1"/>
+          </a:fillRef>
+          <a:effectRef idx="0">
+            <a:schemeClr val="accent1"/>
+          </a:effectRef>
+          <a:fontRef idx="minor">
+            <a:schemeClr val="lt1"/>
+          </a:fontRef>
+        </p:style>
+        <p:txBody>
+          <a:bodyPr rtlCol="0" anchor="ctr"/>
+          <a:lstStyle/>
+          <a:p>
+            <a:pPr algn="ctr"/>
+            <a:r>
+              <a:rPr lang="en-US" sz="1000" dirty="0"/>
+              <a:t>CbCr0</a:t>
+            </a:r>
+          </a:p>
+        </p:txBody>
+      </p:sp>
+    </p:spTree>
+    <p:extLst>
+      <p:ext uri="{BB962C8B-B14F-4D97-AF65-F5344CB8AC3E}">
+        <p14:creationId xmlns:p14="http://schemas.microsoft.com/office/powerpoint/2010/main" val="3374117254"/>
+      </p:ext>
+    </p:extLst>
+  </p:cSld>
+  <p:clrMapOvr>
+    <a:masterClrMapping/>
+  </p:clrMapOvr>
+</p:sld>
+</file>
+
+<file path=ppt/slides/slide8.xml><?xml version="1.0" encoding="utf-8"?>
 <p:sld xmlns:a="http://schemas.openxmlformats.org/drawingml/2006/main" xmlns:r="http://schemas.openxmlformats.org/officeDocument/2006/relationships" xmlns:p="http://schemas.openxmlformats.org/presentationml/2006/main">
   <p:cSld>
     <p:spTree>
@@ -33357,7 +34967,7 @@
         </p:nvSpPr>
         <p:spPr>
           <a:xfrm>
-            <a:off x="5266660" y="499730"/>
+            <a:off x="5266660" y="127591"/>
             <a:ext cx="1658679" cy="542261"/>
           </a:xfrm>
         </p:spPr>
@@ -33390,7 +35000,7 @@
         </p:nvSpPr>
         <p:spPr>
           <a:xfrm>
-            <a:off x="267820" y="1130089"/>
+            <a:off x="97699" y="502768"/>
             <a:ext cx="2257413" cy="1200329"/>
           </a:xfrm>
           <a:prstGeom prst="rect">
@@ -33488,6 +35098,5296 @@
     <p:extLst>
       <p:ext uri="{BB962C8B-B14F-4D97-AF65-F5344CB8AC3E}">
         <p14:creationId xmlns:p14="http://schemas.microsoft.com/office/powerpoint/2010/main" val="395022372"/>
+      </p:ext>
+    </p:extLst>
+  </p:cSld>
+  <p:clrMapOvr>
+    <a:masterClrMapping/>
+  </p:clrMapOvr>
+</p:sld>
+</file>
+
+<file path=ppt/slides/slide9.xml><?xml version="1.0" encoding="utf-8"?>
+<p:sld xmlns:a="http://schemas.openxmlformats.org/drawingml/2006/main" xmlns:r="http://schemas.openxmlformats.org/officeDocument/2006/relationships" xmlns:p="http://schemas.openxmlformats.org/presentationml/2006/main">
+  <p:cSld>
+    <p:spTree>
+      <p:nvGrpSpPr>
+        <p:cNvPr id="1" name=""/>
+        <p:cNvGrpSpPr/>
+        <p:nvPr/>
+      </p:nvGrpSpPr>
+      <p:grpSpPr>
+        <a:xfrm>
+          <a:off x="0" y="0"/>
+          <a:ext cx="0" cy="0"/>
+          <a:chOff x="0" y="0"/>
+          <a:chExt cx="0" cy="0"/>
+        </a:xfrm>
+      </p:grpSpPr>
+      <p:cxnSp>
+        <p:nvCxnSpPr>
+          <p:cNvPr id="15" name="מחבר ישר 14">
+            <a:extLst>
+              <a:ext uri="{FF2B5EF4-FFF2-40B4-BE49-F238E27FC236}">
+                <a16:creationId xmlns:a16="http://schemas.microsoft.com/office/drawing/2014/main" id="{B717F493-7A5B-466E-8BE0-CA38BC0587C9}"/>
+              </a:ext>
+            </a:extLst>
+          </p:cNvPr>
+          <p:cNvCxnSpPr/>
+          <p:nvPr/>
+        </p:nvCxnSpPr>
+        <p:spPr>
+          <a:xfrm>
+            <a:off x="1633546" y="547952"/>
+            <a:ext cx="142875" cy="0"/>
+          </a:xfrm>
+          <a:prstGeom prst="line">
+            <a:avLst/>
+          </a:prstGeom>
+        </p:spPr>
+        <p:style>
+          <a:lnRef idx="1">
+            <a:schemeClr val="accent1"/>
+          </a:lnRef>
+          <a:fillRef idx="0">
+            <a:schemeClr val="accent1"/>
+          </a:fillRef>
+          <a:effectRef idx="0">
+            <a:schemeClr val="accent1"/>
+          </a:effectRef>
+          <a:fontRef idx="minor">
+            <a:schemeClr val="tx1"/>
+          </a:fontRef>
+        </p:style>
+      </p:cxnSp>
+      <p:cxnSp>
+        <p:nvCxnSpPr>
+          <p:cNvPr id="16" name="מחבר ישר 15">
+            <a:extLst>
+              <a:ext uri="{FF2B5EF4-FFF2-40B4-BE49-F238E27FC236}">
+                <a16:creationId xmlns:a16="http://schemas.microsoft.com/office/drawing/2014/main" id="{2A2FD15C-6FBC-4C66-B80F-F2DC4D3DE790}"/>
+              </a:ext>
+            </a:extLst>
+          </p:cNvPr>
+          <p:cNvCxnSpPr>
+            <a:cxnSpLocks/>
+          </p:cNvCxnSpPr>
+          <p:nvPr/>
+        </p:nvCxnSpPr>
+        <p:spPr>
+          <a:xfrm rot="16200000">
+            <a:off x="1704976" y="474134"/>
+            <a:ext cx="142875" cy="0"/>
+          </a:xfrm>
+          <a:prstGeom prst="line">
+            <a:avLst/>
+          </a:prstGeom>
+        </p:spPr>
+        <p:style>
+          <a:lnRef idx="1">
+            <a:schemeClr val="accent1"/>
+          </a:lnRef>
+          <a:fillRef idx="0">
+            <a:schemeClr val="accent1"/>
+          </a:fillRef>
+          <a:effectRef idx="0">
+            <a:schemeClr val="accent1"/>
+          </a:effectRef>
+          <a:fontRef idx="minor">
+            <a:schemeClr val="tx1"/>
+          </a:fontRef>
+        </p:style>
+      </p:cxnSp>
+      <p:cxnSp>
+        <p:nvCxnSpPr>
+          <p:cNvPr id="17" name="מחבר ישר 16">
+            <a:extLst>
+              <a:ext uri="{FF2B5EF4-FFF2-40B4-BE49-F238E27FC236}">
+                <a16:creationId xmlns:a16="http://schemas.microsoft.com/office/drawing/2014/main" id="{1B5262B9-C14D-4D1B-9688-3B28D02046AC}"/>
+              </a:ext>
+            </a:extLst>
+          </p:cNvPr>
+          <p:cNvCxnSpPr/>
+          <p:nvPr/>
+        </p:nvCxnSpPr>
+        <p:spPr>
+          <a:xfrm>
+            <a:off x="1776413" y="402956"/>
+            <a:ext cx="142875" cy="0"/>
+          </a:xfrm>
+          <a:prstGeom prst="line">
+            <a:avLst/>
+          </a:prstGeom>
+        </p:spPr>
+        <p:style>
+          <a:lnRef idx="1">
+            <a:schemeClr val="accent1"/>
+          </a:lnRef>
+          <a:fillRef idx="0">
+            <a:schemeClr val="accent1"/>
+          </a:fillRef>
+          <a:effectRef idx="0">
+            <a:schemeClr val="accent1"/>
+          </a:effectRef>
+          <a:fontRef idx="minor">
+            <a:schemeClr val="tx1"/>
+          </a:fontRef>
+        </p:style>
+      </p:cxnSp>
+      <p:cxnSp>
+        <p:nvCxnSpPr>
+          <p:cNvPr id="18" name="מחבר ישר 17">
+            <a:extLst>
+              <a:ext uri="{FF2B5EF4-FFF2-40B4-BE49-F238E27FC236}">
+                <a16:creationId xmlns:a16="http://schemas.microsoft.com/office/drawing/2014/main" id="{E2D3971B-AAC8-48FE-A205-A84E48A14C59}"/>
+              </a:ext>
+            </a:extLst>
+          </p:cNvPr>
+          <p:cNvCxnSpPr>
+            <a:cxnSpLocks/>
+          </p:cNvCxnSpPr>
+          <p:nvPr/>
+        </p:nvCxnSpPr>
+        <p:spPr>
+          <a:xfrm rot="16200000">
+            <a:off x="1847843" y="476780"/>
+            <a:ext cx="142875" cy="0"/>
+          </a:xfrm>
+          <a:prstGeom prst="line">
+            <a:avLst/>
+          </a:prstGeom>
+        </p:spPr>
+        <p:style>
+          <a:lnRef idx="1">
+            <a:schemeClr val="accent1"/>
+          </a:lnRef>
+          <a:fillRef idx="0">
+            <a:schemeClr val="accent1"/>
+          </a:fillRef>
+          <a:effectRef idx="0">
+            <a:schemeClr val="accent1"/>
+          </a:effectRef>
+          <a:fontRef idx="minor">
+            <a:schemeClr val="tx1"/>
+          </a:fontRef>
+        </p:style>
+      </p:cxnSp>
+      <p:cxnSp>
+        <p:nvCxnSpPr>
+          <p:cNvPr id="19" name="מחבר ישר 18">
+            <a:extLst>
+              <a:ext uri="{FF2B5EF4-FFF2-40B4-BE49-F238E27FC236}">
+                <a16:creationId xmlns:a16="http://schemas.microsoft.com/office/drawing/2014/main" id="{55A38B01-6410-4F8C-9718-A26525423784}"/>
+              </a:ext>
+            </a:extLst>
+          </p:cNvPr>
+          <p:cNvCxnSpPr/>
+          <p:nvPr/>
+        </p:nvCxnSpPr>
+        <p:spPr>
+          <a:xfrm>
+            <a:off x="1921678" y="547952"/>
+            <a:ext cx="142875" cy="0"/>
+          </a:xfrm>
+          <a:prstGeom prst="line">
+            <a:avLst/>
+          </a:prstGeom>
+        </p:spPr>
+        <p:style>
+          <a:lnRef idx="1">
+            <a:schemeClr val="accent1"/>
+          </a:lnRef>
+          <a:fillRef idx="0">
+            <a:schemeClr val="accent1"/>
+          </a:fillRef>
+          <a:effectRef idx="0">
+            <a:schemeClr val="accent1"/>
+          </a:effectRef>
+          <a:fontRef idx="minor">
+            <a:schemeClr val="tx1"/>
+          </a:fontRef>
+        </p:style>
+      </p:cxnSp>
+      <p:cxnSp>
+        <p:nvCxnSpPr>
+          <p:cNvPr id="20" name="מחבר ישר 19">
+            <a:extLst>
+              <a:ext uri="{FF2B5EF4-FFF2-40B4-BE49-F238E27FC236}">
+                <a16:creationId xmlns:a16="http://schemas.microsoft.com/office/drawing/2014/main" id="{883625CB-71F1-4D1B-BA4D-0B5415E5ED54}"/>
+              </a:ext>
+            </a:extLst>
+          </p:cNvPr>
+          <p:cNvCxnSpPr>
+            <a:cxnSpLocks/>
+          </p:cNvCxnSpPr>
+          <p:nvPr/>
+        </p:nvCxnSpPr>
+        <p:spPr>
+          <a:xfrm rot="16200000">
+            <a:off x="1993108" y="474134"/>
+            <a:ext cx="142875" cy="0"/>
+          </a:xfrm>
+          <a:prstGeom prst="line">
+            <a:avLst/>
+          </a:prstGeom>
+        </p:spPr>
+        <p:style>
+          <a:lnRef idx="1">
+            <a:schemeClr val="accent1"/>
+          </a:lnRef>
+          <a:fillRef idx="0">
+            <a:schemeClr val="accent1"/>
+          </a:fillRef>
+          <a:effectRef idx="0">
+            <a:schemeClr val="accent1"/>
+          </a:effectRef>
+          <a:fontRef idx="minor">
+            <a:schemeClr val="tx1"/>
+          </a:fontRef>
+        </p:style>
+      </p:cxnSp>
+      <p:cxnSp>
+        <p:nvCxnSpPr>
+          <p:cNvPr id="21" name="מחבר ישר 20">
+            <a:extLst>
+              <a:ext uri="{FF2B5EF4-FFF2-40B4-BE49-F238E27FC236}">
+                <a16:creationId xmlns:a16="http://schemas.microsoft.com/office/drawing/2014/main" id="{F001C6DB-E5C9-4548-8DB1-82CF3354AAF5}"/>
+              </a:ext>
+            </a:extLst>
+          </p:cNvPr>
+          <p:cNvCxnSpPr/>
+          <p:nvPr/>
+        </p:nvCxnSpPr>
+        <p:spPr>
+          <a:xfrm>
+            <a:off x="2064545" y="402956"/>
+            <a:ext cx="142875" cy="0"/>
+          </a:xfrm>
+          <a:prstGeom prst="line">
+            <a:avLst/>
+          </a:prstGeom>
+        </p:spPr>
+        <p:style>
+          <a:lnRef idx="1">
+            <a:schemeClr val="accent1"/>
+          </a:lnRef>
+          <a:fillRef idx="0">
+            <a:schemeClr val="accent1"/>
+          </a:fillRef>
+          <a:effectRef idx="0">
+            <a:schemeClr val="accent1"/>
+          </a:effectRef>
+          <a:fontRef idx="minor">
+            <a:schemeClr val="tx1"/>
+          </a:fontRef>
+        </p:style>
+      </p:cxnSp>
+      <p:cxnSp>
+        <p:nvCxnSpPr>
+          <p:cNvPr id="22" name="מחבר ישר 21">
+            <a:extLst>
+              <a:ext uri="{FF2B5EF4-FFF2-40B4-BE49-F238E27FC236}">
+                <a16:creationId xmlns:a16="http://schemas.microsoft.com/office/drawing/2014/main" id="{883D7C67-C455-480E-A32E-F67ACEBBF826}"/>
+              </a:ext>
+            </a:extLst>
+          </p:cNvPr>
+          <p:cNvCxnSpPr>
+            <a:cxnSpLocks/>
+          </p:cNvCxnSpPr>
+          <p:nvPr/>
+        </p:nvCxnSpPr>
+        <p:spPr>
+          <a:xfrm rot="16200000">
+            <a:off x="2135975" y="476780"/>
+            <a:ext cx="142875" cy="0"/>
+          </a:xfrm>
+          <a:prstGeom prst="line">
+            <a:avLst/>
+          </a:prstGeom>
+        </p:spPr>
+        <p:style>
+          <a:lnRef idx="1">
+            <a:schemeClr val="accent1"/>
+          </a:lnRef>
+          <a:fillRef idx="0">
+            <a:schemeClr val="accent1"/>
+          </a:fillRef>
+          <a:effectRef idx="0">
+            <a:schemeClr val="accent1"/>
+          </a:effectRef>
+          <a:fontRef idx="minor">
+            <a:schemeClr val="tx1"/>
+          </a:fontRef>
+        </p:style>
+      </p:cxnSp>
+      <p:cxnSp>
+        <p:nvCxnSpPr>
+          <p:cNvPr id="23" name="מחבר ישר 22">
+            <a:extLst>
+              <a:ext uri="{FF2B5EF4-FFF2-40B4-BE49-F238E27FC236}">
+                <a16:creationId xmlns:a16="http://schemas.microsoft.com/office/drawing/2014/main" id="{98252D72-B221-4CC8-9077-AB7440FE6A49}"/>
+              </a:ext>
+            </a:extLst>
+          </p:cNvPr>
+          <p:cNvCxnSpPr/>
+          <p:nvPr/>
+        </p:nvCxnSpPr>
+        <p:spPr>
+          <a:xfrm>
+            <a:off x="2209808" y="547952"/>
+            <a:ext cx="142875" cy="0"/>
+          </a:xfrm>
+          <a:prstGeom prst="line">
+            <a:avLst/>
+          </a:prstGeom>
+        </p:spPr>
+        <p:style>
+          <a:lnRef idx="1">
+            <a:schemeClr val="accent1"/>
+          </a:lnRef>
+          <a:fillRef idx="0">
+            <a:schemeClr val="accent1"/>
+          </a:fillRef>
+          <a:effectRef idx="0">
+            <a:schemeClr val="accent1"/>
+          </a:effectRef>
+          <a:fontRef idx="minor">
+            <a:schemeClr val="tx1"/>
+          </a:fontRef>
+        </p:style>
+      </p:cxnSp>
+      <p:cxnSp>
+        <p:nvCxnSpPr>
+          <p:cNvPr id="24" name="מחבר ישר 23">
+            <a:extLst>
+              <a:ext uri="{FF2B5EF4-FFF2-40B4-BE49-F238E27FC236}">
+                <a16:creationId xmlns:a16="http://schemas.microsoft.com/office/drawing/2014/main" id="{33446D21-BEB0-4085-8CDE-1507E9A954AB}"/>
+              </a:ext>
+            </a:extLst>
+          </p:cNvPr>
+          <p:cNvCxnSpPr>
+            <a:cxnSpLocks/>
+          </p:cNvCxnSpPr>
+          <p:nvPr/>
+        </p:nvCxnSpPr>
+        <p:spPr>
+          <a:xfrm rot="16200000">
+            <a:off x="2281238" y="474134"/>
+            <a:ext cx="142875" cy="0"/>
+          </a:xfrm>
+          <a:prstGeom prst="line">
+            <a:avLst/>
+          </a:prstGeom>
+        </p:spPr>
+        <p:style>
+          <a:lnRef idx="1">
+            <a:schemeClr val="accent1"/>
+          </a:lnRef>
+          <a:fillRef idx="0">
+            <a:schemeClr val="accent1"/>
+          </a:fillRef>
+          <a:effectRef idx="0">
+            <a:schemeClr val="accent1"/>
+          </a:effectRef>
+          <a:fontRef idx="minor">
+            <a:schemeClr val="tx1"/>
+          </a:fontRef>
+        </p:style>
+      </p:cxnSp>
+      <p:cxnSp>
+        <p:nvCxnSpPr>
+          <p:cNvPr id="25" name="מחבר ישר 24">
+            <a:extLst>
+              <a:ext uri="{FF2B5EF4-FFF2-40B4-BE49-F238E27FC236}">
+                <a16:creationId xmlns:a16="http://schemas.microsoft.com/office/drawing/2014/main" id="{D17822AD-8F1B-4BC3-9AAD-05E48774884C}"/>
+              </a:ext>
+            </a:extLst>
+          </p:cNvPr>
+          <p:cNvCxnSpPr/>
+          <p:nvPr/>
+        </p:nvCxnSpPr>
+        <p:spPr>
+          <a:xfrm>
+            <a:off x="2352675" y="402956"/>
+            <a:ext cx="142875" cy="0"/>
+          </a:xfrm>
+          <a:prstGeom prst="line">
+            <a:avLst/>
+          </a:prstGeom>
+        </p:spPr>
+        <p:style>
+          <a:lnRef idx="1">
+            <a:schemeClr val="accent1"/>
+          </a:lnRef>
+          <a:fillRef idx="0">
+            <a:schemeClr val="accent1"/>
+          </a:fillRef>
+          <a:effectRef idx="0">
+            <a:schemeClr val="accent1"/>
+          </a:effectRef>
+          <a:fontRef idx="minor">
+            <a:schemeClr val="tx1"/>
+          </a:fontRef>
+        </p:style>
+      </p:cxnSp>
+      <p:cxnSp>
+        <p:nvCxnSpPr>
+          <p:cNvPr id="26" name="מחבר ישר 25">
+            <a:extLst>
+              <a:ext uri="{FF2B5EF4-FFF2-40B4-BE49-F238E27FC236}">
+                <a16:creationId xmlns:a16="http://schemas.microsoft.com/office/drawing/2014/main" id="{5DC3D253-58F0-4E39-9377-20A644E60B2F}"/>
+              </a:ext>
+            </a:extLst>
+          </p:cNvPr>
+          <p:cNvCxnSpPr>
+            <a:cxnSpLocks/>
+          </p:cNvCxnSpPr>
+          <p:nvPr/>
+        </p:nvCxnSpPr>
+        <p:spPr>
+          <a:xfrm rot="16200000">
+            <a:off x="2424105" y="476780"/>
+            <a:ext cx="142875" cy="0"/>
+          </a:xfrm>
+          <a:prstGeom prst="line">
+            <a:avLst/>
+          </a:prstGeom>
+        </p:spPr>
+        <p:style>
+          <a:lnRef idx="1">
+            <a:schemeClr val="accent1"/>
+          </a:lnRef>
+          <a:fillRef idx="0">
+            <a:schemeClr val="accent1"/>
+          </a:fillRef>
+          <a:effectRef idx="0">
+            <a:schemeClr val="accent1"/>
+          </a:effectRef>
+          <a:fontRef idx="minor">
+            <a:schemeClr val="tx1"/>
+          </a:fontRef>
+        </p:style>
+      </p:cxnSp>
+      <p:cxnSp>
+        <p:nvCxnSpPr>
+          <p:cNvPr id="27" name="מחבר ישר 26">
+            <a:extLst>
+              <a:ext uri="{FF2B5EF4-FFF2-40B4-BE49-F238E27FC236}">
+                <a16:creationId xmlns:a16="http://schemas.microsoft.com/office/drawing/2014/main" id="{7E39A19B-2739-41E0-ABFD-17F3A92FB6D4}"/>
+              </a:ext>
+            </a:extLst>
+          </p:cNvPr>
+          <p:cNvCxnSpPr/>
+          <p:nvPr/>
+        </p:nvCxnSpPr>
+        <p:spPr>
+          <a:xfrm>
+            <a:off x="2497940" y="547952"/>
+            <a:ext cx="142875" cy="0"/>
+          </a:xfrm>
+          <a:prstGeom prst="line">
+            <a:avLst/>
+          </a:prstGeom>
+        </p:spPr>
+        <p:style>
+          <a:lnRef idx="1">
+            <a:schemeClr val="accent1"/>
+          </a:lnRef>
+          <a:fillRef idx="0">
+            <a:schemeClr val="accent1"/>
+          </a:fillRef>
+          <a:effectRef idx="0">
+            <a:schemeClr val="accent1"/>
+          </a:effectRef>
+          <a:fontRef idx="minor">
+            <a:schemeClr val="tx1"/>
+          </a:fontRef>
+        </p:style>
+      </p:cxnSp>
+      <p:cxnSp>
+        <p:nvCxnSpPr>
+          <p:cNvPr id="28" name="מחבר ישר 27">
+            <a:extLst>
+              <a:ext uri="{FF2B5EF4-FFF2-40B4-BE49-F238E27FC236}">
+                <a16:creationId xmlns:a16="http://schemas.microsoft.com/office/drawing/2014/main" id="{7CED2BA8-055E-4E83-8CD4-D98B24005EAD}"/>
+              </a:ext>
+            </a:extLst>
+          </p:cNvPr>
+          <p:cNvCxnSpPr>
+            <a:cxnSpLocks/>
+          </p:cNvCxnSpPr>
+          <p:nvPr/>
+        </p:nvCxnSpPr>
+        <p:spPr>
+          <a:xfrm rot="16200000">
+            <a:off x="2569370" y="474134"/>
+            <a:ext cx="142875" cy="0"/>
+          </a:xfrm>
+          <a:prstGeom prst="line">
+            <a:avLst/>
+          </a:prstGeom>
+        </p:spPr>
+        <p:style>
+          <a:lnRef idx="1">
+            <a:schemeClr val="accent1"/>
+          </a:lnRef>
+          <a:fillRef idx="0">
+            <a:schemeClr val="accent1"/>
+          </a:fillRef>
+          <a:effectRef idx="0">
+            <a:schemeClr val="accent1"/>
+          </a:effectRef>
+          <a:fontRef idx="minor">
+            <a:schemeClr val="tx1"/>
+          </a:fontRef>
+        </p:style>
+      </p:cxnSp>
+      <p:cxnSp>
+        <p:nvCxnSpPr>
+          <p:cNvPr id="29" name="מחבר ישר 28">
+            <a:extLst>
+              <a:ext uri="{FF2B5EF4-FFF2-40B4-BE49-F238E27FC236}">
+                <a16:creationId xmlns:a16="http://schemas.microsoft.com/office/drawing/2014/main" id="{047FA105-50C7-4F3F-9D27-7B35865481F6}"/>
+              </a:ext>
+            </a:extLst>
+          </p:cNvPr>
+          <p:cNvCxnSpPr/>
+          <p:nvPr/>
+        </p:nvCxnSpPr>
+        <p:spPr>
+          <a:xfrm>
+            <a:off x="2640807" y="402956"/>
+            <a:ext cx="142875" cy="0"/>
+          </a:xfrm>
+          <a:prstGeom prst="line">
+            <a:avLst/>
+          </a:prstGeom>
+        </p:spPr>
+        <p:style>
+          <a:lnRef idx="1">
+            <a:schemeClr val="accent1"/>
+          </a:lnRef>
+          <a:fillRef idx="0">
+            <a:schemeClr val="accent1"/>
+          </a:fillRef>
+          <a:effectRef idx="0">
+            <a:schemeClr val="accent1"/>
+          </a:effectRef>
+          <a:fontRef idx="minor">
+            <a:schemeClr val="tx1"/>
+          </a:fontRef>
+        </p:style>
+      </p:cxnSp>
+      <p:cxnSp>
+        <p:nvCxnSpPr>
+          <p:cNvPr id="30" name="מחבר ישר 29">
+            <a:extLst>
+              <a:ext uri="{FF2B5EF4-FFF2-40B4-BE49-F238E27FC236}">
+                <a16:creationId xmlns:a16="http://schemas.microsoft.com/office/drawing/2014/main" id="{95CE2559-8BA3-4199-B1B2-5FB5BD429C87}"/>
+              </a:ext>
+            </a:extLst>
+          </p:cNvPr>
+          <p:cNvCxnSpPr>
+            <a:cxnSpLocks/>
+          </p:cNvCxnSpPr>
+          <p:nvPr/>
+        </p:nvCxnSpPr>
+        <p:spPr>
+          <a:xfrm rot="16200000">
+            <a:off x="2712237" y="476780"/>
+            <a:ext cx="142875" cy="0"/>
+          </a:xfrm>
+          <a:prstGeom prst="line">
+            <a:avLst/>
+          </a:prstGeom>
+        </p:spPr>
+        <p:style>
+          <a:lnRef idx="1">
+            <a:schemeClr val="accent1"/>
+          </a:lnRef>
+          <a:fillRef idx="0">
+            <a:schemeClr val="accent1"/>
+          </a:fillRef>
+          <a:effectRef idx="0">
+            <a:schemeClr val="accent1"/>
+          </a:effectRef>
+          <a:fontRef idx="minor">
+            <a:schemeClr val="tx1"/>
+          </a:fontRef>
+        </p:style>
+      </p:cxnSp>
+      <p:cxnSp>
+        <p:nvCxnSpPr>
+          <p:cNvPr id="31" name="מחבר ישר 30">
+            <a:extLst>
+              <a:ext uri="{FF2B5EF4-FFF2-40B4-BE49-F238E27FC236}">
+                <a16:creationId xmlns:a16="http://schemas.microsoft.com/office/drawing/2014/main" id="{D0DB397A-8C1C-4E83-BDF9-3AAD5606E29D}"/>
+              </a:ext>
+            </a:extLst>
+          </p:cNvPr>
+          <p:cNvCxnSpPr/>
+          <p:nvPr/>
+        </p:nvCxnSpPr>
+        <p:spPr>
+          <a:xfrm>
+            <a:off x="2786074" y="547956"/>
+            <a:ext cx="142875" cy="0"/>
+          </a:xfrm>
+          <a:prstGeom prst="line">
+            <a:avLst/>
+          </a:prstGeom>
+        </p:spPr>
+        <p:style>
+          <a:lnRef idx="1">
+            <a:schemeClr val="accent1"/>
+          </a:lnRef>
+          <a:fillRef idx="0">
+            <a:schemeClr val="accent1"/>
+          </a:fillRef>
+          <a:effectRef idx="0">
+            <a:schemeClr val="accent1"/>
+          </a:effectRef>
+          <a:fontRef idx="minor">
+            <a:schemeClr val="tx1"/>
+          </a:fontRef>
+        </p:style>
+      </p:cxnSp>
+      <p:cxnSp>
+        <p:nvCxnSpPr>
+          <p:cNvPr id="32" name="מחבר ישר 31">
+            <a:extLst>
+              <a:ext uri="{FF2B5EF4-FFF2-40B4-BE49-F238E27FC236}">
+                <a16:creationId xmlns:a16="http://schemas.microsoft.com/office/drawing/2014/main" id="{84F66C25-57D6-4E65-A1BF-DC7C39C9C195}"/>
+              </a:ext>
+            </a:extLst>
+          </p:cNvPr>
+          <p:cNvCxnSpPr>
+            <a:cxnSpLocks/>
+          </p:cNvCxnSpPr>
+          <p:nvPr/>
+        </p:nvCxnSpPr>
+        <p:spPr>
+          <a:xfrm rot="16200000">
+            <a:off x="2857504" y="474138"/>
+            <a:ext cx="142875" cy="0"/>
+          </a:xfrm>
+          <a:prstGeom prst="line">
+            <a:avLst/>
+          </a:prstGeom>
+        </p:spPr>
+        <p:style>
+          <a:lnRef idx="1">
+            <a:schemeClr val="accent1"/>
+          </a:lnRef>
+          <a:fillRef idx="0">
+            <a:schemeClr val="accent1"/>
+          </a:fillRef>
+          <a:effectRef idx="0">
+            <a:schemeClr val="accent1"/>
+          </a:effectRef>
+          <a:fontRef idx="minor">
+            <a:schemeClr val="tx1"/>
+          </a:fontRef>
+        </p:style>
+      </p:cxnSp>
+      <p:cxnSp>
+        <p:nvCxnSpPr>
+          <p:cNvPr id="33" name="מחבר ישר 32">
+            <a:extLst>
+              <a:ext uri="{FF2B5EF4-FFF2-40B4-BE49-F238E27FC236}">
+                <a16:creationId xmlns:a16="http://schemas.microsoft.com/office/drawing/2014/main" id="{E562B896-944A-417B-83BD-EACDC678A71A}"/>
+              </a:ext>
+            </a:extLst>
+          </p:cNvPr>
+          <p:cNvCxnSpPr/>
+          <p:nvPr/>
+        </p:nvCxnSpPr>
+        <p:spPr>
+          <a:xfrm>
+            <a:off x="2928941" y="402960"/>
+            <a:ext cx="142875" cy="0"/>
+          </a:xfrm>
+          <a:prstGeom prst="line">
+            <a:avLst/>
+          </a:prstGeom>
+        </p:spPr>
+        <p:style>
+          <a:lnRef idx="1">
+            <a:schemeClr val="accent1"/>
+          </a:lnRef>
+          <a:fillRef idx="0">
+            <a:schemeClr val="accent1"/>
+          </a:fillRef>
+          <a:effectRef idx="0">
+            <a:schemeClr val="accent1"/>
+          </a:effectRef>
+          <a:fontRef idx="minor">
+            <a:schemeClr val="tx1"/>
+          </a:fontRef>
+        </p:style>
+      </p:cxnSp>
+      <p:cxnSp>
+        <p:nvCxnSpPr>
+          <p:cNvPr id="34" name="מחבר ישר 33">
+            <a:extLst>
+              <a:ext uri="{FF2B5EF4-FFF2-40B4-BE49-F238E27FC236}">
+                <a16:creationId xmlns:a16="http://schemas.microsoft.com/office/drawing/2014/main" id="{13B3ED13-D033-442A-BAA8-4694B44C7D11}"/>
+              </a:ext>
+            </a:extLst>
+          </p:cNvPr>
+          <p:cNvCxnSpPr>
+            <a:cxnSpLocks/>
+          </p:cNvCxnSpPr>
+          <p:nvPr/>
+        </p:nvCxnSpPr>
+        <p:spPr>
+          <a:xfrm rot="16200000">
+            <a:off x="3000371" y="476784"/>
+            <a:ext cx="142875" cy="0"/>
+          </a:xfrm>
+          <a:prstGeom prst="line">
+            <a:avLst/>
+          </a:prstGeom>
+        </p:spPr>
+        <p:style>
+          <a:lnRef idx="1">
+            <a:schemeClr val="accent1"/>
+          </a:lnRef>
+          <a:fillRef idx="0">
+            <a:schemeClr val="accent1"/>
+          </a:fillRef>
+          <a:effectRef idx="0">
+            <a:schemeClr val="accent1"/>
+          </a:effectRef>
+          <a:fontRef idx="minor">
+            <a:schemeClr val="tx1"/>
+          </a:fontRef>
+        </p:style>
+      </p:cxnSp>
+      <p:cxnSp>
+        <p:nvCxnSpPr>
+          <p:cNvPr id="35" name="מחבר ישר 34">
+            <a:extLst>
+              <a:ext uri="{FF2B5EF4-FFF2-40B4-BE49-F238E27FC236}">
+                <a16:creationId xmlns:a16="http://schemas.microsoft.com/office/drawing/2014/main" id="{14C8D0AD-ACBC-4613-83AD-B846C0CA65F1}"/>
+              </a:ext>
+            </a:extLst>
+          </p:cNvPr>
+          <p:cNvCxnSpPr/>
+          <p:nvPr/>
+        </p:nvCxnSpPr>
+        <p:spPr>
+          <a:xfrm>
+            <a:off x="3074206" y="547956"/>
+            <a:ext cx="142875" cy="0"/>
+          </a:xfrm>
+          <a:prstGeom prst="line">
+            <a:avLst/>
+          </a:prstGeom>
+        </p:spPr>
+        <p:style>
+          <a:lnRef idx="1">
+            <a:schemeClr val="accent1"/>
+          </a:lnRef>
+          <a:fillRef idx="0">
+            <a:schemeClr val="accent1"/>
+          </a:fillRef>
+          <a:effectRef idx="0">
+            <a:schemeClr val="accent1"/>
+          </a:effectRef>
+          <a:fontRef idx="minor">
+            <a:schemeClr val="tx1"/>
+          </a:fontRef>
+        </p:style>
+      </p:cxnSp>
+      <p:cxnSp>
+        <p:nvCxnSpPr>
+          <p:cNvPr id="36" name="מחבר ישר 35">
+            <a:extLst>
+              <a:ext uri="{FF2B5EF4-FFF2-40B4-BE49-F238E27FC236}">
+                <a16:creationId xmlns:a16="http://schemas.microsoft.com/office/drawing/2014/main" id="{E9062A30-E334-43EC-A826-BBDC1724A747}"/>
+              </a:ext>
+            </a:extLst>
+          </p:cNvPr>
+          <p:cNvCxnSpPr>
+            <a:cxnSpLocks/>
+          </p:cNvCxnSpPr>
+          <p:nvPr/>
+        </p:nvCxnSpPr>
+        <p:spPr>
+          <a:xfrm rot="16200000">
+            <a:off x="3145636" y="474138"/>
+            <a:ext cx="142875" cy="0"/>
+          </a:xfrm>
+          <a:prstGeom prst="line">
+            <a:avLst/>
+          </a:prstGeom>
+        </p:spPr>
+        <p:style>
+          <a:lnRef idx="1">
+            <a:schemeClr val="accent1"/>
+          </a:lnRef>
+          <a:fillRef idx="0">
+            <a:schemeClr val="accent1"/>
+          </a:fillRef>
+          <a:effectRef idx="0">
+            <a:schemeClr val="accent1"/>
+          </a:effectRef>
+          <a:fontRef idx="minor">
+            <a:schemeClr val="tx1"/>
+          </a:fontRef>
+        </p:style>
+      </p:cxnSp>
+      <p:cxnSp>
+        <p:nvCxnSpPr>
+          <p:cNvPr id="37" name="מחבר ישר 36">
+            <a:extLst>
+              <a:ext uri="{FF2B5EF4-FFF2-40B4-BE49-F238E27FC236}">
+                <a16:creationId xmlns:a16="http://schemas.microsoft.com/office/drawing/2014/main" id="{BE47361A-E5A3-4353-9B47-5EB0A397C093}"/>
+              </a:ext>
+            </a:extLst>
+          </p:cNvPr>
+          <p:cNvCxnSpPr/>
+          <p:nvPr/>
+        </p:nvCxnSpPr>
+        <p:spPr>
+          <a:xfrm>
+            <a:off x="3217073" y="402960"/>
+            <a:ext cx="142875" cy="0"/>
+          </a:xfrm>
+          <a:prstGeom prst="line">
+            <a:avLst/>
+          </a:prstGeom>
+        </p:spPr>
+        <p:style>
+          <a:lnRef idx="1">
+            <a:schemeClr val="accent1"/>
+          </a:lnRef>
+          <a:fillRef idx="0">
+            <a:schemeClr val="accent1"/>
+          </a:fillRef>
+          <a:effectRef idx="0">
+            <a:schemeClr val="accent1"/>
+          </a:effectRef>
+          <a:fontRef idx="minor">
+            <a:schemeClr val="tx1"/>
+          </a:fontRef>
+        </p:style>
+      </p:cxnSp>
+      <p:cxnSp>
+        <p:nvCxnSpPr>
+          <p:cNvPr id="38" name="מחבר ישר 37">
+            <a:extLst>
+              <a:ext uri="{FF2B5EF4-FFF2-40B4-BE49-F238E27FC236}">
+                <a16:creationId xmlns:a16="http://schemas.microsoft.com/office/drawing/2014/main" id="{33A33E3E-5743-4111-983D-29548576C08D}"/>
+              </a:ext>
+            </a:extLst>
+          </p:cNvPr>
+          <p:cNvCxnSpPr>
+            <a:cxnSpLocks/>
+          </p:cNvCxnSpPr>
+          <p:nvPr/>
+        </p:nvCxnSpPr>
+        <p:spPr>
+          <a:xfrm rot="16200000">
+            <a:off x="3288503" y="476784"/>
+            <a:ext cx="142875" cy="0"/>
+          </a:xfrm>
+          <a:prstGeom prst="line">
+            <a:avLst/>
+          </a:prstGeom>
+        </p:spPr>
+        <p:style>
+          <a:lnRef idx="1">
+            <a:schemeClr val="accent1"/>
+          </a:lnRef>
+          <a:fillRef idx="0">
+            <a:schemeClr val="accent1"/>
+          </a:fillRef>
+          <a:effectRef idx="0">
+            <a:schemeClr val="accent1"/>
+          </a:effectRef>
+          <a:fontRef idx="minor">
+            <a:schemeClr val="tx1"/>
+          </a:fontRef>
+        </p:style>
+      </p:cxnSp>
+      <p:cxnSp>
+        <p:nvCxnSpPr>
+          <p:cNvPr id="39" name="מחבר ישר 38">
+            <a:extLst>
+              <a:ext uri="{FF2B5EF4-FFF2-40B4-BE49-F238E27FC236}">
+                <a16:creationId xmlns:a16="http://schemas.microsoft.com/office/drawing/2014/main" id="{3CB4389D-664E-467A-B828-9BD43093CED8}"/>
+              </a:ext>
+            </a:extLst>
+          </p:cNvPr>
+          <p:cNvCxnSpPr/>
+          <p:nvPr/>
+        </p:nvCxnSpPr>
+        <p:spPr>
+          <a:xfrm>
+            <a:off x="3362336" y="547956"/>
+            <a:ext cx="142875" cy="0"/>
+          </a:xfrm>
+          <a:prstGeom prst="line">
+            <a:avLst/>
+          </a:prstGeom>
+        </p:spPr>
+        <p:style>
+          <a:lnRef idx="1">
+            <a:schemeClr val="accent1"/>
+          </a:lnRef>
+          <a:fillRef idx="0">
+            <a:schemeClr val="accent1"/>
+          </a:fillRef>
+          <a:effectRef idx="0">
+            <a:schemeClr val="accent1"/>
+          </a:effectRef>
+          <a:fontRef idx="minor">
+            <a:schemeClr val="tx1"/>
+          </a:fontRef>
+        </p:style>
+      </p:cxnSp>
+      <p:cxnSp>
+        <p:nvCxnSpPr>
+          <p:cNvPr id="40" name="מחבר ישר 39">
+            <a:extLst>
+              <a:ext uri="{FF2B5EF4-FFF2-40B4-BE49-F238E27FC236}">
+                <a16:creationId xmlns:a16="http://schemas.microsoft.com/office/drawing/2014/main" id="{A93ED2E2-7A4F-4052-9B16-ACA7CC247741}"/>
+              </a:ext>
+            </a:extLst>
+          </p:cNvPr>
+          <p:cNvCxnSpPr>
+            <a:cxnSpLocks/>
+          </p:cNvCxnSpPr>
+          <p:nvPr/>
+        </p:nvCxnSpPr>
+        <p:spPr>
+          <a:xfrm rot="16200000">
+            <a:off x="3433766" y="474138"/>
+            <a:ext cx="142875" cy="0"/>
+          </a:xfrm>
+          <a:prstGeom prst="line">
+            <a:avLst/>
+          </a:prstGeom>
+        </p:spPr>
+        <p:style>
+          <a:lnRef idx="1">
+            <a:schemeClr val="accent1"/>
+          </a:lnRef>
+          <a:fillRef idx="0">
+            <a:schemeClr val="accent1"/>
+          </a:fillRef>
+          <a:effectRef idx="0">
+            <a:schemeClr val="accent1"/>
+          </a:effectRef>
+          <a:fontRef idx="minor">
+            <a:schemeClr val="tx1"/>
+          </a:fontRef>
+        </p:style>
+      </p:cxnSp>
+      <p:cxnSp>
+        <p:nvCxnSpPr>
+          <p:cNvPr id="41" name="מחבר ישר 40">
+            <a:extLst>
+              <a:ext uri="{FF2B5EF4-FFF2-40B4-BE49-F238E27FC236}">
+                <a16:creationId xmlns:a16="http://schemas.microsoft.com/office/drawing/2014/main" id="{0A5C31E2-6D86-476C-A3A7-26BF632DB6C1}"/>
+              </a:ext>
+            </a:extLst>
+          </p:cNvPr>
+          <p:cNvCxnSpPr/>
+          <p:nvPr/>
+        </p:nvCxnSpPr>
+        <p:spPr>
+          <a:xfrm>
+            <a:off x="3505203" y="402960"/>
+            <a:ext cx="142875" cy="0"/>
+          </a:xfrm>
+          <a:prstGeom prst="line">
+            <a:avLst/>
+          </a:prstGeom>
+        </p:spPr>
+        <p:style>
+          <a:lnRef idx="1">
+            <a:schemeClr val="accent1"/>
+          </a:lnRef>
+          <a:fillRef idx="0">
+            <a:schemeClr val="accent1"/>
+          </a:fillRef>
+          <a:effectRef idx="0">
+            <a:schemeClr val="accent1"/>
+          </a:effectRef>
+          <a:fontRef idx="minor">
+            <a:schemeClr val="tx1"/>
+          </a:fontRef>
+        </p:style>
+      </p:cxnSp>
+      <p:cxnSp>
+        <p:nvCxnSpPr>
+          <p:cNvPr id="42" name="מחבר ישר 41">
+            <a:extLst>
+              <a:ext uri="{FF2B5EF4-FFF2-40B4-BE49-F238E27FC236}">
+                <a16:creationId xmlns:a16="http://schemas.microsoft.com/office/drawing/2014/main" id="{387644A1-FB82-4C92-8CF1-B3D45CE58577}"/>
+              </a:ext>
+            </a:extLst>
+          </p:cNvPr>
+          <p:cNvCxnSpPr>
+            <a:cxnSpLocks/>
+          </p:cNvCxnSpPr>
+          <p:nvPr/>
+        </p:nvCxnSpPr>
+        <p:spPr>
+          <a:xfrm rot="16200000">
+            <a:off x="3576633" y="476784"/>
+            <a:ext cx="142875" cy="0"/>
+          </a:xfrm>
+          <a:prstGeom prst="line">
+            <a:avLst/>
+          </a:prstGeom>
+        </p:spPr>
+        <p:style>
+          <a:lnRef idx="1">
+            <a:schemeClr val="accent1"/>
+          </a:lnRef>
+          <a:fillRef idx="0">
+            <a:schemeClr val="accent1"/>
+          </a:fillRef>
+          <a:effectRef idx="0">
+            <a:schemeClr val="accent1"/>
+          </a:effectRef>
+          <a:fontRef idx="minor">
+            <a:schemeClr val="tx1"/>
+          </a:fontRef>
+        </p:style>
+      </p:cxnSp>
+      <p:cxnSp>
+        <p:nvCxnSpPr>
+          <p:cNvPr id="43" name="מחבר ישר 42">
+            <a:extLst>
+              <a:ext uri="{FF2B5EF4-FFF2-40B4-BE49-F238E27FC236}">
+                <a16:creationId xmlns:a16="http://schemas.microsoft.com/office/drawing/2014/main" id="{D819C55D-43D5-4BAA-838F-E2DB9DDBB5FD}"/>
+              </a:ext>
+            </a:extLst>
+          </p:cNvPr>
+          <p:cNvCxnSpPr/>
+          <p:nvPr/>
+        </p:nvCxnSpPr>
+        <p:spPr>
+          <a:xfrm>
+            <a:off x="3650468" y="547956"/>
+            <a:ext cx="142875" cy="0"/>
+          </a:xfrm>
+          <a:prstGeom prst="line">
+            <a:avLst/>
+          </a:prstGeom>
+        </p:spPr>
+        <p:style>
+          <a:lnRef idx="1">
+            <a:schemeClr val="accent1"/>
+          </a:lnRef>
+          <a:fillRef idx="0">
+            <a:schemeClr val="accent1"/>
+          </a:fillRef>
+          <a:effectRef idx="0">
+            <a:schemeClr val="accent1"/>
+          </a:effectRef>
+          <a:fontRef idx="minor">
+            <a:schemeClr val="tx1"/>
+          </a:fontRef>
+        </p:style>
+      </p:cxnSp>
+      <p:cxnSp>
+        <p:nvCxnSpPr>
+          <p:cNvPr id="44" name="מחבר ישר 43">
+            <a:extLst>
+              <a:ext uri="{FF2B5EF4-FFF2-40B4-BE49-F238E27FC236}">
+                <a16:creationId xmlns:a16="http://schemas.microsoft.com/office/drawing/2014/main" id="{29DDD155-B1B0-43AE-AD00-74001799D02F}"/>
+              </a:ext>
+            </a:extLst>
+          </p:cNvPr>
+          <p:cNvCxnSpPr>
+            <a:cxnSpLocks/>
+          </p:cNvCxnSpPr>
+          <p:nvPr/>
+        </p:nvCxnSpPr>
+        <p:spPr>
+          <a:xfrm rot="16200000">
+            <a:off x="3721898" y="474138"/>
+            <a:ext cx="142875" cy="0"/>
+          </a:xfrm>
+          <a:prstGeom prst="line">
+            <a:avLst/>
+          </a:prstGeom>
+        </p:spPr>
+        <p:style>
+          <a:lnRef idx="1">
+            <a:schemeClr val="accent1"/>
+          </a:lnRef>
+          <a:fillRef idx="0">
+            <a:schemeClr val="accent1"/>
+          </a:fillRef>
+          <a:effectRef idx="0">
+            <a:schemeClr val="accent1"/>
+          </a:effectRef>
+          <a:fontRef idx="minor">
+            <a:schemeClr val="tx1"/>
+          </a:fontRef>
+        </p:style>
+      </p:cxnSp>
+      <p:cxnSp>
+        <p:nvCxnSpPr>
+          <p:cNvPr id="45" name="מחבר ישר 44">
+            <a:extLst>
+              <a:ext uri="{FF2B5EF4-FFF2-40B4-BE49-F238E27FC236}">
+                <a16:creationId xmlns:a16="http://schemas.microsoft.com/office/drawing/2014/main" id="{7B9A689D-F612-404B-8D12-AA70D1CB949C}"/>
+              </a:ext>
+            </a:extLst>
+          </p:cNvPr>
+          <p:cNvCxnSpPr/>
+          <p:nvPr/>
+        </p:nvCxnSpPr>
+        <p:spPr>
+          <a:xfrm>
+            <a:off x="3793335" y="402960"/>
+            <a:ext cx="142875" cy="0"/>
+          </a:xfrm>
+          <a:prstGeom prst="line">
+            <a:avLst/>
+          </a:prstGeom>
+        </p:spPr>
+        <p:style>
+          <a:lnRef idx="1">
+            <a:schemeClr val="accent1"/>
+          </a:lnRef>
+          <a:fillRef idx="0">
+            <a:schemeClr val="accent1"/>
+          </a:fillRef>
+          <a:effectRef idx="0">
+            <a:schemeClr val="accent1"/>
+          </a:effectRef>
+          <a:fontRef idx="minor">
+            <a:schemeClr val="tx1"/>
+          </a:fontRef>
+        </p:style>
+      </p:cxnSp>
+      <p:cxnSp>
+        <p:nvCxnSpPr>
+          <p:cNvPr id="46" name="מחבר ישר 45">
+            <a:extLst>
+              <a:ext uri="{FF2B5EF4-FFF2-40B4-BE49-F238E27FC236}">
+                <a16:creationId xmlns:a16="http://schemas.microsoft.com/office/drawing/2014/main" id="{D38CB738-6AEF-4B48-BB31-565AB1D4C49F}"/>
+              </a:ext>
+            </a:extLst>
+          </p:cNvPr>
+          <p:cNvCxnSpPr>
+            <a:cxnSpLocks/>
+          </p:cNvCxnSpPr>
+          <p:nvPr/>
+        </p:nvCxnSpPr>
+        <p:spPr>
+          <a:xfrm rot="16200000">
+            <a:off x="3864765" y="476784"/>
+            <a:ext cx="142875" cy="0"/>
+          </a:xfrm>
+          <a:prstGeom prst="line">
+            <a:avLst/>
+          </a:prstGeom>
+        </p:spPr>
+        <p:style>
+          <a:lnRef idx="1">
+            <a:schemeClr val="accent1"/>
+          </a:lnRef>
+          <a:fillRef idx="0">
+            <a:schemeClr val="accent1"/>
+          </a:fillRef>
+          <a:effectRef idx="0">
+            <a:schemeClr val="accent1"/>
+          </a:effectRef>
+          <a:fontRef idx="minor">
+            <a:schemeClr val="tx1"/>
+          </a:fontRef>
+        </p:style>
+      </p:cxnSp>
+      <p:cxnSp>
+        <p:nvCxnSpPr>
+          <p:cNvPr id="47" name="מחבר ישר 46">
+            <a:extLst>
+              <a:ext uri="{FF2B5EF4-FFF2-40B4-BE49-F238E27FC236}">
+                <a16:creationId xmlns:a16="http://schemas.microsoft.com/office/drawing/2014/main" id="{30668AD2-BDCC-467F-A146-0166FF63BA0C}"/>
+              </a:ext>
+            </a:extLst>
+          </p:cNvPr>
+          <p:cNvCxnSpPr/>
+          <p:nvPr/>
+        </p:nvCxnSpPr>
+        <p:spPr>
+          <a:xfrm>
+            <a:off x="3936218" y="547952"/>
+            <a:ext cx="142875" cy="0"/>
+          </a:xfrm>
+          <a:prstGeom prst="line">
+            <a:avLst/>
+          </a:prstGeom>
+        </p:spPr>
+        <p:style>
+          <a:lnRef idx="1">
+            <a:schemeClr val="accent1"/>
+          </a:lnRef>
+          <a:fillRef idx="0">
+            <a:schemeClr val="accent1"/>
+          </a:fillRef>
+          <a:effectRef idx="0">
+            <a:schemeClr val="accent1"/>
+          </a:effectRef>
+          <a:fontRef idx="minor">
+            <a:schemeClr val="tx1"/>
+          </a:fontRef>
+        </p:style>
+      </p:cxnSp>
+      <p:cxnSp>
+        <p:nvCxnSpPr>
+          <p:cNvPr id="48" name="מחבר ישר 47">
+            <a:extLst>
+              <a:ext uri="{FF2B5EF4-FFF2-40B4-BE49-F238E27FC236}">
+                <a16:creationId xmlns:a16="http://schemas.microsoft.com/office/drawing/2014/main" id="{F5631350-B746-4FCD-A06A-27279E242076}"/>
+              </a:ext>
+            </a:extLst>
+          </p:cNvPr>
+          <p:cNvCxnSpPr>
+            <a:cxnSpLocks/>
+          </p:cNvCxnSpPr>
+          <p:nvPr/>
+        </p:nvCxnSpPr>
+        <p:spPr>
+          <a:xfrm rot="16200000">
+            <a:off x="4007648" y="474134"/>
+            <a:ext cx="142875" cy="0"/>
+          </a:xfrm>
+          <a:prstGeom prst="line">
+            <a:avLst/>
+          </a:prstGeom>
+        </p:spPr>
+        <p:style>
+          <a:lnRef idx="1">
+            <a:schemeClr val="accent1"/>
+          </a:lnRef>
+          <a:fillRef idx="0">
+            <a:schemeClr val="accent1"/>
+          </a:fillRef>
+          <a:effectRef idx="0">
+            <a:schemeClr val="accent1"/>
+          </a:effectRef>
+          <a:fontRef idx="minor">
+            <a:schemeClr val="tx1"/>
+          </a:fontRef>
+        </p:style>
+      </p:cxnSp>
+      <p:cxnSp>
+        <p:nvCxnSpPr>
+          <p:cNvPr id="49" name="מחבר ישר 48">
+            <a:extLst>
+              <a:ext uri="{FF2B5EF4-FFF2-40B4-BE49-F238E27FC236}">
+                <a16:creationId xmlns:a16="http://schemas.microsoft.com/office/drawing/2014/main" id="{18CC4125-C35A-47F6-A9DC-78ACF056DB01}"/>
+              </a:ext>
+            </a:extLst>
+          </p:cNvPr>
+          <p:cNvCxnSpPr/>
+          <p:nvPr/>
+        </p:nvCxnSpPr>
+        <p:spPr>
+          <a:xfrm>
+            <a:off x="4079085" y="402956"/>
+            <a:ext cx="142875" cy="0"/>
+          </a:xfrm>
+          <a:prstGeom prst="line">
+            <a:avLst/>
+          </a:prstGeom>
+        </p:spPr>
+        <p:style>
+          <a:lnRef idx="1">
+            <a:schemeClr val="accent1"/>
+          </a:lnRef>
+          <a:fillRef idx="0">
+            <a:schemeClr val="accent1"/>
+          </a:fillRef>
+          <a:effectRef idx="0">
+            <a:schemeClr val="accent1"/>
+          </a:effectRef>
+          <a:fontRef idx="minor">
+            <a:schemeClr val="tx1"/>
+          </a:fontRef>
+        </p:style>
+      </p:cxnSp>
+      <p:cxnSp>
+        <p:nvCxnSpPr>
+          <p:cNvPr id="50" name="מחבר ישר 49">
+            <a:extLst>
+              <a:ext uri="{FF2B5EF4-FFF2-40B4-BE49-F238E27FC236}">
+                <a16:creationId xmlns:a16="http://schemas.microsoft.com/office/drawing/2014/main" id="{1338F90A-7010-4907-819B-B92BD60DC716}"/>
+              </a:ext>
+            </a:extLst>
+          </p:cNvPr>
+          <p:cNvCxnSpPr>
+            <a:cxnSpLocks/>
+          </p:cNvCxnSpPr>
+          <p:nvPr/>
+        </p:nvCxnSpPr>
+        <p:spPr>
+          <a:xfrm rot="16200000">
+            <a:off x="4150515" y="476780"/>
+            <a:ext cx="142875" cy="0"/>
+          </a:xfrm>
+          <a:prstGeom prst="line">
+            <a:avLst/>
+          </a:prstGeom>
+        </p:spPr>
+        <p:style>
+          <a:lnRef idx="1">
+            <a:schemeClr val="accent1"/>
+          </a:lnRef>
+          <a:fillRef idx="0">
+            <a:schemeClr val="accent1"/>
+          </a:fillRef>
+          <a:effectRef idx="0">
+            <a:schemeClr val="accent1"/>
+          </a:effectRef>
+          <a:fontRef idx="minor">
+            <a:schemeClr val="tx1"/>
+          </a:fontRef>
+        </p:style>
+      </p:cxnSp>
+      <p:cxnSp>
+        <p:nvCxnSpPr>
+          <p:cNvPr id="51" name="מחבר ישר 50">
+            <a:extLst>
+              <a:ext uri="{FF2B5EF4-FFF2-40B4-BE49-F238E27FC236}">
+                <a16:creationId xmlns:a16="http://schemas.microsoft.com/office/drawing/2014/main" id="{5D00B87A-F604-4641-AC81-7CF193223633}"/>
+              </a:ext>
+            </a:extLst>
+          </p:cNvPr>
+          <p:cNvCxnSpPr/>
+          <p:nvPr/>
+        </p:nvCxnSpPr>
+        <p:spPr>
+          <a:xfrm>
+            <a:off x="4224350" y="547952"/>
+            <a:ext cx="142875" cy="0"/>
+          </a:xfrm>
+          <a:prstGeom prst="line">
+            <a:avLst/>
+          </a:prstGeom>
+        </p:spPr>
+        <p:style>
+          <a:lnRef idx="1">
+            <a:schemeClr val="accent1"/>
+          </a:lnRef>
+          <a:fillRef idx="0">
+            <a:schemeClr val="accent1"/>
+          </a:fillRef>
+          <a:effectRef idx="0">
+            <a:schemeClr val="accent1"/>
+          </a:effectRef>
+          <a:fontRef idx="minor">
+            <a:schemeClr val="tx1"/>
+          </a:fontRef>
+        </p:style>
+      </p:cxnSp>
+      <p:cxnSp>
+        <p:nvCxnSpPr>
+          <p:cNvPr id="52" name="מחבר ישר 51">
+            <a:extLst>
+              <a:ext uri="{FF2B5EF4-FFF2-40B4-BE49-F238E27FC236}">
+                <a16:creationId xmlns:a16="http://schemas.microsoft.com/office/drawing/2014/main" id="{C7E9FF2B-6CEC-4849-ADEF-7C49467D999D}"/>
+              </a:ext>
+            </a:extLst>
+          </p:cNvPr>
+          <p:cNvCxnSpPr>
+            <a:cxnSpLocks/>
+          </p:cNvCxnSpPr>
+          <p:nvPr/>
+        </p:nvCxnSpPr>
+        <p:spPr>
+          <a:xfrm rot="16200000">
+            <a:off x="4295780" y="474134"/>
+            <a:ext cx="142875" cy="0"/>
+          </a:xfrm>
+          <a:prstGeom prst="line">
+            <a:avLst/>
+          </a:prstGeom>
+        </p:spPr>
+        <p:style>
+          <a:lnRef idx="1">
+            <a:schemeClr val="accent1"/>
+          </a:lnRef>
+          <a:fillRef idx="0">
+            <a:schemeClr val="accent1"/>
+          </a:fillRef>
+          <a:effectRef idx="0">
+            <a:schemeClr val="accent1"/>
+          </a:effectRef>
+          <a:fontRef idx="minor">
+            <a:schemeClr val="tx1"/>
+          </a:fontRef>
+        </p:style>
+      </p:cxnSp>
+      <p:cxnSp>
+        <p:nvCxnSpPr>
+          <p:cNvPr id="53" name="מחבר ישר 52">
+            <a:extLst>
+              <a:ext uri="{FF2B5EF4-FFF2-40B4-BE49-F238E27FC236}">
+                <a16:creationId xmlns:a16="http://schemas.microsoft.com/office/drawing/2014/main" id="{5076DF75-C506-4DC4-A67A-B3039CA3BA3D}"/>
+              </a:ext>
+            </a:extLst>
+          </p:cNvPr>
+          <p:cNvCxnSpPr/>
+          <p:nvPr/>
+        </p:nvCxnSpPr>
+        <p:spPr>
+          <a:xfrm>
+            <a:off x="4367217" y="402956"/>
+            <a:ext cx="142875" cy="0"/>
+          </a:xfrm>
+          <a:prstGeom prst="line">
+            <a:avLst/>
+          </a:prstGeom>
+        </p:spPr>
+        <p:style>
+          <a:lnRef idx="1">
+            <a:schemeClr val="accent1"/>
+          </a:lnRef>
+          <a:fillRef idx="0">
+            <a:schemeClr val="accent1"/>
+          </a:fillRef>
+          <a:effectRef idx="0">
+            <a:schemeClr val="accent1"/>
+          </a:effectRef>
+          <a:fontRef idx="minor">
+            <a:schemeClr val="tx1"/>
+          </a:fontRef>
+        </p:style>
+      </p:cxnSp>
+      <p:cxnSp>
+        <p:nvCxnSpPr>
+          <p:cNvPr id="54" name="מחבר ישר 53">
+            <a:extLst>
+              <a:ext uri="{FF2B5EF4-FFF2-40B4-BE49-F238E27FC236}">
+                <a16:creationId xmlns:a16="http://schemas.microsoft.com/office/drawing/2014/main" id="{A478D7DC-12B2-47DD-AAC0-7F095C63DC8D}"/>
+              </a:ext>
+            </a:extLst>
+          </p:cNvPr>
+          <p:cNvCxnSpPr>
+            <a:cxnSpLocks/>
+          </p:cNvCxnSpPr>
+          <p:nvPr/>
+        </p:nvCxnSpPr>
+        <p:spPr>
+          <a:xfrm rot="16200000">
+            <a:off x="4438647" y="476780"/>
+            <a:ext cx="142875" cy="0"/>
+          </a:xfrm>
+          <a:prstGeom prst="line">
+            <a:avLst/>
+          </a:prstGeom>
+        </p:spPr>
+        <p:style>
+          <a:lnRef idx="1">
+            <a:schemeClr val="accent1"/>
+          </a:lnRef>
+          <a:fillRef idx="0">
+            <a:schemeClr val="accent1"/>
+          </a:fillRef>
+          <a:effectRef idx="0">
+            <a:schemeClr val="accent1"/>
+          </a:effectRef>
+          <a:fontRef idx="minor">
+            <a:schemeClr val="tx1"/>
+          </a:fontRef>
+        </p:style>
+      </p:cxnSp>
+      <p:cxnSp>
+        <p:nvCxnSpPr>
+          <p:cNvPr id="55" name="מחבר ישר 54">
+            <a:extLst>
+              <a:ext uri="{FF2B5EF4-FFF2-40B4-BE49-F238E27FC236}">
+                <a16:creationId xmlns:a16="http://schemas.microsoft.com/office/drawing/2014/main" id="{5524BB99-6EB1-49B3-98F0-B02FF8D46BA3}"/>
+              </a:ext>
+            </a:extLst>
+          </p:cNvPr>
+          <p:cNvCxnSpPr/>
+          <p:nvPr/>
+        </p:nvCxnSpPr>
+        <p:spPr>
+          <a:xfrm>
+            <a:off x="4512480" y="547952"/>
+            <a:ext cx="142875" cy="0"/>
+          </a:xfrm>
+          <a:prstGeom prst="line">
+            <a:avLst/>
+          </a:prstGeom>
+        </p:spPr>
+        <p:style>
+          <a:lnRef idx="1">
+            <a:schemeClr val="accent1"/>
+          </a:lnRef>
+          <a:fillRef idx="0">
+            <a:schemeClr val="accent1"/>
+          </a:fillRef>
+          <a:effectRef idx="0">
+            <a:schemeClr val="accent1"/>
+          </a:effectRef>
+          <a:fontRef idx="minor">
+            <a:schemeClr val="tx1"/>
+          </a:fontRef>
+        </p:style>
+      </p:cxnSp>
+      <p:cxnSp>
+        <p:nvCxnSpPr>
+          <p:cNvPr id="56" name="מחבר ישר 55">
+            <a:extLst>
+              <a:ext uri="{FF2B5EF4-FFF2-40B4-BE49-F238E27FC236}">
+                <a16:creationId xmlns:a16="http://schemas.microsoft.com/office/drawing/2014/main" id="{5CF7D7E7-7B97-48C2-A6A0-3015F35D6626}"/>
+              </a:ext>
+            </a:extLst>
+          </p:cNvPr>
+          <p:cNvCxnSpPr>
+            <a:cxnSpLocks/>
+          </p:cNvCxnSpPr>
+          <p:nvPr/>
+        </p:nvCxnSpPr>
+        <p:spPr>
+          <a:xfrm rot="16200000">
+            <a:off x="4583910" y="474134"/>
+            <a:ext cx="142875" cy="0"/>
+          </a:xfrm>
+          <a:prstGeom prst="line">
+            <a:avLst/>
+          </a:prstGeom>
+        </p:spPr>
+        <p:style>
+          <a:lnRef idx="1">
+            <a:schemeClr val="accent1"/>
+          </a:lnRef>
+          <a:fillRef idx="0">
+            <a:schemeClr val="accent1"/>
+          </a:fillRef>
+          <a:effectRef idx="0">
+            <a:schemeClr val="accent1"/>
+          </a:effectRef>
+          <a:fontRef idx="minor">
+            <a:schemeClr val="tx1"/>
+          </a:fontRef>
+        </p:style>
+      </p:cxnSp>
+      <p:cxnSp>
+        <p:nvCxnSpPr>
+          <p:cNvPr id="57" name="מחבר ישר 56">
+            <a:extLst>
+              <a:ext uri="{FF2B5EF4-FFF2-40B4-BE49-F238E27FC236}">
+                <a16:creationId xmlns:a16="http://schemas.microsoft.com/office/drawing/2014/main" id="{55BCB558-7B72-42A1-8D3F-27FED0B17F99}"/>
+              </a:ext>
+            </a:extLst>
+          </p:cNvPr>
+          <p:cNvCxnSpPr/>
+          <p:nvPr/>
+        </p:nvCxnSpPr>
+        <p:spPr>
+          <a:xfrm>
+            <a:off x="4655347" y="402956"/>
+            <a:ext cx="142875" cy="0"/>
+          </a:xfrm>
+          <a:prstGeom prst="line">
+            <a:avLst/>
+          </a:prstGeom>
+        </p:spPr>
+        <p:style>
+          <a:lnRef idx="1">
+            <a:schemeClr val="accent1"/>
+          </a:lnRef>
+          <a:fillRef idx="0">
+            <a:schemeClr val="accent1"/>
+          </a:fillRef>
+          <a:effectRef idx="0">
+            <a:schemeClr val="accent1"/>
+          </a:effectRef>
+          <a:fontRef idx="minor">
+            <a:schemeClr val="tx1"/>
+          </a:fontRef>
+        </p:style>
+      </p:cxnSp>
+      <p:cxnSp>
+        <p:nvCxnSpPr>
+          <p:cNvPr id="58" name="מחבר ישר 57">
+            <a:extLst>
+              <a:ext uri="{FF2B5EF4-FFF2-40B4-BE49-F238E27FC236}">
+                <a16:creationId xmlns:a16="http://schemas.microsoft.com/office/drawing/2014/main" id="{FCBFC914-714E-4249-9FC9-12D8E5281D4F}"/>
+              </a:ext>
+            </a:extLst>
+          </p:cNvPr>
+          <p:cNvCxnSpPr>
+            <a:cxnSpLocks/>
+          </p:cNvCxnSpPr>
+          <p:nvPr/>
+        </p:nvCxnSpPr>
+        <p:spPr>
+          <a:xfrm rot="16200000">
+            <a:off x="4726777" y="476780"/>
+            <a:ext cx="142875" cy="0"/>
+          </a:xfrm>
+          <a:prstGeom prst="line">
+            <a:avLst/>
+          </a:prstGeom>
+        </p:spPr>
+        <p:style>
+          <a:lnRef idx="1">
+            <a:schemeClr val="accent1"/>
+          </a:lnRef>
+          <a:fillRef idx="0">
+            <a:schemeClr val="accent1"/>
+          </a:fillRef>
+          <a:effectRef idx="0">
+            <a:schemeClr val="accent1"/>
+          </a:effectRef>
+          <a:fontRef idx="minor">
+            <a:schemeClr val="tx1"/>
+          </a:fontRef>
+        </p:style>
+      </p:cxnSp>
+      <p:cxnSp>
+        <p:nvCxnSpPr>
+          <p:cNvPr id="59" name="מחבר ישר 58">
+            <a:extLst>
+              <a:ext uri="{FF2B5EF4-FFF2-40B4-BE49-F238E27FC236}">
+                <a16:creationId xmlns:a16="http://schemas.microsoft.com/office/drawing/2014/main" id="{A60F5F2B-1CBA-4316-9D47-297F7D1642BA}"/>
+              </a:ext>
+            </a:extLst>
+          </p:cNvPr>
+          <p:cNvCxnSpPr/>
+          <p:nvPr/>
+        </p:nvCxnSpPr>
+        <p:spPr>
+          <a:xfrm>
+            <a:off x="4800612" y="547952"/>
+            <a:ext cx="142875" cy="0"/>
+          </a:xfrm>
+          <a:prstGeom prst="line">
+            <a:avLst/>
+          </a:prstGeom>
+        </p:spPr>
+        <p:style>
+          <a:lnRef idx="1">
+            <a:schemeClr val="accent1"/>
+          </a:lnRef>
+          <a:fillRef idx="0">
+            <a:schemeClr val="accent1"/>
+          </a:fillRef>
+          <a:effectRef idx="0">
+            <a:schemeClr val="accent1"/>
+          </a:effectRef>
+          <a:fontRef idx="minor">
+            <a:schemeClr val="tx1"/>
+          </a:fontRef>
+        </p:style>
+      </p:cxnSp>
+      <p:cxnSp>
+        <p:nvCxnSpPr>
+          <p:cNvPr id="60" name="מחבר ישר 59">
+            <a:extLst>
+              <a:ext uri="{FF2B5EF4-FFF2-40B4-BE49-F238E27FC236}">
+                <a16:creationId xmlns:a16="http://schemas.microsoft.com/office/drawing/2014/main" id="{CEA8EB6D-136F-47A1-851C-AA8A9F22C3FE}"/>
+              </a:ext>
+            </a:extLst>
+          </p:cNvPr>
+          <p:cNvCxnSpPr>
+            <a:cxnSpLocks/>
+          </p:cNvCxnSpPr>
+          <p:nvPr/>
+        </p:nvCxnSpPr>
+        <p:spPr>
+          <a:xfrm rot="16200000">
+            <a:off x="4872042" y="474134"/>
+            <a:ext cx="142875" cy="0"/>
+          </a:xfrm>
+          <a:prstGeom prst="line">
+            <a:avLst/>
+          </a:prstGeom>
+        </p:spPr>
+        <p:style>
+          <a:lnRef idx="1">
+            <a:schemeClr val="accent1"/>
+          </a:lnRef>
+          <a:fillRef idx="0">
+            <a:schemeClr val="accent1"/>
+          </a:fillRef>
+          <a:effectRef idx="0">
+            <a:schemeClr val="accent1"/>
+          </a:effectRef>
+          <a:fontRef idx="minor">
+            <a:schemeClr val="tx1"/>
+          </a:fontRef>
+        </p:style>
+      </p:cxnSp>
+      <p:cxnSp>
+        <p:nvCxnSpPr>
+          <p:cNvPr id="61" name="מחבר ישר 60">
+            <a:extLst>
+              <a:ext uri="{FF2B5EF4-FFF2-40B4-BE49-F238E27FC236}">
+                <a16:creationId xmlns:a16="http://schemas.microsoft.com/office/drawing/2014/main" id="{76E5F8A2-178D-4133-AC96-E80D42328131}"/>
+              </a:ext>
+            </a:extLst>
+          </p:cNvPr>
+          <p:cNvCxnSpPr/>
+          <p:nvPr/>
+        </p:nvCxnSpPr>
+        <p:spPr>
+          <a:xfrm>
+            <a:off x="4943479" y="402956"/>
+            <a:ext cx="142875" cy="0"/>
+          </a:xfrm>
+          <a:prstGeom prst="line">
+            <a:avLst/>
+          </a:prstGeom>
+        </p:spPr>
+        <p:style>
+          <a:lnRef idx="1">
+            <a:schemeClr val="accent1"/>
+          </a:lnRef>
+          <a:fillRef idx="0">
+            <a:schemeClr val="accent1"/>
+          </a:fillRef>
+          <a:effectRef idx="0">
+            <a:schemeClr val="accent1"/>
+          </a:effectRef>
+          <a:fontRef idx="minor">
+            <a:schemeClr val="tx1"/>
+          </a:fontRef>
+        </p:style>
+      </p:cxnSp>
+      <p:cxnSp>
+        <p:nvCxnSpPr>
+          <p:cNvPr id="62" name="מחבר ישר 61">
+            <a:extLst>
+              <a:ext uri="{FF2B5EF4-FFF2-40B4-BE49-F238E27FC236}">
+                <a16:creationId xmlns:a16="http://schemas.microsoft.com/office/drawing/2014/main" id="{5989E234-A370-46C8-9DFB-34D83DA85DD9}"/>
+              </a:ext>
+            </a:extLst>
+          </p:cNvPr>
+          <p:cNvCxnSpPr>
+            <a:cxnSpLocks/>
+          </p:cNvCxnSpPr>
+          <p:nvPr/>
+        </p:nvCxnSpPr>
+        <p:spPr>
+          <a:xfrm rot="16200000">
+            <a:off x="5014909" y="476780"/>
+            <a:ext cx="142875" cy="0"/>
+          </a:xfrm>
+          <a:prstGeom prst="line">
+            <a:avLst/>
+          </a:prstGeom>
+        </p:spPr>
+        <p:style>
+          <a:lnRef idx="1">
+            <a:schemeClr val="accent1"/>
+          </a:lnRef>
+          <a:fillRef idx="0">
+            <a:schemeClr val="accent1"/>
+          </a:fillRef>
+          <a:effectRef idx="0">
+            <a:schemeClr val="accent1"/>
+          </a:effectRef>
+          <a:fontRef idx="minor">
+            <a:schemeClr val="tx1"/>
+          </a:fontRef>
+        </p:style>
+      </p:cxnSp>
+      <p:cxnSp>
+        <p:nvCxnSpPr>
+          <p:cNvPr id="63" name="מחבר ישר 62">
+            <a:extLst>
+              <a:ext uri="{FF2B5EF4-FFF2-40B4-BE49-F238E27FC236}">
+                <a16:creationId xmlns:a16="http://schemas.microsoft.com/office/drawing/2014/main" id="{D1AFBCAB-386B-4E58-90B6-F8E0B21FC89A}"/>
+              </a:ext>
+            </a:extLst>
+          </p:cNvPr>
+          <p:cNvCxnSpPr/>
+          <p:nvPr/>
+        </p:nvCxnSpPr>
+        <p:spPr>
+          <a:xfrm>
+            <a:off x="5088746" y="547956"/>
+            <a:ext cx="142875" cy="0"/>
+          </a:xfrm>
+          <a:prstGeom prst="line">
+            <a:avLst/>
+          </a:prstGeom>
+        </p:spPr>
+        <p:style>
+          <a:lnRef idx="1">
+            <a:schemeClr val="accent1"/>
+          </a:lnRef>
+          <a:fillRef idx="0">
+            <a:schemeClr val="accent1"/>
+          </a:fillRef>
+          <a:effectRef idx="0">
+            <a:schemeClr val="accent1"/>
+          </a:effectRef>
+          <a:fontRef idx="minor">
+            <a:schemeClr val="tx1"/>
+          </a:fontRef>
+        </p:style>
+      </p:cxnSp>
+      <p:cxnSp>
+        <p:nvCxnSpPr>
+          <p:cNvPr id="64" name="מחבר ישר 63">
+            <a:extLst>
+              <a:ext uri="{FF2B5EF4-FFF2-40B4-BE49-F238E27FC236}">
+                <a16:creationId xmlns:a16="http://schemas.microsoft.com/office/drawing/2014/main" id="{D2DD9ED8-4C0B-4F53-9D0A-44796C2DE048}"/>
+              </a:ext>
+            </a:extLst>
+          </p:cNvPr>
+          <p:cNvCxnSpPr>
+            <a:cxnSpLocks/>
+          </p:cNvCxnSpPr>
+          <p:nvPr/>
+        </p:nvCxnSpPr>
+        <p:spPr>
+          <a:xfrm rot="16200000">
+            <a:off x="5160176" y="474138"/>
+            <a:ext cx="142875" cy="0"/>
+          </a:xfrm>
+          <a:prstGeom prst="line">
+            <a:avLst/>
+          </a:prstGeom>
+        </p:spPr>
+        <p:style>
+          <a:lnRef idx="1">
+            <a:schemeClr val="accent1"/>
+          </a:lnRef>
+          <a:fillRef idx="0">
+            <a:schemeClr val="accent1"/>
+          </a:fillRef>
+          <a:effectRef idx="0">
+            <a:schemeClr val="accent1"/>
+          </a:effectRef>
+          <a:fontRef idx="minor">
+            <a:schemeClr val="tx1"/>
+          </a:fontRef>
+        </p:style>
+      </p:cxnSp>
+      <p:cxnSp>
+        <p:nvCxnSpPr>
+          <p:cNvPr id="65" name="מחבר ישר 64">
+            <a:extLst>
+              <a:ext uri="{FF2B5EF4-FFF2-40B4-BE49-F238E27FC236}">
+                <a16:creationId xmlns:a16="http://schemas.microsoft.com/office/drawing/2014/main" id="{5A44E46D-AB1E-4DBD-BA66-806859052A98}"/>
+              </a:ext>
+            </a:extLst>
+          </p:cNvPr>
+          <p:cNvCxnSpPr/>
+          <p:nvPr/>
+        </p:nvCxnSpPr>
+        <p:spPr>
+          <a:xfrm>
+            <a:off x="5231613" y="402960"/>
+            <a:ext cx="142875" cy="0"/>
+          </a:xfrm>
+          <a:prstGeom prst="line">
+            <a:avLst/>
+          </a:prstGeom>
+        </p:spPr>
+        <p:style>
+          <a:lnRef idx="1">
+            <a:schemeClr val="accent1"/>
+          </a:lnRef>
+          <a:fillRef idx="0">
+            <a:schemeClr val="accent1"/>
+          </a:fillRef>
+          <a:effectRef idx="0">
+            <a:schemeClr val="accent1"/>
+          </a:effectRef>
+          <a:fontRef idx="minor">
+            <a:schemeClr val="tx1"/>
+          </a:fontRef>
+        </p:style>
+      </p:cxnSp>
+      <p:cxnSp>
+        <p:nvCxnSpPr>
+          <p:cNvPr id="66" name="מחבר ישר 65">
+            <a:extLst>
+              <a:ext uri="{FF2B5EF4-FFF2-40B4-BE49-F238E27FC236}">
+                <a16:creationId xmlns:a16="http://schemas.microsoft.com/office/drawing/2014/main" id="{BDA2463F-EEB1-4F2C-81B3-92D96C7966C4}"/>
+              </a:ext>
+            </a:extLst>
+          </p:cNvPr>
+          <p:cNvCxnSpPr>
+            <a:cxnSpLocks/>
+          </p:cNvCxnSpPr>
+          <p:nvPr/>
+        </p:nvCxnSpPr>
+        <p:spPr>
+          <a:xfrm rot="16200000">
+            <a:off x="5303043" y="476784"/>
+            <a:ext cx="142875" cy="0"/>
+          </a:xfrm>
+          <a:prstGeom prst="line">
+            <a:avLst/>
+          </a:prstGeom>
+        </p:spPr>
+        <p:style>
+          <a:lnRef idx="1">
+            <a:schemeClr val="accent1"/>
+          </a:lnRef>
+          <a:fillRef idx="0">
+            <a:schemeClr val="accent1"/>
+          </a:fillRef>
+          <a:effectRef idx="0">
+            <a:schemeClr val="accent1"/>
+          </a:effectRef>
+          <a:fontRef idx="minor">
+            <a:schemeClr val="tx1"/>
+          </a:fontRef>
+        </p:style>
+      </p:cxnSp>
+      <p:cxnSp>
+        <p:nvCxnSpPr>
+          <p:cNvPr id="67" name="מחבר ישר 66">
+            <a:extLst>
+              <a:ext uri="{FF2B5EF4-FFF2-40B4-BE49-F238E27FC236}">
+                <a16:creationId xmlns:a16="http://schemas.microsoft.com/office/drawing/2014/main" id="{83E99F8C-9D57-46D0-B457-80BC2606BA85}"/>
+              </a:ext>
+            </a:extLst>
+          </p:cNvPr>
+          <p:cNvCxnSpPr/>
+          <p:nvPr/>
+        </p:nvCxnSpPr>
+        <p:spPr>
+          <a:xfrm>
+            <a:off x="5376878" y="547956"/>
+            <a:ext cx="142875" cy="0"/>
+          </a:xfrm>
+          <a:prstGeom prst="line">
+            <a:avLst/>
+          </a:prstGeom>
+        </p:spPr>
+        <p:style>
+          <a:lnRef idx="1">
+            <a:schemeClr val="accent1"/>
+          </a:lnRef>
+          <a:fillRef idx="0">
+            <a:schemeClr val="accent1"/>
+          </a:fillRef>
+          <a:effectRef idx="0">
+            <a:schemeClr val="accent1"/>
+          </a:effectRef>
+          <a:fontRef idx="minor">
+            <a:schemeClr val="tx1"/>
+          </a:fontRef>
+        </p:style>
+      </p:cxnSp>
+      <p:cxnSp>
+        <p:nvCxnSpPr>
+          <p:cNvPr id="68" name="מחבר ישר 67">
+            <a:extLst>
+              <a:ext uri="{FF2B5EF4-FFF2-40B4-BE49-F238E27FC236}">
+                <a16:creationId xmlns:a16="http://schemas.microsoft.com/office/drawing/2014/main" id="{04F27C0C-771F-4629-92C1-93D44AFD3C5E}"/>
+              </a:ext>
+            </a:extLst>
+          </p:cNvPr>
+          <p:cNvCxnSpPr>
+            <a:cxnSpLocks/>
+          </p:cNvCxnSpPr>
+          <p:nvPr/>
+        </p:nvCxnSpPr>
+        <p:spPr>
+          <a:xfrm rot="16200000">
+            <a:off x="5448308" y="474138"/>
+            <a:ext cx="142875" cy="0"/>
+          </a:xfrm>
+          <a:prstGeom prst="line">
+            <a:avLst/>
+          </a:prstGeom>
+        </p:spPr>
+        <p:style>
+          <a:lnRef idx="1">
+            <a:schemeClr val="accent1"/>
+          </a:lnRef>
+          <a:fillRef idx="0">
+            <a:schemeClr val="accent1"/>
+          </a:fillRef>
+          <a:effectRef idx="0">
+            <a:schemeClr val="accent1"/>
+          </a:effectRef>
+          <a:fontRef idx="minor">
+            <a:schemeClr val="tx1"/>
+          </a:fontRef>
+        </p:style>
+      </p:cxnSp>
+      <p:cxnSp>
+        <p:nvCxnSpPr>
+          <p:cNvPr id="69" name="מחבר ישר 68">
+            <a:extLst>
+              <a:ext uri="{FF2B5EF4-FFF2-40B4-BE49-F238E27FC236}">
+                <a16:creationId xmlns:a16="http://schemas.microsoft.com/office/drawing/2014/main" id="{8B089747-89E4-4D19-9399-09E49B6A82C2}"/>
+              </a:ext>
+            </a:extLst>
+          </p:cNvPr>
+          <p:cNvCxnSpPr/>
+          <p:nvPr/>
+        </p:nvCxnSpPr>
+        <p:spPr>
+          <a:xfrm>
+            <a:off x="5519745" y="402960"/>
+            <a:ext cx="142875" cy="0"/>
+          </a:xfrm>
+          <a:prstGeom prst="line">
+            <a:avLst/>
+          </a:prstGeom>
+        </p:spPr>
+        <p:style>
+          <a:lnRef idx="1">
+            <a:schemeClr val="accent1"/>
+          </a:lnRef>
+          <a:fillRef idx="0">
+            <a:schemeClr val="accent1"/>
+          </a:fillRef>
+          <a:effectRef idx="0">
+            <a:schemeClr val="accent1"/>
+          </a:effectRef>
+          <a:fontRef idx="minor">
+            <a:schemeClr val="tx1"/>
+          </a:fontRef>
+        </p:style>
+      </p:cxnSp>
+      <p:cxnSp>
+        <p:nvCxnSpPr>
+          <p:cNvPr id="70" name="מחבר ישר 69">
+            <a:extLst>
+              <a:ext uri="{FF2B5EF4-FFF2-40B4-BE49-F238E27FC236}">
+                <a16:creationId xmlns:a16="http://schemas.microsoft.com/office/drawing/2014/main" id="{CC943B9B-03AA-4638-9643-67267C88924D}"/>
+              </a:ext>
+            </a:extLst>
+          </p:cNvPr>
+          <p:cNvCxnSpPr>
+            <a:cxnSpLocks/>
+          </p:cNvCxnSpPr>
+          <p:nvPr/>
+        </p:nvCxnSpPr>
+        <p:spPr>
+          <a:xfrm rot="16200000">
+            <a:off x="5591175" y="476784"/>
+            <a:ext cx="142875" cy="0"/>
+          </a:xfrm>
+          <a:prstGeom prst="line">
+            <a:avLst/>
+          </a:prstGeom>
+        </p:spPr>
+        <p:style>
+          <a:lnRef idx="1">
+            <a:schemeClr val="accent1"/>
+          </a:lnRef>
+          <a:fillRef idx="0">
+            <a:schemeClr val="accent1"/>
+          </a:fillRef>
+          <a:effectRef idx="0">
+            <a:schemeClr val="accent1"/>
+          </a:effectRef>
+          <a:fontRef idx="minor">
+            <a:schemeClr val="tx1"/>
+          </a:fontRef>
+        </p:style>
+      </p:cxnSp>
+      <p:cxnSp>
+        <p:nvCxnSpPr>
+          <p:cNvPr id="71" name="מחבר ישר 70">
+            <a:extLst>
+              <a:ext uri="{FF2B5EF4-FFF2-40B4-BE49-F238E27FC236}">
+                <a16:creationId xmlns:a16="http://schemas.microsoft.com/office/drawing/2014/main" id="{1B7095AA-1462-4021-9C76-532FA8AE4BA5}"/>
+              </a:ext>
+            </a:extLst>
+          </p:cNvPr>
+          <p:cNvCxnSpPr/>
+          <p:nvPr/>
+        </p:nvCxnSpPr>
+        <p:spPr>
+          <a:xfrm>
+            <a:off x="5665008" y="547956"/>
+            <a:ext cx="142875" cy="0"/>
+          </a:xfrm>
+          <a:prstGeom prst="line">
+            <a:avLst/>
+          </a:prstGeom>
+        </p:spPr>
+        <p:style>
+          <a:lnRef idx="1">
+            <a:schemeClr val="accent1"/>
+          </a:lnRef>
+          <a:fillRef idx="0">
+            <a:schemeClr val="accent1"/>
+          </a:fillRef>
+          <a:effectRef idx="0">
+            <a:schemeClr val="accent1"/>
+          </a:effectRef>
+          <a:fontRef idx="minor">
+            <a:schemeClr val="tx1"/>
+          </a:fontRef>
+        </p:style>
+      </p:cxnSp>
+      <p:cxnSp>
+        <p:nvCxnSpPr>
+          <p:cNvPr id="72" name="מחבר ישר 71">
+            <a:extLst>
+              <a:ext uri="{FF2B5EF4-FFF2-40B4-BE49-F238E27FC236}">
+                <a16:creationId xmlns:a16="http://schemas.microsoft.com/office/drawing/2014/main" id="{5487EB82-A8D8-4848-AF65-BD67EC88DB86}"/>
+              </a:ext>
+            </a:extLst>
+          </p:cNvPr>
+          <p:cNvCxnSpPr>
+            <a:cxnSpLocks/>
+          </p:cNvCxnSpPr>
+          <p:nvPr/>
+        </p:nvCxnSpPr>
+        <p:spPr>
+          <a:xfrm rot="16200000">
+            <a:off x="5736438" y="474138"/>
+            <a:ext cx="142875" cy="0"/>
+          </a:xfrm>
+          <a:prstGeom prst="line">
+            <a:avLst/>
+          </a:prstGeom>
+        </p:spPr>
+        <p:style>
+          <a:lnRef idx="1">
+            <a:schemeClr val="accent1"/>
+          </a:lnRef>
+          <a:fillRef idx="0">
+            <a:schemeClr val="accent1"/>
+          </a:fillRef>
+          <a:effectRef idx="0">
+            <a:schemeClr val="accent1"/>
+          </a:effectRef>
+          <a:fontRef idx="minor">
+            <a:schemeClr val="tx1"/>
+          </a:fontRef>
+        </p:style>
+      </p:cxnSp>
+      <p:cxnSp>
+        <p:nvCxnSpPr>
+          <p:cNvPr id="73" name="מחבר ישר 72">
+            <a:extLst>
+              <a:ext uri="{FF2B5EF4-FFF2-40B4-BE49-F238E27FC236}">
+                <a16:creationId xmlns:a16="http://schemas.microsoft.com/office/drawing/2014/main" id="{BD2A10FC-1DC0-4E76-8315-0ED3FC10996A}"/>
+              </a:ext>
+            </a:extLst>
+          </p:cNvPr>
+          <p:cNvCxnSpPr/>
+          <p:nvPr/>
+        </p:nvCxnSpPr>
+        <p:spPr>
+          <a:xfrm>
+            <a:off x="5807875" y="402960"/>
+            <a:ext cx="142875" cy="0"/>
+          </a:xfrm>
+          <a:prstGeom prst="line">
+            <a:avLst/>
+          </a:prstGeom>
+        </p:spPr>
+        <p:style>
+          <a:lnRef idx="1">
+            <a:schemeClr val="accent1"/>
+          </a:lnRef>
+          <a:fillRef idx="0">
+            <a:schemeClr val="accent1"/>
+          </a:fillRef>
+          <a:effectRef idx="0">
+            <a:schemeClr val="accent1"/>
+          </a:effectRef>
+          <a:fontRef idx="minor">
+            <a:schemeClr val="tx1"/>
+          </a:fontRef>
+        </p:style>
+      </p:cxnSp>
+      <p:cxnSp>
+        <p:nvCxnSpPr>
+          <p:cNvPr id="74" name="מחבר ישר 73">
+            <a:extLst>
+              <a:ext uri="{FF2B5EF4-FFF2-40B4-BE49-F238E27FC236}">
+                <a16:creationId xmlns:a16="http://schemas.microsoft.com/office/drawing/2014/main" id="{31EB9352-9FB8-40D4-B6AF-6070C0FFEEAE}"/>
+              </a:ext>
+            </a:extLst>
+          </p:cNvPr>
+          <p:cNvCxnSpPr>
+            <a:cxnSpLocks/>
+          </p:cNvCxnSpPr>
+          <p:nvPr/>
+        </p:nvCxnSpPr>
+        <p:spPr>
+          <a:xfrm rot="16200000">
+            <a:off x="5879305" y="476784"/>
+            <a:ext cx="142875" cy="0"/>
+          </a:xfrm>
+          <a:prstGeom prst="line">
+            <a:avLst/>
+          </a:prstGeom>
+        </p:spPr>
+        <p:style>
+          <a:lnRef idx="1">
+            <a:schemeClr val="accent1"/>
+          </a:lnRef>
+          <a:fillRef idx="0">
+            <a:schemeClr val="accent1"/>
+          </a:fillRef>
+          <a:effectRef idx="0">
+            <a:schemeClr val="accent1"/>
+          </a:effectRef>
+          <a:fontRef idx="minor">
+            <a:schemeClr val="tx1"/>
+          </a:fontRef>
+        </p:style>
+      </p:cxnSp>
+      <p:cxnSp>
+        <p:nvCxnSpPr>
+          <p:cNvPr id="75" name="מחבר ישר 74">
+            <a:extLst>
+              <a:ext uri="{FF2B5EF4-FFF2-40B4-BE49-F238E27FC236}">
+                <a16:creationId xmlns:a16="http://schemas.microsoft.com/office/drawing/2014/main" id="{8AAEA768-DC60-49F7-9240-8FB7ADAB0905}"/>
+              </a:ext>
+            </a:extLst>
+          </p:cNvPr>
+          <p:cNvCxnSpPr/>
+          <p:nvPr/>
+        </p:nvCxnSpPr>
+        <p:spPr>
+          <a:xfrm>
+            <a:off x="5953140" y="547956"/>
+            <a:ext cx="142875" cy="0"/>
+          </a:xfrm>
+          <a:prstGeom prst="line">
+            <a:avLst/>
+          </a:prstGeom>
+        </p:spPr>
+        <p:style>
+          <a:lnRef idx="1">
+            <a:schemeClr val="accent1"/>
+          </a:lnRef>
+          <a:fillRef idx="0">
+            <a:schemeClr val="accent1"/>
+          </a:fillRef>
+          <a:effectRef idx="0">
+            <a:schemeClr val="accent1"/>
+          </a:effectRef>
+          <a:fontRef idx="minor">
+            <a:schemeClr val="tx1"/>
+          </a:fontRef>
+        </p:style>
+      </p:cxnSp>
+      <p:cxnSp>
+        <p:nvCxnSpPr>
+          <p:cNvPr id="76" name="מחבר ישר 75">
+            <a:extLst>
+              <a:ext uri="{FF2B5EF4-FFF2-40B4-BE49-F238E27FC236}">
+                <a16:creationId xmlns:a16="http://schemas.microsoft.com/office/drawing/2014/main" id="{ADD0D14D-AB0C-4DD2-ACC9-096F18B1298E}"/>
+              </a:ext>
+            </a:extLst>
+          </p:cNvPr>
+          <p:cNvCxnSpPr>
+            <a:cxnSpLocks/>
+          </p:cNvCxnSpPr>
+          <p:nvPr/>
+        </p:nvCxnSpPr>
+        <p:spPr>
+          <a:xfrm rot="16200000">
+            <a:off x="6024570" y="474138"/>
+            <a:ext cx="142875" cy="0"/>
+          </a:xfrm>
+          <a:prstGeom prst="line">
+            <a:avLst/>
+          </a:prstGeom>
+        </p:spPr>
+        <p:style>
+          <a:lnRef idx="1">
+            <a:schemeClr val="accent1"/>
+          </a:lnRef>
+          <a:fillRef idx="0">
+            <a:schemeClr val="accent1"/>
+          </a:fillRef>
+          <a:effectRef idx="0">
+            <a:schemeClr val="accent1"/>
+          </a:effectRef>
+          <a:fontRef idx="minor">
+            <a:schemeClr val="tx1"/>
+          </a:fontRef>
+        </p:style>
+      </p:cxnSp>
+      <p:cxnSp>
+        <p:nvCxnSpPr>
+          <p:cNvPr id="77" name="מחבר ישר 76">
+            <a:extLst>
+              <a:ext uri="{FF2B5EF4-FFF2-40B4-BE49-F238E27FC236}">
+                <a16:creationId xmlns:a16="http://schemas.microsoft.com/office/drawing/2014/main" id="{A2F25B60-5ABC-4781-973E-CAED4FA3FB9C}"/>
+              </a:ext>
+            </a:extLst>
+          </p:cNvPr>
+          <p:cNvCxnSpPr/>
+          <p:nvPr/>
+        </p:nvCxnSpPr>
+        <p:spPr>
+          <a:xfrm>
+            <a:off x="6096007" y="402960"/>
+            <a:ext cx="142875" cy="0"/>
+          </a:xfrm>
+          <a:prstGeom prst="line">
+            <a:avLst/>
+          </a:prstGeom>
+        </p:spPr>
+        <p:style>
+          <a:lnRef idx="1">
+            <a:schemeClr val="accent1"/>
+          </a:lnRef>
+          <a:fillRef idx="0">
+            <a:schemeClr val="accent1"/>
+          </a:fillRef>
+          <a:effectRef idx="0">
+            <a:schemeClr val="accent1"/>
+          </a:effectRef>
+          <a:fontRef idx="minor">
+            <a:schemeClr val="tx1"/>
+          </a:fontRef>
+        </p:style>
+      </p:cxnSp>
+      <p:cxnSp>
+        <p:nvCxnSpPr>
+          <p:cNvPr id="78" name="מחבר ישר 77">
+            <a:extLst>
+              <a:ext uri="{FF2B5EF4-FFF2-40B4-BE49-F238E27FC236}">
+                <a16:creationId xmlns:a16="http://schemas.microsoft.com/office/drawing/2014/main" id="{FEE9A7D1-AD70-4C40-9331-A8530E6117CD}"/>
+              </a:ext>
+            </a:extLst>
+          </p:cNvPr>
+          <p:cNvCxnSpPr>
+            <a:cxnSpLocks/>
+          </p:cNvCxnSpPr>
+          <p:nvPr/>
+        </p:nvCxnSpPr>
+        <p:spPr>
+          <a:xfrm rot="16200000">
+            <a:off x="6167437" y="476784"/>
+            <a:ext cx="142875" cy="0"/>
+          </a:xfrm>
+          <a:prstGeom prst="line">
+            <a:avLst/>
+          </a:prstGeom>
+        </p:spPr>
+        <p:style>
+          <a:lnRef idx="1">
+            <a:schemeClr val="accent1"/>
+          </a:lnRef>
+          <a:fillRef idx="0">
+            <a:schemeClr val="accent1"/>
+          </a:fillRef>
+          <a:effectRef idx="0">
+            <a:schemeClr val="accent1"/>
+          </a:effectRef>
+          <a:fontRef idx="minor">
+            <a:schemeClr val="tx1"/>
+          </a:fontRef>
+        </p:style>
+      </p:cxnSp>
+      <p:cxnSp>
+        <p:nvCxnSpPr>
+          <p:cNvPr id="107" name="מחבר ישר 106">
+            <a:extLst>
+              <a:ext uri="{FF2B5EF4-FFF2-40B4-BE49-F238E27FC236}">
+                <a16:creationId xmlns:a16="http://schemas.microsoft.com/office/drawing/2014/main" id="{52B64EEF-CF97-4261-961B-DAEA07640A0C}"/>
+              </a:ext>
+            </a:extLst>
+          </p:cNvPr>
+          <p:cNvCxnSpPr>
+            <a:cxnSpLocks/>
+          </p:cNvCxnSpPr>
+          <p:nvPr/>
+        </p:nvCxnSpPr>
+        <p:spPr>
+          <a:xfrm>
+            <a:off x="1057275" y="1132063"/>
+            <a:ext cx="5757862" cy="0"/>
+          </a:xfrm>
+          <a:prstGeom prst="line">
+            <a:avLst/>
+          </a:prstGeom>
+        </p:spPr>
+        <p:style>
+          <a:lnRef idx="1">
+            <a:schemeClr val="accent1"/>
+          </a:lnRef>
+          <a:fillRef idx="0">
+            <a:schemeClr val="accent1"/>
+          </a:fillRef>
+          <a:effectRef idx="0">
+            <a:schemeClr val="accent1"/>
+          </a:effectRef>
+          <a:fontRef idx="minor">
+            <a:schemeClr val="tx1"/>
+          </a:fontRef>
+        </p:style>
+      </p:cxnSp>
+      <p:cxnSp>
+        <p:nvCxnSpPr>
+          <p:cNvPr id="108" name="מחבר ישר 107">
+            <a:extLst>
+              <a:ext uri="{FF2B5EF4-FFF2-40B4-BE49-F238E27FC236}">
+                <a16:creationId xmlns:a16="http://schemas.microsoft.com/office/drawing/2014/main" id="{830D8E3B-431E-4480-B100-7590E40F8C62}"/>
+              </a:ext>
+            </a:extLst>
+          </p:cNvPr>
+          <p:cNvCxnSpPr>
+            <a:cxnSpLocks/>
+          </p:cNvCxnSpPr>
+          <p:nvPr/>
+        </p:nvCxnSpPr>
+        <p:spPr>
+          <a:xfrm>
+            <a:off x="1057275" y="1279702"/>
+            <a:ext cx="5762625" cy="0"/>
+          </a:xfrm>
+          <a:prstGeom prst="line">
+            <a:avLst/>
+          </a:prstGeom>
+        </p:spPr>
+        <p:style>
+          <a:lnRef idx="1">
+            <a:schemeClr val="accent1"/>
+          </a:lnRef>
+          <a:fillRef idx="0">
+            <a:schemeClr val="accent1"/>
+          </a:fillRef>
+          <a:effectRef idx="0">
+            <a:schemeClr val="accent1"/>
+          </a:effectRef>
+          <a:fontRef idx="minor">
+            <a:schemeClr val="tx1"/>
+          </a:fontRef>
+        </p:style>
+      </p:cxnSp>
+      <p:cxnSp>
+        <p:nvCxnSpPr>
+          <p:cNvPr id="113" name="מחבר ישר 112">
+            <a:extLst>
+              <a:ext uri="{FF2B5EF4-FFF2-40B4-BE49-F238E27FC236}">
+                <a16:creationId xmlns:a16="http://schemas.microsoft.com/office/drawing/2014/main" id="{985860B5-5603-4748-8EAD-43C0E6115FBB}"/>
+              </a:ext>
+            </a:extLst>
+          </p:cNvPr>
+          <p:cNvCxnSpPr>
+            <a:cxnSpLocks/>
+          </p:cNvCxnSpPr>
+          <p:nvPr/>
+        </p:nvCxnSpPr>
+        <p:spPr>
+          <a:xfrm rot="16200000">
+            <a:off x="1704977" y="1205879"/>
+            <a:ext cx="142875" cy="0"/>
+          </a:xfrm>
+          <a:prstGeom prst="line">
+            <a:avLst/>
+          </a:prstGeom>
+        </p:spPr>
+        <p:style>
+          <a:lnRef idx="1">
+            <a:schemeClr val="accent1"/>
+          </a:lnRef>
+          <a:fillRef idx="0">
+            <a:schemeClr val="accent1"/>
+          </a:fillRef>
+          <a:effectRef idx="0">
+            <a:schemeClr val="accent1"/>
+          </a:effectRef>
+          <a:fontRef idx="minor">
+            <a:schemeClr val="tx1"/>
+          </a:fontRef>
+        </p:style>
+      </p:cxnSp>
+      <p:cxnSp>
+        <p:nvCxnSpPr>
+          <p:cNvPr id="115" name="מחבר ישר 114">
+            <a:extLst>
+              <a:ext uri="{FF2B5EF4-FFF2-40B4-BE49-F238E27FC236}">
+                <a16:creationId xmlns:a16="http://schemas.microsoft.com/office/drawing/2014/main" id="{CE57FFF8-805F-4BB9-BF8B-4F5AEB234B22}"/>
+              </a:ext>
+            </a:extLst>
+          </p:cNvPr>
+          <p:cNvCxnSpPr/>
+          <p:nvPr/>
+        </p:nvCxnSpPr>
+        <p:spPr>
+          <a:xfrm>
+            <a:off x="1776413" y="114300"/>
+            <a:ext cx="0" cy="3314700"/>
+          </a:xfrm>
+          <a:prstGeom prst="line">
+            <a:avLst/>
+          </a:prstGeom>
+          <a:ln>
+            <a:prstDash val="dashDot"/>
+          </a:ln>
+        </p:spPr>
+        <p:style>
+          <a:lnRef idx="1">
+            <a:schemeClr val="accent1"/>
+          </a:lnRef>
+          <a:fillRef idx="0">
+            <a:schemeClr val="accent1"/>
+          </a:fillRef>
+          <a:effectRef idx="0">
+            <a:schemeClr val="accent1"/>
+          </a:effectRef>
+          <a:fontRef idx="minor">
+            <a:schemeClr val="tx1"/>
+          </a:fontRef>
+        </p:style>
+      </p:cxnSp>
+      <p:cxnSp>
+        <p:nvCxnSpPr>
+          <p:cNvPr id="116" name="מחבר ישר 115">
+            <a:extLst>
+              <a:ext uri="{FF2B5EF4-FFF2-40B4-BE49-F238E27FC236}">
+                <a16:creationId xmlns:a16="http://schemas.microsoft.com/office/drawing/2014/main" id="{DAFD56B2-9E2C-4262-9215-D7452EE676B0}"/>
+              </a:ext>
+            </a:extLst>
+          </p:cNvPr>
+          <p:cNvCxnSpPr/>
+          <p:nvPr/>
+        </p:nvCxnSpPr>
+        <p:spPr>
+          <a:xfrm>
+            <a:off x="2066930" y="119055"/>
+            <a:ext cx="0" cy="3314700"/>
+          </a:xfrm>
+          <a:prstGeom prst="line">
+            <a:avLst/>
+          </a:prstGeom>
+          <a:ln>
+            <a:prstDash val="dashDot"/>
+          </a:ln>
+        </p:spPr>
+        <p:style>
+          <a:lnRef idx="1">
+            <a:schemeClr val="accent1"/>
+          </a:lnRef>
+          <a:fillRef idx="0">
+            <a:schemeClr val="accent1"/>
+          </a:fillRef>
+          <a:effectRef idx="0">
+            <a:schemeClr val="accent1"/>
+          </a:effectRef>
+          <a:fontRef idx="minor">
+            <a:schemeClr val="tx1"/>
+          </a:fontRef>
+        </p:style>
+      </p:cxnSp>
+      <p:cxnSp>
+        <p:nvCxnSpPr>
+          <p:cNvPr id="117" name="מחבר ישר 116">
+            <a:extLst>
+              <a:ext uri="{FF2B5EF4-FFF2-40B4-BE49-F238E27FC236}">
+                <a16:creationId xmlns:a16="http://schemas.microsoft.com/office/drawing/2014/main" id="{E527FAAF-DB70-40DB-9F9B-A743D7F38ED2}"/>
+              </a:ext>
+            </a:extLst>
+          </p:cNvPr>
+          <p:cNvCxnSpPr/>
+          <p:nvPr/>
+        </p:nvCxnSpPr>
+        <p:spPr>
+          <a:xfrm>
+            <a:off x="2352684" y="133336"/>
+            <a:ext cx="0" cy="3314700"/>
+          </a:xfrm>
+          <a:prstGeom prst="line">
+            <a:avLst/>
+          </a:prstGeom>
+          <a:ln>
+            <a:prstDash val="dashDot"/>
+          </a:ln>
+        </p:spPr>
+        <p:style>
+          <a:lnRef idx="1">
+            <a:schemeClr val="accent1"/>
+          </a:lnRef>
+          <a:fillRef idx="0">
+            <a:schemeClr val="accent1"/>
+          </a:fillRef>
+          <a:effectRef idx="0">
+            <a:schemeClr val="accent1"/>
+          </a:effectRef>
+          <a:fontRef idx="minor">
+            <a:schemeClr val="tx1"/>
+          </a:fontRef>
+        </p:style>
+      </p:cxnSp>
+      <p:cxnSp>
+        <p:nvCxnSpPr>
+          <p:cNvPr id="118" name="מחבר ישר 117">
+            <a:extLst>
+              <a:ext uri="{FF2B5EF4-FFF2-40B4-BE49-F238E27FC236}">
+                <a16:creationId xmlns:a16="http://schemas.microsoft.com/office/drawing/2014/main" id="{A26232F0-822E-4CD9-8EE9-184CC8230E41}"/>
+              </a:ext>
+            </a:extLst>
+          </p:cNvPr>
+          <p:cNvCxnSpPr/>
+          <p:nvPr/>
+        </p:nvCxnSpPr>
+        <p:spPr>
+          <a:xfrm>
+            <a:off x="2640807" y="134606"/>
+            <a:ext cx="0" cy="3314700"/>
+          </a:xfrm>
+          <a:prstGeom prst="line">
+            <a:avLst/>
+          </a:prstGeom>
+          <a:ln>
+            <a:prstDash val="dashDot"/>
+          </a:ln>
+        </p:spPr>
+        <p:style>
+          <a:lnRef idx="1">
+            <a:schemeClr val="accent1"/>
+          </a:lnRef>
+          <a:fillRef idx="0">
+            <a:schemeClr val="accent1"/>
+          </a:fillRef>
+          <a:effectRef idx="0">
+            <a:schemeClr val="accent1"/>
+          </a:effectRef>
+          <a:fontRef idx="minor">
+            <a:schemeClr val="tx1"/>
+          </a:fontRef>
+        </p:style>
+      </p:cxnSp>
+      <p:cxnSp>
+        <p:nvCxnSpPr>
+          <p:cNvPr id="119" name="מחבר ישר 118">
+            <a:extLst>
+              <a:ext uri="{FF2B5EF4-FFF2-40B4-BE49-F238E27FC236}">
+                <a16:creationId xmlns:a16="http://schemas.microsoft.com/office/drawing/2014/main" id="{76B0FCD2-399D-4D66-8307-EAB01502384E}"/>
+              </a:ext>
+            </a:extLst>
+          </p:cNvPr>
+          <p:cNvCxnSpPr/>
+          <p:nvPr/>
+        </p:nvCxnSpPr>
+        <p:spPr>
+          <a:xfrm>
+            <a:off x="2930130" y="128584"/>
+            <a:ext cx="0" cy="3314700"/>
+          </a:xfrm>
+          <a:prstGeom prst="line">
+            <a:avLst/>
+          </a:prstGeom>
+          <a:ln>
+            <a:prstDash val="dashDot"/>
+          </a:ln>
+        </p:spPr>
+        <p:style>
+          <a:lnRef idx="1">
+            <a:schemeClr val="accent1"/>
+          </a:lnRef>
+          <a:fillRef idx="0">
+            <a:schemeClr val="accent1"/>
+          </a:fillRef>
+          <a:effectRef idx="0">
+            <a:schemeClr val="accent1"/>
+          </a:effectRef>
+          <a:fontRef idx="minor">
+            <a:schemeClr val="tx1"/>
+          </a:fontRef>
+        </p:style>
+      </p:cxnSp>
+      <p:cxnSp>
+        <p:nvCxnSpPr>
+          <p:cNvPr id="120" name="מחבר ישר 119">
+            <a:extLst>
+              <a:ext uri="{FF2B5EF4-FFF2-40B4-BE49-F238E27FC236}">
+                <a16:creationId xmlns:a16="http://schemas.microsoft.com/office/drawing/2014/main" id="{EA97D781-272C-4C9E-8FDC-88519227D488}"/>
+              </a:ext>
+            </a:extLst>
+          </p:cNvPr>
+          <p:cNvCxnSpPr/>
+          <p:nvPr/>
+        </p:nvCxnSpPr>
+        <p:spPr>
+          <a:xfrm>
+            <a:off x="3220647" y="133339"/>
+            <a:ext cx="0" cy="3314700"/>
+          </a:xfrm>
+          <a:prstGeom prst="line">
+            <a:avLst/>
+          </a:prstGeom>
+          <a:ln>
+            <a:prstDash val="dashDot"/>
+          </a:ln>
+        </p:spPr>
+        <p:style>
+          <a:lnRef idx="1">
+            <a:schemeClr val="accent1"/>
+          </a:lnRef>
+          <a:fillRef idx="0">
+            <a:schemeClr val="accent1"/>
+          </a:fillRef>
+          <a:effectRef idx="0">
+            <a:schemeClr val="accent1"/>
+          </a:effectRef>
+          <a:fontRef idx="minor">
+            <a:schemeClr val="tx1"/>
+          </a:fontRef>
+        </p:style>
+      </p:cxnSp>
+      <p:cxnSp>
+        <p:nvCxnSpPr>
+          <p:cNvPr id="121" name="מחבר ישר 120">
+            <a:extLst>
+              <a:ext uri="{FF2B5EF4-FFF2-40B4-BE49-F238E27FC236}">
+                <a16:creationId xmlns:a16="http://schemas.microsoft.com/office/drawing/2014/main" id="{E9479631-6123-4365-BE00-1D268E5B7A7F}"/>
+              </a:ext>
+            </a:extLst>
+          </p:cNvPr>
+          <p:cNvCxnSpPr/>
+          <p:nvPr/>
+        </p:nvCxnSpPr>
+        <p:spPr>
+          <a:xfrm>
+            <a:off x="3506401" y="147620"/>
+            <a:ext cx="0" cy="3314700"/>
+          </a:xfrm>
+          <a:prstGeom prst="line">
+            <a:avLst/>
+          </a:prstGeom>
+          <a:ln>
+            <a:prstDash val="dashDot"/>
+          </a:ln>
+        </p:spPr>
+        <p:style>
+          <a:lnRef idx="1">
+            <a:schemeClr val="accent1"/>
+          </a:lnRef>
+          <a:fillRef idx="0">
+            <a:schemeClr val="accent1"/>
+          </a:fillRef>
+          <a:effectRef idx="0">
+            <a:schemeClr val="accent1"/>
+          </a:effectRef>
+          <a:fontRef idx="minor">
+            <a:schemeClr val="tx1"/>
+          </a:fontRef>
+        </p:style>
+      </p:cxnSp>
+      <p:cxnSp>
+        <p:nvCxnSpPr>
+          <p:cNvPr id="122" name="מחבר ישר 121">
+            <a:extLst>
+              <a:ext uri="{FF2B5EF4-FFF2-40B4-BE49-F238E27FC236}">
+                <a16:creationId xmlns:a16="http://schemas.microsoft.com/office/drawing/2014/main" id="{7A28BE2A-7A6B-4D6D-8A6D-338A575BF79E}"/>
+              </a:ext>
+            </a:extLst>
+          </p:cNvPr>
+          <p:cNvCxnSpPr/>
+          <p:nvPr/>
+        </p:nvCxnSpPr>
+        <p:spPr>
+          <a:xfrm>
+            <a:off x="3794524" y="148890"/>
+            <a:ext cx="0" cy="3314700"/>
+          </a:xfrm>
+          <a:prstGeom prst="line">
+            <a:avLst/>
+          </a:prstGeom>
+          <a:ln>
+            <a:prstDash val="dashDot"/>
+          </a:ln>
+        </p:spPr>
+        <p:style>
+          <a:lnRef idx="1">
+            <a:schemeClr val="accent1"/>
+          </a:lnRef>
+          <a:fillRef idx="0">
+            <a:schemeClr val="accent1"/>
+          </a:fillRef>
+          <a:effectRef idx="0">
+            <a:schemeClr val="accent1"/>
+          </a:effectRef>
+          <a:fontRef idx="minor">
+            <a:schemeClr val="tx1"/>
+          </a:fontRef>
+        </p:style>
+      </p:cxnSp>
+      <p:cxnSp>
+        <p:nvCxnSpPr>
+          <p:cNvPr id="123" name="מחבר ישר 122">
+            <a:extLst>
+              <a:ext uri="{FF2B5EF4-FFF2-40B4-BE49-F238E27FC236}">
+                <a16:creationId xmlns:a16="http://schemas.microsoft.com/office/drawing/2014/main" id="{72A4FF2D-C166-49A2-BCD6-271EA53744F5}"/>
+              </a:ext>
+            </a:extLst>
+          </p:cNvPr>
+          <p:cNvCxnSpPr/>
+          <p:nvPr/>
+        </p:nvCxnSpPr>
+        <p:spPr>
+          <a:xfrm>
+            <a:off x="4079085" y="147620"/>
+            <a:ext cx="0" cy="3314700"/>
+          </a:xfrm>
+          <a:prstGeom prst="line">
+            <a:avLst/>
+          </a:prstGeom>
+          <a:ln>
+            <a:prstDash val="dashDot"/>
+          </a:ln>
+        </p:spPr>
+        <p:style>
+          <a:lnRef idx="1">
+            <a:schemeClr val="accent1"/>
+          </a:lnRef>
+          <a:fillRef idx="0">
+            <a:schemeClr val="accent1"/>
+          </a:fillRef>
+          <a:effectRef idx="0">
+            <a:schemeClr val="accent1"/>
+          </a:effectRef>
+          <a:fontRef idx="minor">
+            <a:schemeClr val="tx1"/>
+          </a:fontRef>
+        </p:style>
+      </p:cxnSp>
+      <p:cxnSp>
+        <p:nvCxnSpPr>
+          <p:cNvPr id="124" name="מחבר ישר 123">
+            <a:extLst>
+              <a:ext uri="{FF2B5EF4-FFF2-40B4-BE49-F238E27FC236}">
+                <a16:creationId xmlns:a16="http://schemas.microsoft.com/office/drawing/2014/main" id="{D38BB232-2873-4D73-9EEE-4B38D0BC1474}"/>
+              </a:ext>
+            </a:extLst>
+          </p:cNvPr>
+          <p:cNvCxnSpPr/>
+          <p:nvPr/>
+        </p:nvCxnSpPr>
+        <p:spPr>
+          <a:xfrm>
+            <a:off x="4369602" y="152375"/>
+            <a:ext cx="0" cy="3314700"/>
+          </a:xfrm>
+          <a:prstGeom prst="line">
+            <a:avLst/>
+          </a:prstGeom>
+          <a:ln>
+            <a:prstDash val="dashDot"/>
+          </a:ln>
+        </p:spPr>
+        <p:style>
+          <a:lnRef idx="1">
+            <a:schemeClr val="accent1"/>
+          </a:lnRef>
+          <a:fillRef idx="0">
+            <a:schemeClr val="accent1"/>
+          </a:fillRef>
+          <a:effectRef idx="0">
+            <a:schemeClr val="accent1"/>
+          </a:effectRef>
+          <a:fontRef idx="minor">
+            <a:schemeClr val="tx1"/>
+          </a:fontRef>
+        </p:style>
+      </p:cxnSp>
+      <p:cxnSp>
+        <p:nvCxnSpPr>
+          <p:cNvPr id="125" name="מחבר ישר 124">
+            <a:extLst>
+              <a:ext uri="{FF2B5EF4-FFF2-40B4-BE49-F238E27FC236}">
+                <a16:creationId xmlns:a16="http://schemas.microsoft.com/office/drawing/2014/main" id="{DEC5D58B-7E7E-455B-8180-B3AA3327A4F8}"/>
+              </a:ext>
+            </a:extLst>
+          </p:cNvPr>
+          <p:cNvCxnSpPr/>
+          <p:nvPr/>
+        </p:nvCxnSpPr>
+        <p:spPr>
+          <a:xfrm>
+            <a:off x="4655356" y="166656"/>
+            <a:ext cx="0" cy="3314700"/>
+          </a:xfrm>
+          <a:prstGeom prst="line">
+            <a:avLst/>
+          </a:prstGeom>
+          <a:ln>
+            <a:prstDash val="dashDot"/>
+          </a:ln>
+        </p:spPr>
+        <p:style>
+          <a:lnRef idx="1">
+            <a:schemeClr val="accent1"/>
+          </a:lnRef>
+          <a:fillRef idx="0">
+            <a:schemeClr val="accent1"/>
+          </a:fillRef>
+          <a:effectRef idx="0">
+            <a:schemeClr val="accent1"/>
+          </a:effectRef>
+          <a:fontRef idx="minor">
+            <a:schemeClr val="tx1"/>
+          </a:fontRef>
+        </p:style>
+      </p:cxnSp>
+      <p:cxnSp>
+        <p:nvCxnSpPr>
+          <p:cNvPr id="126" name="מחבר ישר 125">
+            <a:extLst>
+              <a:ext uri="{FF2B5EF4-FFF2-40B4-BE49-F238E27FC236}">
+                <a16:creationId xmlns:a16="http://schemas.microsoft.com/office/drawing/2014/main" id="{AA754B2F-26EF-4007-A1F7-9B9049671859}"/>
+              </a:ext>
+            </a:extLst>
+          </p:cNvPr>
+          <p:cNvCxnSpPr/>
+          <p:nvPr/>
+        </p:nvCxnSpPr>
+        <p:spPr>
+          <a:xfrm>
+            <a:off x="4943479" y="167926"/>
+            <a:ext cx="0" cy="3314700"/>
+          </a:xfrm>
+          <a:prstGeom prst="line">
+            <a:avLst/>
+          </a:prstGeom>
+          <a:ln>
+            <a:prstDash val="dashDot"/>
+          </a:ln>
+        </p:spPr>
+        <p:style>
+          <a:lnRef idx="1">
+            <a:schemeClr val="accent1"/>
+          </a:lnRef>
+          <a:fillRef idx="0">
+            <a:schemeClr val="accent1"/>
+          </a:fillRef>
+          <a:effectRef idx="0">
+            <a:schemeClr val="accent1"/>
+          </a:effectRef>
+          <a:fontRef idx="minor">
+            <a:schemeClr val="tx1"/>
+          </a:fontRef>
+        </p:style>
+      </p:cxnSp>
+      <p:cxnSp>
+        <p:nvCxnSpPr>
+          <p:cNvPr id="127" name="מחבר ישר 126">
+            <a:extLst>
+              <a:ext uri="{FF2B5EF4-FFF2-40B4-BE49-F238E27FC236}">
+                <a16:creationId xmlns:a16="http://schemas.microsoft.com/office/drawing/2014/main" id="{22978568-FB6E-4EEE-B8A1-6034D9C1072B}"/>
+              </a:ext>
+            </a:extLst>
+          </p:cNvPr>
+          <p:cNvCxnSpPr/>
+          <p:nvPr/>
+        </p:nvCxnSpPr>
+        <p:spPr>
+          <a:xfrm>
+            <a:off x="5232802" y="161904"/>
+            <a:ext cx="0" cy="3314700"/>
+          </a:xfrm>
+          <a:prstGeom prst="line">
+            <a:avLst/>
+          </a:prstGeom>
+          <a:ln>
+            <a:prstDash val="dashDot"/>
+          </a:ln>
+        </p:spPr>
+        <p:style>
+          <a:lnRef idx="1">
+            <a:schemeClr val="accent1"/>
+          </a:lnRef>
+          <a:fillRef idx="0">
+            <a:schemeClr val="accent1"/>
+          </a:fillRef>
+          <a:effectRef idx="0">
+            <a:schemeClr val="accent1"/>
+          </a:effectRef>
+          <a:fontRef idx="minor">
+            <a:schemeClr val="tx1"/>
+          </a:fontRef>
+        </p:style>
+      </p:cxnSp>
+      <p:cxnSp>
+        <p:nvCxnSpPr>
+          <p:cNvPr id="128" name="מחבר ישר 127">
+            <a:extLst>
+              <a:ext uri="{FF2B5EF4-FFF2-40B4-BE49-F238E27FC236}">
+                <a16:creationId xmlns:a16="http://schemas.microsoft.com/office/drawing/2014/main" id="{2304E53A-9752-44B0-82B7-F261DDB8CA98}"/>
+              </a:ext>
+            </a:extLst>
+          </p:cNvPr>
+          <p:cNvCxnSpPr/>
+          <p:nvPr/>
+        </p:nvCxnSpPr>
+        <p:spPr>
+          <a:xfrm>
+            <a:off x="5523319" y="166659"/>
+            <a:ext cx="0" cy="3314700"/>
+          </a:xfrm>
+          <a:prstGeom prst="line">
+            <a:avLst/>
+          </a:prstGeom>
+          <a:ln>
+            <a:prstDash val="dashDot"/>
+          </a:ln>
+        </p:spPr>
+        <p:style>
+          <a:lnRef idx="1">
+            <a:schemeClr val="accent1"/>
+          </a:lnRef>
+          <a:fillRef idx="0">
+            <a:schemeClr val="accent1"/>
+          </a:fillRef>
+          <a:effectRef idx="0">
+            <a:schemeClr val="accent1"/>
+          </a:effectRef>
+          <a:fontRef idx="minor">
+            <a:schemeClr val="tx1"/>
+          </a:fontRef>
+        </p:style>
+      </p:cxnSp>
+      <p:cxnSp>
+        <p:nvCxnSpPr>
+          <p:cNvPr id="129" name="מחבר ישר 128">
+            <a:extLst>
+              <a:ext uri="{FF2B5EF4-FFF2-40B4-BE49-F238E27FC236}">
+                <a16:creationId xmlns:a16="http://schemas.microsoft.com/office/drawing/2014/main" id="{535B37C4-582E-4E4E-B8BD-D918380D4FF8}"/>
+              </a:ext>
+            </a:extLst>
+          </p:cNvPr>
+          <p:cNvCxnSpPr/>
+          <p:nvPr/>
+        </p:nvCxnSpPr>
+        <p:spPr>
+          <a:xfrm>
+            <a:off x="5809073" y="180940"/>
+            <a:ext cx="0" cy="3314700"/>
+          </a:xfrm>
+          <a:prstGeom prst="line">
+            <a:avLst/>
+          </a:prstGeom>
+          <a:ln>
+            <a:prstDash val="dashDot"/>
+          </a:ln>
+        </p:spPr>
+        <p:style>
+          <a:lnRef idx="1">
+            <a:schemeClr val="accent1"/>
+          </a:lnRef>
+          <a:fillRef idx="0">
+            <a:schemeClr val="accent1"/>
+          </a:fillRef>
+          <a:effectRef idx="0">
+            <a:schemeClr val="accent1"/>
+          </a:effectRef>
+          <a:fontRef idx="minor">
+            <a:schemeClr val="tx1"/>
+          </a:fontRef>
+        </p:style>
+      </p:cxnSp>
+      <p:cxnSp>
+        <p:nvCxnSpPr>
+          <p:cNvPr id="130" name="מחבר ישר 129">
+            <a:extLst>
+              <a:ext uri="{FF2B5EF4-FFF2-40B4-BE49-F238E27FC236}">
+                <a16:creationId xmlns:a16="http://schemas.microsoft.com/office/drawing/2014/main" id="{23BB23E4-4AF9-4C63-90AD-2CF49F2375EE}"/>
+              </a:ext>
+            </a:extLst>
+          </p:cNvPr>
+          <p:cNvCxnSpPr/>
+          <p:nvPr/>
+        </p:nvCxnSpPr>
+        <p:spPr>
+          <a:xfrm>
+            <a:off x="6097196" y="182210"/>
+            <a:ext cx="0" cy="3314700"/>
+          </a:xfrm>
+          <a:prstGeom prst="line">
+            <a:avLst/>
+          </a:prstGeom>
+          <a:ln>
+            <a:prstDash val="dashDot"/>
+          </a:ln>
+        </p:spPr>
+        <p:style>
+          <a:lnRef idx="1">
+            <a:schemeClr val="accent1"/>
+          </a:lnRef>
+          <a:fillRef idx="0">
+            <a:schemeClr val="accent1"/>
+          </a:fillRef>
+          <a:effectRef idx="0">
+            <a:schemeClr val="accent1"/>
+          </a:effectRef>
+          <a:fontRef idx="minor">
+            <a:schemeClr val="tx1"/>
+          </a:fontRef>
+        </p:style>
+      </p:cxnSp>
+      <p:sp>
+        <p:nvSpPr>
+          <p:cNvPr id="170" name="תיבת טקסט 169">
+            <a:extLst>
+              <a:ext uri="{FF2B5EF4-FFF2-40B4-BE49-F238E27FC236}">
+                <a16:creationId xmlns:a16="http://schemas.microsoft.com/office/drawing/2014/main" id="{0FCD70AA-B089-476A-980B-898F36136A67}"/>
+              </a:ext>
+            </a:extLst>
+          </p:cNvPr>
+          <p:cNvSpPr txBox="1"/>
+          <p:nvPr/>
+        </p:nvSpPr>
+        <p:spPr>
+          <a:xfrm>
+            <a:off x="339551" y="172377"/>
+            <a:ext cx="906210" cy="276999"/>
+          </a:xfrm>
+          <a:prstGeom prst="rect">
+            <a:avLst/>
+          </a:prstGeom>
+          <a:noFill/>
+        </p:spPr>
+        <p:txBody>
+          <a:bodyPr wrap="none" rtlCol="1">
+            <a:spAutoFit/>
+          </a:bodyPr>
+          <a:lstStyle/>
+          <a:p>
+            <a:r>
+              <a:rPr lang="en-US" sz="1200" dirty="0" err="1"/>
+              <a:t>Cnt_div_clk</a:t>
+            </a:r>
+            <a:endParaRPr lang="he-IL" sz="1200" dirty="0"/>
+          </a:p>
+        </p:txBody>
+      </p:sp>
+      <p:cxnSp>
+        <p:nvCxnSpPr>
+          <p:cNvPr id="368" name="מחבר ישר 367">
+            <a:extLst>
+              <a:ext uri="{FF2B5EF4-FFF2-40B4-BE49-F238E27FC236}">
+                <a16:creationId xmlns:a16="http://schemas.microsoft.com/office/drawing/2014/main" id="{2D11B39E-E849-47A7-B554-900F7EC11242}"/>
+              </a:ext>
+            </a:extLst>
+          </p:cNvPr>
+          <p:cNvCxnSpPr/>
+          <p:nvPr/>
+        </p:nvCxnSpPr>
+        <p:spPr>
+          <a:xfrm>
+            <a:off x="1775532" y="3355395"/>
+            <a:ext cx="0" cy="3314700"/>
+          </a:xfrm>
+          <a:prstGeom prst="line">
+            <a:avLst/>
+          </a:prstGeom>
+          <a:ln>
+            <a:prstDash val="dashDot"/>
+          </a:ln>
+        </p:spPr>
+        <p:style>
+          <a:lnRef idx="1">
+            <a:schemeClr val="accent1"/>
+          </a:lnRef>
+          <a:fillRef idx="0">
+            <a:schemeClr val="accent1"/>
+          </a:fillRef>
+          <a:effectRef idx="0">
+            <a:schemeClr val="accent1"/>
+          </a:effectRef>
+          <a:fontRef idx="minor">
+            <a:schemeClr val="tx1"/>
+          </a:fontRef>
+        </p:style>
+      </p:cxnSp>
+      <p:cxnSp>
+        <p:nvCxnSpPr>
+          <p:cNvPr id="369" name="מחבר ישר 368">
+            <a:extLst>
+              <a:ext uri="{FF2B5EF4-FFF2-40B4-BE49-F238E27FC236}">
+                <a16:creationId xmlns:a16="http://schemas.microsoft.com/office/drawing/2014/main" id="{558A7789-38CB-4F19-AE27-A166779484ED}"/>
+              </a:ext>
+            </a:extLst>
+          </p:cNvPr>
+          <p:cNvCxnSpPr/>
+          <p:nvPr/>
+        </p:nvCxnSpPr>
+        <p:spPr>
+          <a:xfrm>
+            <a:off x="2066049" y="3360150"/>
+            <a:ext cx="0" cy="3314700"/>
+          </a:xfrm>
+          <a:prstGeom prst="line">
+            <a:avLst/>
+          </a:prstGeom>
+          <a:ln>
+            <a:prstDash val="dashDot"/>
+          </a:ln>
+        </p:spPr>
+        <p:style>
+          <a:lnRef idx="1">
+            <a:schemeClr val="accent1"/>
+          </a:lnRef>
+          <a:fillRef idx="0">
+            <a:schemeClr val="accent1"/>
+          </a:fillRef>
+          <a:effectRef idx="0">
+            <a:schemeClr val="accent1"/>
+          </a:effectRef>
+          <a:fontRef idx="minor">
+            <a:schemeClr val="tx1"/>
+          </a:fontRef>
+        </p:style>
+      </p:cxnSp>
+      <p:cxnSp>
+        <p:nvCxnSpPr>
+          <p:cNvPr id="370" name="מחבר ישר 369">
+            <a:extLst>
+              <a:ext uri="{FF2B5EF4-FFF2-40B4-BE49-F238E27FC236}">
+                <a16:creationId xmlns:a16="http://schemas.microsoft.com/office/drawing/2014/main" id="{000D2946-DCBE-41FB-B2BC-E6F2F66E51E4}"/>
+              </a:ext>
+            </a:extLst>
+          </p:cNvPr>
+          <p:cNvCxnSpPr/>
+          <p:nvPr/>
+        </p:nvCxnSpPr>
+        <p:spPr>
+          <a:xfrm>
+            <a:off x="2351803" y="3374431"/>
+            <a:ext cx="0" cy="3314700"/>
+          </a:xfrm>
+          <a:prstGeom prst="line">
+            <a:avLst/>
+          </a:prstGeom>
+          <a:ln>
+            <a:prstDash val="dashDot"/>
+          </a:ln>
+        </p:spPr>
+        <p:style>
+          <a:lnRef idx="1">
+            <a:schemeClr val="accent1"/>
+          </a:lnRef>
+          <a:fillRef idx="0">
+            <a:schemeClr val="accent1"/>
+          </a:fillRef>
+          <a:effectRef idx="0">
+            <a:schemeClr val="accent1"/>
+          </a:effectRef>
+          <a:fontRef idx="minor">
+            <a:schemeClr val="tx1"/>
+          </a:fontRef>
+        </p:style>
+      </p:cxnSp>
+      <p:cxnSp>
+        <p:nvCxnSpPr>
+          <p:cNvPr id="371" name="מחבר ישר 370">
+            <a:extLst>
+              <a:ext uri="{FF2B5EF4-FFF2-40B4-BE49-F238E27FC236}">
+                <a16:creationId xmlns:a16="http://schemas.microsoft.com/office/drawing/2014/main" id="{E2040BA0-7D1B-494D-B81F-17DBCD2C4347}"/>
+              </a:ext>
+            </a:extLst>
+          </p:cNvPr>
+          <p:cNvCxnSpPr/>
+          <p:nvPr/>
+        </p:nvCxnSpPr>
+        <p:spPr>
+          <a:xfrm>
+            <a:off x="2639926" y="3375701"/>
+            <a:ext cx="0" cy="3314700"/>
+          </a:xfrm>
+          <a:prstGeom prst="line">
+            <a:avLst/>
+          </a:prstGeom>
+          <a:ln>
+            <a:prstDash val="dashDot"/>
+          </a:ln>
+        </p:spPr>
+        <p:style>
+          <a:lnRef idx="1">
+            <a:schemeClr val="accent1"/>
+          </a:lnRef>
+          <a:fillRef idx="0">
+            <a:schemeClr val="accent1"/>
+          </a:fillRef>
+          <a:effectRef idx="0">
+            <a:schemeClr val="accent1"/>
+          </a:effectRef>
+          <a:fontRef idx="minor">
+            <a:schemeClr val="tx1"/>
+          </a:fontRef>
+        </p:style>
+      </p:cxnSp>
+      <p:cxnSp>
+        <p:nvCxnSpPr>
+          <p:cNvPr id="372" name="מחבר ישר 371">
+            <a:extLst>
+              <a:ext uri="{FF2B5EF4-FFF2-40B4-BE49-F238E27FC236}">
+                <a16:creationId xmlns:a16="http://schemas.microsoft.com/office/drawing/2014/main" id="{C502519E-3EF3-42C3-934C-0A480D8B224C}"/>
+              </a:ext>
+            </a:extLst>
+          </p:cNvPr>
+          <p:cNvCxnSpPr/>
+          <p:nvPr/>
+        </p:nvCxnSpPr>
+        <p:spPr>
+          <a:xfrm>
+            <a:off x="2929249" y="3369679"/>
+            <a:ext cx="0" cy="3314700"/>
+          </a:xfrm>
+          <a:prstGeom prst="line">
+            <a:avLst/>
+          </a:prstGeom>
+          <a:ln>
+            <a:prstDash val="dashDot"/>
+          </a:ln>
+        </p:spPr>
+        <p:style>
+          <a:lnRef idx="1">
+            <a:schemeClr val="accent1"/>
+          </a:lnRef>
+          <a:fillRef idx="0">
+            <a:schemeClr val="accent1"/>
+          </a:fillRef>
+          <a:effectRef idx="0">
+            <a:schemeClr val="accent1"/>
+          </a:effectRef>
+          <a:fontRef idx="minor">
+            <a:schemeClr val="tx1"/>
+          </a:fontRef>
+        </p:style>
+      </p:cxnSp>
+      <p:cxnSp>
+        <p:nvCxnSpPr>
+          <p:cNvPr id="373" name="מחבר ישר 372">
+            <a:extLst>
+              <a:ext uri="{FF2B5EF4-FFF2-40B4-BE49-F238E27FC236}">
+                <a16:creationId xmlns:a16="http://schemas.microsoft.com/office/drawing/2014/main" id="{C516A124-7C14-44B4-8B47-F2059C6ED0D0}"/>
+              </a:ext>
+            </a:extLst>
+          </p:cNvPr>
+          <p:cNvCxnSpPr/>
+          <p:nvPr/>
+        </p:nvCxnSpPr>
+        <p:spPr>
+          <a:xfrm>
+            <a:off x="3219766" y="3374434"/>
+            <a:ext cx="0" cy="3314700"/>
+          </a:xfrm>
+          <a:prstGeom prst="line">
+            <a:avLst/>
+          </a:prstGeom>
+          <a:ln>
+            <a:prstDash val="dashDot"/>
+          </a:ln>
+        </p:spPr>
+        <p:style>
+          <a:lnRef idx="1">
+            <a:schemeClr val="accent1"/>
+          </a:lnRef>
+          <a:fillRef idx="0">
+            <a:schemeClr val="accent1"/>
+          </a:fillRef>
+          <a:effectRef idx="0">
+            <a:schemeClr val="accent1"/>
+          </a:effectRef>
+          <a:fontRef idx="minor">
+            <a:schemeClr val="tx1"/>
+          </a:fontRef>
+        </p:style>
+      </p:cxnSp>
+      <p:cxnSp>
+        <p:nvCxnSpPr>
+          <p:cNvPr id="374" name="מחבר ישר 373">
+            <a:extLst>
+              <a:ext uri="{FF2B5EF4-FFF2-40B4-BE49-F238E27FC236}">
+                <a16:creationId xmlns:a16="http://schemas.microsoft.com/office/drawing/2014/main" id="{950D1548-C03A-4068-8486-4880DF055804}"/>
+              </a:ext>
+            </a:extLst>
+          </p:cNvPr>
+          <p:cNvCxnSpPr/>
+          <p:nvPr/>
+        </p:nvCxnSpPr>
+        <p:spPr>
+          <a:xfrm>
+            <a:off x="3505520" y="3388715"/>
+            <a:ext cx="0" cy="3314700"/>
+          </a:xfrm>
+          <a:prstGeom prst="line">
+            <a:avLst/>
+          </a:prstGeom>
+          <a:ln>
+            <a:prstDash val="dashDot"/>
+          </a:ln>
+        </p:spPr>
+        <p:style>
+          <a:lnRef idx="1">
+            <a:schemeClr val="accent1"/>
+          </a:lnRef>
+          <a:fillRef idx="0">
+            <a:schemeClr val="accent1"/>
+          </a:fillRef>
+          <a:effectRef idx="0">
+            <a:schemeClr val="accent1"/>
+          </a:effectRef>
+          <a:fontRef idx="minor">
+            <a:schemeClr val="tx1"/>
+          </a:fontRef>
+        </p:style>
+      </p:cxnSp>
+      <p:cxnSp>
+        <p:nvCxnSpPr>
+          <p:cNvPr id="375" name="מחבר ישר 374">
+            <a:extLst>
+              <a:ext uri="{FF2B5EF4-FFF2-40B4-BE49-F238E27FC236}">
+                <a16:creationId xmlns:a16="http://schemas.microsoft.com/office/drawing/2014/main" id="{A0A0E64C-AB16-4AEC-BFE9-286C62DC494D}"/>
+              </a:ext>
+            </a:extLst>
+          </p:cNvPr>
+          <p:cNvCxnSpPr/>
+          <p:nvPr/>
+        </p:nvCxnSpPr>
+        <p:spPr>
+          <a:xfrm>
+            <a:off x="3793643" y="3389985"/>
+            <a:ext cx="0" cy="3314700"/>
+          </a:xfrm>
+          <a:prstGeom prst="line">
+            <a:avLst/>
+          </a:prstGeom>
+          <a:ln>
+            <a:prstDash val="dashDot"/>
+          </a:ln>
+        </p:spPr>
+        <p:style>
+          <a:lnRef idx="1">
+            <a:schemeClr val="accent1"/>
+          </a:lnRef>
+          <a:fillRef idx="0">
+            <a:schemeClr val="accent1"/>
+          </a:fillRef>
+          <a:effectRef idx="0">
+            <a:schemeClr val="accent1"/>
+          </a:effectRef>
+          <a:fontRef idx="minor">
+            <a:schemeClr val="tx1"/>
+          </a:fontRef>
+        </p:style>
+      </p:cxnSp>
+      <p:cxnSp>
+        <p:nvCxnSpPr>
+          <p:cNvPr id="376" name="מחבר ישר 375">
+            <a:extLst>
+              <a:ext uri="{FF2B5EF4-FFF2-40B4-BE49-F238E27FC236}">
+                <a16:creationId xmlns:a16="http://schemas.microsoft.com/office/drawing/2014/main" id="{077D3D2B-D04B-4FA8-A8EE-A23725E17A3D}"/>
+              </a:ext>
+            </a:extLst>
+          </p:cNvPr>
+          <p:cNvCxnSpPr/>
+          <p:nvPr/>
+        </p:nvCxnSpPr>
+        <p:spPr>
+          <a:xfrm>
+            <a:off x="4078204" y="3388715"/>
+            <a:ext cx="0" cy="3314700"/>
+          </a:xfrm>
+          <a:prstGeom prst="line">
+            <a:avLst/>
+          </a:prstGeom>
+          <a:ln>
+            <a:prstDash val="dashDot"/>
+          </a:ln>
+        </p:spPr>
+        <p:style>
+          <a:lnRef idx="1">
+            <a:schemeClr val="accent1"/>
+          </a:lnRef>
+          <a:fillRef idx="0">
+            <a:schemeClr val="accent1"/>
+          </a:fillRef>
+          <a:effectRef idx="0">
+            <a:schemeClr val="accent1"/>
+          </a:effectRef>
+          <a:fontRef idx="minor">
+            <a:schemeClr val="tx1"/>
+          </a:fontRef>
+        </p:style>
+      </p:cxnSp>
+      <p:cxnSp>
+        <p:nvCxnSpPr>
+          <p:cNvPr id="377" name="מחבר ישר 376">
+            <a:extLst>
+              <a:ext uri="{FF2B5EF4-FFF2-40B4-BE49-F238E27FC236}">
+                <a16:creationId xmlns:a16="http://schemas.microsoft.com/office/drawing/2014/main" id="{D5F11A13-96E6-4AFE-A80C-B3BE0ABAB2C4}"/>
+              </a:ext>
+            </a:extLst>
+          </p:cNvPr>
+          <p:cNvCxnSpPr/>
+          <p:nvPr/>
+        </p:nvCxnSpPr>
+        <p:spPr>
+          <a:xfrm>
+            <a:off x="4368721" y="3393470"/>
+            <a:ext cx="0" cy="3314700"/>
+          </a:xfrm>
+          <a:prstGeom prst="line">
+            <a:avLst/>
+          </a:prstGeom>
+          <a:ln>
+            <a:prstDash val="dashDot"/>
+          </a:ln>
+        </p:spPr>
+        <p:style>
+          <a:lnRef idx="1">
+            <a:schemeClr val="accent1"/>
+          </a:lnRef>
+          <a:fillRef idx="0">
+            <a:schemeClr val="accent1"/>
+          </a:fillRef>
+          <a:effectRef idx="0">
+            <a:schemeClr val="accent1"/>
+          </a:effectRef>
+          <a:fontRef idx="minor">
+            <a:schemeClr val="tx1"/>
+          </a:fontRef>
+        </p:style>
+      </p:cxnSp>
+      <p:cxnSp>
+        <p:nvCxnSpPr>
+          <p:cNvPr id="378" name="מחבר ישר 377">
+            <a:extLst>
+              <a:ext uri="{FF2B5EF4-FFF2-40B4-BE49-F238E27FC236}">
+                <a16:creationId xmlns:a16="http://schemas.microsoft.com/office/drawing/2014/main" id="{46B4A800-5F08-433A-ADA7-84C34094ABBD}"/>
+              </a:ext>
+            </a:extLst>
+          </p:cNvPr>
+          <p:cNvCxnSpPr/>
+          <p:nvPr/>
+        </p:nvCxnSpPr>
+        <p:spPr>
+          <a:xfrm>
+            <a:off x="4654475" y="3407751"/>
+            <a:ext cx="0" cy="3314700"/>
+          </a:xfrm>
+          <a:prstGeom prst="line">
+            <a:avLst/>
+          </a:prstGeom>
+          <a:ln>
+            <a:prstDash val="dashDot"/>
+          </a:ln>
+        </p:spPr>
+        <p:style>
+          <a:lnRef idx="1">
+            <a:schemeClr val="accent1"/>
+          </a:lnRef>
+          <a:fillRef idx="0">
+            <a:schemeClr val="accent1"/>
+          </a:fillRef>
+          <a:effectRef idx="0">
+            <a:schemeClr val="accent1"/>
+          </a:effectRef>
+          <a:fontRef idx="minor">
+            <a:schemeClr val="tx1"/>
+          </a:fontRef>
+        </p:style>
+      </p:cxnSp>
+      <p:cxnSp>
+        <p:nvCxnSpPr>
+          <p:cNvPr id="379" name="מחבר ישר 378">
+            <a:extLst>
+              <a:ext uri="{FF2B5EF4-FFF2-40B4-BE49-F238E27FC236}">
+                <a16:creationId xmlns:a16="http://schemas.microsoft.com/office/drawing/2014/main" id="{5293830B-BF53-4F10-8F54-AFB16852459F}"/>
+              </a:ext>
+            </a:extLst>
+          </p:cNvPr>
+          <p:cNvCxnSpPr/>
+          <p:nvPr/>
+        </p:nvCxnSpPr>
+        <p:spPr>
+          <a:xfrm>
+            <a:off x="4942598" y="3409021"/>
+            <a:ext cx="0" cy="3314700"/>
+          </a:xfrm>
+          <a:prstGeom prst="line">
+            <a:avLst/>
+          </a:prstGeom>
+          <a:ln>
+            <a:prstDash val="dashDot"/>
+          </a:ln>
+        </p:spPr>
+        <p:style>
+          <a:lnRef idx="1">
+            <a:schemeClr val="accent1"/>
+          </a:lnRef>
+          <a:fillRef idx="0">
+            <a:schemeClr val="accent1"/>
+          </a:fillRef>
+          <a:effectRef idx="0">
+            <a:schemeClr val="accent1"/>
+          </a:effectRef>
+          <a:fontRef idx="minor">
+            <a:schemeClr val="tx1"/>
+          </a:fontRef>
+        </p:style>
+      </p:cxnSp>
+      <p:cxnSp>
+        <p:nvCxnSpPr>
+          <p:cNvPr id="380" name="מחבר ישר 379">
+            <a:extLst>
+              <a:ext uri="{FF2B5EF4-FFF2-40B4-BE49-F238E27FC236}">
+                <a16:creationId xmlns:a16="http://schemas.microsoft.com/office/drawing/2014/main" id="{3D3938AD-E22B-4048-AE98-6AABDC6D485F}"/>
+              </a:ext>
+            </a:extLst>
+          </p:cNvPr>
+          <p:cNvCxnSpPr/>
+          <p:nvPr/>
+        </p:nvCxnSpPr>
+        <p:spPr>
+          <a:xfrm>
+            <a:off x="5231921" y="3402999"/>
+            <a:ext cx="0" cy="3314700"/>
+          </a:xfrm>
+          <a:prstGeom prst="line">
+            <a:avLst/>
+          </a:prstGeom>
+          <a:ln>
+            <a:prstDash val="dashDot"/>
+          </a:ln>
+        </p:spPr>
+        <p:style>
+          <a:lnRef idx="1">
+            <a:schemeClr val="accent1"/>
+          </a:lnRef>
+          <a:fillRef idx="0">
+            <a:schemeClr val="accent1"/>
+          </a:fillRef>
+          <a:effectRef idx="0">
+            <a:schemeClr val="accent1"/>
+          </a:effectRef>
+          <a:fontRef idx="minor">
+            <a:schemeClr val="tx1"/>
+          </a:fontRef>
+        </p:style>
+      </p:cxnSp>
+      <p:cxnSp>
+        <p:nvCxnSpPr>
+          <p:cNvPr id="381" name="מחבר ישר 380">
+            <a:extLst>
+              <a:ext uri="{FF2B5EF4-FFF2-40B4-BE49-F238E27FC236}">
+                <a16:creationId xmlns:a16="http://schemas.microsoft.com/office/drawing/2014/main" id="{FD088814-6BC4-4CDC-96C7-43ABE89A15DB}"/>
+              </a:ext>
+            </a:extLst>
+          </p:cNvPr>
+          <p:cNvCxnSpPr/>
+          <p:nvPr/>
+        </p:nvCxnSpPr>
+        <p:spPr>
+          <a:xfrm>
+            <a:off x="5522438" y="3407754"/>
+            <a:ext cx="0" cy="3314700"/>
+          </a:xfrm>
+          <a:prstGeom prst="line">
+            <a:avLst/>
+          </a:prstGeom>
+          <a:ln>
+            <a:prstDash val="dashDot"/>
+          </a:ln>
+        </p:spPr>
+        <p:style>
+          <a:lnRef idx="1">
+            <a:schemeClr val="accent1"/>
+          </a:lnRef>
+          <a:fillRef idx="0">
+            <a:schemeClr val="accent1"/>
+          </a:fillRef>
+          <a:effectRef idx="0">
+            <a:schemeClr val="accent1"/>
+          </a:effectRef>
+          <a:fontRef idx="minor">
+            <a:schemeClr val="tx1"/>
+          </a:fontRef>
+        </p:style>
+      </p:cxnSp>
+      <p:cxnSp>
+        <p:nvCxnSpPr>
+          <p:cNvPr id="382" name="מחבר ישר 381">
+            <a:extLst>
+              <a:ext uri="{FF2B5EF4-FFF2-40B4-BE49-F238E27FC236}">
+                <a16:creationId xmlns:a16="http://schemas.microsoft.com/office/drawing/2014/main" id="{A1D75614-76D3-486E-B994-70BBF765F954}"/>
+              </a:ext>
+            </a:extLst>
+          </p:cNvPr>
+          <p:cNvCxnSpPr/>
+          <p:nvPr/>
+        </p:nvCxnSpPr>
+        <p:spPr>
+          <a:xfrm>
+            <a:off x="5808192" y="3422035"/>
+            <a:ext cx="0" cy="3314700"/>
+          </a:xfrm>
+          <a:prstGeom prst="line">
+            <a:avLst/>
+          </a:prstGeom>
+          <a:ln>
+            <a:prstDash val="dashDot"/>
+          </a:ln>
+        </p:spPr>
+        <p:style>
+          <a:lnRef idx="1">
+            <a:schemeClr val="accent1"/>
+          </a:lnRef>
+          <a:fillRef idx="0">
+            <a:schemeClr val="accent1"/>
+          </a:fillRef>
+          <a:effectRef idx="0">
+            <a:schemeClr val="accent1"/>
+          </a:effectRef>
+          <a:fontRef idx="minor">
+            <a:schemeClr val="tx1"/>
+          </a:fontRef>
+        </p:style>
+      </p:cxnSp>
+      <p:cxnSp>
+        <p:nvCxnSpPr>
+          <p:cNvPr id="383" name="מחבר ישר 382">
+            <a:extLst>
+              <a:ext uri="{FF2B5EF4-FFF2-40B4-BE49-F238E27FC236}">
+                <a16:creationId xmlns:a16="http://schemas.microsoft.com/office/drawing/2014/main" id="{642CBABD-3C54-468F-967B-B1987807886B}"/>
+              </a:ext>
+            </a:extLst>
+          </p:cNvPr>
+          <p:cNvCxnSpPr/>
+          <p:nvPr/>
+        </p:nvCxnSpPr>
+        <p:spPr>
+          <a:xfrm>
+            <a:off x="6096315" y="3423305"/>
+            <a:ext cx="0" cy="3314700"/>
+          </a:xfrm>
+          <a:prstGeom prst="line">
+            <a:avLst/>
+          </a:prstGeom>
+          <a:ln>
+            <a:prstDash val="dashDot"/>
+          </a:ln>
+        </p:spPr>
+        <p:style>
+          <a:lnRef idx="1">
+            <a:schemeClr val="accent1"/>
+          </a:lnRef>
+          <a:fillRef idx="0">
+            <a:schemeClr val="accent1"/>
+          </a:fillRef>
+          <a:effectRef idx="0">
+            <a:schemeClr val="accent1"/>
+          </a:effectRef>
+          <a:fontRef idx="minor">
+            <a:schemeClr val="tx1"/>
+          </a:fontRef>
+        </p:style>
+      </p:cxnSp>
+      <p:sp>
+        <p:nvSpPr>
+          <p:cNvPr id="11" name="תיבת טקסט 10">
+            <a:extLst>
+              <a:ext uri="{FF2B5EF4-FFF2-40B4-BE49-F238E27FC236}">
+                <a16:creationId xmlns:a16="http://schemas.microsoft.com/office/drawing/2014/main" id="{959F384E-74A9-45FE-A411-444BE5DBA643}"/>
+              </a:ext>
+            </a:extLst>
+          </p:cNvPr>
+          <p:cNvSpPr txBox="1"/>
+          <p:nvPr/>
+        </p:nvSpPr>
+        <p:spPr>
+          <a:xfrm>
+            <a:off x="1814827" y="1097812"/>
+            <a:ext cx="235963" cy="215444"/>
+          </a:xfrm>
+          <a:prstGeom prst="rect">
+            <a:avLst/>
+          </a:prstGeom>
+          <a:noFill/>
+        </p:spPr>
+        <p:txBody>
+          <a:bodyPr wrap="none" rtlCol="1">
+            <a:spAutoFit/>
+          </a:bodyPr>
+          <a:lstStyle/>
+          <a:p>
+            <a:r>
+              <a:rPr lang="en-US" sz="800" dirty="0"/>
+              <a:t>0</a:t>
+            </a:r>
+            <a:endParaRPr lang="he-IL" sz="800" dirty="0"/>
+          </a:p>
+        </p:txBody>
+      </p:sp>
+      <p:sp>
+        <p:nvSpPr>
+          <p:cNvPr id="428" name="תיבת טקסט 427">
+            <a:extLst>
+              <a:ext uri="{FF2B5EF4-FFF2-40B4-BE49-F238E27FC236}">
+                <a16:creationId xmlns:a16="http://schemas.microsoft.com/office/drawing/2014/main" id="{A424BB2B-50C8-457C-B05E-1635028A1AAC}"/>
+              </a:ext>
+            </a:extLst>
+          </p:cNvPr>
+          <p:cNvSpPr txBox="1"/>
+          <p:nvPr/>
+        </p:nvSpPr>
+        <p:spPr>
+          <a:xfrm>
+            <a:off x="2100581" y="1097000"/>
+            <a:ext cx="235963" cy="215444"/>
+          </a:xfrm>
+          <a:prstGeom prst="rect">
+            <a:avLst/>
+          </a:prstGeom>
+          <a:noFill/>
+        </p:spPr>
+        <p:txBody>
+          <a:bodyPr wrap="none" rtlCol="1">
+            <a:spAutoFit/>
+          </a:bodyPr>
+          <a:lstStyle/>
+          <a:p>
+            <a:r>
+              <a:rPr lang="en-US" sz="800" dirty="0"/>
+              <a:t>1</a:t>
+            </a:r>
+            <a:endParaRPr lang="he-IL" sz="800" dirty="0"/>
+          </a:p>
+        </p:txBody>
+      </p:sp>
+      <p:sp>
+        <p:nvSpPr>
+          <p:cNvPr id="429" name="תיבת טקסט 428">
+            <a:extLst>
+              <a:ext uri="{FF2B5EF4-FFF2-40B4-BE49-F238E27FC236}">
+                <a16:creationId xmlns:a16="http://schemas.microsoft.com/office/drawing/2014/main" id="{B1AE73A8-7213-42F9-BAF1-3F0267009366}"/>
+              </a:ext>
+            </a:extLst>
+          </p:cNvPr>
+          <p:cNvSpPr txBox="1"/>
+          <p:nvPr/>
+        </p:nvSpPr>
+        <p:spPr>
+          <a:xfrm>
+            <a:off x="2387094" y="1099929"/>
+            <a:ext cx="235963" cy="215444"/>
+          </a:xfrm>
+          <a:prstGeom prst="rect">
+            <a:avLst/>
+          </a:prstGeom>
+          <a:noFill/>
+        </p:spPr>
+        <p:txBody>
+          <a:bodyPr wrap="none" rtlCol="1">
+            <a:spAutoFit/>
+          </a:bodyPr>
+          <a:lstStyle/>
+          <a:p>
+            <a:r>
+              <a:rPr lang="en-US" sz="800" dirty="0"/>
+              <a:t>2</a:t>
+            </a:r>
+            <a:endParaRPr lang="he-IL" sz="800" dirty="0"/>
+          </a:p>
+        </p:txBody>
+      </p:sp>
+      <p:sp>
+        <p:nvSpPr>
+          <p:cNvPr id="430" name="תיבת טקסט 429">
+            <a:extLst>
+              <a:ext uri="{FF2B5EF4-FFF2-40B4-BE49-F238E27FC236}">
+                <a16:creationId xmlns:a16="http://schemas.microsoft.com/office/drawing/2014/main" id="{E25D370B-3318-4426-97AB-24EAD342263A}"/>
+              </a:ext>
+            </a:extLst>
+          </p:cNvPr>
+          <p:cNvSpPr txBox="1"/>
+          <p:nvPr/>
+        </p:nvSpPr>
+        <p:spPr>
+          <a:xfrm>
+            <a:off x="2672848" y="1099117"/>
+            <a:ext cx="235963" cy="215444"/>
+          </a:xfrm>
+          <a:prstGeom prst="rect">
+            <a:avLst/>
+          </a:prstGeom>
+          <a:noFill/>
+        </p:spPr>
+        <p:txBody>
+          <a:bodyPr wrap="none" rtlCol="1">
+            <a:spAutoFit/>
+          </a:bodyPr>
+          <a:lstStyle/>
+          <a:p>
+            <a:r>
+              <a:rPr lang="en-US" sz="800" dirty="0"/>
+              <a:t>3</a:t>
+            </a:r>
+            <a:endParaRPr lang="he-IL" sz="800" dirty="0"/>
+          </a:p>
+        </p:txBody>
+      </p:sp>
+      <p:sp>
+        <p:nvSpPr>
+          <p:cNvPr id="431" name="תיבת טקסט 430">
+            <a:extLst>
+              <a:ext uri="{FF2B5EF4-FFF2-40B4-BE49-F238E27FC236}">
+                <a16:creationId xmlns:a16="http://schemas.microsoft.com/office/drawing/2014/main" id="{ACA4CFD1-6484-406A-9CDC-C75304C04A0C}"/>
+              </a:ext>
+            </a:extLst>
+          </p:cNvPr>
+          <p:cNvSpPr txBox="1"/>
+          <p:nvPr/>
+        </p:nvSpPr>
+        <p:spPr>
+          <a:xfrm>
+            <a:off x="2962411" y="1099117"/>
+            <a:ext cx="235963" cy="215444"/>
+          </a:xfrm>
+          <a:prstGeom prst="rect">
+            <a:avLst/>
+          </a:prstGeom>
+          <a:noFill/>
+        </p:spPr>
+        <p:txBody>
+          <a:bodyPr wrap="none" rtlCol="1">
+            <a:spAutoFit/>
+          </a:bodyPr>
+          <a:lstStyle/>
+          <a:p>
+            <a:r>
+              <a:rPr lang="en-US" sz="800" dirty="0"/>
+              <a:t>4</a:t>
+            </a:r>
+            <a:endParaRPr lang="he-IL" sz="800" dirty="0"/>
+          </a:p>
+        </p:txBody>
+      </p:sp>
+      <p:sp>
+        <p:nvSpPr>
+          <p:cNvPr id="432" name="תיבת טקסט 431">
+            <a:extLst>
+              <a:ext uri="{FF2B5EF4-FFF2-40B4-BE49-F238E27FC236}">
+                <a16:creationId xmlns:a16="http://schemas.microsoft.com/office/drawing/2014/main" id="{BCF0940A-EB56-42DD-86DD-F72115D93661}"/>
+              </a:ext>
+            </a:extLst>
+          </p:cNvPr>
+          <p:cNvSpPr txBox="1"/>
+          <p:nvPr/>
+        </p:nvSpPr>
+        <p:spPr>
+          <a:xfrm>
+            <a:off x="3263196" y="1092171"/>
+            <a:ext cx="235963" cy="215444"/>
+          </a:xfrm>
+          <a:prstGeom prst="rect">
+            <a:avLst/>
+          </a:prstGeom>
+          <a:noFill/>
+        </p:spPr>
+        <p:txBody>
+          <a:bodyPr wrap="none" rtlCol="1">
+            <a:spAutoFit/>
+          </a:bodyPr>
+          <a:lstStyle/>
+          <a:p>
+            <a:r>
+              <a:rPr lang="en-US" sz="800" dirty="0"/>
+              <a:t>0</a:t>
+            </a:r>
+            <a:endParaRPr lang="he-IL" sz="800" dirty="0"/>
+          </a:p>
+        </p:txBody>
+      </p:sp>
+      <p:sp>
+        <p:nvSpPr>
+          <p:cNvPr id="433" name="תיבת טקסט 432">
+            <a:extLst>
+              <a:ext uri="{FF2B5EF4-FFF2-40B4-BE49-F238E27FC236}">
+                <a16:creationId xmlns:a16="http://schemas.microsoft.com/office/drawing/2014/main" id="{3CD600E2-22E6-45F0-BC93-E2E8C4FF3107}"/>
+              </a:ext>
+            </a:extLst>
+          </p:cNvPr>
+          <p:cNvSpPr txBox="1"/>
+          <p:nvPr/>
+        </p:nvSpPr>
+        <p:spPr>
+          <a:xfrm>
+            <a:off x="3548950" y="1091359"/>
+            <a:ext cx="235963" cy="215444"/>
+          </a:xfrm>
+          <a:prstGeom prst="rect">
+            <a:avLst/>
+          </a:prstGeom>
+          <a:noFill/>
+        </p:spPr>
+        <p:txBody>
+          <a:bodyPr wrap="none" rtlCol="1">
+            <a:spAutoFit/>
+          </a:bodyPr>
+          <a:lstStyle/>
+          <a:p>
+            <a:r>
+              <a:rPr lang="en-US" sz="800" dirty="0"/>
+              <a:t>1</a:t>
+            </a:r>
+            <a:endParaRPr lang="he-IL" sz="800" dirty="0"/>
+          </a:p>
+        </p:txBody>
+      </p:sp>
+      <p:sp>
+        <p:nvSpPr>
+          <p:cNvPr id="434" name="תיבת טקסט 433">
+            <a:extLst>
+              <a:ext uri="{FF2B5EF4-FFF2-40B4-BE49-F238E27FC236}">
+                <a16:creationId xmlns:a16="http://schemas.microsoft.com/office/drawing/2014/main" id="{6A2AA785-A849-4844-B33B-8F0793E64349}"/>
+              </a:ext>
+            </a:extLst>
+          </p:cNvPr>
+          <p:cNvSpPr txBox="1"/>
+          <p:nvPr/>
+        </p:nvSpPr>
+        <p:spPr>
+          <a:xfrm>
+            <a:off x="3835463" y="1094288"/>
+            <a:ext cx="235963" cy="215444"/>
+          </a:xfrm>
+          <a:prstGeom prst="rect">
+            <a:avLst/>
+          </a:prstGeom>
+          <a:noFill/>
+        </p:spPr>
+        <p:txBody>
+          <a:bodyPr wrap="none" rtlCol="1">
+            <a:spAutoFit/>
+          </a:bodyPr>
+          <a:lstStyle/>
+          <a:p>
+            <a:r>
+              <a:rPr lang="en-US" sz="800" dirty="0"/>
+              <a:t>2</a:t>
+            </a:r>
+            <a:endParaRPr lang="he-IL" sz="800" dirty="0"/>
+          </a:p>
+        </p:txBody>
+      </p:sp>
+      <p:sp>
+        <p:nvSpPr>
+          <p:cNvPr id="435" name="תיבת טקסט 434">
+            <a:extLst>
+              <a:ext uri="{FF2B5EF4-FFF2-40B4-BE49-F238E27FC236}">
+                <a16:creationId xmlns:a16="http://schemas.microsoft.com/office/drawing/2014/main" id="{BDD5ED97-3540-4BED-929E-59504D313926}"/>
+              </a:ext>
+            </a:extLst>
+          </p:cNvPr>
+          <p:cNvSpPr txBox="1"/>
+          <p:nvPr/>
+        </p:nvSpPr>
+        <p:spPr>
+          <a:xfrm>
+            <a:off x="4121217" y="1093476"/>
+            <a:ext cx="235963" cy="215444"/>
+          </a:xfrm>
+          <a:prstGeom prst="rect">
+            <a:avLst/>
+          </a:prstGeom>
+          <a:noFill/>
+        </p:spPr>
+        <p:txBody>
+          <a:bodyPr wrap="none" rtlCol="1">
+            <a:spAutoFit/>
+          </a:bodyPr>
+          <a:lstStyle/>
+          <a:p>
+            <a:r>
+              <a:rPr lang="en-US" sz="800" dirty="0"/>
+              <a:t>3</a:t>
+            </a:r>
+            <a:endParaRPr lang="he-IL" sz="800" dirty="0"/>
+          </a:p>
+        </p:txBody>
+      </p:sp>
+      <p:sp>
+        <p:nvSpPr>
+          <p:cNvPr id="436" name="תיבת טקסט 435">
+            <a:extLst>
+              <a:ext uri="{FF2B5EF4-FFF2-40B4-BE49-F238E27FC236}">
+                <a16:creationId xmlns:a16="http://schemas.microsoft.com/office/drawing/2014/main" id="{6F5E0213-9819-4D64-9AA4-B03FB94646E8}"/>
+              </a:ext>
+            </a:extLst>
+          </p:cNvPr>
+          <p:cNvSpPr txBox="1"/>
+          <p:nvPr/>
+        </p:nvSpPr>
+        <p:spPr>
+          <a:xfrm>
+            <a:off x="4410780" y="1093476"/>
+            <a:ext cx="235963" cy="215444"/>
+          </a:xfrm>
+          <a:prstGeom prst="rect">
+            <a:avLst/>
+          </a:prstGeom>
+          <a:noFill/>
+        </p:spPr>
+        <p:txBody>
+          <a:bodyPr wrap="none" rtlCol="1">
+            <a:spAutoFit/>
+          </a:bodyPr>
+          <a:lstStyle/>
+          <a:p>
+            <a:r>
+              <a:rPr lang="en-US" sz="800" dirty="0"/>
+              <a:t>4</a:t>
+            </a:r>
+            <a:endParaRPr lang="he-IL" sz="800" dirty="0"/>
+          </a:p>
+        </p:txBody>
+      </p:sp>
+      <p:sp>
+        <p:nvSpPr>
+          <p:cNvPr id="437" name="תיבת טקסט 436">
+            <a:extLst>
+              <a:ext uri="{FF2B5EF4-FFF2-40B4-BE49-F238E27FC236}">
+                <a16:creationId xmlns:a16="http://schemas.microsoft.com/office/drawing/2014/main" id="{CC53F10E-0A5D-4329-BCEF-E17FFF317ECE}"/>
+              </a:ext>
+            </a:extLst>
+          </p:cNvPr>
+          <p:cNvSpPr txBox="1"/>
+          <p:nvPr/>
+        </p:nvSpPr>
+        <p:spPr>
+          <a:xfrm>
+            <a:off x="4711258" y="1093069"/>
+            <a:ext cx="235963" cy="215444"/>
+          </a:xfrm>
+          <a:prstGeom prst="rect">
+            <a:avLst/>
+          </a:prstGeom>
+          <a:noFill/>
+        </p:spPr>
+        <p:txBody>
+          <a:bodyPr wrap="none" rtlCol="1">
+            <a:spAutoFit/>
+          </a:bodyPr>
+          <a:lstStyle/>
+          <a:p>
+            <a:r>
+              <a:rPr lang="en-US" sz="800" dirty="0"/>
+              <a:t>0</a:t>
+            </a:r>
+            <a:endParaRPr lang="he-IL" sz="800" dirty="0"/>
+          </a:p>
+        </p:txBody>
+      </p:sp>
+      <p:sp>
+        <p:nvSpPr>
+          <p:cNvPr id="438" name="תיבת טקסט 437">
+            <a:extLst>
+              <a:ext uri="{FF2B5EF4-FFF2-40B4-BE49-F238E27FC236}">
+                <a16:creationId xmlns:a16="http://schemas.microsoft.com/office/drawing/2014/main" id="{511BC44F-1019-4519-ACE7-B66A924EC0EB}"/>
+              </a:ext>
+            </a:extLst>
+          </p:cNvPr>
+          <p:cNvSpPr txBox="1"/>
+          <p:nvPr/>
+        </p:nvSpPr>
+        <p:spPr>
+          <a:xfrm>
+            <a:off x="4997012" y="1092257"/>
+            <a:ext cx="235963" cy="215444"/>
+          </a:xfrm>
+          <a:prstGeom prst="rect">
+            <a:avLst/>
+          </a:prstGeom>
+          <a:noFill/>
+        </p:spPr>
+        <p:txBody>
+          <a:bodyPr wrap="none" rtlCol="1">
+            <a:spAutoFit/>
+          </a:bodyPr>
+          <a:lstStyle/>
+          <a:p>
+            <a:r>
+              <a:rPr lang="en-US" sz="800" dirty="0"/>
+              <a:t>1</a:t>
+            </a:r>
+            <a:endParaRPr lang="he-IL" sz="800" dirty="0"/>
+          </a:p>
+        </p:txBody>
+      </p:sp>
+      <p:sp>
+        <p:nvSpPr>
+          <p:cNvPr id="439" name="תיבת טקסט 438">
+            <a:extLst>
+              <a:ext uri="{FF2B5EF4-FFF2-40B4-BE49-F238E27FC236}">
+                <a16:creationId xmlns:a16="http://schemas.microsoft.com/office/drawing/2014/main" id="{7A202AFD-BD69-4099-9C93-57A2E12B3D9E}"/>
+              </a:ext>
+            </a:extLst>
+          </p:cNvPr>
+          <p:cNvSpPr txBox="1"/>
+          <p:nvPr/>
+        </p:nvSpPr>
+        <p:spPr>
+          <a:xfrm>
+            <a:off x="5283525" y="1095186"/>
+            <a:ext cx="235963" cy="215444"/>
+          </a:xfrm>
+          <a:prstGeom prst="rect">
+            <a:avLst/>
+          </a:prstGeom>
+          <a:noFill/>
+        </p:spPr>
+        <p:txBody>
+          <a:bodyPr wrap="none" rtlCol="1">
+            <a:spAutoFit/>
+          </a:bodyPr>
+          <a:lstStyle/>
+          <a:p>
+            <a:r>
+              <a:rPr lang="en-US" sz="800" dirty="0"/>
+              <a:t>2</a:t>
+            </a:r>
+            <a:endParaRPr lang="he-IL" sz="800" dirty="0"/>
+          </a:p>
+        </p:txBody>
+      </p:sp>
+      <p:sp>
+        <p:nvSpPr>
+          <p:cNvPr id="440" name="תיבת טקסט 439">
+            <a:extLst>
+              <a:ext uri="{FF2B5EF4-FFF2-40B4-BE49-F238E27FC236}">
+                <a16:creationId xmlns:a16="http://schemas.microsoft.com/office/drawing/2014/main" id="{0E9A5313-5411-4697-B7BD-3A813F2A0194}"/>
+              </a:ext>
+            </a:extLst>
+          </p:cNvPr>
+          <p:cNvSpPr txBox="1"/>
+          <p:nvPr/>
+        </p:nvSpPr>
+        <p:spPr>
+          <a:xfrm>
+            <a:off x="5569279" y="1094374"/>
+            <a:ext cx="235963" cy="215444"/>
+          </a:xfrm>
+          <a:prstGeom prst="rect">
+            <a:avLst/>
+          </a:prstGeom>
+          <a:noFill/>
+        </p:spPr>
+        <p:txBody>
+          <a:bodyPr wrap="none" rtlCol="1">
+            <a:spAutoFit/>
+          </a:bodyPr>
+          <a:lstStyle/>
+          <a:p>
+            <a:r>
+              <a:rPr lang="en-US" sz="800" dirty="0"/>
+              <a:t>3</a:t>
+            </a:r>
+            <a:endParaRPr lang="he-IL" sz="800" dirty="0"/>
+          </a:p>
+        </p:txBody>
+      </p:sp>
+      <p:sp>
+        <p:nvSpPr>
+          <p:cNvPr id="441" name="תיבת טקסט 440">
+            <a:extLst>
+              <a:ext uri="{FF2B5EF4-FFF2-40B4-BE49-F238E27FC236}">
+                <a16:creationId xmlns:a16="http://schemas.microsoft.com/office/drawing/2014/main" id="{A21B85E7-2587-4270-A538-7372C1FE4BEF}"/>
+              </a:ext>
+            </a:extLst>
+          </p:cNvPr>
+          <p:cNvSpPr txBox="1"/>
+          <p:nvPr/>
+        </p:nvSpPr>
+        <p:spPr>
+          <a:xfrm>
+            <a:off x="5858842" y="1094374"/>
+            <a:ext cx="235963" cy="215444"/>
+          </a:xfrm>
+          <a:prstGeom prst="rect">
+            <a:avLst/>
+          </a:prstGeom>
+          <a:noFill/>
+        </p:spPr>
+        <p:txBody>
+          <a:bodyPr wrap="none" rtlCol="1">
+            <a:spAutoFit/>
+          </a:bodyPr>
+          <a:lstStyle/>
+          <a:p>
+            <a:r>
+              <a:rPr lang="en-US" sz="800" dirty="0"/>
+              <a:t>4</a:t>
+            </a:r>
+            <a:endParaRPr lang="he-IL" sz="800" dirty="0"/>
+          </a:p>
+        </p:txBody>
+      </p:sp>
+      <p:cxnSp>
+        <p:nvCxnSpPr>
+          <p:cNvPr id="442" name="מחבר ישר 441">
+            <a:extLst>
+              <a:ext uri="{FF2B5EF4-FFF2-40B4-BE49-F238E27FC236}">
+                <a16:creationId xmlns:a16="http://schemas.microsoft.com/office/drawing/2014/main" id="{F81F948F-D26A-430A-AEA2-98914D9659FA}"/>
+              </a:ext>
+            </a:extLst>
+          </p:cNvPr>
+          <p:cNvCxnSpPr>
+            <a:cxnSpLocks/>
+          </p:cNvCxnSpPr>
+          <p:nvPr/>
+        </p:nvCxnSpPr>
+        <p:spPr>
+          <a:xfrm>
+            <a:off x="1064053" y="1485500"/>
+            <a:ext cx="5757862" cy="0"/>
+          </a:xfrm>
+          <a:prstGeom prst="line">
+            <a:avLst/>
+          </a:prstGeom>
+        </p:spPr>
+        <p:style>
+          <a:lnRef idx="1">
+            <a:schemeClr val="accent1"/>
+          </a:lnRef>
+          <a:fillRef idx="0">
+            <a:schemeClr val="accent1"/>
+          </a:fillRef>
+          <a:effectRef idx="0">
+            <a:schemeClr val="accent1"/>
+          </a:effectRef>
+          <a:fontRef idx="minor">
+            <a:schemeClr val="tx1"/>
+          </a:fontRef>
+        </p:style>
+      </p:cxnSp>
+      <p:cxnSp>
+        <p:nvCxnSpPr>
+          <p:cNvPr id="443" name="מחבר ישר 442">
+            <a:extLst>
+              <a:ext uri="{FF2B5EF4-FFF2-40B4-BE49-F238E27FC236}">
+                <a16:creationId xmlns:a16="http://schemas.microsoft.com/office/drawing/2014/main" id="{B0BE5475-10C7-4E63-A3C2-25EC495471A5}"/>
+              </a:ext>
+            </a:extLst>
+          </p:cNvPr>
+          <p:cNvCxnSpPr>
+            <a:cxnSpLocks/>
+          </p:cNvCxnSpPr>
+          <p:nvPr/>
+        </p:nvCxnSpPr>
+        <p:spPr>
+          <a:xfrm>
+            <a:off x="1064053" y="1633139"/>
+            <a:ext cx="5762625" cy="0"/>
+          </a:xfrm>
+          <a:prstGeom prst="line">
+            <a:avLst/>
+          </a:prstGeom>
+        </p:spPr>
+        <p:style>
+          <a:lnRef idx="1">
+            <a:schemeClr val="accent1"/>
+          </a:lnRef>
+          <a:fillRef idx="0">
+            <a:schemeClr val="accent1"/>
+          </a:fillRef>
+          <a:effectRef idx="0">
+            <a:schemeClr val="accent1"/>
+          </a:effectRef>
+          <a:fontRef idx="minor">
+            <a:schemeClr val="tx1"/>
+          </a:fontRef>
+        </p:style>
+      </p:cxnSp>
+      <p:cxnSp>
+        <p:nvCxnSpPr>
+          <p:cNvPr id="444" name="מחבר ישר 443">
+            <a:extLst>
+              <a:ext uri="{FF2B5EF4-FFF2-40B4-BE49-F238E27FC236}">
+                <a16:creationId xmlns:a16="http://schemas.microsoft.com/office/drawing/2014/main" id="{1B75747C-7D69-448F-BCF0-E411D40F6063}"/>
+              </a:ext>
+            </a:extLst>
+          </p:cNvPr>
+          <p:cNvCxnSpPr>
+            <a:cxnSpLocks/>
+          </p:cNvCxnSpPr>
+          <p:nvPr/>
+        </p:nvCxnSpPr>
+        <p:spPr>
+          <a:xfrm rot="16200000">
+            <a:off x="2569970" y="1568556"/>
+            <a:ext cx="142875" cy="0"/>
+          </a:xfrm>
+          <a:prstGeom prst="line">
+            <a:avLst/>
+          </a:prstGeom>
+        </p:spPr>
+        <p:style>
+          <a:lnRef idx="1">
+            <a:schemeClr val="accent1"/>
+          </a:lnRef>
+          <a:fillRef idx="0">
+            <a:schemeClr val="accent1"/>
+          </a:fillRef>
+          <a:effectRef idx="0">
+            <a:schemeClr val="accent1"/>
+          </a:effectRef>
+          <a:fontRef idx="minor">
+            <a:schemeClr val="tx1"/>
+          </a:fontRef>
+        </p:style>
+      </p:cxnSp>
+      <p:sp>
+        <p:nvSpPr>
+          <p:cNvPr id="445" name="תיבת טקסט 444">
+            <a:extLst>
+              <a:ext uri="{FF2B5EF4-FFF2-40B4-BE49-F238E27FC236}">
+                <a16:creationId xmlns:a16="http://schemas.microsoft.com/office/drawing/2014/main" id="{FAB0398A-6795-4FF4-9F42-31621222E29B}"/>
+              </a:ext>
+            </a:extLst>
+          </p:cNvPr>
+          <p:cNvSpPr txBox="1"/>
+          <p:nvPr/>
+        </p:nvSpPr>
+        <p:spPr>
+          <a:xfrm>
+            <a:off x="1667718" y="1451249"/>
+            <a:ext cx="389850" cy="215444"/>
+          </a:xfrm>
+          <a:prstGeom prst="rect">
+            <a:avLst/>
+          </a:prstGeom>
+          <a:noFill/>
+        </p:spPr>
+        <p:txBody>
+          <a:bodyPr wrap="none" rtlCol="1">
+            <a:spAutoFit/>
+          </a:bodyPr>
+          <a:lstStyle/>
+          <a:p>
+            <a:r>
+              <a:rPr lang="en-US" sz="800" dirty="0"/>
+              <a:t>0001</a:t>
+            </a:r>
+            <a:endParaRPr lang="he-IL" sz="800" dirty="0"/>
+          </a:p>
+        </p:txBody>
+      </p:sp>
+      <p:sp>
+        <p:nvSpPr>
+          <p:cNvPr id="460" name="תיבת טקסט 459">
+            <a:extLst>
+              <a:ext uri="{FF2B5EF4-FFF2-40B4-BE49-F238E27FC236}">
+                <a16:creationId xmlns:a16="http://schemas.microsoft.com/office/drawing/2014/main" id="{0BA4B5F9-9672-476A-BC71-C90B9B5A45AC}"/>
+              </a:ext>
+            </a:extLst>
+          </p:cNvPr>
+          <p:cNvSpPr txBox="1"/>
+          <p:nvPr/>
+        </p:nvSpPr>
+        <p:spPr>
+          <a:xfrm>
+            <a:off x="2876883" y="1455253"/>
+            <a:ext cx="389850" cy="215444"/>
+          </a:xfrm>
+          <a:prstGeom prst="rect">
+            <a:avLst/>
+          </a:prstGeom>
+          <a:noFill/>
+        </p:spPr>
+        <p:txBody>
+          <a:bodyPr wrap="none" rtlCol="1">
+            <a:spAutoFit/>
+          </a:bodyPr>
+          <a:lstStyle/>
+          <a:p>
+            <a:r>
+              <a:rPr lang="en-US" sz="800" dirty="0"/>
+              <a:t>0002</a:t>
+            </a:r>
+            <a:endParaRPr lang="he-IL" sz="800" dirty="0"/>
+          </a:p>
+        </p:txBody>
+      </p:sp>
+      <p:cxnSp>
+        <p:nvCxnSpPr>
+          <p:cNvPr id="462" name="מחבר ישר 461">
+            <a:extLst>
+              <a:ext uri="{FF2B5EF4-FFF2-40B4-BE49-F238E27FC236}">
+                <a16:creationId xmlns:a16="http://schemas.microsoft.com/office/drawing/2014/main" id="{2FB17C27-A25C-4F9A-B9E9-FB6AF202354B}"/>
+              </a:ext>
+            </a:extLst>
+          </p:cNvPr>
+          <p:cNvCxnSpPr>
+            <a:cxnSpLocks/>
+          </p:cNvCxnSpPr>
+          <p:nvPr/>
+        </p:nvCxnSpPr>
+        <p:spPr>
+          <a:xfrm flipV="1">
+            <a:off x="1057275" y="1780023"/>
+            <a:ext cx="2157728" cy="2386"/>
+          </a:xfrm>
+          <a:prstGeom prst="line">
+            <a:avLst/>
+          </a:prstGeom>
+        </p:spPr>
+        <p:style>
+          <a:lnRef idx="1">
+            <a:schemeClr val="accent1"/>
+          </a:lnRef>
+          <a:fillRef idx="0">
+            <a:schemeClr val="accent1"/>
+          </a:fillRef>
+          <a:effectRef idx="0">
+            <a:schemeClr val="accent1"/>
+          </a:effectRef>
+          <a:fontRef idx="minor">
+            <a:schemeClr val="tx1"/>
+          </a:fontRef>
+        </p:style>
+      </p:cxnSp>
+      <p:cxnSp>
+        <p:nvCxnSpPr>
+          <p:cNvPr id="463" name="מחבר ישר 462">
+            <a:extLst>
+              <a:ext uri="{FF2B5EF4-FFF2-40B4-BE49-F238E27FC236}">
+                <a16:creationId xmlns:a16="http://schemas.microsoft.com/office/drawing/2014/main" id="{6F513D75-8C19-436C-966E-4609E60E43B3}"/>
+              </a:ext>
+            </a:extLst>
+          </p:cNvPr>
+          <p:cNvCxnSpPr>
+            <a:cxnSpLocks/>
+          </p:cNvCxnSpPr>
+          <p:nvPr/>
+        </p:nvCxnSpPr>
+        <p:spPr>
+          <a:xfrm rot="16200000">
+            <a:off x="3143558" y="1853847"/>
+            <a:ext cx="142875" cy="0"/>
+          </a:xfrm>
+          <a:prstGeom prst="line">
+            <a:avLst/>
+          </a:prstGeom>
+        </p:spPr>
+        <p:style>
+          <a:lnRef idx="1">
+            <a:schemeClr val="accent1"/>
+          </a:lnRef>
+          <a:fillRef idx="0">
+            <a:schemeClr val="accent1"/>
+          </a:fillRef>
+          <a:effectRef idx="0">
+            <a:schemeClr val="accent1"/>
+          </a:effectRef>
+          <a:fontRef idx="minor">
+            <a:schemeClr val="tx1"/>
+          </a:fontRef>
+        </p:style>
+      </p:cxnSp>
+      <p:cxnSp>
+        <p:nvCxnSpPr>
+          <p:cNvPr id="464" name="מחבר ישר 463">
+            <a:extLst>
+              <a:ext uri="{FF2B5EF4-FFF2-40B4-BE49-F238E27FC236}">
+                <a16:creationId xmlns:a16="http://schemas.microsoft.com/office/drawing/2014/main" id="{0404AEC0-3ECE-4FEE-A54B-BA877AD12B6B}"/>
+              </a:ext>
+            </a:extLst>
+          </p:cNvPr>
+          <p:cNvCxnSpPr>
+            <a:cxnSpLocks/>
+          </p:cNvCxnSpPr>
+          <p:nvPr/>
+        </p:nvCxnSpPr>
+        <p:spPr>
+          <a:xfrm>
+            <a:off x="3217393" y="1925019"/>
+            <a:ext cx="3369145" cy="0"/>
+          </a:xfrm>
+          <a:prstGeom prst="line">
+            <a:avLst/>
+          </a:prstGeom>
+        </p:spPr>
+        <p:style>
+          <a:lnRef idx="1">
+            <a:schemeClr val="accent1"/>
+          </a:lnRef>
+          <a:fillRef idx="0">
+            <a:schemeClr val="accent1"/>
+          </a:fillRef>
+          <a:effectRef idx="0">
+            <a:schemeClr val="accent1"/>
+          </a:effectRef>
+          <a:fontRef idx="minor">
+            <a:schemeClr val="tx1"/>
+          </a:fontRef>
+        </p:style>
+      </p:cxnSp>
+      <p:cxnSp>
+        <p:nvCxnSpPr>
+          <p:cNvPr id="466" name="מחבר ישר 465">
+            <a:extLst>
+              <a:ext uri="{FF2B5EF4-FFF2-40B4-BE49-F238E27FC236}">
+                <a16:creationId xmlns:a16="http://schemas.microsoft.com/office/drawing/2014/main" id="{7C61062B-9411-4409-81C4-3BF59DA71852}"/>
+              </a:ext>
+            </a:extLst>
+          </p:cNvPr>
+          <p:cNvCxnSpPr>
+            <a:cxnSpLocks/>
+          </p:cNvCxnSpPr>
+          <p:nvPr/>
+        </p:nvCxnSpPr>
+        <p:spPr>
+          <a:xfrm>
+            <a:off x="1057275" y="761063"/>
+            <a:ext cx="5757862" cy="0"/>
+          </a:xfrm>
+          <a:prstGeom prst="line">
+            <a:avLst/>
+          </a:prstGeom>
+        </p:spPr>
+        <p:style>
+          <a:lnRef idx="1">
+            <a:schemeClr val="accent1"/>
+          </a:lnRef>
+          <a:fillRef idx="0">
+            <a:schemeClr val="accent1"/>
+          </a:fillRef>
+          <a:effectRef idx="0">
+            <a:schemeClr val="accent1"/>
+          </a:effectRef>
+          <a:fontRef idx="minor">
+            <a:schemeClr val="tx1"/>
+          </a:fontRef>
+        </p:style>
+      </p:cxnSp>
+      <p:cxnSp>
+        <p:nvCxnSpPr>
+          <p:cNvPr id="467" name="מחבר ישר 466">
+            <a:extLst>
+              <a:ext uri="{FF2B5EF4-FFF2-40B4-BE49-F238E27FC236}">
+                <a16:creationId xmlns:a16="http://schemas.microsoft.com/office/drawing/2014/main" id="{20477532-F1B3-4058-97F9-B7D6B856F31C}"/>
+              </a:ext>
+            </a:extLst>
+          </p:cNvPr>
+          <p:cNvCxnSpPr>
+            <a:cxnSpLocks/>
+          </p:cNvCxnSpPr>
+          <p:nvPr/>
+        </p:nvCxnSpPr>
+        <p:spPr>
+          <a:xfrm>
+            <a:off x="1057275" y="908702"/>
+            <a:ext cx="5762625" cy="0"/>
+          </a:xfrm>
+          <a:prstGeom prst="line">
+            <a:avLst/>
+          </a:prstGeom>
+        </p:spPr>
+        <p:style>
+          <a:lnRef idx="1">
+            <a:schemeClr val="accent1"/>
+          </a:lnRef>
+          <a:fillRef idx="0">
+            <a:schemeClr val="accent1"/>
+          </a:fillRef>
+          <a:effectRef idx="0">
+            <a:schemeClr val="accent1"/>
+          </a:effectRef>
+          <a:fontRef idx="minor">
+            <a:schemeClr val="tx1"/>
+          </a:fontRef>
+        </p:style>
+      </p:cxnSp>
+      <p:cxnSp>
+        <p:nvCxnSpPr>
+          <p:cNvPr id="468" name="מחבר ישר 467">
+            <a:extLst>
+              <a:ext uri="{FF2B5EF4-FFF2-40B4-BE49-F238E27FC236}">
+                <a16:creationId xmlns:a16="http://schemas.microsoft.com/office/drawing/2014/main" id="{66351251-56D1-4B22-99AD-72D7CFD288BD}"/>
+              </a:ext>
+            </a:extLst>
+          </p:cNvPr>
+          <p:cNvCxnSpPr>
+            <a:cxnSpLocks/>
+          </p:cNvCxnSpPr>
+          <p:nvPr/>
+        </p:nvCxnSpPr>
+        <p:spPr>
+          <a:xfrm rot="16200000">
+            <a:off x="1704977" y="834879"/>
+            <a:ext cx="142875" cy="0"/>
+          </a:xfrm>
+          <a:prstGeom prst="line">
+            <a:avLst/>
+          </a:prstGeom>
+        </p:spPr>
+        <p:style>
+          <a:lnRef idx="1">
+            <a:schemeClr val="accent1"/>
+          </a:lnRef>
+          <a:fillRef idx="0">
+            <a:schemeClr val="accent1"/>
+          </a:fillRef>
+          <a:effectRef idx="0">
+            <a:schemeClr val="accent1"/>
+          </a:effectRef>
+          <a:fontRef idx="minor">
+            <a:schemeClr val="tx1"/>
+          </a:fontRef>
+        </p:style>
+      </p:cxnSp>
+      <p:sp>
+        <p:nvSpPr>
+          <p:cNvPr id="469" name="תיבת טקסט 468">
+            <a:extLst>
+              <a:ext uri="{FF2B5EF4-FFF2-40B4-BE49-F238E27FC236}">
+                <a16:creationId xmlns:a16="http://schemas.microsoft.com/office/drawing/2014/main" id="{54CB8390-2000-4E23-803B-F278BD59B5BD}"/>
+              </a:ext>
+            </a:extLst>
+          </p:cNvPr>
+          <p:cNvSpPr txBox="1"/>
+          <p:nvPr/>
+        </p:nvSpPr>
+        <p:spPr>
+          <a:xfrm>
+            <a:off x="1763531" y="726812"/>
+            <a:ext cx="287259" cy="215444"/>
+          </a:xfrm>
+          <a:prstGeom prst="rect">
+            <a:avLst/>
+          </a:prstGeom>
+          <a:noFill/>
+        </p:spPr>
+        <p:txBody>
+          <a:bodyPr wrap="none" rtlCol="1">
+            <a:spAutoFit/>
+          </a:bodyPr>
+          <a:lstStyle/>
+          <a:p>
+            <a:r>
+              <a:rPr lang="en-US" sz="800" dirty="0"/>
+              <a:t>14</a:t>
+            </a:r>
+            <a:endParaRPr lang="he-IL" sz="800" dirty="0"/>
+          </a:p>
+        </p:txBody>
+      </p:sp>
+      <p:sp>
+        <p:nvSpPr>
+          <p:cNvPr id="470" name="תיבת טקסט 469">
+            <a:extLst>
+              <a:ext uri="{FF2B5EF4-FFF2-40B4-BE49-F238E27FC236}">
+                <a16:creationId xmlns:a16="http://schemas.microsoft.com/office/drawing/2014/main" id="{B6EC2CB0-C15C-4E12-B1E5-030725213516}"/>
+              </a:ext>
+            </a:extLst>
+          </p:cNvPr>
+          <p:cNvSpPr txBox="1"/>
+          <p:nvPr/>
+        </p:nvSpPr>
+        <p:spPr>
+          <a:xfrm>
+            <a:off x="2049285" y="726000"/>
+            <a:ext cx="287259" cy="215444"/>
+          </a:xfrm>
+          <a:prstGeom prst="rect">
+            <a:avLst/>
+          </a:prstGeom>
+          <a:noFill/>
+        </p:spPr>
+        <p:txBody>
+          <a:bodyPr wrap="none" rtlCol="1">
+            <a:spAutoFit/>
+          </a:bodyPr>
+          <a:lstStyle/>
+          <a:p>
+            <a:r>
+              <a:rPr lang="en-US" sz="800" dirty="0"/>
+              <a:t>15</a:t>
+            </a:r>
+            <a:endParaRPr lang="he-IL" sz="800" dirty="0"/>
+          </a:p>
+        </p:txBody>
+      </p:sp>
+      <p:sp>
+        <p:nvSpPr>
+          <p:cNvPr id="471" name="תיבת טקסט 470">
+            <a:extLst>
+              <a:ext uri="{FF2B5EF4-FFF2-40B4-BE49-F238E27FC236}">
+                <a16:creationId xmlns:a16="http://schemas.microsoft.com/office/drawing/2014/main" id="{843BADB1-5CCC-4938-9A1A-ABCDFB15F1B4}"/>
+              </a:ext>
+            </a:extLst>
+          </p:cNvPr>
+          <p:cNvSpPr txBox="1"/>
+          <p:nvPr/>
+        </p:nvSpPr>
+        <p:spPr>
+          <a:xfrm>
+            <a:off x="2335798" y="728929"/>
+            <a:ext cx="287259" cy="215444"/>
+          </a:xfrm>
+          <a:prstGeom prst="rect">
+            <a:avLst/>
+          </a:prstGeom>
+          <a:noFill/>
+        </p:spPr>
+        <p:txBody>
+          <a:bodyPr wrap="none" rtlCol="1">
+            <a:spAutoFit/>
+          </a:bodyPr>
+          <a:lstStyle/>
+          <a:p>
+            <a:r>
+              <a:rPr lang="en-US" sz="800" dirty="0"/>
+              <a:t>16</a:t>
+            </a:r>
+            <a:endParaRPr lang="he-IL" sz="800" dirty="0"/>
+          </a:p>
+        </p:txBody>
+      </p:sp>
+      <p:sp>
+        <p:nvSpPr>
+          <p:cNvPr id="472" name="תיבת טקסט 471">
+            <a:extLst>
+              <a:ext uri="{FF2B5EF4-FFF2-40B4-BE49-F238E27FC236}">
+                <a16:creationId xmlns:a16="http://schemas.microsoft.com/office/drawing/2014/main" id="{3B447F06-31F1-47DE-A054-DFC29148479C}"/>
+              </a:ext>
+            </a:extLst>
+          </p:cNvPr>
+          <p:cNvSpPr txBox="1"/>
+          <p:nvPr/>
+        </p:nvSpPr>
+        <p:spPr>
+          <a:xfrm>
+            <a:off x="2621552" y="728117"/>
+            <a:ext cx="287259" cy="215444"/>
+          </a:xfrm>
+          <a:prstGeom prst="rect">
+            <a:avLst/>
+          </a:prstGeom>
+          <a:noFill/>
+        </p:spPr>
+        <p:txBody>
+          <a:bodyPr wrap="none" rtlCol="1">
+            <a:spAutoFit/>
+          </a:bodyPr>
+          <a:lstStyle/>
+          <a:p>
+            <a:r>
+              <a:rPr lang="en-US" sz="800" dirty="0"/>
+              <a:t>17</a:t>
+            </a:r>
+            <a:endParaRPr lang="he-IL" sz="800" dirty="0"/>
+          </a:p>
+        </p:txBody>
+      </p:sp>
+      <p:sp>
+        <p:nvSpPr>
+          <p:cNvPr id="473" name="תיבת טקסט 472">
+            <a:extLst>
+              <a:ext uri="{FF2B5EF4-FFF2-40B4-BE49-F238E27FC236}">
+                <a16:creationId xmlns:a16="http://schemas.microsoft.com/office/drawing/2014/main" id="{8D3D6E52-3576-4117-8B27-7A3B584F9770}"/>
+              </a:ext>
+            </a:extLst>
+          </p:cNvPr>
+          <p:cNvSpPr txBox="1"/>
+          <p:nvPr/>
+        </p:nvSpPr>
+        <p:spPr>
+          <a:xfrm>
+            <a:off x="2911115" y="728117"/>
+            <a:ext cx="287259" cy="215444"/>
+          </a:xfrm>
+          <a:prstGeom prst="rect">
+            <a:avLst/>
+          </a:prstGeom>
+          <a:noFill/>
+        </p:spPr>
+        <p:txBody>
+          <a:bodyPr wrap="none" rtlCol="1">
+            <a:spAutoFit/>
+          </a:bodyPr>
+          <a:lstStyle/>
+          <a:p>
+            <a:r>
+              <a:rPr lang="en-US" sz="800" dirty="0"/>
+              <a:t>18</a:t>
+            </a:r>
+            <a:endParaRPr lang="he-IL" sz="800" dirty="0"/>
+          </a:p>
+        </p:txBody>
+      </p:sp>
+      <p:sp>
+        <p:nvSpPr>
+          <p:cNvPr id="474" name="תיבת טקסט 473">
+            <a:extLst>
+              <a:ext uri="{FF2B5EF4-FFF2-40B4-BE49-F238E27FC236}">
+                <a16:creationId xmlns:a16="http://schemas.microsoft.com/office/drawing/2014/main" id="{0FD48864-70C9-44E0-9A4D-96072A7FDA88}"/>
+              </a:ext>
+            </a:extLst>
+          </p:cNvPr>
+          <p:cNvSpPr txBox="1"/>
+          <p:nvPr/>
+        </p:nvSpPr>
+        <p:spPr>
+          <a:xfrm>
+            <a:off x="3263196" y="721171"/>
+            <a:ext cx="235963" cy="215444"/>
+          </a:xfrm>
+          <a:prstGeom prst="rect">
+            <a:avLst/>
+          </a:prstGeom>
+          <a:noFill/>
+        </p:spPr>
+        <p:txBody>
+          <a:bodyPr wrap="none" rtlCol="1">
+            <a:spAutoFit/>
+          </a:bodyPr>
+          <a:lstStyle/>
+          <a:p>
+            <a:r>
+              <a:rPr lang="en-US" sz="800" dirty="0"/>
+              <a:t>0</a:t>
+            </a:r>
+            <a:endParaRPr lang="he-IL" sz="800" dirty="0"/>
+          </a:p>
+        </p:txBody>
+      </p:sp>
+      <p:sp>
+        <p:nvSpPr>
+          <p:cNvPr id="475" name="תיבת טקסט 474">
+            <a:extLst>
+              <a:ext uri="{FF2B5EF4-FFF2-40B4-BE49-F238E27FC236}">
+                <a16:creationId xmlns:a16="http://schemas.microsoft.com/office/drawing/2014/main" id="{B2392D8B-B9DF-4ECE-A2FA-0C23CAC9F828}"/>
+              </a:ext>
+            </a:extLst>
+          </p:cNvPr>
+          <p:cNvSpPr txBox="1"/>
+          <p:nvPr/>
+        </p:nvSpPr>
+        <p:spPr>
+          <a:xfrm>
+            <a:off x="3548950" y="720359"/>
+            <a:ext cx="235963" cy="215444"/>
+          </a:xfrm>
+          <a:prstGeom prst="rect">
+            <a:avLst/>
+          </a:prstGeom>
+          <a:noFill/>
+        </p:spPr>
+        <p:txBody>
+          <a:bodyPr wrap="none" rtlCol="1">
+            <a:spAutoFit/>
+          </a:bodyPr>
+          <a:lstStyle/>
+          <a:p>
+            <a:r>
+              <a:rPr lang="en-US" sz="800" dirty="0"/>
+              <a:t>1</a:t>
+            </a:r>
+            <a:endParaRPr lang="he-IL" sz="800" dirty="0"/>
+          </a:p>
+        </p:txBody>
+      </p:sp>
+      <p:sp>
+        <p:nvSpPr>
+          <p:cNvPr id="476" name="תיבת טקסט 475">
+            <a:extLst>
+              <a:ext uri="{FF2B5EF4-FFF2-40B4-BE49-F238E27FC236}">
+                <a16:creationId xmlns:a16="http://schemas.microsoft.com/office/drawing/2014/main" id="{69628CB7-FEF9-4BA8-A58D-891DEBCE548C}"/>
+              </a:ext>
+            </a:extLst>
+          </p:cNvPr>
+          <p:cNvSpPr txBox="1"/>
+          <p:nvPr/>
+        </p:nvSpPr>
+        <p:spPr>
+          <a:xfrm>
+            <a:off x="3835463" y="723288"/>
+            <a:ext cx="235963" cy="215444"/>
+          </a:xfrm>
+          <a:prstGeom prst="rect">
+            <a:avLst/>
+          </a:prstGeom>
+          <a:noFill/>
+        </p:spPr>
+        <p:txBody>
+          <a:bodyPr wrap="none" rtlCol="1">
+            <a:spAutoFit/>
+          </a:bodyPr>
+          <a:lstStyle/>
+          <a:p>
+            <a:r>
+              <a:rPr lang="en-US" sz="800" dirty="0"/>
+              <a:t>2</a:t>
+            </a:r>
+            <a:endParaRPr lang="he-IL" sz="800" dirty="0"/>
+          </a:p>
+        </p:txBody>
+      </p:sp>
+      <p:sp>
+        <p:nvSpPr>
+          <p:cNvPr id="477" name="תיבת טקסט 476">
+            <a:extLst>
+              <a:ext uri="{FF2B5EF4-FFF2-40B4-BE49-F238E27FC236}">
+                <a16:creationId xmlns:a16="http://schemas.microsoft.com/office/drawing/2014/main" id="{7ADBF0A6-3163-4784-B0F1-0738C194016D}"/>
+              </a:ext>
+            </a:extLst>
+          </p:cNvPr>
+          <p:cNvSpPr txBox="1"/>
+          <p:nvPr/>
+        </p:nvSpPr>
+        <p:spPr>
+          <a:xfrm>
+            <a:off x="4121217" y="722476"/>
+            <a:ext cx="235963" cy="215444"/>
+          </a:xfrm>
+          <a:prstGeom prst="rect">
+            <a:avLst/>
+          </a:prstGeom>
+          <a:noFill/>
+        </p:spPr>
+        <p:txBody>
+          <a:bodyPr wrap="none" rtlCol="1">
+            <a:spAutoFit/>
+          </a:bodyPr>
+          <a:lstStyle/>
+          <a:p>
+            <a:r>
+              <a:rPr lang="en-US" sz="800" dirty="0"/>
+              <a:t>3</a:t>
+            </a:r>
+            <a:endParaRPr lang="he-IL" sz="800" dirty="0"/>
+          </a:p>
+        </p:txBody>
+      </p:sp>
+      <p:sp>
+        <p:nvSpPr>
+          <p:cNvPr id="478" name="תיבת טקסט 477">
+            <a:extLst>
+              <a:ext uri="{FF2B5EF4-FFF2-40B4-BE49-F238E27FC236}">
+                <a16:creationId xmlns:a16="http://schemas.microsoft.com/office/drawing/2014/main" id="{69F03581-366D-4D13-AAF5-965235B8C312}"/>
+              </a:ext>
+            </a:extLst>
+          </p:cNvPr>
+          <p:cNvSpPr txBox="1"/>
+          <p:nvPr/>
+        </p:nvSpPr>
+        <p:spPr>
+          <a:xfrm>
+            <a:off x="4410780" y="722476"/>
+            <a:ext cx="235963" cy="215444"/>
+          </a:xfrm>
+          <a:prstGeom prst="rect">
+            <a:avLst/>
+          </a:prstGeom>
+          <a:noFill/>
+        </p:spPr>
+        <p:txBody>
+          <a:bodyPr wrap="none" rtlCol="1">
+            <a:spAutoFit/>
+          </a:bodyPr>
+          <a:lstStyle/>
+          <a:p>
+            <a:r>
+              <a:rPr lang="en-US" sz="800" dirty="0"/>
+              <a:t>4</a:t>
+            </a:r>
+            <a:endParaRPr lang="he-IL" sz="800" dirty="0"/>
+          </a:p>
+        </p:txBody>
+      </p:sp>
+      <p:sp>
+        <p:nvSpPr>
+          <p:cNvPr id="479" name="תיבת טקסט 478">
+            <a:extLst>
+              <a:ext uri="{FF2B5EF4-FFF2-40B4-BE49-F238E27FC236}">
+                <a16:creationId xmlns:a16="http://schemas.microsoft.com/office/drawing/2014/main" id="{421BB077-43E2-49CE-923E-9FC63CC4A7AA}"/>
+              </a:ext>
+            </a:extLst>
+          </p:cNvPr>
+          <p:cNvSpPr txBox="1"/>
+          <p:nvPr/>
+        </p:nvSpPr>
+        <p:spPr>
+          <a:xfrm>
+            <a:off x="4711258" y="722069"/>
+            <a:ext cx="235963" cy="215444"/>
+          </a:xfrm>
+          <a:prstGeom prst="rect">
+            <a:avLst/>
+          </a:prstGeom>
+          <a:noFill/>
+        </p:spPr>
+        <p:txBody>
+          <a:bodyPr wrap="none" rtlCol="1">
+            <a:spAutoFit/>
+          </a:bodyPr>
+          <a:lstStyle/>
+          <a:p>
+            <a:r>
+              <a:rPr lang="en-US" sz="800" dirty="0"/>
+              <a:t>5</a:t>
+            </a:r>
+            <a:endParaRPr lang="he-IL" sz="800" dirty="0"/>
+          </a:p>
+        </p:txBody>
+      </p:sp>
+      <p:sp>
+        <p:nvSpPr>
+          <p:cNvPr id="480" name="תיבת טקסט 479">
+            <a:extLst>
+              <a:ext uri="{FF2B5EF4-FFF2-40B4-BE49-F238E27FC236}">
+                <a16:creationId xmlns:a16="http://schemas.microsoft.com/office/drawing/2014/main" id="{6A953A72-FB50-474F-885E-EC3AC7CDE5E2}"/>
+              </a:ext>
+            </a:extLst>
+          </p:cNvPr>
+          <p:cNvSpPr txBox="1"/>
+          <p:nvPr/>
+        </p:nvSpPr>
+        <p:spPr>
+          <a:xfrm>
+            <a:off x="4997012" y="721257"/>
+            <a:ext cx="235963" cy="215444"/>
+          </a:xfrm>
+          <a:prstGeom prst="rect">
+            <a:avLst/>
+          </a:prstGeom>
+          <a:noFill/>
+        </p:spPr>
+        <p:txBody>
+          <a:bodyPr wrap="none" rtlCol="1">
+            <a:spAutoFit/>
+          </a:bodyPr>
+          <a:lstStyle/>
+          <a:p>
+            <a:r>
+              <a:rPr lang="en-US" sz="800" dirty="0"/>
+              <a:t>6</a:t>
+            </a:r>
+            <a:endParaRPr lang="he-IL" sz="800" dirty="0"/>
+          </a:p>
+        </p:txBody>
+      </p:sp>
+      <p:sp>
+        <p:nvSpPr>
+          <p:cNvPr id="481" name="תיבת טקסט 480">
+            <a:extLst>
+              <a:ext uri="{FF2B5EF4-FFF2-40B4-BE49-F238E27FC236}">
+                <a16:creationId xmlns:a16="http://schemas.microsoft.com/office/drawing/2014/main" id="{05BE8F74-50A6-43E0-A2FB-62F3E639BCFD}"/>
+              </a:ext>
+            </a:extLst>
+          </p:cNvPr>
+          <p:cNvSpPr txBox="1"/>
+          <p:nvPr/>
+        </p:nvSpPr>
+        <p:spPr>
+          <a:xfrm>
+            <a:off x="5283525" y="724186"/>
+            <a:ext cx="235963" cy="215444"/>
+          </a:xfrm>
+          <a:prstGeom prst="rect">
+            <a:avLst/>
+          </a:prstGeom>
+          <a:noFill/>
+        </p:spPr>
+        <p:txBody>
+          <a:bodyPr wrap="none" rtlCol="1">
+            <a:spAutoFit/>
+          </a:bodyPr>
+          <a:lstStyle/>
+          <a:p>
+            <a:r>
+              <a:rPr lang="en-US" sz="800" dirty="0"/>
+              <a:t>7</a:t>
+            </a:r>
+            <a:endParaRPr lang="he-IL" sz="800" dirty="0"/>
+          </a:p>
+        </p:txBody>
+      </p:sp>
+      <p:sp>
+        <p:nvSpPr>
+          <p:cNvPr id="482" name="תיבת טקסט 481">
+            <a:extLst>
+              <a:ext uri="{FF2B5EF4-FFF2-40B4-BE49-F238E27FC236}">
+                <a16:creationId xmlns:a16="http://schemas.microsoft.com/office/drawing/2014/main" id="{BC0AFD67-82B7-49C0-8AEA-8676EB157D5E}"/>
+              </a:ext>
+            </a:extLst>
+          </p:cNvPr>
+          <p:cNvSpPr txBox="1"/>
+          <p:nvPr/>
+        </p:nvSpPr>
+        <p:spPr>
+          <a:xfrm>
+            <a:off x="5569279" y="723374"/>
+            <a:ext cx="235963" cy="215444"/>
+          </a:xfrm>
+          <a:prstGeom prst="rect">
+            <a:avLst/>
+          </a:prstGeom>
+          <a:noFill/>
+        </p:spPr>
+        <p:txBody>
+          <a:bodyPr wrap="none" rtlCol="1">
+            <a:spAutoFit/>
+          </a:bodyPr>
+          <a:lstStyle/>
+          <a:p>
+            <a:r>
+              <a:rPr lang="en-US" sz="800" dirty="0"/>
+              <a:t>8</a:t>
+            </a:r>
+            <a:endParaRPr lang="he-IL" sz="800" dirty="0"/>
+          </a:p>
+        </p:txBody>
+      </p:sp>
+      <p:sp>
+        <p:nvSpPr>
+          <p:cNvPr id="483" name="תיבת טקסט 482">
+            <a:extLst>
+              <a:ext uri="{FF2B5EF4-FFF2-40B4-BE49-F238E27FC236}">
+                <a16:creationId xmlns:a16="http://schemas.microsoft.com/office/drawing/2014/main" id="{5BE15802-EFC4-4D24-9A27-BDA1B1F744FB}"/>
+              </a:ext>
+            </a:extLst>
+          </p:cNvPr>
+          <p:cNvSpPr txBox="1"/>
+          <p:nvPr/>
+        </p:nvSpPr>
+        <p:spPr>
+          <a:xfrm>
+            <a:off x="5858842" y="723374"/>
+            <a:ext cx="235963" cy="215444"/>
+          </a:xfrm>
+          <a:prstGeom prst="rect">
+            <a:avLst/>
+          </a:prstGeom>
+          <a:noFill/>
+        </p:spPr>
+        <p:txBody>
+          <a:bodyPr wrap="none" rtlCol="1">
+            <a:spAutoFit/>
+          </a:bodyPr>
+          <a:lstStyle/>
+          <a:p>
+            <a:r>
+              <a:rPr lang="en-US" sz="800" dirty="0"/>
+              <a:t>9</a:t>
+            </a:r>
+            <a:endParaRPr lang="he-IL" sz="800" dirty="0"/>
+          </a:p>
+        </p:txBody>
+      </p:sp>
+    </p:spTree>
+    <p:extLst>
+      <p:ext uri="{BB962C8B-B14F-4D97-AF65-F5344CB8AC3E}">
+        <p14:creationId xmlns:p14="http://schemas.microsoft.com/office/powerpoint/2010/main" val="3202725360"/>
       </p:ext>
     </p:extLst>
   </p:cSld>

--- a/scripts/Drone_Cam_Proj.pptx
+++ b/scripts/Drone_Cam_Proj.pptx
@@ -16,6 +16,7 @@
     <p:sldId id="273" r:id="rId10"/>
     <p:sldId id="275" r:id="rId11"/>
     <p:sldId id="276" r:id="rId12"/>
+    <p:sldId id="277" r:id="rId13"/>
   </p:sldIdLst>
   <p:sldSz cx="12192000" cy="6858000"/>
   <p:notesSz cx="6858000" cy="9144000"/>
@@ -280,7 +281,7 @@
           <a:p>
             <a:fld id="{9AE3A2BE-59ED-49A3-AA69-60BB8DC8DF8C}" type="datetimeFigureOut">
               <a:rPr lang="he-IL" smtClean="0"/>
-              <a:t>כ"ח/חשון/תשפ"ב</a:t>
+              <a:t>כ"ט/חשון/תשפ"ב</a:t>
             </a:fld>
             <a:endParaRPr lang="he-IL"/>
           </a:p>
@@ -478,7 +479,7 @@
           <a:p>
             <a:fld id="{9AE3A2BE-59ED-49A3-AA69-60BB8DC8DF8C}" type="datetimeFigureOut">
               <a:rPr lang="he-IL" smtClean="0"/>
-              <a:t>כ"ח/חשון/תשפ"ב</a:t>
+              <a:t>כ"ט/חשון/תשפ"ב</a:t>
             </a:fld>
             <a:endParaRPr lang="he-IL"/>
           </a:p>
@@ -686,7 +687,7 @@
           <a:p>
             <a:fld id="{9AE3A2BE-59ED-49A3-AA69-60BB8DC8DF8C}" type="datetimeFigureOut">
               <a:rPr lang="he-IL" smtClean="0"/>
-              <a:t>כ"ח/חשון/תשפ"ב</a:t>
+              <a:t>כ"ט/חשון/תשפ"ב</a:t>
             </a:fld>
             <a:endParaRPr lang="he-IL"/>
           </a:p>
@@ -884,7 +885,7 @@
           <a:p>
             <a:fld id="{9AE3A2BE-59ED-49A3-AA69-60BB8DC8DF8C}" type="datetimeFigureOut">
               <a:rPr lang="he-IL" smtClean="0"/>
-              <a:t>כ"ח/חשון/תשפ"ב</a:t>
+              <a:t>כ"ט/חשון/תשפ"ב</a:t>
             </a:fld>
             <a:endParaRPr lang="he-IL"/>
           </a:p>
@@ -1159,7 +1160,7 @@
           <a:p>
             <a:fld id="{9AE3A2BE-59ED-49A3-AA69-60BB8DC8DF8C}" type="datetimeFigureOut">
               <a:rPr lang="he-IL" smtClean="0"/>
-              <a:t>כ"ח/חשון/תשפ"ב</a:t>
+              <a:t>כ"ט/חשון/תשפ"ב</a:t>
             </a:fld>
             <a:endParaRPr lang="he-IL"/>
           </a:p>
@@ -1424,7 +1425,7 @@
           <a:p>
             <a:fld id="{9AE3A2BE-59ED-49A3-AA69-60BB8DC8DF8C}" type="datetimeFigureOut">
               <a:rPr lang="he-IL" smtClean="0"/>
-              <a:t>כ"ח/חשון/תשפ"ב</a:t>
+              <a:t>כ"ט/חשון/תשפ"ב</a:t>
             </a:fld>
             <a:endParaRPr lang="he-IL"/>
           </a:p>
@@ -1836,7 +1837,7 @@
           <a:p>
             <a:fld id="{9AE3A2BE-59ED-49A3-AA69-60BB8DC8DF8C}" type="datetimeFigureOut">
               <a:rPr lang="he-IL" smtClean="0"/>
-              <a:t>כ"ח/חשון/תשפ"ב</a:t>
+              <a:t>כ"ט/חשון/תשפ"ב</a:t>
             </a:fld>
             <a:endParaRPr lang="he-IL"/>
           </a:p>
@@ -1977,7 +1978,7 @@
           <a:p>
             <a:fld id="{9AE3A2BE-59ED-49A3-AA69-60BB8DC8DF8C}" type="datetimeFigureOut">
               <a:rPr lang="he-IL" smtClean="0"/>
-              <a:t>כ"ח/חשון/תשפ"ב</a:t>
+              <a:t>כ"ט/חשון/תשפ"ב</a:t>
             </a:fld>
             <a:endParaRPr lang="he-IL"/>
           </a:p>
@@ -2090,7 +2091,7 @@
           <a:p>
             <a:fld id="{9AE3A2BE-59ED-49A3-AA69-60BB8DC8DF8C}" type="datetimeFigureOut">
               <a:rPr lang="he-IL" smtClean="0"/>
-              <a:t>כ"ח/חשון/תשפ"ב</a:t>
+              <a:t>כ"ט/חשון/תשפ"ב</a:t>
             </a:fld>
             <a:endParaRPr lang="he-IL"/>
           </a:p>
@@ -2401,7 +2402,7 @@
           <a:p>
             <a:fld id="{9AE3A2BE-59ED-49A3-AA69-60BB8DC8DF8C}" type="datetimeFigureOut">
               <a:rPr lang="he-IL" smtClean="0"/>
-              <a:t>כ"ח/חשון/תשפ"ב</a:t>
+              <a:t>כ"ט/חשון/תשפ"ב</a:t>
             </a:fld>
             <a:endParaRPr lang="he-IL"/>
           </a:p>
@@ -2689,7 +2690,7 @@
           <a:p>
             <a:fld id="{9AE3A2BE-59ED-49A3-AA69-60BB8DC8DF8C}" type="datetimeFigureOut">
               <a:rPr lang="he-IL" smtClean="0"/>
-              <a:t>כ"ח/חשון/תשפ"ב</a:t>
+              <a:t>כ"ט/חשון/תשפ"ב</a:t>
             </a:fld>
             <a:endParaRPr lang="he-IL"/>
           </a:p>
@@ -2930,7 +2931,7 @@
           <a:p>
             <a:fld id="{9AE3A2BE-59ED-49A3-AA69-60BB8DC8DF8C}" type="datetimeFigureOut">
               <a:rPr lang="he-IL" smtClean="0"/>
-              <a:t>כ"ח/חשון/תשפ"ב</a:t>
+              <a:t>כ"ט/חשון/תשפ"ב</a:t>
             </a:fld>
             <a:endParaRPr lang="he-IL"/>
           </a:p>
@@ -14707,7 +14708,7 @@
         </p:nvCxnSpPr>
         <p:spPr>
           <a:xfrm rot="16200000">
-            <a:off x="1459901" y="4396598"/>
+            <a:off x="1942819" y="242610"/>
             <a:ext cx="142875" cy="0"/>
           </a:xfrm>
           <a:prstGeom prst="line">
@@ -14743,7 +14744,7 @@
         </p:nvCxnSpPr>
         <p:spPr>
           <a:xfrm>
-            <a:off x="1533736" y="4467770"/>
+            <a:off x="2016654" y="313782"/>
             <a:ext cx="142875" cy="0"/>
           </a:xfrm>
           <a:prstGeom prst="line">
@@ -14781,7 +14782,7 @@
         </p:nvCxnSpPr>
         <p:spPr>
           <a:xfrm rot="16200000">
-            <a:off x="1605166" y="4393952"/>
+            <a:off x="2088084" y="239964"/>
             <a:ext cx="142875" cy="0"/>
           </a:xfrm>
           <a:prstGeom prst="line">
@@ -14817,7 +14818,7 @@
         </p:nvCxnSpPr>
         <p:spPr>
           <a:xfrm>
-            <a:off x="1676603" y="4322774"/>
+            <a:off x="2159521" y="168786"/>
             <a:ext cx="142875" cy="0"/>
           </a:xfrm>
           <a:prstGeom prst="line">
@@ -14855,7 +14856,7 @@
         </p:nvCxnSpPr>
         <p:spPr>
           <a:xfrm rot="16200000">
-            <a:off x="1748033" y="4396598"/>
+            <a:off x="2230951" y="242610"/>
             <a:ext cx="142875" cy="0"/>
           </a:xfrm>
           <a:prstGeom prst="line">
@@ -14891,7 +14892,7 @@
         </p:nvCxnSpPr>
         <p:spPr>
           <a:xfrm>
-            <a:off x="1821866" y="4467770"/>
+            <a:off x="2304784" y="313782"/>
             <a:ext cx="142875" cy="0"/>
           </a:xfrm>
           <a:prstGeom prst="line">
@@ -14929,7 +14930,7 @@
         </p:nvCxnSpPr>
         <p:spPr>
           <a:xfrm rot="16200000">
-            <a:off x="1893296" y="4393952"/>
+            <a:off x="2376214" y="239964"/>
             <a:ext cx="142875" cy="0"/>
           </a:xfrm>
           <a:prstGeom prst="line">
@@ -14965,7 +14966,7 @@
         </p:nvCxnSpPr>
         <p:spPr>
           <a:xfrm>
-            <a:off x="1964733" y="4322774"/>
+            <a:off x="2447651" y="168786"/>
             <a:ext cx="142875" cy="0"/>
           </a:xfrm>
           <a:prstGeom prst="line">
@@ -15003,7 +15004,7 @@
         </p:nvCxnSpPr>
         <p:spPr>
           <a:xfrm rot="16200000">
-            <a:off x="2036163" y="4396598"/>
+            <a:off x="2519081" y="242610"/>
             <a:ext cx="142875" cy="0"/>
           </a:xfrm>
           <a:prstGeom prst="line">
@@ -15039,7 +15040,7 @@
         </p:nvCxnSpPr>
         <p:spPr>
           <a:xfrm>
-            <a:off x="2109998" y="4467770"/>
+            <a:off x="2592916" y="313782"/>
             <a:ext cx="142875" cy="0"/>
           </a:xfrm>
           <a:prstGeom prst="line">
@@ -15077,7 +15078,7 @@
         </p:nvCxnSpPr>
         <p:spPr>
           <a:xfrm rot="16200000">
-            <a:off x="2181428" y="4393952"/>
+            <a:off x="2664346" y="239964"/>
             <a:ext cx="142875" cy="0"/>
           </a:xfrm>
           <a:prstGeom prst="line">
@@ -15113,7 +15114,7 @@
         </p:nvCxnSpPr>
         <p:spPr>
           <a:xfrm>
-            <a:off x="2252865" y="4265625"/>
+            <a:off x="2735783" y="111637"/>
             <a:ext cx="142875" cy="0"/>
           </a:xfrm>
           <a:prstGeom prst="line">
@@ -15187,7 +15188,7 @@
         </p:nvCxnSpPr>
         <p:spPr>
           <a:xfrm>
-            <a:off x="2745794" y="4579690"/>
+            <a:off x="3228712" y="425702"/>
             <a:ext cx="142875" cy="0"/>
           </a:xfrm>
           <a:prstGeom prst="line">
@@ -15225,7 +15226,7 @@
         </p:nvCxnSpPr>
         <p:spPr>
           <a:xfrm rot="16200000">
-            <a:off x="3191208" y="4467772"/>
+            <a:off x="3674126" y="313784"/>
             <a:ext cx="142875" cy="0"/>
           </a:xfrm>
           <a:prstGeom prst="line">
@@ -15261,7 +15262,7 @@
         </p:nvCxnSpPr>
         <p:spPr>
           <a:xfrm>
-            <a:off x="2888661" y="4434694"/>
+            <a:off x="3371579" y="280706"/>
             <a:ext cx="142875" cy="0"/>
           </a:xfrm>
           <a:prstGeom prst="line">
@@ -15299,7 +15300,7 @@
         </p:nvCxnSpPr>
         <p:spPr>
           <a:xfrm rot="16200000">
-            <a:off x="2960091" y="4508518"/>
+            <a:off x="3443009" y="354530"/>
             <a:ext cx="142875" cy="0"/>
           </a:xfrm>
           <a:prstGeom prst="line">
@@ -21199,10 +21200,1543 @@
           </a:p>
         </p:txBody>
       </p:sp>
+      <p:cxnSp>
+        <p:nvCxnSpPr>
+          <p:cNvPr id="207" name="מחבר ישר 465">
+            <a:extLst>
+              <a:ext uri="{FF2B5EF4-FFF2-40B4-BE49-F238E27FC236}">
+                <a16:creationId xmlns:a16="http://schemas.microsoft.com/office/drawing/2014/main" id="{7C498DA4-1BCF-40DF-A59D-D69DAF083866}"/>
+              </a:ext>
+            </a:extLst>
+          </p:cNvPr>
+          <p:cNvCxnSpPr>
+            <a:cxnSpLocks/>
+          </p:cNvCxnSpPr>
+          <p:nvPr/>
+        </p:nvCxnSpPr>
+        <p:spPr>
+          <a:xfrm>
+            <a:off x="1347435" y="4225347"/>
+            <a:ext cx="10438113" cy="0"/>
+          </a:xfrm>
+          <a:prstGeom prst="line">
+            <a:avLst/>
+          </a:prstGeom>
+        </p:spPr>
+        <p:style>
+          <a:lnRef idx="1">
+            <a:schemeClr val="accent1"/>
+          </a:lnRef>
+          <a:fillRef idx="0">
+            <a:schemeClr val="accent1"/>
+          </a:fillRef>
+          <a:effectRef idx="0">
+            <a:schemeClr val="accent1"/>
+          </a:effectRef>
+          <a:fontRef idx="minor">
+            <a:schemeClr val="tx1"/>
+          </a:fontRef>
+        </p:style>
+      </p:cxnSp>
+      <p:cxnSp>
+        <p:nvCxnSpPr>
+          <p:cNvPr id="208" name="מחבר ישר 465">
+            <a:extLst>
+              <a:ext uri="{FF2B5EF4-FFF2-40B4-BE49-F238E27FC236}">
+                <a16:creationId xmlns:a16="http://schemas.microsoft.com/office/drawing/2014/main" id="{335D8C14-0C8F-4DCF-9198-9BE9159FAA02}"/>
+              </a:ext>
+            </a:extLst>
+          </p:cNvPr>
+          <p:cNvCxnSpPr>
+            <a:cxnSpLocks/>
+          </p:cNvCxnSpPr>
+          <p:nvPr/>
+        </p:nvCxnSpPr>
+        <p:spPr>
+          <a:xfrm flipV="1">
+            <a:off x="1348590" y="4368974"/>
+            <a:ext cx="10436958" cy="1"/>
+          </a:xfrm>
+          <a:prstGeom prst="line">
+            <a:avLst/>
+          </a:prstGeom>
+        </p:spPr>
+        <p:style>
+          <a:lnRef idx="1">
+            <a:schemeClr val="accent1"/>
+          </a:lnRef>
+          <a:fillRef idx="0">
+            <a:schemeClr val="accent1"/>
+          </a:fillRef>
+          <a:effectRef idx="0">
+            <a:schemeClr val="accent1"/>
+          </a:effectRef>
+          <a:fontRef idx="minor">
+            <a:schemeClr val="tx1"/>
+          </a:fontRef>
+        </p:style>
+      </p:cxnSp>
+      <p:cxnSp>
+        <p:nvCxnSpPr>
+          <p:cNvPr id="221" name="מחבר ישר 443">
+            <a:extLst>
+              <a:ext uri="{FF2B5EF4-FFF2-40B4-BE49-F238E27FC236}">
+                <a16:creationId xmlns:a16="http://schemas.microsoft.com/office/drawing/2014/main" id="{2193AA15-A2BE-4EF4-A379-DC0CF668AE55}"/>
+              </a:ext>
+            </a:extLst>
+          </p:cNvPr>
+          <p:cNvCxnSpPr>
+            <a:cxnSpLocks/>
+          </p:cNvCxnSpPr>
+          <p:nvPr/>
+        </p:nvCxnSpPr>
+        <p:spPr>
+          <a:xfrm rot="16200000">
+            <a:off x="5090868" y="4296783"/>
+            <a:ext cx="142875" cy="0"/>
+          </a:xfrm>
+          <a:prstGeom prst="line">
+            <a:avLst/>
+          </a:prstGeom>
+        </p:spPr>
+        <p:style>
+          <a:lnRef idx="1">
+            <a:schemeClr val="accent1"/>
+          </a:lnRef>
+          <a:fillRef idx="0">
+            <a:schemeClr val="accent1"/>
+          </a:fillRef>
+          <a:effectRef idx="0">
+            <a:schemeClr val="accent1"/>
+          </a:effectRef>
+          <a:fontRef idx="minor">
+            <a:schemeClr val="tx1"/>
+          </a:fontRef>
+        </p:style>
+      </p:cxnSp>
+      <p:cxnSp>
+        <p:nvCxnSpPr>
+          <p:cNvPr id="229" name="מחבר ישר 443">
+            <a:extLst>
+              <a:ext uri="{FF2B5EF4-FFF2-40B4-BE49-F238E27FC236}">
+                <a16:creationId xmlns:a16="http://schemas.microsoft.com/office/drawing/2014/main" id="{4F3A776A-D2BD-42AF-A172-8CFB1EF31853}"/>
+              </a:ext>
+            </a:extLst>
+          </p:cNvPr>
+          <p:cNvCxnSpPr>
+            <a:cxnSpLocks/>
+          </p:cNvCxnSpPr>
+          <p:nvPr/>
+        </p:nvCxnSpPr>
+        <p:spPr>
+          <a:xfrm rot="16200000">
+            <a:off x="6029084" y="4296444"/>
+            <a:ext cx="142875" cy="0"/>
+          </a:xfrm>
+          <a:prstGeom prst="line">
+            <a:avLst/>
+          </a:prstGeom>
+        </p:spPr>
+        <p:style>
+          <a:lnRef idx="1">
+            <a:schemeClr val="accent1"/>
+          </a:lnRef>
+          <a:fillRef idx="0">
+            <a:schemeClr val="accent1"/>
+          </a:fillRef>
+          <a:effectRef idx="0">
+            <a:schemeClr val="accent1"/>
+          </a:effectRef>
+          <a:fontRef idx="minor">
+            <a:schemeClr val="tx1"/>
+          </a:fontRef>
+        </p:style>
+      </p:cxnSp>
+      <p:sp>
+        <p:nvSpPr>
+          <p:cNvPr id="250" name="תיבת טקסט 468">
+            <a:extLst>
+              <a:ext uri="{FF2B5EF4-FFF2-40B4-BE49-F238E27FC236}">
+                <a16:creationId xmlns:a16="http://schemas.microsoft.com/office/drawing/2014/main" id="{389B1CC3-D0C1-4285-B2DE-EADEBDC4729D}"/>
+              </a:ext>
+            </a:extLst>
+          </p:cNvPr>
+          <p:cNvSpPr txBox="1"/>
+          <p:nvPr/>
+        </p:nvSpPr>
+        <p:spPr>
+          <a:xfrm>
+            <a:off x="5234737" y="4186685"/>
+            <a:ext cx="599844" cy="215444"/>
+          </a:xfrm>
+          <a:prstGeom prst="rect">
+            <a:avLst/>
+          </a:prstGeom>
+          <a:noFill/>
+        </p:spPr>
+        <p:txBody>
+          <a:bodyPr wrap="none" rtlCol="1">
+            <a:spAutoFit/>
+          </a:bodyPr>
+          <a:lstStyle/>
+          <a:p>
+            <a:r>
+              <a:rPr lang="en-US" sz="800" dirty="0"/>
+              <a:t>EOBtime0</a:t>
+            </a:r>
+            <a:endParaRPr lang="he-IL" sz="800" dirty="0"/>
+          </a:p>
+        </p:txBody>
+      </p:sp>
+      <p:sp>
+        <p:nvSpPr>
+          <p:cNvPr id="253" name="TextBox 252">
+            <a:extLst>
+              <a:ext uri="{FF2B5EF4-FFF2-40B4-BE49-F238E27FC236}">
+                <a16:creationId xmlns:a16="http://schemas.microsoft.com/office/drawing/2014/main" id="{F25010A2-0E24-4ED5-B60C-34845F02B0EE}"/>
+              </a:ext>
+            </a:extLst>
+          </p:cNvPr>
+          <p:cNvSpPr txBox="1"/>
+          <p:nvPr/>
+        </p:nvSpPr>
+        <p:spPr>
+          <a:xfrm>
+            <a:off x="378304" y="4164800"/>
+            <a:ext cx="739305" cy="276999"/>
+          </a:xfrm>
+          <a:prstGeom prst="rect">
+            <a:avLst/>
+          </a:prstGeom>
+          <a:noFill/>
+        </p:spPr>
+        <p:txBody>
+          <a:bodyPr wrap="none" rtlCol="0">
+            <a:spAutoFit/>
+          </a:bodyPr>
+          <a:lstStyle/>
+          <a:p>
+            <a:r>
+              <a:rPr lang="en-US" sz="1200" dirty="0" err="1"/>
+              <a:t>EndOfBit</a:t>
+            </a:r>
+            <a:endParaRPr lang="en-US" sz="1200" dirty="0"/>
+          </a:p>
+        </p:txBody>
+      </p:sp>
+      <p:sp>
+        <p:nvSpPr>
+          <p:cNvPr id="254" name="תיבת טקסט 468">
+            <a:extLst>
+              <a:ext uri="{FF2B5EF4-FFF2-40B4-BE49-F238E27FC236}">
+                <a16:creationId xmlns:a16="http://schemas.microsoft.com/office/drawing/2014/main" id="{CFAA45A0-E334-4F69-9FAC-F5802937780A}"/>
+              </a:ext>
+            </a:extLst>
+          </p:cNvPr>
+          <p:cNvSpPr txBox="1"/>
+          <p:nvPr/>
+        </p:nvSpPr>
+        <p:spPr>
+          <a:xfrm>
+            <a:off x="6426260" y="4188754"/>
+            <a:ext cx="739305" cy="215444"/>
+          </a:xfrm>
+          <a:prstGeom prst="rect">
+            <a:avLst/>
+          </a:prstGeom>
+          <a:noFill/>
+        </p:spPr>
+        <p:txBody>
+          <a:bodyPr wrap="none" rtlCol="1">
+            <a:spAutoFit/>
+          </a:bodyPr>
+          <a:lstStyle/>
+          <a:p>
+            <a:r>
+              <a:rPr lang="en-US" sz="800" dirty="0" err="1"/>
+              <a:t>EOBtimeNew</a:t>
+            </a:r>
+            <a:endParaRPr lang="he-IL" sz="800" dirty="0"/>
+          </a:p>
+        </p:txBody>
+      </p:sp>
+      <p:sp>
+        <p:nvSpPr>
+          <p:cNvPr id="271" name="TextBox 270">
+            <a:extLst>
+              <a:ext uri="{FF2B5EF4-FFF2-40B4-BE49-F238E27FC236}">
+                <a16:creationId xmlns:a16="http://schemas.microsoft.com/office/drawing/2014/main" id="{AB8FB126-6557-42AD-BA21-3D6E2AAC8027}"/>
+              </a:ext>
+            </a:extLst>
+          </p:cNvPr>
+          <p:cNvSpPr txBox="1"/>
+          <p:nvPr/>
+        </p:nvSpPr>
+        <p:spPr>
+          <a:xfrm>
+            <a:off x="308448" y="1624600"/>
+            <a:ext cx="863506" cy="276999"/>
+          </a:xfrm>
+          <a:prstGeom prst="rect">
+            <a:avLst/>
+          </a:prstGeom>
+          <a:noFill/>
+        </p:spPr>
+        <p:txBody>
+          <a:bodyPr wrap="none" rtlCol="0">
+            <a:spAutoFit/>
+          </a:bodyPr>
+          <a:lstStyle/>
+          <a:p>
+            <a:r>
+              <a:rPr lang="en-US" sz="1200" dirty="0" err="1"/>
+              <a:t>SetBitTime</a:t>
+            </a:r>
+            <a:endParaRPr lang="en-US" sz="1200" dirty="0"/>
+          </a:p>
+        </p:txBody>
+      </p:sp>
+      <p:cxnSp>
+        <p:nvCxnSpPr>
+          <p:cNvPr id="6" name="Straight Arrow Connector 5">
+            <a:extLst>
+              <a:ext uri="{FF2B5EF4-FFF2-40B4-BE49-F238E27FC236}">
+                <a16:creationId xmlns:a16="http://schemas.microsoft.com/office/drawing/2014/main" id="{0935B405-2073-4164-AE18-3BB338580D54}"/>
+              </a:ext>
+            </a:extLst>
+          </p:cNvPr>
+          <p:cNvCxnSpPr>
+            <a:stCxn id="228" idx="2"/>
+          </p:cNvCxnSpPr>
+          <p:nvPr/>
+        </p:nvCxnSpPr>
+        <p:spPr>
+          <a:xfrm flipH="1">
+            <a:off x="5609524" y="3676422"/>
+            <a:ext cx="3682" cy="488378"/>
+          </a:xfrm>
+          <a:prstGeom prst="straightConnector1">
+            <a:avLst/>
+          </a:prstGeom>
+          <a:ln>
+            <a:tailEnd type="triangle"/>
+          </a:ln>
+        </p:spPr>
+        <p:style>
+          <a:lnRef idx="1">
+            <a:schemeClr val="accent1"/>
+          </a:lnRef>
+          <a:fillRef idx="0">
+            <a:schemeClr val="accent1"/>
+          </a:fillRef>
+          <a:effectRef idx="0">
+            <a:schemeClr val="accent1"/>
+          </a:effectRef>
+          <a:fontRef idx="minor">
+            <a:schemeClr val="tx1"/>
+          </a:fontRef>
+        </p:style>
+      </p:cxnSp>
+      <p:sp>
+        <p:nvSpPr>
+          <p:cNvPr id="272" name="TextBox 271">
+            <a:extLst>
+              <a:ext uri="{FF2B5EF4-FFF2-40B4-BE49-F238E27FC236}">
+                <a16:creationId xmlns:a16="http://schemas.microsoft.com/office/drawing/2014/main" id="{81C24497-B9A6-49E7-AA58-6E819997E167}"/>
+              </a:ext>
+            </a:extLst>
+          </p:cNvPr>
+          <p:cNvSpPr txBox="1"/>
+          <p:nvPr/>
+        </p:nvSpPr>
+        <p:spPr>
+          <a:xfrm>
+            <a:off x="5297095" y="3751284"/>
+            <a:ext cx="671530" cy="276999"/>
+          </a:xfrm>
+          <a:prstGeom prst="rect">
+            <a:avLst/>
+          </a:prstGeom>
+          <a:noFill/>
+        </p:spPr>
+        <p:txBody>
+          <a:bodyPr wrap="none" rtlCol="0">
+            <a:spAutoFit/>
+          </a:bodyPr>
+          <a:lstStyle/>
+          <a:p>
+            <a:r>
+              <a:rPr lang="en-US" sz="1200" dirty="0"/>
+              <a:t>average</a:t>
+            </a:r>
+          </a:p>
+        </p:txBody>
+      </p:sp>
+      <p:cxnSp>
+        <p:nvCxnSpPr>
+          <p:cNvPr id="273" name="Straight Arrow Connector 272">
+            <a:extLst>
+              <a:ext uri="{FF2B5EF4-FFF2-40B4-BE49-F238E27FC236}">
+                <a16:creationId xmlns:a16="http://schemas.microsoft.com/office/drawing/2014/main" id="{DE588841-A5D3-48B5-A7E4-64D7F1221BBC}"/>
+              </a:ext>
+            </a:extLst>
+          </p:cNvPr>
+          <p:cNvCxnSpPr/>
+          <p:nvPr/>
+        </p:nvCxnSpPr>
+        <p:spPr>
+          <a:xfrm flipH="1">
+            <a:off x="6570627" y="3655364"/>
+            <a:ext cx="3682" cy="488378"/>
+          </a:xfrm>
+          <a:prstGeom prst="straightConnector1">
+            <a:avLst/>
+          </a:prstGeom>
+          <a:ln>
+            <a:tailEnd type="triangle"/>
+          </a:ln>
+        </p:spPr>
+        <p:style>
+          <a:lnRef idx="1">
+            <a:schemeClr val="accent1"/>
+          </a:lnRef>
+          <a:fillRef idx="0">
+            <a:schemeClr val="accent1"/>
+          </a:fillRef>
+          <a:effectRef idx="0">
+            <a:schemeClr val="accent1"/>
+          </a:effectRef>
+          <a:fontRef idx="minor">
+            <a:schemeClr val="tx1"/>
+          </a:fontRef>
+        </p:style>
+      </p:cxnSp>
+      <p:sp>
+        <p:nvSpPr>
+          <p:cNvPr id="274" name="TextBox 273">
+            <a:extLst>
+              <a:ext uri="{FF2B5EF4-FFF2-40B4-BE49-F238E27FC236}">
+                <a16:creationId xmlns:a16="http://schemas.microsoft.com/office/drawing/2014/main" id="{4760B6BA-B6C7-4C4C-A61E-36A94BA05C2F}"/>
+              </a:ext>
+            </a:extLst>
+          </p:cNvPr>
+          <p:cNvSpPr txBox="1"/>
+          <p:nvPr/>
+        </p:nvSpPr>
+        <p:spPr>
+          <a:xfrm>
+            <a:off x="6258198" y="3730226"/>
+            <a:ext cx="671530" cy="276999"/>
+          </a:xfrm>
+          <a:prstGeom prst="rect">
+            <a:avLst/>
+          </a:prstGeom>
+          <a:noFill/>
+        </p:spPr>
+        <p:txBody>
+          <a:bodyPr wrap="none" rtlCol="0">
+            <a:spAutoFit/>
+          </a:bodyPr>
+          <a:lstStyle/>
+          <a:p>
+            <a:r>
+              <a:rPr lang="en-US" sz="1200" dirty="0"/>
+              <a:t>average</a:t>
+            </a:r>
+          </a:p>
+        </p:txBody>
+      </p:sp>
+      <p:sp>
+        <p:nvSpPr>
+          <p:cNvPr id="275" name="תיבת טקסט 468">
+            <a:extLst>
+              <a:ext uri="{FF2B5EF4-FFF2-40B4-BE49-F238E27FC236}">
+                <a16:creationId xmlns:a16="http://schemas.microsoft.com/office/drawing/2014/main" id="{34D5F69C-7644-44D0-8D36-C6698343D2A9}"/>
+              </a:ext>
+            </a:extLst>
+          </p:cNvPr>
+          <p:cNvSpPr txBox="1"/>
+          <p:nvPr/>
+        </p:nvSpPr>
+        <p:spPr>
+          <a:xfrm>
+            <a:off x="2803923" y="4183820"/>
+            <a:ext cx="694422" cy="215444"/>
+          </a:xfrm>
+          <a:prstGeom prst="rect">
+            <a:avLst/>
+          </a:prstGeom>
+          <a:noFill/>
+        </p:spPr>
+        <p:txBody>
+          <a:bodyPr wrap="none" rtlCol="1">
+            <a:spAutoFit/>
+          </a:bodyPr>
+          <a:lstStyle/>
+          <a:p>
+            <a:r>
+              <a:rPr lang="en-US" sz="800" dirty="0" err="1"/>
+              <a:t>EOBtimeOld</a:t>
+            </a:r>
+            <a:endParaRPr lang="he-IL" sz="800" dirty="0"/>
+          </a:p>
+        </p:txBody>
+      </p:sp>
+      <p:cxnSp>
+        <p:nvCxnSpPr>
+          <p:cNvPr id="276" name="מחבר ישר 465">
+            <a:extLst>
+              <a:ext uri="{FF2B5EF4-FFF2-40B4-BE49-F238E27FC236}">
+                <a16:creationId xmlns:a16="http://schemas.microsoft.com/office/drawing/2014/main" id="{C9ADE716-2475-412F-9031-F36571FC1305}"/>
+              </a:ext>
+            </a:extLst>
+          </p:cNvPr>
+          <p:cNvCxnSpPr>
+            <a:cxnSpLocks/>
+          </p:cNvCxnSpPr>
+          <p:nvPr/>
+        </p:nvCxnSpPr>
+        <p:spPr>
+          <a:xfrm>
+            <a:off x="1343075" y="4644829"/>
+            <a:ext cx="10438113" cy="0"/>
+          </a:xfrm>
+          <a:prstGeom prst="line">
+            <a:avLst/>
+          </a:prstGeom>
+        </p:spPr>
+        <p:style>
+          <a:lnRef idx="1">
+            <a:schemeClr val="accent1"/>
+          </a:lnRef>
+          <a:fillRef idx="0">
+            <a:schemeClr val="accent1"/>
+          </a:fillRef>
+          <a:effectRef idx="0">
+            <a:schemeClr val="accent1"/>
+          </a:effectRef>
+          <a:fontRef idx="minor">
+            <a:schemeClr val="tx1"/>
+          </a:fontRef>
+        </p:style>
+      </p:cxnSp>
+      <p:cxnSp>
+        <p:nvCxnSpPr>
+          <p:cNvPr id="277" name="מחבר ישר 465">
+            <a:extLst>
+              <a:ext uri="{FF2B5EF4-FFF2-40B4-BE49-F238E27FC236}">
+                <a16:creationId xmlns:a16="http://schemas.microsoft.com/office/drawing/2014/main" id="{93F48E22-949E-4538-9C47-0AC486B1EFCE}"/>
+              </a:ext>
+            </a:extLst>
+          </p:cNvPr>
+          <p:cNvCxnSpPr>
+            <a:cxnSpLocks/>
+          </p:cNvCxnSpPr>
+          <p:nvPr/>
+        </p:nvCxnSpPr>
+        <p:spPr>
+          <a:xfrm flipV="1">
+            <a:off x="1344230" y="4788456"/>
+            <a:ext cx="10436958" cy="1"/>
+          </a:xfrm>
+          <a:prstGeom prst="line">
+            <a:avLst/>
+          </a:prstGeom>
+        </p:spPr>
+        <p:style>
+          <a:lnRef idx="1">
+            <a:schemeClr val="accent1"/>
+          </a:lnRef>
+          <a:fillRef idx="0">
+            <a:schemeClr val="accent1"/>
+          </a:fillRef>
+          <a:effectRef idx="0">
+            <a:schemeClr val="accent1"/>
+          </a:effectRef>
+          <a:fontRef idx="minor">
+            <a:schemeClr val="tx1"/>
+          </a:fontRef>
+        </p:style>
+      </p:cxnSp>
+      <p:cxnSp>
+        <p:nvCxnSpPr>
+          <p:cNvPr id="278" name="מחבר ישר 443">
+            <a:extLst>
+              <a:ext uri="{FF2B5EF4-FFF2-40B4-BE49-F238E27FC236}">
+                <a16:creationId xmlns:a16="http://schemas.microsoft.com/office/drawing/2014/main" id="{F3E9400D-1672-4FFE-B0C6-7730D5E6D3F2}"/>
+              </a:ext>
+            </a:extLst>
+          </p:cNvPr>
+          <p:cNvCxnSpPr>
+            <a:cxnSpLocks/>
+          </p:cNvCxnSpPr>
+          <p:nvPr/>
+        </p:nvCxnSpPr>
+        <p:spPr>
+          <a:xfrm rot="16200000">
+            <a:off x="1343214" y="4716267"/>
+            <a:ext cx="142875" cy="0"/>
+          </a:xfrm>
+          <a:prstGeom prst="line">
+            <a:avLst/>
+          </a:prstGeom>
+        </p:spPr>
+        <p:style>
+          <a:lnRef idx="1">
+            <a:schemeClr val="accent1"/>
+          </a:lnRef>
+          <a:fillRef idx="0">
+            <a:schemeClr val="accent1"/>
+          </a:fillRef>
+          <a:effectRef idx="0">
+            <a:schemeClr val="accent1"/>
+          </a:effectRef>
+          <a:fontRef idx="minor">
+            <a:schemeClr val="tx1"/>
+          </a:fontRef>
+        </p:style>
+      </p:cxnSp>
+      <p:cxnSp>
+        <p:nvCxnSpPr>
+          <p:cNvPr id="279" name="מחבר ישר 443">
+            <a:extLst>
+              <a:ext uri="{FF2B5EF4-FFF2-40B4-BE49-F238E27FC236}">
+                <a16:creationId xmlns:a16="http://schemas.microsoft.com/office/drawing/2014/main" id="{DA879587-B627-49D0-ADE0-B81D3468CC25}"/>
+              </a:ext>
+            </a:extLst>
+          </p:cNvPr>
+          <p:cNvCxnSpPr>
+            <a:cxnSpLocks/>
+          </p:cNvCxnSpPr>
+          <p:nvPr/>
+        </p:nvCxnSpPr>
+        <p:spPr>
+          <a:xfrm rot="16200000">
+            <a:off x="5086508" y="4716265"/>
+            <a:ext cx="142875" cy="0"/>
+          </a:xfrm>
+          <a:prstGeom prst="line">
+            <a:avLst/>
+          </a:prstGeom>
+        </p:spPr>
+        <p:style>
+          <a:lnRef idx="1">
+            <a:schemeClr val="accent1"/>
+          </a:lnRef>
+          <a:fillRef idx="0">
+            <a:schemeClr val="accent1"/>
+          </a:fillRef>
+          <a:effectRef idx="0">
+            <a:schemeClr val="accent1"/>
+          </a:effectRef>
+          <a:fontRef idx="minor">
+            <a:schemeClr val="tx1"/>
+          </a:fontRef>
+        </p:style>
+      </p:cxnSp>
+      <p:cxnSp>
+        <p:nvCxnSpPr>
+          <p:cNvPr id="280" name="מחבר ישר 443">
+            <a:extLst>
+              <a:ext uri="{FF2B5EF4-FFF2-40B4-BE49-F238E27FC236}">
+                <a16:creationId xmlns:a16="http://schemas.microsoft.com/office/drawing/2014/main" id="{6669FBE2-AC5D-48DA-93B4-D3716CA26342}"/>
+              </a:ext>
+            </a:extLst>
+          </p:cNvPr>
+          <p:cNvCxnSpPr>
+            <a:cxnSpLocks/>
+          </p:cNvCxnSpPr>
+          <p:nvPr/>
+        </p:nvCxnSpPr>
+        <p:spPr>
+          <a:xfrm rot="16200000">
+            <a:off x="6024724" y="4715926"/>
+            <a:ext cx="142875" cy="0"/>
+          </a:xfrm>
+          <a:prstGeom prst="line">
+            <a:avLst/>
+          </a:prstGeom>
+        </p:spPr>
+        <p:style>
+          <a:lnRef idx="1">
+            <a:schemeClr val="accent1"/>
+          </a:lnRef>
+          <a:fillRef idx="0">
+            <a:schemeClr val="accent1"/>
+          </a:fillRef>
+          <a:effectRef idx="0">
+            <a:schemeClr val="accent1"/>
+          </a:effectRef>
+          <a:fontRef idx="minor">
+            <a:schemeClr val="tx1"/>
+          </a:fontRef>
+        </p:style>
+      </p:cxnSp>
+      <p:cxnSp>
+        <p:nvCxnSpPr>
+          <p:cNvPr id="281" name="מחבר ישר 443">
+            <a:extLst>
+              <a:ext uri="{FF2B5EF4-FFF2-40B4-BE49-F238E27FC236}">
+                <a16:creationId xmlns:a16="http://schemas.microsoft.com/office/drawing/2014/main" id="{6C2A3D60-1F75-4A61-95CC-6E91E7AE804C}"/>
+              </a:ext>
+            </a:extLst>
+          </p:cNvPr>
+          <p:cNvCxnSpPr>
+            <a:cxnSpLocks/>
+          </p:cNvCxnSpPr>
+          <p:nvPr/>
+        </p:nvCxnSpPr>
+        <p:spPr>
+          <a:xfrm rot="16200000">
+            <a:off x="4148289" y="4715925"/>
+            <a:ext cx="142875" cy="0"/>
+          </a:xfrm>
+          <a:prstGeom prst="line">
+            <a:avLst/>
+          </a:prstGeom>
+        </p:spPr>
+        <p:style>
+          <a:lnRef idx="1">
+            <a:schemeClr val="accent1"/>
+          </a:lnRef>
+          <a:fillRef idx="0">
+            <a:schemeClr val="accent1"/>
+          </a:fillRef>
+          <a:effectRef idx="0">
+            <a:schemeClr val="accent1"/>
+          </a:effectRef>
+          <a:fontRef idx="minor">
+            <a:schemeClr val="tx1"/>
+          </a:fontRef>
+        </p:style>
+      </p:cxnSp>
+      <p:cxnSp>
+        <p:nvCxnSpPr>
+          <p:cNvPr id="282" name="מחבר ישר 443">
+            <a:extLst>
+              <a:ext uri="{FF2B5EF4-FFF2-40B4-BE49-F238E27FC236}">
+                <a16:creationId xmlns:a16="http://schemas.microsoft.com/office/drawing/2014/main" id="{2BA3697C-0F63-4E01-B7FC-F1FE7B30F3CA}"/>
+              </a:ext>
+            </a:extLst>
+          </p:cNvPr>
+          <p:cNvCxnSpPr>
+            <a:cxnSpLocks/>
+          </p:cNvCxnSpPr>
+          <p:nvPr/>
+        </p:nvCxnSpPr>
+        <p:spPr>
+          <a:xfrm rot="16200000">
+            <a:off x="6961479" y="4713535"/>
+            <a:ext cx="142875" cy="0"/>
+          </a:xfrm>
+          <a:prstGeom prst="line">
+            <a:avLst/>
+          </a:prstGeom>
+        </p:spPr>
+        <p:style>
+          <a:lnRef idx="1">
+            <a:schemeClr val="accent1"/>
+          </a:lnRef>
+          <a:fillRef idx="0">
+            <a:schemeClr val="accent1"/>
+          </a:fillRef>
+          <a:effectRef idx="0">
+            <a:schemeClr val="accent1"/>
+          </a:effectRef>
+          <a:fontRef idx="minor">
+            <a:schemeClr val="tx1"/>
+          </a:fontRef>
+        </p:style>
+      </p:cxnSp>
+      <p:cxnSp>
+        <p:nvCxnSpPr>
+          <p:cNvPr id="283" name="מחבר ישר 443">
+            <a:extLst>
+              <a:ext uri="{FF2B5EF4-FFF2-40B4-BE49-F238E27FC236}">
+                <a16:creationId xmlns:a16="http://schemas.microsoft.com/office/drawing/2014/main" id="{7F8B1C49-BB7C-4958-9857-C46C5E05C422}"/>
+              </a:ext>
+            </a:extLst>
+          </p:cNvPr>
+          <p:cNvCxnSpPr>
+            <a:cxnSpLocks/>
+          </p:cNvCxnSpPr>
+          <p:nvPr/>
+        </p:nvCxnSpPr>
+        <p:spPr>
+          <a:xfrm rot="16200000">
+            <a:off x="7897308" y="4713535"/>
+            <a:ext cx="142875" cy="0"/>
+          </a:xfrm>
+          <a:prstGeom prst="line">
+            <a:avLst/>
+          </a:prstGeom>
+        </p:spPr>
+        <p:style>
+          <a:lnRef idx="1">
+            <a:schemeClr val="accent1"/>
+          </a:lnRef>
+          <a:fillRef idx="0">
+            <a:schemeClr val="accent1"/>
+          </a:fillRef>
+          <a:effectRef idx="0">
+            <a:schemeClr val="accent1"/>
+          </a:effectRef>
+          <a:fontRef idx="minor">
+            <a:schemeClr val="tx1"/>
+          </a:fontRef>
+        </p:style>
+      </p:cxnSp>
+      <p:cxnSp>
+        <p:nvCxnSpPr>
+          <p:cNvPr id="284" name="מחבר ישר 443">
+            <a:extLst>
+              <a:ext uri="{FF2B5EF4-FFF2-40B4-BE49-F238E27FC236}">
+                <a16:creationId xmlns:a16="http://schemas.microsoft.com/office/drawing/2014/main" id="{8946AF7E-EF3D-449E-9DCC-DC0D8E1E295E}"/>
+              </a:ext>
+            </a:extLst>
+          </p:cNvPr>
+          <p:cNvCxnSpPr>
+            <a:cxnSpLocks/>
+          </p:cNvCxnSpPr>
+          <p:nvPr/>
+        </p:nvCxnSpPr>
+        <p:spPr>
+          <a:xfrm rot="16200000">
+            <a:off x="8833139" y="4713535"/>
+            <a:ext cx="142875" cy="0"/>
+          </a:xfrm>
+          <a:prstGeom prst="line">
+            <a:avLst/>
+          </a:prstGeom>
+        </p:spPr>
+        <p:style>
+          <a:lnRef idx="1">
+            <a:schemeClr val="accent1"/>
+          </a:lnRef>
+          <a:fillRef idx="0">
+            <a:schemeClr val="accent1"/>
+          </a:fillRef>
+          <a:effectRef idx="0">
+            <a:schemeClr val="accent1"/>
+          </a:effectRef>
+          <a:fontRef idx="minor">
+            <a:schemeClr val="tx1"/>
+          </a:fontRef>
+        </p:style>
+      </p:cxnSp>
+      <p:cxnSp>
+        <p:nvCxnSpPr>
+          <p:cNvPr id="285" name="מחבר ישר 443">
+            <a:extLst>
+              <a:ext uri="{FF2B5EF4-FFF2-40B4-BE49-F238E27FC236}">
+                <a16:creationId xmlns:a16="http://schemas.microsoft.com/office/drawing/2014/main" id="{63EDCDED-AE21-4B4D-B755-A7B67A099376}"/>
+              </a:ext>
+            </a:extLst>
+          </p:cNvPr>
+          <p:cNvCxnSpPr>
+            <a:cxnSpLocks/>
+          </p:cNvCxnSpPr>
+          <p:nvPr/>
+        </p:nvCxnSpPr>
+        <p:spPr>
+          <a:xfrm rot="16200000">
+            <a:off x="9768971" y="4713534"/>
+            <a:ext cx="142875" cy="0"/>
+          </a:xfrm>
+          <a:prstGeom prst="line">
+            <a:avLst/>
+          </a:prstGeom>
+        </p:spPr>
+        <p:style>
+          <a:lnRef idx="1">
+            <a:schemeClr val="accent1"/>
+          </a:lnRef>
+          <a:fillRef idx="0">
+            <a:schemeClr val="accent1"/>
+          </a:fillRef>
+          <a:effectRef idx="0">
+            <a:schemeClr val="accent1"/>
+          </a:effectRef>
+          <a:fontRef idx="minor">
+            <a:schemeClr val="tx1"/>
+          </a:fontRef>
+        </p:style>
+      </p:cxnSp>
+      <p:cxnSp>
+        <p:nvCxnSpPr>
+          <p:cNvPr id="286" name="מחבר ישר 443">
+            <a:extLst>
+              <a:ext uri="{FF2B5EF4-FFF2-40B4-BE49-F238E27FC236}">
+                <a16:creationId xmlns:a16="http://schemas.microsoft.com/office/drawing/2014/main" id="{25797427-157E-4C2C-B896-25F9C30310BD}"/>
+              </a:ext>
+            </a:extLst>
+          </p:cNvPr>
+          <p:cNvCxnSpPr>
+            <a:cxnSpLocks/>
+          </p:cNvCxnSpPr>
+          <p:nvPr/>
+        </p:nvCxnSpPr>
+        <p:spPr>
+          <a:xfrm rot="16200000">
+            <a:off x="10704801" y="4715902"/>
+            <a:ext cx="142875" cy="0"/>
+          </a:xfrm>
+          <a:prstGeom prst="line">
+            <a:avLst/>
+          </a:prstGeom>
+        </p:spPr>
+        <p:style>
+          <a:lnRef idx="1">
+            <a:schemeClr val="accent1"/>
+          </a:lnRef>
+          <a:fillRef idx="0">
+            <a:schemeClr val="accent1"/>
+          </a:fillRef>
+          <a:effectRef idx="0">
+            <a:schemeClr val="accent1"/>
+          </a:effectRef>
+          <a:fontRef idx="minor">
+            <a:schemeClr val="tx1"/>
+          </a:fontRef>
+        </p:style>
+      </p:cxnSp>
+      <p:cxnSp>
+        <p:nvCxnSpPr>
+          <p:cNvPr id="287" name="מחבר ישר 443">
+            <a:extLst>
+              <a:ext uri="{FF2B5EF4-FFF2-40B4-BE49-F238E27FC236}">
+                <a16:creationId xmlns:a16="http://schemas.microsoft.com/office/drawing/2014/main" id="{3F9E9F97-269D-41B7-83B6-FD456F4FDC04}"/>
+              </a:ext>
+            </a:extLst>
+          </p:cNvPr>
+          <p:cNvCxnSpPr>
+            <a:cxnSpLocks/>
+          </p:cNvCxnSpPr>
+          <p:nvPr/>
+        </p:nvCxnSpPr>
+        <p:spPr>
+          <a:xfrm rot="16200000">
+            <a:off x="11643015" y="4715914"/>
+            <a:ext cx="142875" cy="0"/>
+          </a:xfrm>
+          <a:prstGeom prst="line">
+            <a:avLst/>
+          </a:prstGeom>
+        </p:spPr>
+        <p:style>
+          <a:lnRef idx="1">
+            <a:schemeClr val="accent1"/>
+          </a:lnRef>
+          <a:fillRef idx="0">
+            <a:schemeClr val="accent1"/>
+          </a:fillRef>
+          <a:effectRef idx="0">
+            <a:schemeClr val="accent1"/>
+          </a:effectRef>
+          <a:fontRef idx="minor">
+            <a:schemeClr val="tx1"/>
+          </a:fontRef>
+        </p:style>
+      </p:cxnSp>
+      <p:sp>
+        <p:nvSpPr>
+          <p:cNvPr id="288" name="תיבת טקסט 468">
+            <a:extLst>
+              <a:ext uri="{FF2B5EF4-FFF2-40B4-BE49-F238E27FC236}">
+                <a16:creationId xmlns:a16="http://schemas.microsoft.com/office/drawing/2014/main" id="{8217C84D-6DCE-478C-8E56-96A394567159}"/>
+              </a:ext>
+            </a:extLst>
+          </p:cNvPr>
+          <p:cNvSpPr txBox="1"/>
+          <p:nvPr/>
+        </p:nvSpPr>
+        <p:spPr>
+          <a:xfrm>
+            <a:off x="5206434" y="4614991"/>
+            <a:ext cx="827471" cy="338554"/>
+          </a:xfrm>
+          <a:prstGeom prst="rect">
+            <a:avLst/>
+          </a:prstGeom>
+          <a:noFill/>
+        </p:spPr>
+        <p:txBody>
+          <a:bodyPr wrap="none" rtlCol="1">
+            <a:spAutoFit/>
+          </a:bodyPr>
+          <a:lstStyle/>
+          <a:p>
+            <a:pPr algn="ctr"/>
+            <a:r>
+              <a:rPr lang="en-US" sz="800" dirty="0"/>
+              <a:t>00** EOBtime0</a:t>
+            </a:r>
+            <a:endParaRPr lang="he-IL" sz="800" dirty="0"/>
+          </a:p>
+          <a:p>
+            <a:pPr algn="ctr"/>
+            <a:endParaRPr lang="he-IL" sz="800" dirty="0"/>
+          </a:p>
+        </p:txBody>
+      </p:sp>
+      <p:sp>
+        <p:nvSpPr>
+          <p:cNvPr id="290" name="TextBox 289">
+            <a:extLst>
+              <a:ext uri="{FF2B5EF4-FFF2-40B4-BE49-F238E27FC236}">
+                <a16:creationId xmlns:a16="http://schemas.microsoft.com/office/drawing/2014/main" id="{798A988A-2D51-4C2B-99C7-8D9437B5874C}"/>
+              </a:ext>
+            </a:extLst>
+          </p:cNvPr>
+          <p:cNvSpPr txBox="1"/>
+          <p:nvPr/>
+        </p:nvSpPr>
+        <p:spPr>
+          <a:xfrm>
+            <a:off x="7218" y="4572304"/>
+            <a:ext cx="1245982" cy="276999"/>
+          </a:xfrm>
+          <a:prstGeom prst="rect">
+            <a:avLst/>
+          </a:prstGeom>
+          <a:noFill/>
+        </p:spPr>
+        <p:txBody>
+          <a:bodyPr wrap="none" rtlCol="0">
+            <a:spAutoFit/>
+          </a:bodyPr>
+          <a:lstStyle/>
+          <a:p>
+            <a:r>
+              <a:rPr lang="en-US" sz="1200" dirty="0"/>
+              <a:t>BitTime0Counter</a:t>
+            </a:r>
+          </a:p>
+        </p:txBody>
+      </p:sp>
+      <p:sp>
+        <p:nvSpPr>
+          <p:cNvPr id="291" name="תיבת טקסט 468">
+            <a:extLst>
+              <a:ext uri="{FF2B5EF4-FFF2-40B4-BE49-F238E27FC236}">
+                <a16:creationId xmlns:a16="http://schemas.microsoft.com/office/drawing/2014/main" id="{E1255508-C7DB-4453-95E8-9C104C3A23A5}"/>
+              </a:ext>
+            </a:extLst>
+          </p:cNvPr>
+          <p:cNvSpPr txBox="1"/>
+          <p:nvPr/>
+        </p:nvSpPr>
+        <p:spPr>
+          <a:xfrm>
+            <a:off x="6045920" y="4617758"/>
+            <a:ext cx="966931" cy="215444"/>
+          </a:xfrm>
+          <a:prstGeom prst="rect">
+            <a:avLst/>
+          </a:prstGeom>
+          <a:noFill/>
+        </p:spPr>
+        <p:txBody>
+          <a:bodyPr wrap="none" rtlCol="1">
+            <a:spAutoFit/>
+          </a:bodyPr>
+          <a:lstStyle/>
+          <a:p>
+            <a:r>
+              <a:rPr lang="en-US" sz="800" dirty="0"/>
+              <a:t>00** </a:t>
+            </a:r>
+            <a:r>
+              <a:rPr lang="en-US" sz="800" dirty="0" err="1"/>
+              <a:t>EOBtimeNew</a:t>
+            </a:r>
+            <a:endParaRPr lang="he-IL" sz="800" dirty="0"/>
+          </a:p>
+        </p:txBody>
+      </p:sp>
+      <p:cxnSp>
+        <p:nvCxnSpPr>
+          <p:cNvPr id="296" name="מחבר ישר 443">
+            <a:extLst>
+              <a:ext uri="{FF2B5EF4-FFF2-40B4-BE49-F238E27FC236}">
+                <a16:creationId xmlns:a16="http://schemas.microsoft.com/office/drawing/2014/main" id="{5BCEBC9A-3CD7-47D3-A0F4-FB482A5315BD}"/>
+              </a:ext>
+            </a:extLst>
+          </p:cNvPr>
+          <p:cNvCxnSpPr>
+            <a:cxnSpLocks/>
+          </p:cNvCxnSpPr>
+          <p:nvPr/>
+        </p:nvCxnSpPr>
+        <p:spPr>
+          <a:xfrm rot="16200000">
+            <a:off x="2281433" y="4716267"/>
+            <a:ext cx="142875" cy="0"/>
+          </a:xfrm>
+          <a:prstGeom prst="line">
+            <a:avLst/>
+          </a:prstGeom>
+        </p:spPr>
+        <p:style>
+          <a:lnRef idx="1">
+            <a:schemeClr val="accent1"/>
+          </a:lnRef>
+          <a:fillRef idx="0">
+            <a:schemeClr val="accent1"/>
+          </a:fillRef>
+          <a:effectRef idx="0">
+            <a:schemeClr val="accent1"/>
+          </a:effectRef>
+          <a:fontRef idx="minor">
+            <a:schemeClr val="tx1"/>
+          </a:fontRef>
+        </p:style>
+      </p:cxnSp>
+      <p:sp>
+        <p:nvSpPr>
+          <p:cNvPr id="297" name="תיבת טקסט 468">
+            <a:extLst>
+              <a:ext uri="{FF2B5EF4-FFF2-40B4-BE49-F238E27FC236}">
+                <a16:creationId xmlns:a16="http://schemas.microsoft.com/office/drawing/2014/main" id="{7F805831-4A93-4ED1-802B-8F47FDD8B224}"/>
+              </a:ext>
+            </a:extLst>
+          </p:cNvPr>
+          <p:cNvSpPr txBox="1"/>
+          <p:nvPr/>
+        </p:nvSpPr>
+        <p:spPr>
+          <a:xfrm>
+            <a:off x="1390275" y="4625144"/>
+            <a:ext cx="922047" cy="215444"/>
+          </a:xfrm>
+          <a:prstGeom prst="rect">
+            <a:avLst/>
+          </a:prstGeom>
+          <a:noFill/>
+        </p:spPr>
+        <p:txBody>
+          <a:bodyPr wrap="none" rtlCol="1">
+            <a:spAutoFit/>
+          </a:bodyPr>
+          <a:lstStyle/>
+          <a:p>
+            <a:r>
+              <a:rPr lang="en-US" sz="800" dirty="0"/>
+              <a:t>00** </a:t>
+            </a:r>
+            <a:r>
+              <a:rPr lang="en-US" sz="800" dirty="0" err="1"/>
+              <a:t>EOBtimeOld</a:t>
+            </a:r>
+            <a:endParaRPr lang="he-IL" sz="800" dirty="0"/>
+          </a:p>
+        </p:txBody>
+      </p:sp>
+      <p:cxnSp>
+        <p:nvCxnSpPr>
+          <p:cNvPr id="298" name="מחבר ישר 443">
+            <a:extLst>
+              <a:ext uri="{FF2B5EF4-FFF2-40B4-BE49-F238E27FC236}">
+                <a16:creationId xmlns:a16="http://schemas.microsoft.com/office/drawing/2014/main" id="{2DB446C8-D3E9-4F96-B76B-7AAAFB82EAF5}"/>
+              </a:ext>
+            </a:extLst>
+          </p:cNvPr>
+          <p:cNvCxnSpPr>
+            <a:cxnSpLocks/>
+          </p:cNvCxnSpPr>
+          <p:nvPr/>
+        </p:nvCxnSpPr>
+        <p:spPr>
+          <a:xfrm rot="16200000">
+            <a:off x="3212438" y="4715919"/>
+            <a:ext cx="142875" cy="0"/>
+          </a:xfrm>
+          <a:prstGeom prst="line">
+            <a:avLst/>
+          </a:prstGeom>
+        </p:spPr>
+        <p:style>
+          <a:lnRef idx="1">
+            <a:schemeClr val="accent1"/>
+          </a:lnRef>
+          <a:fillRef idx="0">
+            <a:schemeClr val="accent1"/>
+          </a:fillRef>
+          <a:effectRef idx="0">
+            <a:schemeClr val="accent1"/>
+          </a:effectRef>
+          <a:fontRef idx="minor">
+            <a:schemeClr val="tx1"/>
+          </a:fontRef>
+        </p:style>
+      </p:cxnSp>
+      <p:sp>
+        <p:nvSpPr>
+          <p:cNvPr id="299" name="תיבת טקסט 468">
+            <a:extLst>
+              <a:ext uri="{FF2B5EF4-FFF2-40B4-BE49-F238E27FC236}">
+                <a16:creationId xmlns:a16="http://schemas.microsoft.com/office/drawing/2014/main" id="{78E4A3BB-E8D6-4F95-AC04-5E9F9E2A570D}"/>
+              </a:ext>
+            </a:extLst>
+          </p:cNvPr>
+          <p:cNvSpPr txBox="1"/>
+          <p:nvPr/>
+        </p:nvSpPr>
+        <p:spPr>
+          <a:xfrm>
+            <a:off x="2312322" y="4601207"/>
+            <a:ext cx="922112" cy="338554"/>
+          </a:xfrm>
+          <a:prstGeom prst="rect">
+            <a:avLst/>
+          </a:prstGeom>
+          <a:noFill/>
+        </p:spPr>
+        <p:txBody>
+          <a:bodyPr wrap="none" rtlCol="1">
+            <a:spAutoFit/>
+          </a:bodyPr>
+          <a:lstStyle/>
+          <a:p>
+            <a:r>
+              <a:rPr lang="en-US" sz="800" dirty="0"/>
+              <a:t>00** </a:t>
+            </a:r>
+            <a:r>
+              <a:rPr lang="en-US" sz="800" dirty="0" err="1"/>
+              <a:t>EOBtimeOld</a:t>
+            </a:r>
+            <a:endParaRPr lang="he-IL" sz="800" dirty="0"/>
+          </a:p>
+          <a:p>
+            <a:endParaRPr lang="he-IL" sz="800" dirty="0"/>
+          </a:p>
+        </p:txBody>
+      </p:sp>
+      <p:sp>
+        <p:nvSpPr>
+          <p:cNvPr id="300" name="תיבת טקסט 468">
+            <a:extLst>
+              <a:ext uri="{FF2B5EF4-FFF2-40B4-BE49-F238E27FC236}">
+                <a16:creationId xmlns:a16="http://schemas.microsoft.com/office/drawing/2014/main" id="{2B1DB1D5-AFD0-44E6-B1E0-3A2984B32BE0}"/>
+              </a:ext>
+            </a:extLst>
+          </p:cNvPr>
+          <p:cNvSpPr txBox="1"/>
+          <p:nvPr/>
+        </p:nvSpPr>
+        <p:spPr>
+          <a:xfrm>
+            <a:off x="3228712" y="4606167"/>
+            <a:ext cx="922048" cy="338554"/>
+          </a:xfrm>
+          <a:prstGeom prst="rect">
+            <a:avLst/>
+          </a:prstGeom>
+          <a:noFill/>
+        </p:spPr>
+        <p:txBody>
+          <a:bodyPr wrap="none" rtlCol="1">
+            <a:spAutoFit/>
+          </a:bodyPr>
+          <a:lstStyle/>
+          <a:p>
+            <a:pPr algn="ctr"/>
+            <a:r>
+              <a:rPr lang="en-US" sz="800" dirty="0"/>
+              <a:t>00** </a:t>
+            </a:r>
+            <a:r>
+              <a:rPr lang="en-US" sz="800" dirty="0" err="1"/>
+              <a:t>EOBtimeOld</a:t>
+            </a:r>
+            <a:endParaRPr lang="he-IL" sz="800" dirty="0"/>
+          </a:p>
+          <a:p>
+            <a:pPr algn="ctr"/>
+            <a:endParaRPr lang="he-IL" sz="800" dirty="0"/>
+          </a:p>
+        </p:txBody>
+      </p:sp>
+      <p:sp>
+        <p:nvSpPr>
+          <p:cNvPr id="301" name="תיבת טקסט 468">
+            <a:extLst>
+              <a:ext uri="{FF2B5EF4-FFF2-40B4-BE49-F238E27FC236}">
+                <a16:creationId xmlns:a16="http://schemas.microsoft.com/office/drawing/2014/main" id="{DFADE5DE-6B23-4BEC-922A-5BDBF1B61247}"/>
+              </a:ext>
+            </a:extLst>
+          </p:cNvPr>
+          <p:cNvSpPr txBox="1"/>
+          <p:nvPr/>
+        </p:nvSpPr>
+        <p:spPr>
+          <a:xfrm>
+            <a:off x="4151796" y="4598351"/>
+            <a:ext cx="922048" cy="338554"/>
+          </a:xfrm>
+          <a:prstGeom prst="rect">
+            <a:avLst/>
+          </a:prstGeom>
+          <a:noFill/>
+        </p:spPr>
+        <p:txBody>
+          <a:bodyPr wrap="none" rtlCol="1">
+            <a:spAutoFit/>
+          </a:bodyPr>
+          <a:lstStyle/>
+          <a:p>
+            <a:pPr algn="ctr"/>
+            <a:r>
+              <a:rPr lang="en-US" sz="800" dirty="0"/>
+              <a:t>00** </a:t>
+            </a:r>
+            <a:r>
+              <a:rPr lang="en-US" sz="800" dirty="0" err="1"/>
+              <a:t>EOBtimeOld</a:t>
+            </a:r>
+            <a:endParaRPr lang="he-IL" sz="800" dirty="0"/>
+          </a:p>
+          <a:p>
+            <a:pPr algn="ctr"/>
+            <a:endParaRPr lang="he-IL" sz="800" dirty="0"/>
+          </a:p>
+        </p:txBody>
+      </p:sp>
+      <p:sp>
+        <p:nvSpPr>
+          <p:cNvPr id="303" name="תיבת טקסט 468">
+            <a:extLst>
+              <a:ext uri="{FF2B5EF4-FFF2-40B4-BE49-F238E27FC236}">
+                <a16:creationId xmlns:a16="http://schemas.microsoft.com/office/drawing/2014/main" id="{B28F8B72-DA04-41D4-8989-16DE13CAAF37}"/>
+              </a:ext>
+            </a:extLst>
+          </p:cNvPr>
+          <p:cNvSpPr txBox="1"/>
+          <p:nvPr/>
+        </p:nvSpPr>
+        <p:spPr>
+          <a:xfrm>
+            <a:off x="7008593" y="4612617"/>
+            <a:ext cx="966931" cy="215444"/>
+          </a:xfrm>
+          <a:prstGeom prst="rect">
+            <a:avLst/>
+          </a:prstGeom>
+          <a:noFill/>
+        </p:spPr>
+        <p:txBody>
+          <a:bodyPr wrap="none" rtlCol="1">
+            <a:spAutoFit/>
+          </a:bodyPr>
+          <a:lstStyle/>
+          <a:p>
+            <a:r>
+              <a:rPr lang="en-US" sz="800" dirty="0"/>
+              <a:t>00** </a:t>
+            </a:r>
+            <a:r>
+              <a:rPr lang="en-US" sz="800" dirty="0" err="1"/>
+              <a:t>EOBtimeNew</a:t>
+            </a:r>
+            <a:endParaRPr lang="he-IL" sz="800" dirty="0"/>
+          </a:p>
+        </p:txBody>
+      </p:sp>
+      <p:sp>
+        <p:nvSpPr>
+          <p:cNvPr id="304" name="תיבת טקסט 468">
+            <a:extLst>
+              <a:ext uri="{FF2B5EF4-FFF2-40B4-BE49-F238E27FC236}">
+                <a16:creationId xmlns:a16="http://schemas.microsoft.com/office/drawing/2014/main" id="{03A678F8-91F1-4585-A190-71B047B53185}"/>
+              </a:ext>
+            </a:extLst>
+          </p:cNvPr>
+          <p:cNvSpPr txBox="1"/>
+          <p:nvPr/>
+        </p:nvSpPr>
+        <p:spPr>
+          <a:xfrm>
+            <a:off x="7941678" y="4603793"/>
+            <a:ext cx="966931" cy="215444"/>
+          </a:xfrm>
+          <a:prstGeom prst="rect">
+            <a:avLst/>
+          </a:prstGeom>
+          <a:noFill/>
+        </p:spPr>
+        <p:txBody>
+          <a:bodyPr wrap="none" rtlCol="1">
+            <a:spAutoFit/>
+          </a:bodyPr>
+          <a:lstStyle/>
+          <a:p>
+            <a:r>
+              <a:rPr lang="en-US" sz="800" dirty="0"/>
+              <a:t>00** </a:t>
+            </a:r>
+            <a:r>
+              <a:rPr lang="en-US" sz="800" dirty="0" err="1"/>
+              <a:t>EOBtimeNew</a:t>
+            </a:r>
+            <a:endParaRPr lang="he-IL" sz="800" dirty="0"/>
+          </a:p>
+        </p:txBody>
+      </p:sp>
+      <p:sp>
+        <p:nvSpPr>
+          <p:cNvPr id="305" name="תיבת טקסט 468">
+            <a:extLst>
+              <a:ext uri="{FF2B5EF4-FFF2-40B4-BE49-F238E27FC236}">
+                <a16:creationId xmlns:a16="http://schemas.microsoft.com/office/drawing/2014/main" id="{9CD2F6BD-7AC4-498A-AE6E-52D797F5A48E}"/>
+              </a:ext>
+            </a:extLst>
+          </p:cNvPr>
+          <p:cNvSpPr txBox="1"/>
+          <p:nvPr/>
+        </p:nvSpPr>
+        <p:spPr>
+          <a:xfrm>
+            <a:off x="8888221" y="4622770"/>
+            <a:ext cx="966931" cy="215444"/>
+          </a:xfrm>
+          <a:prstGeom prst="rect">
+            <a:avLst/>
+          </a:prstGeom>
+          <a:noFill/>
+        </p:spPr>
+        <p:txBody>
+          <a:bodyPr wrap="none" rtlCol="1">
+            <a:spAutoFit/>
+          </a:bodyPr>
+          <a:lstStyle/>
+          <a:p>
+            <a:r>
+              <a:rPr lang="en-US" sz="800" dirty="0"/>
+              <a:t>00** </a:t>
+            </a:r>
+            <a:r>
+              <a:rPr lang="en-US" sz="800" dirty="0" err="1"/>
+              <a:t>EOBtimeNew</a:t>
+            </a:r>
+            <a:endParaRPr lang="he-IL" sz="800" dirty="0"/>
+          </a:p>
+        </p:txBody>
+      </p:sp>
+      <p:sp>
+        <p:nvSpPr>
+          <p:cNvPr id="306" name="תיבת טקסט 468">
+            <a:extLst>
+              <a:ext uri="{FF2B5EF4-FFF2-40B4-BE49-F238E27FC236}">
+                <a16:creationId xmlns:a16="http://schemas.microsoft.com/office/drawing/2014/main" id="{D9D99F46-B876-4C3C-A043-04868E652E09}"/>
+              </a:ext>
+            </a:extLst>
+          </p:cNvPr>
+          <p:cNvSpPr txBox="1"/>
+          <p:nvPr/>
+        </p:nvSpPr>
+        <p:spPr>
+          <a:xfrm>
+            <a:off x="9817708" y="4622770"/>
+            <a:ext cx="966931" cy="215444"/>
+          </a:xfrm>
+          <a:prstGeom prst="rect">
+            <a:avLst/>
+          </a:prstGeom>
+          <a:noFill/>
+        </p:spPr>
+        <p:txBody>
+          <a:bodyPr wrap="none" rtlCol="1">
+            <a:spAutoFit/>
+          </a:bodyPr>
+          <a:lstStyle/>
+          <a:p>
+            <a:r>
+              <a:rPr lang="en-US" sz="800" dirty="0"/>
+              <a:t>00** </a:t>
+            </a:r>
+            <a:r>
+              <a:rPr lang="en-US" sz="800" dirty="0" err="1"/>
+              <a:t>EOBtimeNew</a:t>
+            </a:r>
+            <a:endParaRPr lang="he-IL" sz="800" dirty="0"/>
+          </a:p>
+        </p:txBody>
+      </p:sp>
+      <p:sp>
+        <p:nvSpPr>
+          <p:cNvPr id="307" name="תיבת טקסט 468">
+            <a:extLst>
+              <a:ext uri="{FF2B5EF4-FFF2-40B4-BE49-F238E27FC236}">
+                <a16:creationId xmlns:a16="http://schemas.microsoft.com/office/drawing/2014/main" id="{2D8BAC39-1D9C-48FD-8DD4-B8EB2764EE09}"/>
+              </a:ext>
+            </a:extLst>
+          </p:cNvPr>
+          <p:cNvSpPr txBox="1"/>
+          <p:nvPr/>
+        </p:nvSpPr>
+        <p:spPr>
+          <a:xfrm>
+            <a:off x="10746329" y="4603793"/>
+            <a:ext cx="966931" cy="215444"/>
+          </a:xfrm>
+          <a:prstGeom prst="rect">
+            <a:avLst/>
+          </a:prstGeom>
+          <a:noFill/>
+        </p:spPr>
+        <p:txBody>
+          <a:bodyPr wrap="none" rtlCol="1">
+            <a:spAutoFit/>
+          </a:bodyPr>
+          <a:lstStyle/>
+          <a:p>
+            <a:r>
+              <a:rPr lang="en-US" sz="800" dirty="0"/>
+              <a:t>00** </a:t>
+            </a:r>
+            <a:r>
+              <a:rPr lang="en-US" sz="800" dirty="0" err="1"/>
+              <a:t>EOBtimeNew</a:t>
+            </a:r>
+            <a:endParaRPr lang="he-IL" sz="800" dirty="0"/>
+          </a:p>
+        </p:txBody>
+      </p:sp>
     </p:spTree>
     <p:extLst>
       <p:ext uri="{BB962C8B-B14F-4D97-AF65-F5344CB8AC3E}">
         <p14:creationId xmlns:p14="http://schemas.microsoft.com/office/powerpoint/2010/main" val="219332993"/>
+      </p:ext>
+    </p:extLst>
+  </p:cSld>
+  <p:clrMapOvr>
+    <a:masterClrMapping/>
+  </p:clrMapOvr>
+</p:sld>
+</file>
+
+<file path=ppt/slides/slide12.xml><?xml version="1.0" encoding="utf-8"?>
+<p:sld xmlns:a="http://schemas.openxmlformats.org/drawingml/2006/main" xmlns:r="http://schemas.openxmlformats.org/officeDocument/2006/relationships" xmlns:p="http://schemas.openxmlformats.org/presentationml/2006/main">
+  <p:cSld>
+    <p:spTree>
+      <p:nvGrpSpPr>
+        <p:cNvPr id="1" name=""/>
+        <p:cNvGrpSpPr/>
+        <p:nvPr/>
+      </p:nvGrpSpPr>
+      <p:grpSpPr>
+        <a:xfrm>
+          <a:off x="0" y="0"/>
+          <a:ext cx="0" cy="0"/>
+          <a:chOff x="0" y="0"/>
+          <a:chExt cx="0" cy="0"/>
+        </a:xfrm>
+      </p:grpSpPr>
+    </p:spTree>
+    <p:extLst>
+      <p:ext uri="{BB962C8B-B14F-4D97-AF65-F5344CB8AC3E}">
+        <p14:creationId xmlns:p14="http://schemas.microsoft.com/office/powerpoint/2010/main" val="975039658"/>
       </p:ext>
     </p:extLst>
   </p:cSld>

--- a/scripts/Drone_Cam_Proj.pptx
+++ b/scripts/Drone_Cam_Proj.pptx
@@ -281,7 +281,7 @@
           <a:p>
             <a:fld id="{9AE3A2BE-59ED-49A3-AA69-60BB8DC8DF8C}" type="datetimeFigureOut">
               <a:rPr lang="he-IL" smtClean="0"/>
-              <a:t>כ"ט/חשון/תשפ"ב</a:t>
+              <a:t>א'/כסלו/תשפ"ב</a:t>
             </a:fld>
             <a:endParaRPr lang="he-IL"/>
           </a:p>
@@ -479,7 +479,7 @@
           <a:p>
             <a:fld id="{9AE3A2BE-59ED-49A3-AA69-60BB8DC8DF8C}" type="datetimeFigureOut">
               <a:rPr lang="he-IL" smtClean="0"/>
-              <a:t>כ"ט/חשון/תשפ"ב</a:t>
+              <a:t>א'/כסלו/תשפ"ב</a:t>
             </a:fld>
             <a:endParaRPr lang="he-IL"/>
           </a:p>
@@ -687,7 +687,7 @@
           <a:p>
             <a:fld id="{9AE3A2BE-59ED-49A3-AA69-60BB8DC8DF8C}" type="datetimeFigureOut">
               <a:rPr lang="he-IL" smtClean="0"/>
-              <a:t>כ"ט/חשון/תשפ"ב</a:t>
+              <a:t>א'/כסלו/תשפ"ב</a:t>
             </a:fld>
             <a:endParaRPr lang="he-IL"/>
           </a:p>
@@ -885,7 +885,7 @@
           <a:p>
             <a:fld id="{9AE3A2BE-59ED-49A3-AA69-60BB8DC8DF8C}" type="datetimeFigureOut">
               <a:rPr lang="he-IL" smtClean="0"/>
-              <a:t>כ"ט/חשון/תשפ"ב</a:t>
+              <a:t>א'/כסלו/תשפ"ב</a:t>
             </a:fld>
             <a:endParaRPr lang="he-IL"/>
           </a:p>
@@ -1160,7 +1160,7 @@
           <a:p>
             <a:fld id="{9AE3A2BE-59ED-49A3-AA69-60BB8DC8DF8C}" type="datetimeFigureOut">
               <a:rPr lang="he-IL" smtClean="0"/>
-              <a:t>כ"ט/חשון/תשפ"ב</a:t>
+              <a:t>א'/כסלו/תשפ"ב</a:t>
             </a:fld>
             <a:endParaRPr lang="he-IL"/>
           </a:p>
@@ -1425,7 +1425,7 @@
           <a:p>
             <a:fld id="{9AE3A2BE-59ED-49A3-AA69-60BB8DC8DF8C}" type="datetimeFigureOut">
               <a:rPr lang="he-IL" smtClean="0"/>
-              <a:t>כ"ט/חשון/תשפ"ב</a:t>
+              <a:t>א'/כסלו/תשפ"ב</a:t>
             </a:fld>
             <a:endParaRPr lang="he-IL"/>
           </a:p>
@@ -1837,7 +1837,7 @@
           <a:p>
             <a:fld id="{9AE3A2BE-59ED-49A3-AA69-60BB8DC8DF8C}" type="datetimeFigureOut">
               <a:rPr lang="he-IL" smtClean="0"/>
-              <a:t>כ"ט/חשון/תשפ"ב</a:t>
+              <a:t>א'/כסלו/תשפ"ב</a:t>
             </a:fld>
             <a:endParaRPr lang="he-IL"/>
           </a:p>
@@ -1978,7 +1978,7 @@
           <a:p>
             <a:fld id="{9AE3A2BE-59ED-49A3-AA69-60BB8DC8DF8C}" type="datetimeFigureOut">
               <a:rPr lang="he-IL" smtClean="0"/>
-              <a:t>כ"ט/חשון/תשפ"ב</a:t>
+              <a:t>א'/כסלו/תשפ"ב</a:t>
             </a:fld>
             <a:endParaRPr lang="he-IL"/>
           </a:p>
@@ -2091,7 +2091,7 @@
           <a:p>
             <a:fld id="{9AE3A2BE-59ED-49A3-AA69-60BB8DC8DF8C}" type="datetimeFigureOut">
               <a:rPr lang="he-IL" smtClean="0"/>
-              <a:t>כ"ט/חשון/תשפ"ב</a:t>
+              <a:t>א'/כסלו/תשפ"ב</a:t>
             </a:fld>
             <a:endParaRPr lang="he-IL"/>
           </a:p>
@@ -2402,7 +2402,7 @@
           <a:p>
             <a:fld id="{9AE3A2BE-59ED-49A3-AA69-60BB8DC8DF8C}" type="datetimeFigureOut">
               <a:rPr lang="he-IL" smtClean="0"/>
-              <a:t>כ"ט/חשון/תשפ"ב</a:t>
+              <a:t>א'/כסלו/תשפ"ב</a:t>
             </a:fld>
             <a:endParaRPr lang="he-IL"/>
           </a:p>
@@ -2690,7 +2690,7 @@
           <a:p>
             <a:fld id="{9AE3A2BE-59ED-49A3-AA69-60BB8DC8DF8C}" type="datetimeFigureOut">
               <a:rPr lang="he-IL" smtClean="0"/>
-              <a:t>כ"ט/חשון/תשפ"ב</a:t>
+              <a:t>א'/כסלו/תשפ"ב</a:t>
             </a:fld>
             <a:endParaRPr lang="he-IL"/>
           </a:p>
@@ -2931,7 +2931,7 @@
           <a:p>
             <a:fld id="{9AE3A2BE-59ED-49A3-AA69-60BB8DC8DF8C}" type="datetimeFigureOut">
               <a:rPr lang="he-IL" smtClean="0"/>
-              <a:t>כ"ט/חשון/תשפ"ב</a:t>
+              <a:t>א'/כסלו/תשפ"ב</a:t>
             </a:fld>
             <a:endParaRPr lang="he-IL"/>
           </a:p>
